--- a/trunk/sagacity-sqltoy-4.2/docs/sqltoy特性介绍.pptx
+++ b/trunk/sagacity-sqltoy-4.2/docs/sqltoy特性介绍.pptx
@@ -5,41 +5,41 @@
     <p:sldMasterId id="2147483648" r:id="rId1"/>
   </p:sldMasterIdLst>
   <p:notesMasterIdLst>
-    <p:notesMasterId r:id="rId29"/>
+    <p:notesMasterId r:id="rId28"/>
   </p:notesMasterIdLst>
   <p:handoutMasterIdLst>
-    <p:handoutMasterId r:id="rId30"/>
+    <p:handoutMasterId r:id="rId29"/>
   </p:handoutMasterIdLst>
   <p:sldIdLst>
-    <p:sldId id="434" r:id="rId3"/>
-    <p:sldId id="495" r:id="rId4"/>
-    <p:sldId id="501" r:id="rId5"/>
-    <p:sldId id="502" r:id="rId6"/>
-    <p:sldId id="503" r:id="rId7"/>
-    <p:sldId id="517" r:id="rId8"/>
-    <p:sldId id="505" r:id="rId9"/>
-    <p:sldId id="504" r:id="rId10"/>
-    <p:sldId id="506" r:id="rId11"/>
-    <p:sldId id="507" r:id="rId12"/>
-    <p:sldId id="497" r:id="rId13"/>
-    <p:sldId id="498" r:id="rId14"/>
-    <p:sldId id="499" r:id="rId15"/>
-    <p:sldId id="500" r:id="rId16"/>
-    <p:sldId id="508" r:id="rId17"/>
-    <p:sldId id="510" r:id="rId18"/>
-    <p:sldId id="519" r:id="rId19"/>
-    <p:sldId id="518" r:id="rId20"/>
-    <p:sldId id="520" r:id="rId21"/>
-    <p:sldId id="521" r:id="rId22"/>
-    <p:sldId id="522" r:id="rId23"/>
-    <p:sldId id="523" r:id="rId24"/>
-    <p:sldId id="524" r:id="rId25"/>
-    <p:sldId id="525" r:id="rId26"/>
-    <p:sldId id="509" r:id="rId27"/>
-    <p:sldId id="513" r:id="rId28"/>
+    <p:sldId id="434" r:id="rId2"/>
+    <p:sldId id="495" r:id="rId3"/>
+    <p:sldId id="501" r:id="rId4"/>
+    <p:sldId id="502" r:id="rId5"/>
+    <p:sldId id="503" r:id="rId6"/>
+    <p:sldId id="517" r:id="rId7"/>
+    <p:sldId id="505" r:id="rId8"/>
+    <p:sldId id="504" r:id="rId9"/>
+    <p:sldId id="506" r:id="rId10"/>
+    <p:sldId id="507" r:id="rId11"/>
+    <p:sldId id="497" r:id="rId12"/>
+    <p:sldId id="498" r:id="rId13"/>
+    <p:sldId id="499" r:id="rId14"/>
+    <p:sldId id="500" r:id="rId15"/>
+    <p:sldId id="508" r:id="rId16"/>
+    <p:sldId id="510" r:id="rId17"/>
+    <p:sldId id="519" r:id="rId18"/>
+    <p:sldId id="518" r:id="rId19"/>
+    <p:sldId id="520" r:id="rId20"/>
+    <p:sldId id="521" r:id="rId21"/>
+    <p:sldId id="522" r:id="rId22"/>
+    <p:sldId id="523" r:id="rId23"/>
+    <p:sldId id="524" r:id="rId24"/>
+    <p:sldId id="525" r:id="rId25"/>
+    <p:sldId id="509" r:id="rId26"/>
+    <p:sldId id="513" r:id="rId27"/>
   </p:sldIdLst>
   <p:sldSz cx="9144000" cy="6858000" type="screen4x3"/>
-  <p:notesSz cx="9723120" cy="6858000"/>
+  <p:notesSz cx="9723438" cy="6858000"/>
   <p:defaultTextStyle>
     <a:defPPr>
       <a:defRPr lang="en-US"/>
@@ -165,6 +165,25 @@
       </a:defRPr>
     </a:lvl9pPr>
   </p:defaultTextStyle>
+  <p:extLst>
+    <p:ext uri="{EFAFB233-063F-42B5-8137-9DF3F51BA10A}">
+      <p15:sldGuideLst xmlns:p15="http://schemas.microsoft.com/office/powerpoint/2012/main">
+        <p15:guide id="1" orient="horz" pos="2160">
+          <p15:clr>
+            <a:srgbClr val="A4A3A4"/>
+          </p15:clr>
+        </p15:guide>
+        <p15:guide id="2" pos="2880">
+          <p15:clr>
+            <a:srgbClr val="A4A3A4"/>
+          </p15:clr>
+        </p15:guide>
+      </p15:sldGuideLst>
+    </p:ext>
+    <p:ext uri="{2D200454-40CA-4A62-9FC3-DE9A4176ACB9}">
+      <p15:notesGuideLst xmlns:p15="http://schemas.microsoft.com/office/powerpoint/2012/main"/>
+    </p:ext>
+  </p:extLst>
 </p:presentation>
 </file>
 
@@ -339,6 +358,7 @@
           <a:p>
             <a:fld id="{5122B6D0-03B0-40E3-9CB1-F5C77F0854F4}" type="slidenum">
               <a:rPr lang="en-US" altLang="zh-CN"/>
+              <a:t>‹#›</a:t>
             </a:fld>
             <a:endParaRPr lang="en-US" altLang="zh-CN"/>
           </a:p>
@@ -508,42 +528,37 @@
           <a:p>
             <a:pPr lvl="0"/>
             <a:r>
-              <a:rPr lang="en-US" altLang="zh-CN" smtClean="0"/>
+              <a:rPr lang="en-US" altLang="zh-CN"/>
               <a:t>Click to edit Master text styles</a:t>
             </a:r>
-            <a:endParaRPr lang="en-US" altLang="zh-CN" smtClean="0"/>
           </a:p>
           <a:p>
             <a:pPr lvl="1"/>
             <a:r>
-              <a:rPr lang="en-US" altLang="zh-CN" smtClean="0"/>
+              <a:rPr lang="en-US" altLang="zh-CN"/>
               <a:t>Second level</a:t>
             </a:r>
-            <a:endParaRPr lang="en-US" altLang="zh-CN" smtClean="0"/>
           </a:p>
           <a:p>
             <a:pPr lvl="2"/>
             <a:r>
-              <a:rPr lang="en-US" altLang="zh-CN" smtClean="0"/>
+              <a:rPr lang="en-US" altLang="zh-CN"/>
               <a:t>Third level</a:t>
             </a:r>
-            <a:endParaRPr lang="en-US" altLang="zh-CN" smtClean="0"/>
           </a:p>
           <a:p>
             <a:pPr lvl="3"/>
             <a:r>
-              <a:rPr lang="en-US" altLang="zh-CN" smtClean="0"/>
+              <a:rPr lang="en-US" altLang="zh-CN"/>
               <a:t>Fourth level</a:t>
             </a:r>
-            <a:endParaRPr lang="en-US" altLang="zh-CN" smtClean="0"/>
           </a:p>
           <a:p>
             <a:pPr lvl="4"/>
             <a:r>
-              <a:rPr lang="en-US" altLang="zh-CN" smtClean="0"/>
+              <a:rPr lang="en-US" altLang="zh-CN"/>
               <a:t>Fifth level</a:t>
             </a:r>
-            <a:endParaRPr lang="en-US" altLang="zh-CN" smtClean="0"/>
           </a:p>
         </p:txBody>
       </p:sp>
@@ -619,6 +634,7 @@
           <a:p>
             <a:fld id="{1FADD6E7-8BA2-49A4-8A36-2BAD7913D947}" type="slidenum">
               <a:rPr lang="en-US" altLang="zh-CN"/>
+              <a:t>‹#›</a:t>
             </a:fld>
             <a:endParaRPr lang="en-US" altLang="zh-CN"/>
           </a:p>
@@ -753,7 +769,7 @@
 </file>
 
 <file path=ppt/slideLayouts/slideLayout1.xml><?xml version="1.0" encoding="utf-8"?>
-<p:sldLayout xmlns:a="http://schemas.openxmlformats.org/drawingml/2006/main" xmlns:r="http://schemas.openxmlformats.org/officeDocument/2006/relationships" xmlns:p="http://schemas.openxmlformats.org/presentationml/2006/main" type="title" preserve="1" showMasterPhAnim="0" showMasterSp="0">
+<p:sldLayout xmlns:a="http://schemas.openxmlformats.org/drawingml/2006/main" xmlns:r="http://schemas.openxmlformats.org/officeDocument/2006/relationships" xmlns:p="http://schemas.openxmlformats.org/presentationml/2006/main" showMasterSp="0" showMasterPhAnim="0" type="title" preserve="1">
   <p:cSld name="标题幻灯片">
     <p:bg bwMode="gray">
       <p:bgPr>
@@ -1215,12 +1231,6 @@
               </a:rPr>
               <a:t>www.themegallery.com</a:t>
             </a:r>
-            <a:endParaRPr lang="en-US" altLang="zh-CN" sz="1000">
-              <a:solidFill>
-                <a:srgbClr val="F8F8F8"/>
-              </a:solidFill>
-              <a:ea typeface="宋体" panose="02010600030101010101" pitchFamily="2" charset="-122"/>
-            </a:endParaRPr>
           </a:p>
         </p:txBody>
       </p:sp>
@@ -1268,13 +1278,6 @@
               </a:rPr>
               <a:t>LOGO</a:t>
             </a:r>
-            <a:endParaRPr lang="en-US" altLang="zh-CN" sz="2400">
-              <a:solidFill>
-                <a:srgbClr val="FFFFFF"/>
-              </a:solidFill>
-              <a:latin typeface="Verdana" panose="020B0604030504040204" pitchFamily="34" charset="0"/>
-              <a:ea typeface="宋体" panose="02010600030101010101" pitchFamily="2" charset="-122"/>
-            </a:endParaRPr>
           </a:p>
         </p:txBody>
       </p:sp>
@@ -1408,7 +1411,7 @@
           </a:lstStyle>
           <a:p>
             <a:r>
-              <a:rPr lang="zh-CN" altLang="en-US" smtClean="0"/>
+              <a:rPr lang="zh-CN" altLang="en-US"/>
               <a:t>单击此处编辑母版标题样式</a:t>
             </a:r>
             <a:endParaRPr lang="en-US" altLang="zh-CN"/>
@@ -1446,7 +1449,7 @@
           </a:lstStyle>
           <a:p>
             <a:r>
-              <a:rPr lang="zh-CN" altLang="en-US" smtClean="0"/>
+              <a:rPr lang="zh-CN" altLang="en-US"/>
               <a:t>单击此处编辑母版副标题样式</a:t>
             </a:r>
             <a:endParaRPr lang="en-US" altLang="zh-CN"/>
@@ -1535,6 +1538,7 @@
           <a:p>
             <a:fld id="{D23678B8-84AD-4556-B32A-1227575BC87A}" type="slidenum">
               <a:rPr lang="en-US" altLang="zh-CN"/>
+              <a:t>‹#›</a:t>
             </a:fld>
             <a:endParaRPr lang="en-US" altLang="zh-CN"/>
           </a:p>
@@ -2987,10 +2991,9 @@
           <a:lstStyle/>
           <a:p>
             <a:r>
-              <a:rPr lang="zh-CN" altLang="en-US" smtClean="0"/>
+              <a:rPr lang="zh-CN" altLang="en-US"/>
               <a:t>单击此处编辑母版标题样式</a:t>
             </a:r>
-            <a:endParaRPr lang="zh-CN" altLang="en-US"/>
           </a:p>
         </p:txBody>
       </p:sp>
@@ -3011,42 +3014,37 @@
           <a:p>
             <a:pPr lvl="0"/>
             <a:r>
-              <a:rPr lang="zh-CN" altLang="en-US" smtClean="0"/>
+              <a:rPr lang="zh-CN" altLang="en-US"/>
               <a:t>单击此处编辑母版文本样式</a:t>
             </a:r>
-            <a:endParaRPr lang="zh-CN" altLang="en-US" smtClean="0"/>
           </a:p>
           <a:p>
             <a:pPr lvl="1"/>
             <a:r>
-              <a:rPr lang="zh-CN" altLang="en-US" smtClean="0"/>
+              <a:rPr lang="zh-CN" altLang="en-US"/>
               <a:t>第二级</a:t>
             </a:r>
-            <a:endParaRPr lang="zh-CN" altLang="en-US" smtClean="0"/>
           </a:p>
           <a:p>
             <a:pPr lvl="2"/>
             <a:r>
-              <a:rPr lang="zh-CN" altLang="en-US" smtClean="0"/>
+              <a:rPr lang="zh-CN" altLang="en-US"/>
               <a:t>第三级</a:t>
             </a:r>
-            <a:endParaRPr lang="zh-CN" altLang="en-US" smtClean="0"/>
           </a:p>
           <a:p>
             <a:pPr lvl="3"/>
             <a:r>
-              <a:rPr lang="zh-CN" altLang="en-US" smtClean="0"/>
+              <a:rPr lang="zh-CN" altLang="en-US"/>
               <a:t>第四级</a:t>
             </a:r>
-            <a:endParaRPr lang="zh-CN" altLang="en-US" smtClean="0"/>
           </a:p>
           <a:p>
             <a:pPr lvl="4"/>
             <a:r>
-              <a:rPr lang="zh-CN" altLang="en-US" smtClean="0"/>
+              <a:rPr lang="zh-CN" altLang="en-US"/>
               <a:t>第五级</a:t>
             </a:r>
-            <a:endParaRPr lang="zh-CN" altLang="en-US"/>
           </a:p>
         </p:txBody>
       </p:sp>
@@ -3117,6 +3115,7 @@
           <a:p>
             <a:fld id="{63CAEE7B-7A6A-4DEB-B0D3-51E221D5DA72}" type="slidenum">
               <a:rPr lang="en-US" altLang="zh-CN"/>
+              <a:t>‹#›</a:t>
             </a:fld>
             <a:endParaRPr lang="en-US" altLang="zh-CN"/>
           </a:p>
@@ -3168,10 +3167,9 @@
           <a:lstStyle/>
           <a:p>
             <a:r>
-              <a:rPr lang="zh-CN" altLang="en-US" smtClean="0"/>
+              <a:rPr lang="zh-CN" altLang="en-US"/>
               <a:t>单击此处编辑母版标题样式</a:t>
             </a:r>
-            <a:endParaRPr lang="zh-CN" altLang="en-US"/>
           </a:p>
         </p:txBody>
       </p:sp>
@@ -3197,42 +3195,37 @@
           <a:p>
             <a:pPr lvl="0"/>
             <a:r>
-              <a:rPr lang="zh-CN" altLang="en-US" smtClean="0"/>
+              <a:rPr lang="zh-CN" altLang="en-US"/>
               <a:t>单击此处编辑母版文本样式</a:t>
             </a:r>
-            <a:endParaRPr lang="zh-CN" altLang="en-US" smtClean="0"/>
           </a:p>
           <a:p>
             <a:pPr lvl="1"/>
             <a:r>
-              <a:rPr lang="zh-CN" altLang="en-US" smtClean="0"/>
+              <a:rPr lang="zh-CN" altLang="en-US"/>
               <a:t>第二级</a:t>
             </a:r>
-            <a:endParaRPr lang="zh-CN" altLang="en-US" smtClean="0"/>
           </a:p>
           <a:p>
             <a:pPr lvl="2"/>
             <a:r>
-              <a:rPr lang="zh-CN" altLang="en-US" smtClean="0"/>
+              <a:rPr lang="zh-CN" altLang="en-US"/>
               <a:t>第三级</a:t>
             </a:r>
-            <a:endParaRPr lang="zh-CN" altLang="en-US" smtClean="0"/>
           </a:p>
           <a:p>
             <a:pPr lvl="3"/>
             <a:r>
-              <a:rPr lang="zh-CN" altLang="en-US" smtClean="0"/>
+              <a:rPr lang="zh-CN" altLang="en-US"/>
               <a:t>第四级</a:t>
             </a:r>
-            <a:endParaRPr lang="zh-CN" altLang="en-US" smtClean="0"/>
           </a:p>
           <a:p>
             <a:pPr lvl="4"/>
             <a:r>
-              <a:rPr lang="zh-CN" altLang="en-US" smtClean="0"/>
+              <a:rPr lang="zh-CN" altLang="en-US"/>
               <a:t>第五级</a:t>
             </a:r>
-            <a:endParaRPr lang="zh-CN" altLang="en-US"/>
           </a:p>
         </p:txBody>
       </p:sp>
@@ -3303,6 +3296,7 @@
           <a:p>
             <a:fld id="{66342453-2919-4198-9BA6-367A225DEEC5}" type="slidenum">
               <a:rPr lang="en-US" altLang="zh-CN"/>
+              <a:t>‹#›</a:t>
             </a:fld>
             <a:endParaRPr lang="en-US" altLang="zh-CN"/>
           </a:p>
@@ -3354,10 +3348,9 @@
           <a:lstStyle/>
           <a:p>
             <a:r>
-              <a:rPr lang="zh-CN" altLang="en-US" smtClean="0"/>
+              <a:rPr lang="zh-CN" altLang="en-US"/>
               <a:t>单击此处编辑母版标题样式</a:t>
             </a:r>
-            <a:endParaRPr lang="zh-CN" altLang="en-US"/>
           </a:p>
         </p:txBody>
       </p:sp>
@@ -3382,10 +3375,9 @@
           <a:lstStyle/>
           <a:p>
             <a:r>
-              <a:rPr lang="zh-CN" altLang="en-US" smtClean="0"/>
+              <a:rPr lang="zh-CN" altLang="en-US"/>
               <a:t>单击图标添加图表</a:t>
             </a:r>
-            <a:endParaRPr lang="zh-CN" altLang="en-US"/>
           </a:p>
         </p:txBody>
       </p:sp>
@@ -3471,6 +3463,7 @@
           <a:p>
             <a:fld id="{2BAF832A-0034-4742-B8C2-84650760C88F}" type="slidenum">
               <a:rPr lang="en-US" altLang="zh-CN"/>
+              <a:t>‹#›</a:t>
             </a:fld>
             <a:endParaRPr lang="en-US" altLang="zh-CN"/>
           </a:p>
@@ -3517,10 +3510,9 @@
           <a:lstStyle/>
           <a:p>
             <a:r>
-              <a:rPr lang="zh-CN" altLang="en-US" smtClean="0"/>
+              <a:rPr lang="zh-CN" altLang="en-US"/>
               <a:t>单击此处编辑母版标题样式</a:t>
             </a:r>
-            <a:endParaRPr lang="zh-CN" altLang="en-US"/>
           </a:p>
         </p:txBody>
       </p:sp>
@@ -3541,42 +3533,37 @@
           <a:p>
             <a:pPr lvl="0"/>
             <a:r>
-              <a:rPr lang="zh-CN" altLang="en-US" smtClean="0"/>
+              <a:rPr lang="zh-CN" altLang="en-US"/>
               <a:t>单击此处编辑母版文本样式</a:t>
             </a:r>
-            <a:endParaRPr lang="zh-CN" altLang="en-US" smtClean="0"/>
           </a:p>
           <a:p>
             <a:pPr lvl="1"/>
             <a:r>
-              <a:rPr lang="zh-CN" altLang="en-US" smtClean="0"/>
+              <a:rPr lang="zh-CN" altLang="en-US"/>
               <a:t>第二级</a:t>
             </a:r>
-            <a:endParaRPr lang="zh-CN" altLang="en-US" smtClean="0"/>
           </a:p>
           <a:p>
             <a:pPr lvl="2"/>
             <a:r>
-              <a:rPr lang="zh-CN" altLang="en-US" smtClean="0"/>
+              <a:rPr lang="zh-CN" altLang="en-US"/>
               <a:t>第三级</a:t>
             </a:r>
-            <a:endParaRPr lang="zh-CN" altLang="en-US" smtClean="0"/>
           </a:p>
           <a:p>
             <a:pPr lvl="3"/>
             <a:r>
-              <a:rPr lang="zh-CN" altLang="en-US" smtClean="0"/>
+              <a:rPr lang="zh-CN" altLang="en-US"/>
               <a:t>第四级</a:t>
             </a:r>
-            <a:endParaRPr lang="zh-CN" altLang="en-US" smtClean="0"/>
           </a:p>
           <a:p>
             <a:pPr lvl="4"/>
             <a:r>
-              <a:rPr lang="zh-CN" altLang="en-US" smtClean="0"/>
+              <a:rPr lang="zh-CN" altLang="en-US"/>
               <a:t>第五级</a:t>
             </a:r>
-            <a:endParaRPr lang="zh-CN" altLang="en-US"/>
           </a:p>
         </p:txBody>
       </p:sp>
@@ -3647,6 +3634,7 @@
           <a:p>
             <a:fld id="{CA4D6F1A-E6F8-42A9-A7BB-528328D9231E}" type="slidenum">
               <a:rPr lang="en-US" altLang="zh-CN"/>
+              <a:t>‹#›</a:t>
             </a:fld>
             <a:endParaRPr lang="en-US" altLang="zh-CN"/>
           </a:p>
@@ -3702,10 +3690,9 @@
           </a:lstStyle>
           <a:p>
             <a:r>
-              <a:rPr lang="zh-CN" altLang="en-US" smtClean="0"/>
+              <a:rPr lang="zh-CN" altLang="en-US"/>
               <a:t>单击此处编辑母版标题样式</a:t>
             </a:r>
-            <a:endParaRPr lang="zh-CN" altLang="en-US"/>
           </a:p>
         </p:txBody>
       </p:sp>
@@ -3768,10 +3755,9 @@
           <a:p>
             <a:pPr lvl="0"/>
             <a:r>
-              <a:rPr lang="zh-CN" altLang="en-US" smtClean="0"/>
+              <a:rPr lang="zh-CN" altLang="en-US"/>
               <a:t>单击此处编辑母版文本样式</a:t>
             </a:r>
-            <a:endParaRPr lang="zh-CN" altLang="en-US" smtClean="0"/>
           </a:p>
         </p:txBody>
       </p:sp>
@@ -3842,6 +3828,7 @@
           <a:p>
             <a:fld id="{D2F46FED-0CA7-4DA4-A06B-0F7598ACA092}" type="slidenum">
               <a:rPr lang="en-US" altLang="zh-CN"/>
+              <a:t>‹#›</a:t>
             </a:fld>
             <a:endParaRPr lang="en-US" altLang="zh-CN"/>
           </a:p>
@@ -3888,10 +3875,9 @@
           <a:lstStyle/>
           <a:p>
             <a:r>
-              <a:rPr lang="zh-CN" altLang="en-US" smtClean="0"/>
+              <a:rPr lang="zh-CN" altLang="en-US"/>
               <a:t>单击此处编辑母版标题样式</a:t>
             </a:r>
-            <a:endParaRPr lang="zh-CN" altLang="en-US"/>
           </a:p>
         </p:txBody>
       </p:sp>
@@ -3945,42 +3931,37 @@
           <a:p>
             <a:pPr lvl="0"/>
             <a:r>
-              <a:rPr lang="zh-CN" altLang="en-US" smtClean="0"/>
+              <a:rPr lang="zh-CN" altLang="en-US"/>
               <a:t>单击此处编辑母版文本样式</a:t>
             </a:r>
-            <a:endParaRPr lang="zh-CN" altLang="en-US" smtClean="0"/>
           </a:p>
           <a:p>
             <a:pPr lvl="1"/>
             <a:r>
-              <a:rPr lang="zh-CN" altLang="en-US" smtClean="0"/>
+              <a:rPr lang="zh-CN" altLang="en-US"/>
               <a:t>第二级</a:t>
             </a:r>
-            <a:endParaRPr lang="zh-CN" altLang="en-US" smtClean="0"/>
           </a:p>
           <a:p>
             <a:pPr lvl="2"/>
             <a:r>
-              <a:rPr lang="zh-CN" altLang="en-US" smtClean="0"/>
+              <a:rPr lang="zh-CN" altLang="en-US"/>
               <a:t>第三级</a:t>
             </a:r>
-            <a:endParaRPr lang="zh-CN" altLang="en-US" smtClean="0"/>
           </a:p>
           <a:p>
             <a:pPr lvl="3"/>
             <a:r>
-              <a:rPr lang="zh-CN" altLang="en-US" smtClean="0"/>
+              <a:rPr lang="zh-CN" altLang="en-US"/>
               <a:t>第四级</a:t>
             </a:r>
-            <a:endParaRPr lang="zh-CN" altLang="en-US" smtClean="0"/>
           </a:p>
           <a:p>
             <a:pPr lvl="4"/>
             <a:r>
-              <a:rPr lang="zh-CN" altLang="en-US" smtClean="0"/>
+              <a:rPr lang="zh-CN" altLang="en-US"/>
               <a:t>第五级</a:t>
             </a:r>
-            <a:endParaRPr lang="zh-CN" altLang="en-US"/>
           </a:p>
         </p:txBody>
       </p:sp>
@@ -4034,42 +4015,37 @@
           <a:p>
             <a:pPr lvl="0"/>
             <a:r>
-              <a:rPr lang="zh-CN" altLang="en-US" smtClean="0"/>
+              <a:rPr lang="zh-CN" altLang="en-US"/>
               <a:t>单击此处编辑母版文本样式</a:t>
             </a:r>
-            <a:endParaRPr lang="zh-CN" altLang="en-US" smtClean="0"/>
           </a:p>
           <a:p>
             <a:pPr lvl="1"/>
             <a:r>
-              <a:rPr lang="zh-CN" altLang="en-US" smtClean="0"/>
+              <a:rPr lang="zh-CN" altLang="en-US"/>
               <a:t>第二级</a:t>
             </a:r>
-            <a:endParaRPr lang="zh-CN" altLang="en-US" smtClean="0"/>
           </a:p>
           <a:p>
             <a:pPr lvl="2"/>
             <a:r>
-              <a:rPr lang="zh-CN" altLang="en-US" smtClean="0"/>
+              <a:rPr lang="zh-CN" altLang="en-US"/>
               <a:t>第三级</a:t>
             </a:r>
-            <a:endParaRPr lang="zh-CN" altLang="en-US" smtClean="0"/>
           </a:p>
           <a:p>
             <a:pPr lvl="3"/>
             <a:r>
-              <a:rPr lang="zh-CN" altLang="en-US" smtClean="0"/>
+              <a:rPr lang="zh-CN" altLang="en-US"/>
               <a:t>第四级</a:t>
             </a:r>
-            <a:endParaRPr lang="zh-CN" altLang="en-US" smtClean="0"/>
           </a:p>
           <a:p>
             <a:pPr lvl="4"/>
             <a:r>
-              <a:rPr lang="zh-CN" altLang="en-US" smtClean="0"/>
+              <a:rPr lang="zh-CN" altLang="en-US"/>
               <a:t>第五级</a:t>
             </a:r>
-            <a:endParaRPr lang="zh-CN" altLang="en-US"/>
           </a:p>
         </p:txBody>
       </p:sp>
@@ -4140,6 +4116,7 @@
           <a:p>
             <a:fld id="{EF5A5A94-6331-46B4-890A-99A0DD7D5F24}" type="slidenum">
               <a:rPr lang="en-US" altLang="zh-CN"/>
+              <a:t>‹#›</a:t>
             </a:fld>
             <a:endParaRPr lang="en-US" altLang="zh-CN"/>
           </a:p>
@@ -4195,10 +4172,9 @@
           </a:lstStyle>
           <a:p>
             <a:r>
-              <a:rPr lang="zh-CN" altLang="en-US" smtClean="0"/>
+              <a:rPr lang="zh-CN" altLang="en-US"/>
               <a:t>单击此处编辑母版标题样式</a:t>
             </a:r>
-            <a:endParaRPr lang="zh-CN" altLang="en-US"/>
           </a:p>
         </p:txBody>
       </p:sp>
@@ -4261,10 +4237,9 @@
           <a:p>
             <a:pPr lvl="0"/>
             <a:r>
-              <a:rPr lang="zh-CN" altLang="en-US" smtClean="0"/>
+              <a:rPr lang="zh-CN" altLang="en-US"/>
               <a:t>单击此处编辑母版文本样式</a:t>
             </a:r>
-            <a:endParaRPr lang="zh-CN" altLang="en-US" smtClean="0"/>
           </a:p>
         </p:txBody>
       </p:sp>
@@ -4318,42 +4293,37 @@
           <a:p>
             <a:pPr lvl="0"/>
             <a:r>
-              <a:rPr lang="zh-CN" altLang="en-US" smtClean="0"/>
+              <a:rPr lang="zh-CN" altLang="en-US"/>
               <a:t>单击此处编辑母版文本样式</a:t>
             </a:r>
-            <a:endParaRPr lang="zh-CN" altLang="en-US" smtClean="0"/>
           </a:p>
           <a:p>
             <a:pPr lvl="1"/>
             <a:r>
-              <a:rPr lang="zh-CN" altLang="en-US" smtClean="0"/>
+              <a:rPr lang="zh-CN" altLang="en-US"/>
               <a:t>第二级</a:t>
             </a:r>
-            <a:endParaRPr lang="zh-CN" altLang="en-US" smtClean="0"/>
           </a:p>
           <a:p>
             <a:pPr lvl="2"/>
             <a:r>
-              <a:rPr lang="zh-CN" altLang="en-US" smtClean="0"/>
+              <a:rPr lang="zh-CN" altLang="en-US"/>
               <a:t>第三级</a:t>
             </a:r>
-            <a:endParaRPr lang="zh-CN" altLang="en-US" smtClean="0"/>
           </a:p>
           <a:p>
             <a:pPr lvl="3"/>
             <a:r>
-              <a:rPr lang="zh-CN" altLang="en-US" smtClean="0"/>
+              <a:rPr lang="zh-CN" altLang="en-US"/>
               <a:t>第四级</a:t>
             </a:r>
-            <a:endParaRPr lang="zh-CN" altLang="en-US" smtClean="0"/>
           </a:p>
           <a:p>
             <a:pPr lvl="4"/>
             <a:r>
-              <a:rPr lang="zh-CN" altLang="en-US" smtClean="0"/>
+              <a:rPr lang="zh-CN" altLang="en-US"/>
               <a:t>第五级</a:t>
             </a:r>
-            <a:endParaRPr lang="zh-CN" altLang="en-US"/>
           </a:p>
         </p:txBody>
       </p:sp>
@@ -4416,10 +4386,9 @@
           <a:p>
             <a:pPr lvl="0"/>
             <a:r>
-              <a:rPr lang="zh-CN" altLang="en-US" smtClean="0"/>
+              <a:rPr lang="zh-CN" altLang="en-US"/>
               <a:t>单击此处编辑母版文本样式</a:t>
             </a:r>
-            <a:endParaRPr lang="zh-CN" altLang="en-US" smtClean="0"/>
           </a:p>
         </p:txBody>
       </p:sp>
@@ -4473,42 +4442,37 @@
           <a:p>
             <a:pPr lvl="0"/>
             <a:r>
-              <a:rPr lang="zh-CN" altLang="en-US" smtClean="0"/>
+              <a:rPr lang="zh-CN" altLang="en-US"/>
               <a:t>单击此处编辑母版文本样式</a:t>
             </a:r>
-            <a:endParaRPr lang="zh-CN" altLang="en-US" smtClean="0"/>
           </a:p>
           <a:p>
             <a:pPr lvl="1"/>
             <a:r>
-              <a:rPr lang="zh-CN" altLang="en-US" smtClean="0"/>
+              <a:rPr lang="zh-CN" altLang="en-US"/>
               <a:t>第二级</a:t>
             </a:r>
-            <a:endParaRPr lang="zh-CN" altLang="en-US" smtClean="0"/>
           </a:p>
           <a:p>
             <a:pPr lvl="2"/>
             <a:r>
-              <a:rPr lang="zh-CN" altLang="en-US" smtClean="0"/>
+              <a:rPr lang="zh-CN" altLang="en-US"/>
               <a:t>第三级</a:t>
             </a:r>
-            <a:endParaRPr lang="zh-CN" altLang="en-US" smtClean="0"/>
           </a:p>
           <a:p>
             <a:pPr lvl="3"/>
             <a:r>
-              <a:rPr lang="zh-CN" altLang="en-US" smtClean="0"/>
+              <a:rPr lang="zh-CN" altLang="en-US"/>
               <a:t>第四级</a:t>
             </a:r>
-            <a:endParaRPr lang="zh-CN" altLang="en-US" smtClean="0"/>
           </a:p>
           <a:p>
             <a:pPr lvl="4"/>
             <a:r>
-              <a:rPr lang="zh-CN" altLang="en-US" smtClean="0"/>
+              <a:rPr lang="zh-CN" altLang="en-US"/>
               <a:t>第五级</a:t>
             </a:r>
-            <a:endParaRPr lang="zh-CN" altLang="en-US"/>
           </a:p>
         </p:txBody>
       </p:sp>
@@ -4579,6 +4543,7 @@
           <a:p>
             <a:fld id="{7460E34B-75FF-4C80-A3DC-265B4E1804AC}" type="slidenum">
               <a:rPr lang="en-US" altLang="zh-CN"/>
+              <a:t>‹#›</a:t>
             </a:fld>
             <a:endParaRPr lang="en-US" altLang="zh-CN"/>
           </a:p>
@@ -4625,10 +4590,9 @@
           <a:lstStyle/>
           <a:p>
             <a:r>
-              <a:rPr lang="zh-CN" altLang="en-US" smtClean="0"/>
+              <a:rPr lang="zh-CN" altLang="en-US"/>
               <a:t>单击此处编辑母版标题样式</a:t>
             </a:r>
-            <a:endParaRPr lang="zh-CN" altLang="en-US"/>
           </a:p>
         </p:txBody>
       </p:sp>
@@ -4699,6 +4663,7 @@
           <a:p>
             <a:fld id="{91693EC4-CD69-4CA0-BB69-B70FF19068C0}" type="slidenum">
               <a:rPr lang="en-US" altLang="zh-CN"/>
+              <a:t>‹#›</a:t>
             </a:fld>
             <a:endParaRPr lang="en-US" altLang="zh-CN"/>
           </a:p>
@@ -4796,6 +4761,7 @@
           <a:p>
             <a:fld id="{B1BD7C6F-C955-47CF-A793-C85FC825793C}" type="slidenum">
               <a:rPr lang="en-US" altLang="zh-CN"/>
+              <a:t>‹#›</a:t>
             </a:fld>
             <a:endParaRPr lang="en-US" altLang="zh-CN"/>
           </a:p>
@@ -4851,10 +4817,9 @@
           </a:lstStyle>
           <a:p>
             <a:r>
-              <a:rPr lang="zh-CN" altLang="en-US" smtClean="0"/>
+              <a:rPr lang="zh-CN" altLang="en-US"/>
               <a:t>单击此处编辑母版标题样式</a:t>
             </a:r>
-            <a:endParaRPr lang="zh-CN" altLang="en-US"/>
           </a:p>
         </p:txBody>
       </p:sp>
@@ -4908,42 +4873,37 @@
           <a:p>
             <a:pPr lvl="0"/>
             <a:r>
-              <a:rPr lang="zh-CN" altLang="en-US" smtClean="0"/>
+              <a:rPr lang="zh-CN" altLang="en-US"/>
               <a:t>单击此处编辑母版文本样式</a:t>
             </a:r>
-            <a:endParaRPr lang="zh-CN" altLang="en-US" smtClean="0"/>
           </a:p>
           <a:p>
             <a:pPr lvl="1"/>
             <a:r>
-              <a:rPr lang="zh-CN" altLang="en-US" smtClean="0"/>
+              <a:rPr lang="zh-CN" altLang="en-US"/>
               <a:t>第二级</a:t>
             </a:r>
-            <a:endParaRPr lang="zh-CN" altLang="en-US" smtClean="0"/>
           </a:p>
           <a:p>
             <a:pPr lvl="2"/>
             <a:r>
-              <a:rPr lang="zh-CN" altLang="en-US" smtClean="0"/>
+              <a:rPr lang="zh-CN" altLang="en-US"/>
               <a:t>第三级</a:t>
             </a:r>
-            <a:endParaRPr lang="zh-CN" altLang="en-US" smtClean="0"/>
           </a:p>
           <a:p>
             <a:pPr lvl="3"/>
             <a:r>
-              <a:rPr lang="zh-CN" altLang="en-US" smtClean="0"/>
+              <a:rPr lang="zh-CN" altLang="en-US"/>
               <a:t>第四级</a:t>
             </a:r>
-            <a:endParaRPr lang="zh-CN" altLang="en-US" smtClean="0"/>
           </a:p>
           <a:p>
             <a:pPr lvl="4"/>
             <a:r>
-              <a:rPr lang="zh-CN" altLang="en-US" smtClean="0"/>
+              <a:rPr lang="zh-CN" altLang="en-US"/>
               <a:t>第五级</a:t>
             </a:r>
-            <a:endParaRPr lang="zh-CN" altLang="en-US"/>
           </a:p>
         </p:txBody>
       </p:sp>
@@ -5006,10 +4966,9 @@
           <a:p>
             <a:pPr lvl="0"/>
             <a:r>
-              <a:rPr lang="zh-CN" altLang="en-US" smtClean="0"/>
+              <a:rPr lang="zh-CN" altLang="en-US"/>
               <a:t>单击此处编辑母版文本样式</a:t>
             </a:r>
-            <a:endParaRPr lang="zh-CN" altLang="en-US" smtClean="0"/>
           </a:p>
         </p:txBody>
       </p:sp>
@@ -5080,6 +5039,7 @@
           <a:p>
             <a:fld id="{6E436683-343D-4A29-A51A-5BA85EC53F55}" type="slidenum">
               <a:rPr lang="en-US" altLang="zh-CN"/>
+              <a:t>‹#›</a:t>
             </a:fld>
             <a:endParaRPr lang="en-US" altLang="zh-CN"/>
           </a:p>
@@ -5135,10 +5095,9 @@
           </a:lstStyle>
           <a:p>
             <a:r>
-              <a:rPr lang="zh-CN" altLang="en-US" smtClean="0"/>
+              <a:rPr lang="zh-CN" altLang="en-US"/>
               <a:t>单击此处编辑母版标题样式</a:t>
             </a:r>
-            <a:endParaRPr lang="zh-CN" altLang="en-US"/>
           </a:p>
         </p:txBody>
       </p:sp>
@@ -5200,10 +5159,9 @@
           </a:lstStyle>
           <a:p>
             <a:r>
-              <a:rPr lang="zh-CN" altLang="en-US" smtClean="0"/>
+              <a:rPr lang="zh-CN" altLang="en-US"/>
               <a:t>单击图标添加图片</a:t>
             </a:r>
-            <a:endParaRPr lang="zh-CN" altLang="en-US"/>
           </a:p>
         </p:txBody>
       </p:sp>
@@ -5266,10 +5224,9 @@
           <a:p>
             <a:pPr lvl="0"/>
             <a:r>
-              <a:rPr lang="zh-CN" altLang="en-US" smtClean="0"/>
+              <a:rPr lang="zh-CN" altLang="en-US"/>
               <a:t>单击此处编辑母版文本样式</a:t>
             </a:r>
-            <a:endParaRPr lang="zh-CN" altLang="en-US" smtClean="0"/>
           </a:p>
         </p:txBody>
       </p:sp>
@@ -5340,6 +5297,7 @@
           <a:p>
             <a:fld id="{5E4EF1F4-5DAC-43AB-BE0F-872E5B7E5459}" type="slidenum">
               <a:rPr lang="en-US" altLang="zh-CN"/>
+              <a:t>‹#›</a:t>
             </a:fld>
             <a:endParaRPr lang="en-US" altLang="zh-CN"/>
           </a:p>
@@ -5627,10 +5585,10 @@
           <a:p>
             <a:pPr lvl="0"/>
             <a:r>
-              <a:rPr lang="zh-CN" altLang="en-US" smtClean="0"/>
+              <a:rPr lang="zh-CN" altLang="en-US"/>
               <a:t>单击此处编辑母版标题样式</a:t>
             </a:r>
-            <a:endParaRPr lang="en-US" altLang="zh-CN" smtClean="0"/>
+            <a:endParaRPr lang="en-US" altLang="zh-CN"/>
           </a:p>
         </p:txBody>
       </p:sp>
@@ -5665,42 +5623,38 @@
           <a:p>
             <a:pPr lvl="0"/>
             <a:r>
-              <a:rPr lang="zh-CN" altLang="en-US" smtClean="0"/>
+              <a:rPr lang="zh-CN" altLang="en-US"/>
               <a:t>单击此处编辑母版文本样式</a:t>
             </a:r>
-            <a:endParaRPr lang="zh-CN" altLang="en-US" smtClean="0"/>
           </a:p>
           <a:p>
             <a:pPr lvl="1"/>
             <a:r>
-              <a:rPr lang="zh-CN" altLang="en-US" smtClean="0"/>
+              <a:rPr lang="zh-CN" altLang="en-US"/>
               <a:t>第二级</a:t>
             </a:r>
-            <a:endParaRPr lang="zh-CN" altLang="en-US" smtClean="0"/>
           </a:p>
           <a:p>
             <a:pPr lvl="2"/>
             <a:r>
-              <a:rPr lang="zh-CN" altLang="en-US" smtClean="0"/>
+              <a:rPr lang="zh-CN" altLang="en-US"/>
               <a:t>第三级</a:t>
             </a:r>
-            <a:endParaRPr lang="zh-CN" altLang="en-US" smtClean="0"/>
           </a:p>
           <a:p>
             <a:pPr lvl="3"/>
             <a:r>
-              <a:rPr lang="zh-CN" altLang="en-US" smtClean="0"/>
+              <a:rPr lang="zh-CN" altLang="en-US"/>
               <a:t>第四级</a:t>
             </a:r>
-            <a:endParaRPr lang="zh-CN" altLang="en-US" smtClean="0"/>
           </a:p>
           <a:p>
             <a:pPr lvl="4"/>
             <a:r>
-              <a:rPr lang="zh-CN" altLang="en-US" smtClean="0"/>
+              <a:rPr lang="zh-CN" altLang="en-US"/>
               <a:t>第五级</a:t>
             </a:r>
-            <a:endParaRPr lang="en-US" altLang="zh-CN" smtClean="0"/>
+            <a:endParaRPr lang="en-US" altLang="zh-CN"/>
           </a:p>
         </p:txBody>
       </p:sp>
@@ -5819,6 +5773,7 @@
           <a:p>
             <a:fld id="{11BEB94D-1108-40A1-9FC8-42A6204B23F6}" type="slidenum">
               <a:rPr lang="en-US" altLang="zh-CN"/>
+              <a:t>‹#›</a:t>
             </a:fld>
             <a:endParaRPr lang="en-US" altLang="zh-CN"/>
           </a:p>
@@ -5841,7 +5796,7 @@
             <a:avLst/>
           </a:prstGeom>
           <a:blipFill dpi="0" rotWithShape="1">
-            <a:blip r:embed="rId13" cstate="print"/>
+            <a:blip r:embed="rId14" cstate="print"/>
             <a:srcRect/>
             <a:stretch>
               <a:fillRect/>
@@ -5882,7 +5837,7 @@
             <a:avLst/>
           </a:prstGeom>
           <a:blipFill dpi="0" rotWithShape="1">
-            <a:blip r:embed="rId14" cstate="print"/>
+            <a:blip r:embed="rId15" cstate="print"/>
             <a:srcRect/>
             <a:stretch>
               <a:fillRect/>
@@ -5923,7 +5878,7 @@
             <a:avLst/>
           </a:prstGeom>
           <a:blipFill dpi="0" rotWithShape="1">
-            <a:blip r:embed="rId15" cstate="print"/>
+            <a:blip r:embed="rId16" cstate="print"/>
             <a:srcRect/>
             <a:stretch>
               <a:fillRect/>
@@ -6885,7 +6840,7 @@
           <a:lstStyle/>
           <a:p>
             <a:r>
-              <a:rPr lang="en-US" altLang="zh-CN" sz="2800" dirty="0" smtClean="0">
+              <a:rPr lang="en-US" altLang="zh-CN" sz="2800" dirty="0">
                 <a:solidFill>
                   <a:schemeClr val="tx1"/>
                 </a:solidFill>
@@ -6894,7 +6849,7 @@
               <a:t>SqlToy</a:t>
             </a:r>
             <a:r>
-              <a:rPr lang="zh-CN" altLang="en-US" sz="2800" dirty="0" smtClean="0">
+              <a:rPr lang="zh-CN" altLang="en-US" sz="2800" dirty="0">
                 <a:solidFill>
                   <a:schemeClr val="tx1"/>
                 </a:solidFill>
@@ -6903,7 +6858,7 @@
               <a:t>至简、至雅、至快的</a:t>
             </a:r>
             <a:r>
-              <a:rPr lang="en-US" altLang="zh-CN" sz="2800" dirty="0" smtClean="0">
+              <a:rPr lang="en-US" altLang="zh-CN" sz="2800" dirty="0">
                 <a:solidFill>
                   <a:schemeClr val="tx1"/>
                 </a:solidFill>
@@ -6921,7 +6876,7 @@
               <a:t>框架</a:t>
             </a:r>
             <a:br>
-              <a:rPr lang="en-US" altLang="zh-CN" sz="2800" dirty="0" smtClean="0">
+              <a:rPr lang="en-US" altLang="zh-CN" sz="2800" dirty="0">
                 <a:solidFill>
                   <a:schemeClr val="tx1"/>
                 </a:solidFill>
@@ -6929,7 +6884,7 @@
               </a:rPr>
             </a:br>
             <a:r>
-              <a:rPr lang="en-US" altLang="zh-CN" sz="2800" dirty="0" smtClean="0">
+              <a:rPr lang="en-US" altLang="zh-CN" sz="2800" dirty="0">
                 <a:solidFill>
                   <a:schemeClr val="tx1"/>
                 </a:solidFill>
@@ -6938,7 +6893,7 @@
               <a:t>              </a:t>
             </a:r>
             <a:r>
-              <a:rPr lang="zh-CN" altLang="en-US" sz="2800" dirty="0" smtClean="0">
+              <a:rPr lang="zh-CN" altLang="en-US" sz="2800" dirty="0">
                 <a:solidFill>
                   <a:schemeClr val="tx1"/>
                 </a:solidFill>
@@ -7027,7 +6982,7 @@
             <p:nvPr/>
           </p:nvPicPr>
           <p:blipFill>
-            <a:blip r:embed="rId1" cstate="print"/>
+            <a:blip r:embed="rId2" cstate="print"/>
             <a:srcRect/>
             <a:stretch>
               <a:fillRect/>
@@ -7120,7 +7075,7 @@
             <p:nvPr/>
           </p:nvPicPr>
           <p:blipFill>
-            <a:blip r:embed="rId2" cstate="print"/>
+            <a:blip r:embed="rId3" cstate="print"/>
             <a:srcRect/>
             <a:stretch>
               <a:fillRect/>
@@ -7155,7 +7110,7 @@
             <a:avLst/>
           </a:prstGeom>
           <a:blipFill dpi="0" rotWithShape="1">
-            <a:blip r:embed="rId3" cstate="print"/>
+            <a:blip r:embed="rId4" cstate="print"/>
             <a:srcRect/>
             <a:stretch>
               <a:fillRect/>
@@ -7202,7 +7157,7 @@
             <a:avLst/>
           </a:prstGeom>
           <a:blipFill dpi="0" rotWithShape="1">
-            <a:blip r:embed="rId4" cstate="print"/>
+            <a:blip r:embed="rId5" cstate="print"/>
             <a:srcRect/>
             <a:stretch>
               <a:fillRect/>
@@ -7636,16 +7591,10 @@
               <a:rPr lang="zh-CN" altLang="en-US" sz="3200" dirty="0">
                 <a:ea typeface="宋体" panose="02010600030101010101" pitchFamily="2" charset="-122"/>
               </a:rPr>
-              <a:t>必杀</a:t>
-            </a:r>
-            <a:r>
-              <a:rPr lang="zh-CN" altLang="en-US" sz="3200" dirty="0" smtClean="0">
-                <a:ea typeface="宋体" panose="02010600030101010101" pitchFamily="2" charset="-122"/>
-              </a:rPr>
-              <a:t>技之一</a:t>
-            </a:r>
-            <a:r>
-              <a:rPr lang="en-US" altLang="zh-CN" sz="3200" dirty="0" smtClean="0">
+              <a:t>必杀技之一</a:t>
+            </a:r>
+            <a:r>
+              <a:rPr lang="en-US" altLang="zh-CN" sz="3200" dirty="0">
                 <a:ea typeface="宋体" panose="02010600030101010101" pitchFamily="2" charset="-122"/>
               </a:rPr>
               <a:t>:</a:t>
@@ -7662,7 +7611,7 @@
               </a:rPr>
               <a:t>sql</a:t>
             </a:r>
-            <a:endParaRPr lang="zh-CN" altLang="en-US" sz="3200" dirty="0" smtClean="0">
+            <a:endParaRPr lang="zh-CN" altLang="en-US" sz="3200" dirty="0">
               <a:ea typeface="宋体" panose="02010600030101010101" pitchFamily="2" charset="-122"/>
             </a:endParaRPr>
           </a:p>
@@ -7711,7 +7660,7 @@
           <p:nvPr/>
         </p:nvPicPr>
         <p:blipFill>
-          <a:blip r:embed="rId1"/>
+          <a:blip r:embed="rId2"/>
           <a:srcRect/>
           <a:stretch>
             <a:fillRect/>
@@ -7777,7 +7726,7 @@
               <a:buNone/>
             </a:pPr>
             <a:r>
-              <a:rPr kumimoji="0" lang="zh-CN" altLang="en-US" sz="1800" b="1" i="0" u="none" strike="noStrike" cap="none" normalizeH="0" baseline="0" dirty="0" smtClean="0">
+              <a:rPr kumimoji="0" lang="zh-CN" altLang="en-US" sz="1800" b="1" i="0" u="none" strike="noStrike" cap="none" normalizeH="0" baseline="0" dirty="0">
                 <a:ln>
                   <a:noFill/>
                 </a:ln>
@@ -7790,7 +7739,7 @@
               <a:t>来一个说服力强的，</a:t>
             </a:r>
             <a:r>
-              <a:rPr kumimoji="0" lang="en-US" altLang="zh-CN" sz="1800" b="1" i="0" u="none" strike="noStrike" cap="none" normalizeH="0" baseline="0" dirty="0" err="1" smtClean="0">
+              <a:rPr kumimoji="0" lang="en-US" altLang="zh-CN" sz="1800" b="1" i="0" u="none" strike="noStrike" cap="none" normalizeH="0" baseline="0" dirty="0" err="1">
                 <a:ln>
                   <a:noFill/>
                 </a:ln>
@@ -7803,7 +7752,7 @@
               <a:t>mybatis</a:t>
             </a:r>
             <a:r>
-              <a:rPr kumimoji="0" lang="zh-CN" altLang="en-US" sz="1800" b="1" i="0" u="none" strike="noStrike" cap="none" normalizeH="0" baseline="0" dirty="0" smtClean="0">
+              <a:rPr kumimoji="0" lang="zh-CN" altLang="en-US" sz="1800" b="1" i="0" u="none" strike="noStrike" cap="none" normalizeH="0" baseline="0" dirty="0">
                 <a:ln>
                   <a:noFill/>
                 </a:ln>
@@ -7815,16 +7764,6 @@
               </a:rPr>
               <a:t>还敢写吗？写了还能看吗？</a:t>
             </a:r>
-            <a:endParaRPr kumimoji="0" lang="zh-CN" altLang="en-US" sz="1800" b="1" i="0" u="none" strike="noStrike" cap="none" normalizeH="0" baseline="0" dirty="0" smtClean="0">
-              <a:ln>
-                <a:noFill/>
-              </a:ln>
-              <a:solidFill>
-                <a:schemeClr val="tx1"/>
-              </a:solidFill>
-              <a:effectLst/>
-              <a:latin typeface="Arial" panose="020B0604020202020204" pitchFamily="34" charset="0"/>
-            </a:endParaRPr>
           </a:p>
         </p:txBody>
       </p:sp>
@@ -7834,13 +7773,6 @@
     <a:masterClrMapping/>
   </p:clrMapOvr>
   <p:transition/>
-  <p:timing>
-    <p:tnLst>
-      <p:par>
-        <p:cTn id="1" dur="indefinite" restart="never" nodeType="tmRoot"/>
-      </p:par>
-    </p:tnLst>
-  </p:timing>
 </p:sld>
 </file>
 
@@ -7891,29 +7823,20 @@
               <a:rPr lang="zh-CN" altLang="en-US" sz="3200" dirty="0">
                 <a:ea typeface="宋体" panose="02010600030101010101" pitchFamily="2" charset="-122"/>
               </a:rPr>
-              <a:t>必杀</a:t>
-            </a:r>
-            <a:r>
-              <a:rPr lang="zh-CN" altLang="en-US" sz="3200" dirty="0" smtClean="0">
+              <a:t>必杀技之二</a:t>
+            </a:r>
+            <a:r>
+              <a:rPr lang="en-US" altLang="zh-CN" sz="3200" dirty="0">
                 <a:ea typeface="宋体" panose="02010600030101010101" pitchFamily="2" charset="-122"/>
               </a:rPr>
-              <a:t>技之二</a:t>
-            </a:r>
-            <a:r>
-              <a:rPr lang="en-US" altLang="zh-CN" sz="3200" dirty="0" smtClean="0">
+              <a:t>:</a:t>
+            </a:r>
+            <a:r>
+              <a:rPr lang="zh-CN" altLang="en-US" sz="3200" dirty="0">
                 <a:ea typeface="宋体" panose="02010600030101010101" pitchFamily="2" charset="-122"/>
               </a:rPr>
-              <a:t>:</a:t>
-            </a:r>
-            <a:r>
-              <a:rPr lang="zh-CN" altLang="en-US" sz="3200" dirty="0" smtClean="0">
-                <a:ea typeface="宋体" panose="02010600030101010101" pitchFamily="2" charset="-122"/>
-              </a:rPr>
               <a:t>快速分页</a:t>
             </a:r>
-            <a:endParaRPr lang="zh-CN" altLang="en-US" sz="3200" dirty="0" smtClean="0">
-              <a:ea typeface="宋体" panose="02010600030101010101" pitchFamily="2" charset="-122"/>
-            </a:endParaRPr>
           </a:p>
         </p:txBody>
       </p:sp>
@@ -7986,20 +7909,20 @@
               <a:defRPr/>
             </a:pPr>
             <a:r>
-              <a:rPr lang="en-US" altLang="zh-CN" kern="0" dirty="0" smtClean="0">
+              <a:rPr lang="en-US" altLang="zh-CN" kern="0" dirty="0">
                 <a:latin typeface="+mn-lt"/>
                 <a:ea typeface="宋体" panose="02010600030101010101" pitchFamily="2" charset="-122"/>
               </a:rPr>
               <a:t>SqlToy</a:t>
             </a:r>
             <a:r>
-              <a:rPr lang="zh-CN" altLang="en-US" kern="0" dirty="0" smtClean="0">
+              <a:rPr lang="zh-CN" altLang="en-US" kern="0" dirty="0">
                 <a:latin typeface="+mn-lt"/>
                 <a:ea typeface="宋体" panose="02010600030101010101" pitchFamily="2" charset="-122"/>
               </a:rPr>
-              <a:t>必杀技之一：快速分页</a:t>
-            </a:r>
-            <a:endParaRPr lang="en-US" altLang="zh-CN" kern="0" dirty="0" smtClean="0">
+              <a:t>必杀技之一：快速分页，十倍百倍性能提升利器</a:t>
+            </a:r>
+            <a:endParaRPr lang="en-US" altLang="zh-CN" kern="0" dirty="0">
               <a:latin typeface="+mn-lt"/>
               <a:ea typeface="宋体" panose="02010600030101010101" pitchFamily="2" charset="-122"/>
             </a:endParaRPr>
@@ -8013,7 +7936,7 @@
               <a:defRPr/>
             </a:pPr>
             <a:r>
-              <a:rPr lang="en-US" altLang="zh-CN" kern="0" dirty="0" smtClean="0">
+              <a:rPr lang="en-US" altLang="zh-CN" kern="0" dirty="0">
                 <a:solidFill>
                   <a:srgbClr val="FF6699"/>
                 </a:solidFill>
@@ -8023,7 +7946,7 @@
               <a:t>@</a:t>
             </a:r>
             <a:r>
-              <a:rPr lang="en-US" altLang="zh-CN" kern="0" dirty="0" err="1" smtClean="0">
+              <a:rPr lang="en-US" altLang="zh-CN" kern="0" dirty="0" err="1">
                 <a:solidFill>
                   <a:srgbClr val="FF6699"/>
                 </a:solidFill>
@@ -8033,7 +7956,7 @@
               <a:t>fastPage</a:t>
             </a:r>
             <a:r>
-              <a:rPr lang="en-US" altLang="zh-CN" kern="0" dirty="0" smtClean="0">
+              <a:rPr lang="en-US" altLang="zh-CN" kern="0" dirty="0">
                 <a:solidFill>
                   <a:srgbClr val="FF6699"/>
                 </a:solidFill>
@@ -8043,7 +7966,7 @@
               <a:t>()</a:t>
             </a:r>
             <a:r>
-              <a:rPr lang="zh-CN" altLang="en-US" kern="0" dirty="0" smtClean="0">
+              <a:rPr lang="zh-CN" altLang="en-US" kern="0" dirty="0">
                 <a:solidFill>
                   <a:srgbClr val="FF6699"/>
                 </a:solidFill>
@@ -8052,7 +7975,7 @@
               </a:rPr>
               <a:t>即可实现先分页取出特定记录数再跟其它表进行关联查询，</a:t>
             </a:r>
-            <a:endParaRPr lang="en-US" altLang="zh-CN" kern="0" dirty="0" smtClean="0">
+            <a:endParaRPr lang="en-US" altLang="zh-CN" kern="0" dirty="0">
               <a:solidFill>
                 <a:srgbClr val="FF6699"/>
               </a:solidFill>
@@ -8069,7 +7992,7 @@
               <a:defRPr/>
             </a:pPr>
             <a:r>
-              <a:rPr lang="zh-CN" altLang="en-US" kern="0" dirty="0" smtClean="0">
+              <a:rPr lang="zh-CN" altLang="en-US" kern="0" dirty="0">
                 <a:solidFill>
                   <a:srgbClr val="FF6699"/>
                 </a:solidFill>
@@ -8079,7 +8002,7 @@
               <a:t>巧妙的设计带来的是实实在在的效率提升</a:t>
             </a:r>
             <a:r>
-              <a:rPr lang="en-US" altLang="zh-CN" kern="0" dirty="0" smtClean="0">
+              <a:rPr lang="en-US" altLang="zh-CN" kern="0" dirty="0">
                 <a:solidFill>
                   <a:srgbClr val="FF6699"/>
                 </a:solidFill>
@@ -8087,6 +8010,45 @@
                 <a:ea typeface="宋体" panose="02010600030101010101" pitchFamily="2" charset="-122"/>
               </a:rPr>
               <a:t>!</a:t>
+            </a:r>
+          </a:p>
+          <a:p>
+            <a:pPr marL="342900" indent="-342900" algn="l">
+              <a:spcBef>
+                <a:spcPct val="20000"/>
+              </a:spcBef>
+              <a:buSzPct val="85000"/>
+              <a:defRPr/>
+            </a:pPr>
+            <a:r>
+              <a:rPr lang="zh-CN" altLang="en-US" kern="0" dirty="0">
+                <a:solidFill>
+                  <a:srgbClr val="FF6699"/>
+                </a:solidFill>
+                <a:latin typeface="+mn-lt"/>
+                <a:ea typeface="宋体" panose="02010600030101010101" pitchFamily="2" charset="-122"/>
+              </a:rPr>
+              <a:t>注：新的写法</a:t>
+            </a:r>
+            <a:r>
+              <a:rPr lang="en-US" altLang="zh-CN" kern="0" dirty="0">
+                <a:solidFill>
+                  <a:srgbClr val="FF6699"/>
+                </a:solidFill>
+                <a:latin typeface="+mn-lt"/>
+                <a:ea typeface="宋体" panose="02010600030101010101" pitchFamily="2" charset="-122"/>
+              </a:rPr>
+              <a:t>:@fast()</a:t>
+            </a:r>
+            <a:r>
+              <a:rPr lang="zh-CN" altLang="en-US" kern="0" dirty="0">
+                <a:solidFill>
+                  <a:srgbClr val="FF6699"/>
+                </a:solidFill>
+                <a:latin typeface="+mn-lt"/>
+                <a:ea typeface="宋体" panose="02010600030101010101" pitchFamily="2" charset="-122"/>
+              </a:rPr>
+              <a:t>即可</a:t>
             </a:r>
             <a:endParaRPr lang="en-US" altLang="zh-CN" kern="0" dirty="0">
               <a:solidFill>
@@ -8123,7 +8085,7 @@
           <p:nvPr/>
         </p:nvPicPr>
         <p:blipFill>
-          <a:blip r:embed="rId1"/>
+          <a:blip r:embed="rId2"/>
           <a:srcRect/>
           <a:stretch>
             <a:fillRect/>
@@ -8131,7 +8093,7 @@
         </p:blipFill>
         <p:spPr>
           <a:xfrm>
-            <a:off x="1055687" y="2300424"/>
+            <a:off x="1133508" y="2489381"/>
             <a:ext cx="7384420" cy="3314987"/>
           </a:xfrm>
           <a:prstGeom prst="rect">
@@ -8145,13 +8107,6 @@
     <a:masterClrMapping/>
   </p:clrMapOvr>
   <p:transition/>
-  <p:timing>
-    <p:tnLst>
-      <p:par>
-        <p:cTn id="1" dur="indefinite" restart="never" nodeType="tmRoot"/>
-      </p:par>
-    </p:tnLst>
-  </p:timing>
 </p:sld>
 </file>
 
@@ -8202,29 +8157,20 @@
               <a:rPr lang="zh-CN" altLang="en-US" sz="3200" dirty="0">
                 <a:ea typeface="宋体" panose="02010600030101010101" pitchFamily="2" charset="-122"/>
               </a:rPr>
-              <a:t>必杀</a:t>
-            </a:r>
-            <a:r>
-              <a:rPr lang="zh-CN" altLang="en-US" sz="3200" dirty="0" smtClean="0">
+              <a:t>必杀技之三</a:t>
+            </a:r>
+            <a:r>
+              <a:rPr lang="en-US" altLang="zh-CN" sz="3200" dirty="0">
                 <a:ea typeface="宋体" panose="02010600030101010101" pitchFamily="2" charset="-122"/>
               </a:rPr>
-              <a:t>技之三</a:t>
-            </a:r>
-            <a:r>
-              <a:rPr lang="en-US" altLang="zh-CN" sz="3200" dirty="0" smtClean="0">
+              <a:t>:</a:t>
+            </a:r>
+            <a:r>
+              <a:rPr lang="zh-CN" altLang="en-US" sz="3200" dirty="0">
                 <a:ea typeface="宋体" panose="02010600030101010101" pitchFamily="2" charset="-122"/>
               </a:rPr>
-              <a:t>:</a:t>
-            </a:r>
-            <a:r>
-              <a:rPr lang="zh-CN" altLang="en-US" sz="3200" dirty="0" smtClean="0">
-                <a:ea typeface="宋体" panose="02010600030101010101" pitchFamily="2" charset="-122"/>
-              </a:rPr>
               <a:t>缓存翻译</a:t>
             </a:r>
-            <a:endParaRPr lang="zh-CN" altLang="en-US" sz="3200" dirty="0" smtClean="0">
-              <a:ea typeface="宋体" panose="02010600030101010101" pitchFamily="2" charset="-122"/>
-            </a:endParaRPr>
           </a:p>
         </p:txBody>
       </p:sp>
@@ -8309,60 +8255,6 @@
       <p:pic>
         <p:nvPicPr>
           <p:cNvPr id="6" name="图片 2" descr="image002"/>
-          <p:cNvPicPr>
-            <a:picLocks noChangeAspect="1" noChangeArrowheads="1"/>
-          </p:cNvPicPr>
-          <p:nvPr/>
-        </p:nvPicPr>
-        <p:blipFill>
-          <a:blip r:embed="rId1">
-            <a:extLst>
-              <a:ext uri="{28A0092B-C50C-407E-A947-70E740481C1C}">
-                <a14:useLocalDpi xmlns:a14="http://schemas.microsoft.com/office/drawing/2010/main" val="0"/>
-              </a:ext>
-            </a:extLst>
-          </a:blip>
-          <a:srcRect/>
-          <a:stretch>
-            <a:fillRect/>
-          </a:stretch>
-        </p:blipFill>
-        <p:spPr bwMode="auto">
-          <a:xfrm>
-            <a:off x="1151482" y="1060228"/>
-            <a:ext cx="6086475" cy="4191000"/>
-          </a:xfrm>
-          <a:prstGeom prst="rect">
-            <a:avLst/>
-          </a:prstGeom>
-          <a:noFill/>
-          <a:ln>
-            <a:noFill/>
-          </a:ln>
-          <a:extLst>
-            <a:ext uri="{909E8E84-426E-40DD-AFC4-6F175D3DCCD1}">
-              <a14:hiddenFill xmlns:a14="http://schemas.microsoft.com/office/drawing/2010/main">
-                <a:solidFill>
-                  <a:srgbClr val="FFFFFF"/>
-                </a:solidFill>
-              </a14:hiddenFill>
-            </a:ext>
-            <a:ext uri="{91240B29-F687-4F45-9708-019B960494DF}">
-              <a14:hiddenLine xmlns:a14="http://schemas.microsoft.com/office/drawing/2010/main" w="9525">
-                <a:solidFill>
-                  <a:srgbClr val="000000"/>
-                </a:solidFill>
-                <a:miter lim="800000"/>
-                <a:headEnd/>
-                <a:tailEnd/>
-              </a14:hiddenLine>
-            </a:ext>
-          </a:extLst>
-        </p:spPr>
-      </p:pic>
-      <p:pic>
-        <p:nvPicPr>
-          <p:cNvPr id="7" name="图片 5" descr="image005"/>
           <p:cNvPicPr>
             <a:picLocks noChangeAspect="1" noChangeArrowheads="1"/>
           </p:cNvPicPr>
@@ -8383,8 +8275,8 @@
         </p:blipFill>
         <p:spPr bwMode="auto">
           <a:xfrm>
-            <a:off x="2317080" y="4903322"/>
-            <a:ext cx="6696744" cy="1873551"/>
+            <a:off x="1151482" y="1060228"/>
+            <a:ext cx="6086475" cy="4191000"/>
           </a:xfrm>
           <a:prstGeom prst="rect">
             <a:avLst/>
@@ -8414,19 +8306,66 @@
           </a:extLst>
         </p:spPr>
       </p:pic>
+      <p:pic>
+        <p:nvPicPr>
+          <p:cNvPr id="7" name="图片 5" descr="image005"/>
+          <p:cNvPicPr>
+            <a:picLocks noChangeAspect="1" noChangeArrowheads="1"/>
+          </p:cNvPicPr>
+          <p:nvPr/>
+        </p:nvPicPr>
+        <p:blipFill>
+          <a:blip r:embed="rId3">
+            <a:extLst>
+              <a:ext uri="{28A0092B-C50C-407E-A947-70E740481C1C}">
+                <a14:useLocalDpi xmlns:a14="http://schemas.microsoft.com/office/drawing/2010/main" val="0"/>
+              </a:ext>
+            </a:extLst>
+          </a:blip>
+          <a:srcRect/>
+          <a:stretch>
+            <a:fillRect/>
+          </a:stretch>
+        </p:blipFill>
+        <p:spPr bwMode="auto">
+          <a:xfrm>
+            <a:off x="2317080" y="4903322"/>
+            <a:ext cx="6696744" cy="1873551"/>
+          </a:xfrm>
+          <a:prstGeom prst="rect">
+            <a:avLst/>
+          </a:prstGeom>
+          <a:noFill/>
+          <a:ln>
+            <a:noFill/>
+          </a:ln>
+          <a:extLst>
+            <a:ext uri="{909E8E84-426E-40DD-AFC4-6F175D3DCCD1}">
+              <a14:hiddenFill xmlns:a14="http://schemas.microsoft.com/office/drawing/2010/main">
+                <a:solidFill>
+                  <a:srgbClr val="FFFFFF"/>
+                </a:solidFill>
+              </a14:hiddenFill>
+            </a:ext>
+            <a:ext uri="{91240B29-F687-4F45-9708-019B960494DF}">
+              <a14:hiddenLine xmlns:a14="http://schemas.microsoft.com/office/drawing/2010/main" w="9525">
+                <a:solidFill>
+                  <a:srgbClr val="000000"/>
+                </a:solidFill>
+                <a:miter lim="800000"/>
+                <a:headEnd/>
+                <a:tailEnd/>
+              </a14:hiddenLine>
+            </a:ext>
+          </a:extLst>
+        </p:spPr>
+      </p:pic>
     </p:spTree>
   </p:cSld>
   <p:clrMapOvr>
     <a:masterClrMapping/>
   </p:clrMapOvr>
   <p:transition/>
-  <p:timing>
-    <p:tnLst>
-      <p:par>
-        <p:cTn id="1" dur="indefinite" restart="never" nodeType="tmRoot"/>
-      </p:par>
-    </p:tnLst>
-  </p:timing>
 </p:sld>
 </file>
 
@@ -8477,29 +8416,20 @@
               <a:rPr lang="zh-CN" altLang="en-US" sz="3200" dirty="0">
                 <a:ea typeface="宋体" panose="02010600030101010101" pitchFamily="2" charset="-122"/>
               </a:rPr>
-              <a:t>必杀技</a:t>
-            </a:r>
-            <a:r>
-              <a:rPr lang="zh-CN" altLang="en-US" sz="3200" dirty="0" smtClean="0">
+              <a:t>必杀技之四</a:t>
+            </a:r>
+            <a:r>
+              <a:rPr lang="en-US" altLang="zh-CN" sz="3200" dirty="0">
                 <a:ea typeface="宋体" panose="02010600030101010101" pitchFamily="2" charset="-122"/>
               </a:rPr>
-              <a:t>之四</a:t>
-            </a:r>
-            <a:r>
-              <a:rPr lang="en-US" altLang="zh-CN" sz="3200" dirty="0" smtClean="0">
+              <a:t>:</a:t>
+            </a:r>
+            <a:r>
+              <a:rPr lang="zh-CN" altLang="en-US" sz="3200" dirty="0">
                 <a:ea typeface="宋体" panose="02010600030101010101" pitchFamily="2" charset="-122"/>
               </a:rPr>
-              <a:t>:</a:t>
-            </a:r>
-            <a:r>
-              <a:rPr lang="zh-CN" altLang="en-US" sz="3200" dirty="0" smtClean="0">
-                <a:ea typeface="宋体" panose="02010600030101010101" pitchFamily="2" charset="-122"/>
-              </a:rPr>
               <a:t>数据旋转</a:t>
             </a:r>
-            <a:endParaRPr lang="zh-CN" altLang="en-US" sz="3200" dirty="0" smtClean="0">
-              <a:ea typeface="宋体" panose="02010600030101010101" pitchFamily="2" charset="-122"/>
-            </a:endParaRPr>
           </a:p>
         </p:txBody>
       </p:sp>
@@ -8572,7 +8502,7 @@
               <a:defRPr/>
             </a:pPr>
             <a:r>
-              <a:rPr lang="zh-CN" altLang="en-US" kern="0" dirty="0" smtClean="0">
+              <a:rPr lang="zh-CN" altLang="en-US" kern="0" dirty="0">
                 <a:solidFill>
                   <a:schemeClr val="accent1"/>
                 </a:solidFill>
@@ -8582,7 +8512,7 @@
               <a:t>一个</a:t>
             </a:r>
             <a:r>
-              <a:rPr lang="en-US" altLang="zh-CN" kern="0" dirty="0" smtClean="0">
+              <a:rPr lang="en-US" altLang="zh-CN" kern="0" dirty="0">
                 <a:solidFill>
                   <a:schemeClr val="accent1"/>
                 </a:solidFill>
@@ -8592,7 +8522,7 @@
               <a:t>&lt;pivot&gt; </a:t>
             </a:r>
             <a:r>
-              <a:rPr lang="zh-CN" altLang="en-US" kern="0" dirty="0" smtClean="0">
+              <a:rPr lang="zh-CN" altLang="en-US" kern="0" dirty="0">
                 <a:solidFill>
                   <a:schemeClr val="accent1"/>
                 </a:solidFill>
@@ -8602,7 +8532,7 @@
               <a:t>设置就完成数据结果的行列转换，简单而又痛快，管它是什么数据库，无需会写那些高级的存储过程，拥有</a:t>
             </a:r>
             <a:r>
-              <a:rPr lang="en-US" altLang="zh-CN" kern="0" dirty="0" err="1" smtClean="0">
+              <a:rPr lang="en-US" altLang="zh-CN" kern="0" dirty="0" err="1">
                 <a:solidFill>
                   <a:schemeClr val="accent1"/>
                 </a:solidFill>
@@ -8612,7 +8542,7 @@
               <a:t>sqltoy</a:t>
             </a:r>
             <a:r>
-              <a:rPr lang="zh-CN" altLang="en-US" kern="0" dirty="0" smtClean="0">
+              <a:rPr lang="zh-CN" altLang="en-US" kern="0" dirty="0">
                 <a:solidFill>
                   <a:schemeClr val="accent1"/>
                 </a:solidFill>
@@ -8622,7 +8552,7 @@
               <a:t>这是不是变成了</a:t>
             </a:r>
             <a:r>
-              <a:rPr lang="en-US" altLang="zh-CN" kern="0" dirty="0" smtClean="0">
+              <a:rPr lang="en-US" altLang="zh-CN" kern="0" dirty="0">
                 <a:solidFill>
                   <a:schemeClr val="accent1"/>
                 </a:solidFill>
@@ -8632,7 +8562,7 @@
               <a:t>1+1=2</a:t>
             </a:r>
             <a:r>
-              <a:rPr lang="zh-CN" altLang="en-US" kern="0" dirty="0" smtClean="0">
+              <a:rPr lang="zh-CN" altLang="en-US" kern="0" dirty="0">
                 <a:solidFill>
                   <a:schemeClr val="accent1"/>
                 </a:solidFill>
@@ -8642,7 +8572,7 @@
               <a:t>这样的算术题了！要是</a:t>
             </a:r>
             <a:r>
-              <a:rPr lang="en-US" altLang="zh-CN" kern="0" dirty="0" err="1" smtClean="0">
+              <a:rPr lang="en-US" altLang="zh-CN" kern="0" dirty="0" err="1">
                 <a:solidFill>
                   <a:schemeClr val="accent1"/>
                 </a:solidFill>
@@ -8652,7 +8582,7 @@
               <a:t>mybatis</a:t>
             </a:r>
             <a:r>
-              <a:rPr lang="zh-CN" altLang="en-US" kern="0" dirty="0" smtClean="0">
+              <a:rPr lang="zh-CN" altLang="en-US" kern="0" dirty="0">
                 <a:solidFill>
                   <a:schemeClr val="accent1"/>
                 </a:solidFill>
@@ -8662,7 +8592,7 @@
               <a:t>或</a:t>
             </a:r>
             <a:r>
-              <a:rPr lang="en-US" altLang="zh-CN" kern="0" dirty="0" smtClean="0">
+              <a:rPr lang="en-US" altLang="zh-CN" kern="0" dirty="0">
                 <a:solidFill>
                   <a:schemeClr val="accent1"/>
                 </a:solidFill>
@@ -8672,7 +8602,7 @@
               <a:t>Hibernate</a:t>
             </a:r>
             <a:r>
-              <a:rPr lang="zh-CN" altLang="en-US" kern="0" dirty="0" smtClean="0">
+              <a:rPr lang="zh-CN" altLang="en-US" kern="0" dirty="0">
                 <a:solidFill>
                   <a:schemeClr val="accent1"/>
                 </a:solidFill>
@@ -8681,13 +8611,6 @@
               </a:rPr>
               <a:t>，哦，天哪，该怎么办！</a:t>
             </a:r>
-            <a:endParaRPr lang="zh-CN" altLang="en-US" kern="0" dirty="0">
-              <a:solidFill>
-                <a:schemeClr val="accent1"/>
-              </a:solidFill>
-              <a:latin typeface="+mn-lt"/>
-              <a:ea typeface="宋体" panose="02010600030101010101" pitchFamily="2" charset="-122"/>
-            </a:endParaRPr>
           </a:p>
         </p:txBody>
       </p:sp>
@@ -8700,7 +8623,7 @@
           <p:nvPr/>
         </p:nvPicPr>
         <p:blipFill>
-          <a:blip r:embed="rId1"/>
+          <a:blip r:embed="rId2"/>
           <a:srcRect/>
           <a:stretch>
             <a:fillRect/>
@@ -8761,7 +8684,7 @@
               <a:buNone/>
             </a:pPr>
             <a:r>
-              <a:rPr kumimoji="0" lang="zh-CN" altLang="en-US" sz="1400" b="1" i="0" u="none" strike="noStrike" cap="none" normalizeH="0" baseline="0" dirty="0" smtClean="0">
+              <a:rPr kumimoji="0" lang="zh-CN" altLang="en-US" sz="1400" b="1" i="0" u="none" strike="noStrike" cap="none" normalizeH="0" baseline="0" dirty="0">
                 <a:ln>
                   <a:noFill/>
                 </a:ln>
@@ -8773,18 +8696,18 @@
               <a:t>如果只是简单的行转列</a:t>
             </a:r>
             <a:r>
-              <a:rPr lang="en-US" altLang="zh-CN" sz="1400" dirty="0" smtClean="0"/>
+              <a:rPr lang="en-US" altLang="zh-CN" sz="1400" dirty="0"/>
               <a:t>&lt;pivot/&gt;</a:t>
             </a:r>
             <a:r>
-              <a:rPr lang="zh-CN" altLang="en-US" sz="1400" dirty="0" smtClean="0"/>
+              <a:rPr lang="zh-CN" altLang="en-US" sz="1400" dirty="0"/>
               <a:t>就可以了，如果是更复杂的，如下可以定义分类参照</a:t>
             </a:r>
             <a:r>
-              <a:rPr lang="en-US" altLang="zh-CN" sz="1400" dirty="0" err="1" smtClean="0"/>
+              <a:rPr lang="en-US" altLang="zh-CN" sz="1400" dirty="0" err="1"/>
               <a:t>sql</a:t>
             </a:r>
-            <a:endParaRPr kumimoji="0" lang="zh-CN" altLang="en-US" sz="1400" b="1" i="0" u="none" strike="noStrike" cap="none" normalizeH="0" baseline="0" dirty="0" smtClean="0">
+            <a:endParaRPr kumimoji="0" lang="zh-CN" altLang="en-US" sz="1400" b="1" i="0" u="none" strike="noStrike" cap="none" normalizeH="0" baseline="0" dirty="0">
               <a:ln>
                 <a:noFill/>
               </a:ln>
@@ -8799,31 +8722,6 @@
       <p:pic>
         <p:nvPicPr>
           <p:cNvPr id="4" name="图片 3"/>
-          <p:cNvPicPr>
-            <a:picLocks noChangeAspect="1"/>
-          </p:cNvPicPr>
-          <p:nvPr/>
-        </p:nvPicPr>
-        <p:blipFill>
-          <a:blip r:embed="rId2"/>
-          <a:srcRect/>
-          <a:stretch>
-            <a:fillRect/>
-          </a:stretch>
-        </p:blipFill>
-        <p:spPr>
-          <a:xfrm>
-            <a:off x="1141683" y="5041151"/>
-            <a:ext cx="7721477" cy="371429"/>
-          </a:xfrm>
-          <a:prstGeom prst="rect">
-            <a:avLst/>
-          </a:prstGeom>
-        </p:spPr>
-      </p:pic>
-      <p:pic>
-        <p:nvPicPr>
-          <p:cNvPr id="5" name="图片 4"/>
           <p:cNvPicPr>
             <a:picLocks noChangeAspect="1"/>
           </p:cNvPicPr>
@@ -8838,6 +8736,31 @@
         </p:blipFill>
         <p:spPr>
           <a:xfrm>
+            <a:off x="1141683" y="5041151"/>
+            <a:ext cx="7721477" cy="371429"/>
+          </a:xfrm>
+          <a:prstGeom prst="rect">
+            <a:avLst/>
+          </a:prstGeom>
+        </p:spPr>
+      </p:pic>
+      <p:pic>
+        <p:nvPicPr>
+          <p:cNvPr id="5" name="图片 4"/>
+          <p:cNvPicPr>
+            <a:picLocks noChangeAspect="1"/>
+          </p:cNvPicPr>
+          <p:nvPr/>
+        </p:nvPicPr>
+        <p:blipFill>
+          <a:blip r:embed="rId4"/>
+          <a:srcRect/>
+          <a:stretch>
+            <a:fillRect/>
+          </a:stretch>
+        </p:blipFill>
+        <p:spPr>
+          <a:xfrm>
             <a:off x="1141683" y="5542785"/>
             <a:ext cx="7561905" cy="1095474"/>
           </a:xfrm>
@@ -8852,13 +8775,6 @@
     <a:masterClrMapping/>
   </p:clrMapOvr>
   <p:transition/>
-  <p:timing>
-    <p:tnLst>
-      <p:par>
-        <p:cTn id="1" dur="indefinite" restart="never" nodeType="tmRoot"/>
-      </p:par>
-    </p:tnLst>
-  </p:timing>
 </p:sld>
 </file>
 
@@ -8909,35 +8825,20 @@
               <a:rPr lang="zh-CN" altLang="en-US" sz="3200" dirty="0">
                 <a:ea typeface="宋体" panose="02010600030101010101" pitchFamily="2" charset="-122"/>
               </a:rPr>
-              <a:t>必杀技</a:t>
-            </a:r>
-            <a:r>
-              <a:rPr lang="zh-CN" altLang="en-US" sz="3200" dirty="0" smtClean="0">
+              <a:t>必杀技之五</a:t>
+            </a:r>
+            <a:r>
+              <a:rPr lang="en-US" altLang="zh-CN" sz="3200" dirty="0">
                 <a:ea typeface="宋体" panose="02010600030101010101" pitchFamily="2" charset="-122"/>
               </a:rPr>
-              <a:t>之</a:t>
+              <a:t>:link</a:t>
             </a:r>
             <a:r>
               <a:rPr lang="zh-CN" altLang="en-US" sz="3200" dirty="0">
                 <a:ea typeface="宋体" panose="02010600030101010101" pitchFamily="2" charset="-122"/>
               </a:rPr>
-              <a:t>五</a:t>
-            </a:r>
-            <a:r>
-              <a:rPr lang="en-US" altLang="zh-CN" sz="3200" dirty="0" smtClean="0">
-                <a:ea typeface="宋体" panose="02010600030101010101" pitchFamily="2" charset="-122"/>
-              </a:rPr>
-              <a:t>:link</a:t>
-            </a:r>
-            <a:r>
-              <a:rPr lang="zh-CN" altLang="en-US" sz="3200" dirty="0" smtClean="0">
-                <a:ea typeface="宋体" panose="02010600030101010101" pitchFamily="2" charset="-122"/>
-              </a:rPr>
               <a:t>、汇总平均</a:t>
             </a:r>
-            <a:endParaRPr lang="zh-CN" altLang="en-US" sz="3200" dirty="0" smtClean="0">
-              <a:ea typeface="宋体" panose="02010600030101010101" pitchFamily="2" charset="-122"/>
-            </a:endParaRPr>
           </a:p>
         </p:txBody>
       </p:sp>
@@ -9010,34 +8911,34 @@
               <a:defRPr/>
             </a:pPr>
             <a:r>
-              <a:rPr lang="en-US" altLang="zh-CN" kern="0" dirty="0" smtClean="0">
+              <a:rPr lang="en-US" altLang="zh-CN" kern="0" dirty="0">
                 <a:latin typeface="+mn-lt"/>
                 <a:ea typeface="宋体" panose="02010600030101010101" pitchFamily="2" charset="-122"/>
               </a:rPr>
               <a:t>1</a:t>
             </a:r>
             <a:r>
-              <a:rPr lang="zh-CN" altLang="en-US" kern="0" dirty="0" smtClean="0">
+              <a:rPr lang="zh-CN" altLang="en-US" kern="0" dirty="0">
                 <a:latin typeface="+mn-lt"/>
                 <a:ea typeface="宋体" panose="02010600030101010101" pitchFamily="2" charset="-122"/>
               </a:rPr>
               <a:t>、</a:t>
             </a:r>
             <a:r>
-              <a:rPr lang="en-US" altLang="zh-CN" kern="0" dirty="0" smtClean="0">
+              <a:rPr lang="en-US" altLang="zh-CN" kern="0" dirty="0">
                 <a:latin typeface="+mn-lt"/>
                 <a:ea typeface="宋体" panose="02010600030101010101" pitchFamily="2" charset="-122"/>
               </a:rPr>
               <a:t>link:</a:t>
             </a:r>
             <a:r>
-              <a:rPr lang="zh-CN" altLang="en-US" kern="0" dirty="0" smtClean="0">
+              <a:rPr lang="zh-CN" altLang="en-US" kern="0" dirty="0">
                 <a:latin typeface="+mn-lt"/>
                 <a:ea typeface="宋体" panose="02010600030101010101" pitchFamily="2" charset="-122"/>
               </a:rPr>
               <a:t>破除不同数据库语法问题，可以直接将数据按指定的拼接符组成串</a:t>
             </a:r>
-            <a:endParaRPr lang="en-US" altLang="zh-CN" kern="0" dirty="0" smtClean="0">
+            <a:endParaRPr lang="en-US" altLang="zh-CN" kern="0" dirty="0">
               <a:latin typeface="+mn-lt"/>
               <a:ea typeface="宋体" panose="02010600030101010101" pitchFamily="2" charset="-122"/>
             </a:endParaRPr>
@@ -9051,34 +8952,34 @@
               <a:defRPr/>
             </a:pPr>
             <a:r>
-              <a:rPr lang="en-US" altLang="zh-CN" kern="0" dirty="0" smtClean="0">
+              <a:rPr lang="en-US" altLang="zh-CN" kern="0" dirty="0">
                 <a:latin typeface="+mn-lt"/>
                 <a:ea typeface="宋体" panose="02010600030101010101" pitchFamily="2" charset="-122"/>
               </a:rPr>
               <a:t>2</a:t>
             </a:r>
             <a:r>
-              <a:rPr lang="zh-CN" altLang="en-US" kern="0" dirty="0" smtClean="0">
+              <a:rPr lang="zh-CN" altLang="en-US" kern="0" dirty="0">
                 <a:latin typeface="+mn-lt"/>
                 <a:ea typeface="宋体" panose="02010600030101010101" pitchFamily="2" charset="-122"/>
               </a:rPr>
               <a:t>、</a:t>
             </a:r>
             <a:r>
-              <a:rPr lang="en-US" altLang="zh-CN" kern="0" dirty="0" smtClean="0">
+              <a:rPr lang="en-US" altLang="zh-CN" kern="0" dirty="0">
                 <a:latin typeface="+mn-lt"/>
                 <a:ea typeface="宋体" panose="02010600030101010101" pitchFamily="2" charset="-122"/>
               </a:rPr>
               <a:t>summary</a:t>
             </a:r>
             <a:r>
-              <a:rPr lang="zh-CN" altLang="en-US" kern="0" dirty="0" smtClean="0">
+              <a:rPr lang="zh-CN" altLang="en-US" kern="0" dirty="0">
                 <a:latin typeface="+mn-lt"/>
                 <a:ea typeface="宋体" panose="02010600030101010101" pitchFamily="2" charset="-122"/>
               </a:rPr>
               <a:t>：提供汇总求平均等功能，而无需关心什么数据库</a:t>
             </a:r>
-            <a:endParaRPr lang="en-US" altLang="zh-CN" kern="0" dirty="0" smtClean="0">
+            <a:endParaRPr lang="en-US" altLang="zh-CN" kern="0" dirty="0">
               <a:latin typeface="+mn-lt"/>
               <a:ea typeface="宋体" panose="02010600030101010101" pitchFamily="2" charset="-122"/>
             </a:endParaRPr>
@@ -9092,27 +8993,27 @@
               <a:defRPr/>
             </a:pPr>
             <a:r>
-              <a:rPr lang="zh-CN" altLang="en-US" kern="0" dirty="0" smtClean="0">
+              <a:rPr lang="zh-CN" altLang="en-US" kern="0" dirty="0">
                 <a:latin typeface="+mn-lt"/>
                 <a:ea typeface="宋体" panose="02010600030101010101" pitchFamily="2" charset="-122"/>
               </a:rPr>
               <a:t>当然</a:t>
             </a:r>
             <a:r>
-              <a:rPr lang="en-US" altLang="zh-CN" kern="0" dirty="0" err="1" smtClean="0">
+              <a:rPr lang="en-US" altLang="zh-CN" kern="0" dirty="0" err="1">
                 <a:latin typeface="+mn-lt"/>
                 <a:ea typeface="宋体" panose="02010600030101010101" pitchFamily="2" charset="-122"/>
               </a:rPr>
               <a:t>sqltoy</a:t>
             </a:r>
             <a:r>
-              <a:rPr lang="zh-CN" altLang="en-US" kern="0" dirty="0" smtClean="0">
+              <a:rPr lang="zh-CN" altLang="en-US" kern="0" dirty="0">
                 <a:latin typeface="+mn-lt"/>
                 <a:ea typeface="宋体" panose="02010600030101010101" pitchFamily="2" charset="-122"/>
               </a:rPr>
               <a:t>还有一些其它的优良特性，如树形数据查询，取随机记录等等</a:t>
             </a:r>
-            <a:endParaRPr lang="en-US" altLang="zh-CN" kern="0" dirty="0" smtClean="0">
+            <a:endParaRPr lang="en-US" altLang="zh-CN" kern="0" dirty="0">
               <a:latin typeface="+mn-lt"/>
               <a:ea typeface="宋体" panose="02010600030101010101" pitchFamily="2" charset="-122"/>
             </a:endParaRPr>
@@ -9125,7 +9026,7 @@
               <a:buSzPct val="85000"/>
               <a:defRPr/>
             </a:pPr>
-            <a:endParaRPr lang="en-US" altLang="zh-CN" kern="0" dirty="0" smtClean="0">
+            <a:endParaRPr lang="en-US" altLang="zh-CN" kern="0" dirty="0">
               <a:latin typeface="+mn-lt"/>
               <a:ea typeface="宋体" panose="02010600030101010101" pitchFamily="2" charset="-122"/>
             </a:endParaRPr>
@@ -9141,7 +9042,7 @@
           <p:nvPr/>
         </p:nvPicPr>
         <p:blipFill>
-          <a:blip r:embed="rId1"/>
+          <a:blip r:embed="rId2"/>
           <a:srcRect/>
           <a:stretch>
             <a:fillRect/>
@@ -9163,13 +9064,6 @@
     <a:masterClrMapping/>
   </p:clrMapOvr>
   <p:transition/>
-  <p:timing>
-    <p:tnLst>
-      <p:par>
-        <p:cTn id="1" dur="indefinite" restart="never" nodeType="tmRoot"/>
-      </p:par>
-    </p:tnLst>
-  </p:timing>
 </p:sld>
 </file>
 
@@ -9211,32 +9105,29 @@
           <a:lstStyle/>
           <a:p>
             <a:r>
-              <a:rPr lang="en-US" altLang="zh-CN" sz="3200" dirty="0" err="1" smtClean="0">
+              <a:rPr lang="en-US" altLang="zh-CN" sz="3200" dirty="0" err="1">
                 <a:ea typeface="宋体" panose="02010600030101010101" pitchFamily="2" charset="-122"/>
               </a:rPr>
               <a:t>SqlToy</a:t>
             </a:r>
             <a:r>
-              <a:rPr lang="zh-CN" altLang="en-US" sz="3200" dirty="0" smtClean="0">
+              <a:rPr lang="zh-CN" altLang="en-US" sz="3200" dirty="0">
                 <a:ea typeface="宋体" panose="02010600030101010101" pitchFamily="2" charset="-122"/>
               </a:rPr>
               <a:t>小特点</a:t>
             </a:r>
             <a:r>
-              <a:rPr lang="en-US" altLang="zh-CN" sz="3200" dirty="0" smtClean="0">
+              <a:rPr lang="en-US" altLang="zh-CN" sz="3200" dirty="0">
                 <a:ea typeface="宋体" panose="02010600030101010101" pitchFamily="2" charset="-122"/>
               </a:rPr>
               <a:t>:</a:t>
             </a:r>
             <a:r>
-              <a:rPr lang="zh-CN" altLang="en-US" sz="3200" dirty="0" smtClean="0">
+              <a:rPr lang="zh-CN" altLang="en-US" sz="3200" dirty="0">
                 <a:ea typeface="宋体" panose="02010600030101010101" pitchFamily="2" charset="-122"/>
               </a:rPr>
               <a:t>树形数据处理</a:t>
             </a:r>
-            <a:endParaRPr lang="zh-CN" altLang="en-US" sz="3200" dirty="0" smtClean="0">
-              <a:ea typeface="宋体" panose="02010600030101010101" pitchFamily="2" charset="-122"/>
-            </a:endParaRPr>
           </a:p>
         </p:txBody>
       </p:sp>
@@ -9309,13 +9200,13 @@
               <a:defRPr/>
             </a:pPr>
             <a:r>
-              <a:rPr lang="zh-CN" altLang="en-US" kern="0" dirty="0" smtClean="0">
+              <a:rPr lang="zh-CN" altLang="en-US" kern="0" dirty="0">
                 <a:latin typeface="+mn-lt"/>
                 <a:ea typeface="宋体" panose="02010600030101010101" pitchFamily="2" charset="-122"/>
               </a:rPr>
               <a:t>如何查询某个或某几个机构节点下面所有人的考勤信息？</a:t>
             </a:r>
-            <a:endParaRPr lang="en-US" altLang="zh-CN" kern="0" dirty="0" smtClean="0">
+            <a:endParaRPr lang="en-US" altLang="zh-CN" kern="0" dirty="0">
               <a:latin typeface="+mn-lt"/>
               <a:ea typeface="宋体" panose="02010600030101010101" pitchFamily="2" charset="-122"/>
             </a:endParaRPr>
@@ -9329,69 +9220,69 @@
               <a:defRPr/>
             </a:pPr>
             <a:r>
-              <a:rPr lang="zh-CN" altLang="en-US" kern="0" dirty="0" smtClean="0">
+              <a:rPr lang="zh-CN" altLang="en-US" kern="0" dirty="0">
                 <a:latin typeface="+mn-lt"/>
                 <a:ea typeface="宋体" panose="02010600030101010101" pitchFamily="2" charset="-122"/>
               </a:rPr>
               <a:t>递归？你会写</a:t>
             </a:r>
             <a:r>
-              <a:rPr lang="en-US" altLang="zh-CN" kern="0" dirty="0" smtClean="0">
+              <a:rPr lang="en-US" altLang="zh-CN" kern="0" dirty="0">
                 <a:latin typeface="+mn-lt"/>
                 <a:ea typeface="宋体" panose="02010600030101010101" pitchFamily="2" charset="-122"/>
               </a:rPr>
               <a:t>oracle</a:t>
             </a:r>
             <a:r>
-              <a:rPr lang="zh-CN" altLang="en-US" kern="0" dirty="0" smtClean="0">
+              <a:rPr lang="zh-CN" altLang="en-US" kern="0" dirty="0">
                 <a:latin typeface="+mn-lt"/>
                 <a:ea typeface="宋体" panose="02010600030101010101" pitchFamily="2" charset="-122"/>
               </a:rPr>
               <a:t>的递归！好，那</a:t>
             </a:r>
             <a:r>
-              <a:rPr lang="en-US" altLang="zh-CN" kern="0" dirty="0" smtClean="0">
+              <a:rPr lang="en-US" altLang="zh-CN" kern="0" dirty="0">
                 <a:latin typeface="+mn-lt"/>
                 <a:ea typeface="宋体" panose="02010600030101010101" pitchFamily="2" charset="-122"/>
               </a:rPr>
               <a:t>db2</a:t>
             </a:r>
             <a:r>
-              <a:rPr lang="zh-CN" altLang="en-US" kern="0" dirty="0" smtClean="0">
+              <a:rPr lang="zh-CN" altLang="en-US" kern="0" dirty="0">
                 <a:latin typeface="+mn-lt"/>
                 <a:ea typeface="宋体" panose="02010600030101010101" pitchFamily="2" charset="-122"/>
               </a:rPr>
               <a:t>呢、</a:t>
             </a:r>
             <a:r>
-              <a:rPr lang="en-US" altLang="zh-CN" kern="0" dirty="0" err="1" smtClean="0">
+              <a:rPr lang="en-US" altLang="zh-CN" kern="0" dirty="0" err="1">
                 <a:latin typeface="+mn-lt"/>
                 <a:ea typeface="宋体" panose="02010600030101010101" pitchFamily="2" charset="-122"/>
               </a:rPr>
               <a:t>mysql</a:t>
             </a:r>
             <a:r>
-              <a:rPr lang="zh-CN" altLang="en-US" kern="0" dirty="0" smtClean="0">
+              <a:rPr lang="zh-CN" altLang="en-US" kern="0" dirty="0">
                 <a:latin typeface="+mn-lt"/>
                 <a:ea typeface="宋体" panose="02010600030101010101" pitchFamily="2" charset="-122"/>
               </a:rPr>
               <a:t>呢？</a:t>
             </a:r>
             <a:r>
-              <a:rPr lang="en-US" altLang="zh-CN" kern="0" dirty="0" err="1" smtClean="0">
+              <a:rPr lang="en-US" altLang="zh-CN" kern="0" dirty="0" err="1">
                 <a:latin typeface="+mn-lt"/>
                 <a:ea typeface="宋体" panose="02010600030101010101" pitchFamily="2" charset="-122"/>
               </a:rPr>
               <a:t>Sqlserver</a:t>
             </a:r>
             <a:r>
-              <a:rPr lang="zh-CN" altLang="en-US" kern="0" dirty="0" smtClean="0">
+              <a:rPr lang="zh-CN" altLang="en-US" kern="0" dirty="0">
                 <a:latin typeface="+mn-lt"/>
                 <a:ea typeface="宋体" panose="02010600030101010101" pitchFamily="2" charset="-122"/>
               </a:rPr>
               <a:t>呢？你都会吗？每次换数据库你都要改一次吗？产品是这么玩的吗？</a:t>
             </a:r>
-            <a:endParaRPr lang="en-US" altLang="zh-CN" kern="0" dirty="0" smtClean="0">
+            <a:endParaRPr lang="en-US" altLang="zh-CN" kern="0" dirty="0">
               <a:latin typeface="+mn-lt"/>
               <a:ea typeface="宋体" panose="02010600030101010101" pitchFamily="2" charset="-122"/>
             </a:endParaRPr>
@@ -9407,7 +9298,7 @@
           <p:nvPr/>
         </p:nvPicPr>
         <p:blipFill>
-          <a:blip r:embed="rId1"/>
+          <a:blip r:embed="rId2"/>
           <a:srcRect/>
           <a:stretch>
             <a:fillRect/>
@@ -9432,7 +9323,7 @@
           <p:nvPr/>
         </p:nvPicPr>
         <p:blipFill>
-          <a:blip r:embed="rId2"/>
+          <a:blip r:embed="rId3"/>
           <a:srcRect/>
           <a:stretch>
             <a:fillRect/>
@@ -9493,7 +9384,7 @@
               <a:buNone/>
             </a:pPr>
             <a:r>
-              <a:rPr lang="zh-CN" altLang="en-US" dirty="0" smtClean="0">
+              <a:rPr lang="zh-CN" altLang="en-US" dirty="0">
                 <a:solidFill>
                   <a:srgbClr val="FF0000"/>
                 </a:solidFill>
@@ -9501,14 +9392,14 @@
               <a:t>说透了其实很简单，其实应了一句话：大道至简</a:t>
             </a:r>
             <a:r>
-              <a:rPr lang="en-US" altLang="zh-CN" dirty="0" smtClean="0">
+              <a:rPr lang="en-US" altLang="zh-CN" dirty="0">
                 <a:solidFill>
                   <a:srgbClr val="FF0000"/>
                 </a:solidFill>
               </a:rPr>
               <a:t>!</a:t>
             </a:r>
-            <a:endParaRPr kumimoji="0" lang="zh-CN" altLang="en-US" sz="1800" b="1" i="0" u="none" strike="noStrike" cap="none" normalizeH="0" baseline="0" dirty="0" smtClean="0">
+            <a:endParaRPr kumimoji="0" lang="zh-CN" altLang="en-US" sz="1800" b="1" i="0" u="none" strike="noStrike" cap="none" normalizeH="0" baseline="0" dirty="0">
               <a:ln>
                 <a:noFill/>
               </a:ln>
@@ -9526,13 +9417,6 @@
     <a:masterClrMapping/>
   </p:clrMapOvr>
   <p:transition/>
-  <p:timing>
-    <p:tnLst>
-      <p:par>
-        <p:cTn id="1" dur="indefinite" restart="never" nodeType="tmRoot"/>
-      </p:par>
-    </p:tnLst>
-  </p:timing>
 </p:sld>
 </file>
 
@@ -9574,44 +9458,41 @@
           <a:lstStyle/>
           <a:p>
             <a:r>
-              <a:rPr lang="en-US" altLang="zh-CN" sz="3200" dirty="0" err="1" smtClean="0">
+              <a:rPr lang="en-US" altLang="zh-CN" sz="3200" dirty="0" err="1">
                 <a:ea typeface="宋体" panose="02010600030101010101" pitchFamily="2" charset="-122"/>
               </a:rPr>
               <a:t>SqlToy</a:t>
-            </a:r>
-            <a:r>
-              <a:rPr lang="zh-CN" altLang="en-US" sz="3200" dirty="0" smtClean="0">
-                <a:ea typeface="宋体" panose="02010600030101010101" pitchFamily="2" charset="-122"/>
-              </a:rPr>
-              <a:t>小特点</a:t>
-            </a:r>
-            <a:r>
-              <a:rPr lang="en-US" altLang="zh-CN" sz="3200" dirty="0" smtClean="0">
-                <a:ea typeface="宋体" panose="02010600030101010101" pitchFamily="2" charset="-122"/>
-              </a:rPr>
-              <a:t>:</a:t>
-            </a:r>
-            <a:r>
-              <a:rPr lang="zh-CN" altLang="en-US" sz="3200" dirty="0" smtClean="0">
-                <a:ea typeface="宋体" panose="02010600030101010101" pitchFamily="2" charset="-122"/>
-              </a:rPr>
-              <a:t>真正的防范</a:t>
-            </a:r>
-            <a:r>
-              <a:rPr lang="en-US" altLang="zh-CN" sz="3200" dirty="0" err="1" smtClean="0">
-                <a:ea typeface="宋体" panose="02010600030101010101" pitchFamily="2" charset="-122"/>
-              </a:rPr>
-              <a:t>sql</a:t>
             </a:r>
             <a:r>
               <a:rPr lang="zh-CN" altLang="en-US" sz="3200" dirty="0">
                 <a:ea typeface="宋体" panose="02010600030101010101" pitchFamily="2" charset="-122"/>
               </a:rPr>
+              <a:t>小特点</a:t>
+            </a:r>
+            <a:r>
+              <a:rPr lang="en-US" altLang="zh-CN" sz="3200" dirty="0">
+                <a:ea typeface="宋体" panose="02010600030101010101" pitchFamily="2" charset="-122"/>
+              </a:rPr>
+              <a:t>:</a:t>
+            </a:r>
+            <a:r>
+              <a:rPr lang="zh-CN" altLang="en-US" sz="3200" dirty="0">
+                <a:ea typeface="宋体" panose="02010600030101010101" pitchFamily="2" charset="-122"/>
+              </a:rPr>
+              <a:t>真正的防范</a:t>
+            </a:r>
+            <a:r>
+              <a:rPr lang="en-US" altLang="zh-CN" sz="3200" dirty="0" err="1">
+                <a:ea typeface="宋体" panose="02010600030101010101" pitchFamily="2" charset="-122"/>
+              </a:rPr>
+              <a:t>sql</a:t>
+            </a:r>
+            <a:r>
+              <a:rPr lang="zh-CN" altLang="en-US" sz="3200" dirty="0">
+                <a:ea typeface="宋体" panose="02010600030101010101" pitchFamily="2" charset="-122"/>
+              </a:rPr>
               <a:t>注入</a:t>
             </a:r>
-            <a:endParaRPr lang="zh-CN" altLang="en-US" sz="3200" dirty="0" smtClean="0">
-              <a:ea typeface="宋体" panose="02010600030101010101" pitchFamily="2" charset="-122"/>
-            </a:endParaRPr>
           </a:p>
         </p:txBody>
       </p:sp>
@@ -9694,7 +9575,7 @@
               <a:buNone/>
             </a:pPr>
             <a:r>
-              <a:rPr kumimoji="0" lang="en-US" altLang="zh-CN" sz="1800" b="1" i="0" u="none" strike="noStrike" cap="none" normalizeH="0" baseline="0" dirty="0" err="1" smtClean="0">
+              <a:rPr kumimoji="0" lang="en-US" altLang="zh-CN" sz="1800" b="1" i="0" u="none" strike="noStrike" cap="none" normalizeH="0" baseline="0" dirty="0" err="1">
                 <a:ln>
                   <a:noFill/>
                 </a:ln>
@@ -9707,7 +9588,7 @@
               <a:t>Sqltoy</a:t>
             </a:r>
             <a:r>
-              <a:rPr kumimoji="0" lang="zh-CN" altLang="en-US" sz="1800" b="1" i="0" u="none" strike="noStrike" cap="none" normalizeH="0" baseline="0" dirty="0" smtClean="0">
+              <a:rPr kumimoji="0" lang="zh-CN" altLang="en-US" sz="1800" b="1" i="0" u="none" strike="noStrike" cap="none" normalizeH="0" baseline="0" dirty="0">
                 <a:ln>
                   <a:noFill/>
                 </a:ln>
@@ -9720,7 +9601,7 @@
               <a:t>的</a:t>
             </a:r>
             <a:r>
-              <a:rPr kumimoji="0" lang="en-US" altLang="zh-CN" sz="1800" b="1" i="0" u="none" strike="noStrike" cap="none" normalizeH="0" baseline="0" dirty="0" err="1" smtClean="0">
+              <a:rPr kumimoji="0" lang="en-US" altLang="zh-CN" sz="1800" b="1" i="0" u="none" strike="noStrike" cap="none" normalizeH="0" baseline="0" dirty="0" err="1">
                 <a:ln>
                   <a:noFill/>
                 </a:ln>
@@ -9733,7 +9614,7 @@
               <a:t>sql</a:t>
             </a:r>
             <a:r>
-              <a:rPr kumimoji="0" lang="zh-CN" altLang="en-US" sz="1800" b="1" i="0" u="none" strike="noStrike" cap="none" normalizeH="0" baseline="0" dirty="0" smtClean="0">
+              <a:rPr kumimoji="0" lang="zh-CN" altLang="en-US" sz="1800" b="1" i="0" u="none" strike="noStrike" cap="none" normalizeH="0" baseline="0" dirty="0">
                 <a:ln>
                   <a:noFill/>
                 </a:ln>
@@ -9746,7 +9627,7 @@
               <a:t>不是大家理解的那种</a:t>
             </a:r>
             <a:r>
-              <a:rPr kumimoji="0" lang="en-US" altLang="zh-CN" sz="1800" b="1" i="0" u="none" strike="noStrike" cap="none" normalizeH="0" baseline="0" dirty="0" err="1" smtClean="0">
+              <a:rPr kumimoji="0" lang="en-US" altLang="zh-CN" sz="1800" b="1" i="0" u="none" strike="noStrike" cap="none" normalizeH="0" baseline="0" dirty="0" err="1">
                 <a:ln>
                   <a:noFill/>
                 </a:ln>
@@ -9759,7 +9640,7 @@
               <a:t>sql</a:t>
             </a:r>
             <a:r>
-              <a:rPr kumimoji="0" lang="zh-CN" altLang="en-US" sz="1800" b="1" i="0" u="none" strike="noStrike" cap="none" normalizeH="0" baseline="0" dirty="0" smtClean="0">
+              <a:rPr kumimoji="0" lang="zh-CN" altLang="en-US" sz="1800" b="1" i="0" u="none" strike="noStrike" cap="none" normalizeH="0" baseline="0" dirty="0">
                 <a:ln>
                   <a:noFill/>
                 </a:ln>
@@ -9771,7 +9652,7 @@
               </a:rPr>
               <a:t>拼接，所有的查询最终都是：</a:t>
             </a:r>
-            <a:endParaRPr kumimoji="0" lang="en-US" altLang="zh-CN" sz="1800" b="1" i="0" u="none" strike="noStrike" cap="none" normalizeH="0" baseline="0" dirty="0" smtClean="0">
+            <a:endParaRPr kumimoji="0" lang="en-US" altLang="zh-CN" sz="1800" b="1" i="0" u="none" strike="noStrike" cap="none" normalizeH="0" baseline="0" dirty="0">
               <a:ln>
                 <a:noFill/>
               </a:ln>
@@ -9796,22 +9677,22 @@
               <a:buNone/>
             </a:pPr>
             <a:r>
-              <a:rPr lang="en-US" altLang="zh-CN" dirty="0" smtClean="0"/>
+              <a:rPr lang="en-US" altLang="zh-CN" dirty="0"/>
               <a:t>Select </a:t>
             </a:r>
             <a:r>
-              <a:rPr lang="zh-CN" altLang="en-US" dirty="0" smtClean="0"/>
+              <a:rPr lang="zh-CN" altLang="en-US" dirty="0"/>
               <a:t>* </a:t>
             </a:r>
             <a:r>
-              <a:rPr lang="en-US" altLang="zh-CN" dirty="0" smtClean="0"/>
+              <a:rPr lang="en-US" altLang="zh-CN" dirty="0"/>
               <a:t>from table where name=? And status in (?,?)</a:t>
             </a:r>
             <a:r>
-              <a:rPr lang="zh-CN" altLang="en-US" dirty="0" smtClean="0"/>
+              <a:rPr lang="zh-CN" altLang="en-US" dirty="0"/>
               <a:t>这种形态的</a:t>
             </a:r>
-            <a:endParaRPr kumimoji="0" lang="zh-CN" altLang="en-US" sz="1800" b="1" i="0" u="none" strike="noStrike" cap="none" normalizeH="0" baseline="0" dirty="0" smtClean="0">
+            <a:endParaRPr kumimoji="0" lang="zh-CN" altLang="en-US" sz="1800" b="1" i="0" u="none" strike="noStrike" cap="none" normalizeH="0" baseline="0" dirty="0">
               <a:ln>
                 <a:noFill/>
               </a:ln>
@@ -9833,7 +9714,7 @@
           <p:nvPr/>
         </p:nvPicPr>
         <p:blipFill>
-          <a:blip r:embed="rId1"/>
+          <a:blip r:embed="rId2"/>
           <a:srcRect/>
           <a:stretch>
             <a:fillRect/>
@@ -9858,7 +9739,7 @@
           <p:nvPr/>
         </p:nvPicPr>
         <p:blipFill>
-          <a:blip r:embed="rId2"/>
+          <a:blip r:embed="rId3"/>
           <a:srcRect/>
           <a:stretch>
             <a:fillRect/>
@@ -9924,7 +9805,7 @@
               <a:buNone/>
             </a:pPr>
             <a:r>
-              <a:rPr kumimoji="0" lang="zh-CN" altLang="en-US" sz="1800" b="1" i="0" u="none" strike="noStrike" cap="none" normalizeH="0" baseline="0" dirty="0" smtClean="0">
+              <a:rPr kumimoji="0" lang="zh-CN" altLang="en-US" sz="1800" b="1" i="0" u="none" strike="noStrike" cap="none" normalizeH="0" baseline="0" dirty="0">
                 <a:ln>
                   <a:noFill/>
                 </a:ln>
@@ -9937,7 +9818,7 @@
               <a:t>原始</a:t>
             </a:r>
             <a:r>
-              <a:rPr kumimoji="0" lang="en-US" altLang="zh-CN" sz="1800" b="1" i="0" u="none" strike="noStrike" cap="none" normalizeH="0" baseline="0" dirty="0" err="1" smtClean="0">
+              <a:rPr kumimoji="0" lang="en-US" altLang="zh-CN" sz="1800" b="1" i="0" u="none" strike="noStrike" cap="none" normalizeH="0" baseline="0" dirty="0" err="1">
                 <a:ln>
                   <a:noFill/>
                 </a:ln>
@@ -9949,7 +9830,7 @@
               </a:rPr>
               <a:t>sql</a:t>
             </a:r>
-            <a:endParaRPr kumimoji="0" lang="zh-CN" altLang="en-US" sz="1800" b="1" i="0" u="none" strike="noStrike" cap="none" normalizeH="0" baseline="0" dirty="0" smtClean="0">
+            <a:endParaRPr kumimoji="0" lang="zh-CN" altLang="en-US" sz="1800" b="1" i="0" u="none" strike="noStrike" cap="none" normalizeH="0" baseline="0" dirty="0">
               <a:ln>
                 <a:noFill/>
               </a:ln>
@@ -10012,7 +9893,7 @@
               <a:buNone/>
             </a:pPr>
             <a:r>
-              <a:rPr lang="zh-CN" altLang="en-US" dirty="0" smtClean="0">
+              <a:rPr lang="zh-CN" altLang="en-US" dirty="0">
                 <a:solidFill>
                   <a:schemeClr val="tx1"/>
                 </a:solidFill>
@@ -10021,7 +9902,7 @@
               <a:t>最终执行的</a:t>
             </a:r>
             <a:r>
-              <a:rPr lang="en-US" altLang="zh-CN" dirty="0" err="1" smtClean="0">
+              <a:rPr lang="en-US" altLang="zh-CN" dirty="0" err="1">
                 <a:solidFill>
                   <a:schemeClr val="tx1"/>
                 </a:solidFill>
@@ -10029,7 +9910,7 @@
               </a:rPr>
               <a:t>sql</a:t>
             </a:r>
-            <a:endParaRPr kumimoji="0" lang="zh-CN" altLang="en-US" sz="1800" b="1" i="0" u="none" strike="noStrike" cap="none" normalizeH="0" baseline="0" dirty="0" smtClean="0">
+            <a:endParaRPr kumimoji="0" lang="zh-CN" altLang="en-US" sz="1800" b="1" i="0" u="none" strike="noStrike" cap="none" normalizeH="0" baseline="0" dirty="0">
               <a:ln>
                 <a:noFill/>
               </a:ln>
@@ -10048,13 +9929,6 @@
     <a:masterClrMapping/>
   </p:clrMapOvr>
   <p:transition/>
-  <p:timing>
-    <p:tnLst>
-      <p:par>
-        <p:cTn id="1" dur="indefinite" restart="never" nodeType="tmRoot"/>
-      </p:par>
-    </p:tnLst>
-  </p:timing>
 </p:sld>
 </file>
 
@@ -10096,20 +9970,17 @@
           <a:lstStyle/>
           <a:p>
             <a:r>
-              <a:rPr lang="en-US" altLang="zh-CN" sz="3200" dirty="0" err="1" smtClean="0">
+              <a:rPr lang="en-US" altLang="zh-CN" sz="3200" dirty="0" err="1">
                 <a:ea typeface="宋体" panose="02010600030101010101" pitchFamily="2" charset="-122"/>
               </a:rPr>
               <a:t>SqlToy-ORM:</a:t>
             </a:r>
             <a:r>
-              <a:rPr lang="zh-CN" altLang="en-US" sz="3200" dirty="0" err="1" smtClean="0">
+              <a:rPr lang="zh-CN" altLang="en-US" sz="3200" dirty="0" err="1">
                 <a:ea typeface="宋体" panose="02010600030101010101" pitchFamily="2" charset="-122"/>
               </a:rPr>
               <a:t>增删改查操作</a:t>
             </a:r>
-            <a:endParaRPr lang="zh-CN" altLang="en-US" sz="3200" dirty="0" err="1" smtClean="0">
-              <a:ea typeface="宋体" panose="02010600030101010101" pitchFamily="2" charset="-122"/>
-            </a:endParaRPr>
           </a:p>
         </p:txBody>
       </p:sp>
@@ -10192,7 +10063,7 @@
               <a:buNone/>
             </a:pPr>
             <a:r>
-              <a:rPr kumimoji="0" lang="en-US" altLang="zh-CN" sz="1800" b="1" i="0" u="none" strike="noStrike" cap="none" normalizeH="0" baseline="0" dirty="0" smtClean="0">
+              <a:rPr kumimoji="0" lang="en-US" altLang="zh-CN" sz="1800" b="1" i="0" u="none" strike="noStrike" cap="none" normalizeH="0" baseline="0" dirty="0">
                 <a:ln>
                   <a:noFill/>
                 </a:ln>
@@ -10205,7 +10076,7 @@
               <a:t>SqlToy</a:t>
             </a:r>
             <a:r>
-              <a:rPr kumimoji="0" lang="zh-CN" altLang="en-US" sz="1800" b="1" i="0" u="none" strike="noStrike" cap="none" normalizeH="0" baseline="0" dirty="0" smtClean="0">
+              <a:rPr kumimoji="0" lang="zh-CN" altLang="en-US" sz="1800" b="1" i="0" u="none" strike="noStrike" cap="none" normalizeH="0" baseline="0" dirty="0">
                 <a:ln>
                   <a:noFill/>
                 </a:ln>
@@ -10219,7 +10090,7 @@
               <a:t>给大家的感觉只是查询比较牛，其实</a:t>
             </a:r>
             <a:r>
-              <a:rPr kumimoji="0" lang="en-US" altLang="zh-CN" sz="1800" b="1" i="0" u="none" strike="noStrike" cap="none" normalizeH="0" baseline="0" dirty="0" smtClean="0">
+              <a:rPr kumimoji="0" lang="en-US" altLang="zh-CN" sz="1800" b="1" i="0" u="none" strike="noStrike" cap="none" normalizeH="0" baseline="0" dirty="0">
                 <a:ln>
                   <a:noFill/>
                 </a:ln>
@@ -10233,7 +10104,7 @@
               <a:t>Sqltoy</a:t>
             </a:r>
             <a:r>
-              <a:rPr kumimoji="0" lang="zh-CN" altLang="en-US" sz="1800" b="1" i="0" u="none" strike="noStrike" cap="none" normalizeH="0" baseline="0" dirty="0" smtClean="0">
+              <a:rPr kumimoji="0" lang="zh-CN" altLang="en-US" sz="1800" b="1" i="0" u="none" strike="noStrike" cap="none" normalizeH="0" baseline="0" dirty="0">
                 <a:ln>
                   <a:noFill/>
                 </a:ln>
@@ -10246,7 +10117,203 @@
               </a:rPr>
               <a:t>在对象的增删改查方面</a:t>
             </a:r>
-            <a:endParaRPr kumimoji="0" lang="zh-CN" altLang="en-US" sz="1800" b="1" i="0" u="none" strike="noStrike" cap="none" normalizeH="0" baseline="0" dirty="0" smtClean="0">
+          </a:p>
+          <a:p>
+            <a:pPr marL="0" marR="0" indent="0" algn="l" defTabSz="914400" rtl="0" eaLnBrk="1" fontAlgn="base" latinLnBrk="0" hangingPunct="1">
+              <a:spcBef>
+                <a:spcPct val="0"/>
+              </a:spcBef>
+              <a:spcAft>
+                <a:spcPct val="0"/>
+              </a:spcAft>
+              <a:buClrTx/>
+              <a:buSzTx/>
+              <a:buFontTx/>
+              <a:buNone/>
+            </a:pPr>
+            <a:r>
+              <a:rPr kumimoji="0" lang="zh-CN" altLang="en-US" sz="1800" b="1" i="0" u="none" strike="noStrike" cap="none" normalizeH="0" baseline="0" dirty="0">
+                <a:ln>
+                  <a:noFill/>
+                </a:ln>
+                <a:solidFill>
+                  <a:schemeClr val="tx1"/>
+                </a:solidFill>
+                <a:effectLst/>
+                <a:latin typeface="Arial" panose="020B0604020202020204" pitchFamily="34" charset="0"/>
+                <a:ea typeface="宋体" panose="02010600030101010101" pitchFamily="2" charset="-122"/>
+              </a:rPr>
+              <a:t>也是非常有特色的。</a:t>
+            </a:r>
+          </a:p>
+          <a:p>
+            <a:pPr marL="285750" marR="0" indent="-285750" algn="l" defTabSz="914400" rtl="0" eaLnBrk="1" fontAlgn="base" latinLnBrk="0" hangingPunct="1">
+              <a:spcBef>
+                <a:spcPct val="0"/>
+              </a:spcBef>
+              <a:spcAft>
+                <a:spcPct val="0"/>
+              </a:spcAft>
+              <a:buClrTx/>
+              <a:buSzTx/>
+              <a:buFont typeface="Wingdings" panose="05000000000000000000" charset="0"/>
+              <a:buChar char="Ø"/>
+            </a:pPr>
+            <a:r>
+              <a:rPr kumimoji="0" lang="zh-CN" altLang="en-US" sz="1800" b="1" i="0" u="none" strike="noStrike" cap="none" normalizeH="0" baseline="0" dirty="0">
+                <a:ln>
+                  <a:noFill/>
+                </a:ln>
+                <a:solidFill>
+                  <a:schemeClr val="tx1"/>
+                </a:solidFill>
+                <a:effectLst/>
+                <a:latin typeface="Arial" panose="020B0604020202020204" pitchFamily="34" charset="0"/>
+                <a:ea typeface="宋体" panose="02010600030101010101" pitchFamily="2" charset="-122"/>
+              </a:rPr>
+              <a:t>新增：提供单对象和集合对象的保存</a:t>
+            </a:r>
+            <a:r>
+              <a:rPr kumimoji="0" lang="en-US" altLang="zh-CN" sz="1800" b="1" i="0" u="none" strike="noStrike" cap="none" normalizeH="0" baseline="0" dirty="0">
+                <a:ln>
+                  <a:noFill/>
+                </a:ln>
+                <a:solidFill>
+                  <a:schemeClr val="tx1"/>
+                </a:solidFill>
+                <a:effectLst/>
+                <a:latin typeface="Arial" panose="020B0604020202020204" pitchFamily="34" charset="0"/>
+                <a:ea typeface="宋体" panose="02010600030101010101" pitchFamily="2" charset="-122"/>
+              </a:rPr>
+              <a:t>(</a:t>
+            </a:r>
+            <a:r>
+              <a:rPr kumimoji="0" lang="zh-CN" altLang="en-US" sz="1800" b="1" i="0" u="none" strike="noStrike" cap="none" normalizeH="0" baseline="0" dirty="0">
+                <a:ln>
+                  <a:noFill/>
+                </a:ln>
+                <a:solidFill>
+                  <a:schemeClr val="tx1"/>
+                </a:solidFill>
+                <a:effectLst/>
+                <a:latin typeface="Arial" panose="020B0604020202020204" pitchFamily="34" charset="0"/>
+                <a:ea typeface="宋体" panose="02010600030101010101" pitchFamily="2" charset="-122"/>
+              </a:rPr>
+              <a:t>含级联保存</a:t>
+            </a:r>
+            <a:r>
+              <a:rPr kumimoji="0" lang="en-US" altLang="zh-CN" sz="1800" b="1" i="0" u="none" strike="noStrike" cap="none" normalizeH="0" baseline="0" dirty="0">
+                <a:ln>
+                  <a:noFill/>
+                </a:ln>
+                <a:solidFill>
+                  <a:schemeClr val="tx1"/>
+                </a:solidFill>
+                <a:effectLst/>
+                <a:latin typeface="Arial" panose="020B0604020202020204" pitchFamily="34" charset="0"/>
+                <a:ea typeface="宋体" panose="02010600030101010101" pitchFamily="2" charset="-122"/>
+              </a:rPr>
+              <a:t>)</a:t>
+            </a:r>
+            <a:r>
+              <a:rPr kumimoji="0" lang="zh-CN" altLang="en-US" sz="1800" b="1" i="0" u="none" strike="noStrike" cap="none" normalizeH="0" baseline="0" dirty="0">
+                <a:ln>
+                  <a:noFill/>
+                </a:ln>
+                <a:solidFill>
+                  <a:schemeClr val="tx1"/>
+                </a:solidFill>
+                <a:effectLst/>
+                <a:latin typeface="Arial" panose="020B0604020202020204" pitchFamily="34" charset="0"/>
+                <a:ea typeface="宋体" panose="02010600030101010101" pitchFamily="2" charset="-122"/>
+              </a:rPr>
+              <a:t>，同时提供个性化的反</a:t>
+            </a:r>
+          </a:p>
+          <a:p>
+            <a:pPr marL="0" marR="0" indent="0" algn="l" defTabSz="914400" rtl="0" eaLnBrk="1" fontAlgn="base" latinLnBrk="0" hangingPunct="1">
+              <a:spcBef>
+                <a:spcPct val="0"/>
+              </a:spcBef>
+              <a:spcAft>
+                <a:spcPct val="0"/>
+              </a:spcAft>
+              <a:buClrTx/>
+              <a:buSzTx/>
+              <a:buFont typeface="Wingdings" panose="05000000000000000000" charset="0"/>
+              <a:buNone/>
+            </a:pPr>
+            <a:r>
+              <a:rPr kumimoji="0" lang="zh-CN" altLang="en-US" sz="1800" b="1" i="0" u="none" strike="noStrike" cap="none" normalizeH="0" baseline="0" dirty="0">
+                <a:ln>
+                  <a:noFill/>
+                </a:ln>
+                <a:solidFill>
+                  <a:schemeClr val="tx1"/>
+                </a:solidFill>
+                <a:effectLst/>
+                <a:latin typeface="Arial" panose="020B0604020202020204" pitchFamily="34" charset="0"/>
+                <a:ea typeface="宋体" panose="02010600030101010101" pitchFamily="2" charset="-122"/>
+              </a:rPr>
+              <a:t>调干预</a:t>
+            </a:r>
+            <a:r>
+              <a:rPr kumimoji="0" lang="en-US" altLang="zh-CN" sz="1800" b="1" i="0" u="none" strike="noStrike" cap="none" normalizeH="0" baseline="0" dirty="0">
+                <a:ln>
+                  <a:noFill/>
+                </a:ln>
+                <a:solidFill>
+                  <a:schemeClr val="tx1"/>
+                </a:solidFill>
+                <a:effectLst/>
+                <a:latin typeface="Arial" panose="020B0604020202020204" pitchFamily="34" charset="0"/>
+                <a:ea typeface="宋体" panose="02010600030101010101" pitchFamily="2" charset="-122"/>
+              </a:rPr>
+              <a:t>(</a:t>
+            </a:r>
+            <a:r>
+              <a:rPr kumimoji="0" lang="zh-CN" altLang="en-US" sz="1800" b="1" i="0" u="none" strike="noStrike" cap="none" normalizeH="0" baseline="0" dirty="0">
+                <a:ln>
+                  <a:noFill/>
+                </a:ln>
+                <a:solidFill>
+                  <a:schemeClr val="tx1"/>
+                </a:solidFill>
+                <a:effectLst/>
+                <a:latin typeface="Arial" panose="020B0604020202020204" pitchFamily="34" charset="0"/>
+                <a:ea typeface="宋体" panose="02010600030101010101" pitchFamily="2" charset="-122"/>
+              </a:rPr>
+              <a:t>永远只需一句话完成操作，简单且易于理解</a:t>
+            </a:r>
+            <a:r>
+              <a:rPr kumimoji="0" lang="en-US" altLang="zh-CN" sz="1800" b="1" i="0" u="none" strike="noStrike" cap="none" normalizeH="0" baseline="0" dirty="0">
+                <a:ln>
+                  <a:noFill/>
+                </a:ln>
+                <a:solidFill>
+                  <a:schemeClr val="tx1"/>
+                </a:solidFill>
+                <a:effectLst/>
+                <a:latin typeface="Arial" panose="020B0604020202020204" pitchFamily="34" charset="0"/>
+                <a:ea typeface="宋体" panose="02010600030101010101" pitchFamily="2" charset="-122"/>
+              </a:rPr>
+              <a:t>)</a:t>
+            </a:r>
+          </a:p>
+          <a:p>
+            <a:pPr marL="0" marR="0" indent="0" algn="l" defTabSz="914400" rtl="0" eaLnBrk="1" fontAlgn="base" latinLnBrk="0" hangingPunct="1">
+              <a:spcBef>
+                <a:spcPct val="0"/>
+              </a:spcBef>
+              <a:spcAft>
+                <a:spcPct val="0"/>
+              </a:spcAft>
+              <a:buClrTx/>
+              <a:buSzTx/>
+              <a:buFont typeface="Wingdings" panose="05000000000000000000" charset="0"/>
+              <a:buNone/>
+            </a:pPr>
+            <a:endParaRPr kumimoji="0" lang="zh-CN" altLang="en-US" sz="1800" b="1" i="0" u="none" strike="noStrike" cap="none" normalizeH="0" baseline="0" dirty="0">
               <a:ln>
                 <a:noFill/>
               </a:ln>
@@ -10258,276 +10325,11 @@
               <a:ea typeface="宋体" panose="02010600030101010101" pitchFamily="2" charset="-122"/>
             </a:endParaRPr>
           </a:p>
-          <a:p>
-            <a:pPr marL="0" marR="0" indent="0" algn="l" defTabSz="914400" rtl="0" eaLnBrk="1" fontAlgn="base" latinLnBrk="0" hangingPunct="1">
-              <a:spcBef>
-                <a:spcPct val="0"/>
-              </a:spcBef>
-              <a:spcAft>
-                <a:spcPct val="0"/>
-              </a:spcAft>
-              <a:buClrTx/>
-              <a:buSzTx/>
-              <a:buFontTx/>
-              <a:buNone/>
-            </a:pPr>
-            <a:r>
-              <a:rPr kumimoji="0" lang="zh-CN" altLang="en-US" sz="1800" b="1" i="0" u="none" strike="noStrike" cap="none" normalizeH="0" baseline="0" dirty="0" smtClean="0">
-                <a:ln>
-                  <a:noFill/>
-                </a:ln>
-                <a:solidFill>
-                  <a:schemeClr val="tx1"/>
-                </a:solidFill>
-                <a:effectLst/>
-                <a:latin typeface="Arial" panose="020B0604020202020204" pitchFamily="34" charset="0"/>
-                <a:ea typeface="宋体" panose="02010600030101010101" pitchFamily="2" charset="-122"/>
-              </a:rPr>
-              <a:t>也是非常有特色的。</a:t>
-            </a:r>
-            <a:endParaRPr kumimoji="0" lang="zh-CN" altLang="en-US" sz="1800" b="1" i="0" u="none" strike="noStrike" cap="none" normalizeH="0" baseline="0" dirty="0" smtClean="0">
-              <a:ln>
-                <a:noFill/>
-              </a:ln>
-              <a:solidFill>
-                <a:schemeClr val="tx1"/>
-              </a:solidFill>
-              <a:effectLst/>
-              <a:latin typeface="Arial" panose="020B0604020202020204" pitchFamily="34" charset="0"/>
-              <a:ea typeface="宋体" panose="02010600030101010101" pitchFamily="2" charset="-122"/>
-            </a:endParaRPr>
-          </a:p>
-          <a:p>
-            <a:pPr marL="285750" marR="0" indent="-285750" algn="l" defTabSz="914400" rtl="0" eaLnBrk="1" fontAlgn="base" latinLnBrk="0" hangingPunct="1">
-              <a:spcBef>
-                <a:spcPct val="0"/>
-              </a:spcBef>
-              <a:spcAft>
-                <a:spcPct val="0"/>
-              </a:spcAft>
-              <a:buClrTx/>
-              <a:buSzTx/>
-              <a:buFont typeface="Wingdings" panose="05000000000000000000" charset="0"/>
-              <a:buChar char="Ø"/>
-            </a:pPr>
-            <a:r>
-              <a:rPr kumimoji="0" lang="zh-CN" altLang="en-US" sz="1800" b="1" i="0" u="none" strike="noStrike" cap="none" normalizeH="0" baseline="0" dirty="0" smtClean="0">
-                <a:ln>
-                  <a:noFill/>
-                </a:ln>
-                <a:solidFill>
-                  <a:schemeClr val="tx1"/>
-                </a:solidFill>
-                <a:effectLst/>
-                <a:latin typeface="Arial" panose="020B0604020202020204" pitchFamily="34" charset="0"/>
-                <a:ea typeface="宋体" panose="02010600030101010101" pitchFamily="2" charset="-122"/>
-              </a:rPr>
-              <a:t>新增：提供单对象和集合对象的保存</a:t>
-            </a:r>
-            <a:r>
-              <a:rPr kumimoji="0" lang="en-US" altLang="zh-CN" sz="1800" b="1" i="0" u="none" strike="noStrike" cap="none" normalizeH="0" baseline="0" dirty="0" smtClean="0">
-                <a:ln>
-                  <a:noFill/>
-                </a:ln>
-                <a:solidFill>
-                  <a:schemeClr val="tx1"/>
-                </a:solidFill>
-                <a:effectLst/>
-                <a:latin typeface="Arial" panose="020B0604020202020204" pitchFamily="34" charset="0"/>
-                <a:ea typeface="宋体" panose="02010600030101010101" pitchFamily="2" charset="-122"/>
-              </a:rPr>
-              <a:t>(</a:t>
-            </a:r>
-            <a:r>
-              <a:rPr kumimoji="0" lang="zh-CN" altLang="en-US" sz="1800" b="1" i="0" u="none" strike="noStrike" cap="none" normalizeH="0" baseline="0" dirty="0" smtClean="0">
-                <a:ln>
-                  <a:noFill/>
-                </a:ln>
-                <a:solidFill>
-                  <a:schemeClr val="tx1"/>
-                </a:solidFill>
-                <a:effectLst/>
-                <a:latin typeface="Arial" panose="020B0604020202020204" pitchFamily="34" charset="0"/>
-                <a:ea typeface="宋体" panose="02010600030101010101" pitchFamily="2" charset="-122"/>
-              </a:rPr>
-              <a:t>含级联保存</a:t>
-            </a:r>
-            <a:r>
-              <a:rPr kumimoji="0" lang="en-US" altLang="zh-CN" sz="1800" b="1" i="0" u="none" strike="noStrike" cap="none" normalizeH="0" baseline="0" dirty="0" smtClean="0">
-                <a:ln>
-                  <a:noFill/>
-                </a:ln>
-                <a:solidFill>
-                  <a:schemeClr val="tx1"/>
-                </a:solidFill>
-                <a:effectLst/>
-                <a:latin typeface="Arial" panose="020B0604020202020204" pitchFamily="34" charset="0"/>
-                <a:ea typeface="宋体" panose="02010600030101010101" pitchFamily="2" charset="-122"/>
-              </a:rPr>
-              <a:t>)</a:t>
-            </a:r>
-            <a:r>
-              <a:rPr kumimoji="0" lang="zh-CN" altLang="en-US" sz="1800" b="1" i="0" u="none" strike="noStrike" cap="none" normalizeH="0" baseline="0" dirty="0" smtClean="0">
-                <a:ln>
-                  <a:noFill/>
-                </a:ln>
-                <a:solidFill>
-                  <a:schemeClr val="tx1"/>
-                </a:solidFill>
-                <a:effectLst/>
-                <a:latin typeface="Arial" panose="020B0604020202020204" pitchFamily="34" charset="0"/>
-                <a:ea typeface="宋体" panose="02010600030101010101" pitchFamily="2" charset="-122"/>
-              </a:rPr>
-              <a:t>，同时提供个性化的反</a:t>
-            </a:r>
-            <a:endParaRPr kumimoji="0" lang="zh-CN" altLang="en-US" sz="1800" b="1" i="0" u="none" strike="noStrike" cap="none" normalizeH="0" baseline="0" dirty="0" smtClean="0">
-              <a:ln>
-                <a:noFill/>
-              </a:ln>
-              <a:solidFill>
-                <a:schemeClr val="tx1"/>
-              </a:solidFill>
-              <a:effectLst/>
-              <a:latin typeface="Arial" panose="020B0604020202020204" pitchFamily="34" charset="0"/>
-              <a:ea typeface="宋体" panose="02010600030101010101" pitchFamily="2" charset="-122"/>
-            </a:endParaRPr>
-          </a:p>
-          <a:p>
-            <a:pPr marL="0" marR="0" indent="0" algn="l" defTabSz="914400" rtl="0" eaLnBrk="1" fontAlgn="base" latinLnBrk="0" hangingPunct="1">
-              <a:spcBef>
-                <a:spcPct val="0"/>
-              </a:spcBef>
-              <a:spcAft>
-                <a:spcPct val="0"/>
-              </a:spcAft>
-              <a:buClrTx/>
-              <a:buSzTx/>
-              <a:buFont typeface="Wingdings" panose="05000000000000000000" charset="0"/>
-              <a:buNone/>
-            </a:pPr>
-            <a:r>
-              <a:rPr kumimoji="0" lang="zh-CN" altLang="en-US" sz="1800" b="1" i="0" u="none" strike="noStrike" cap="none" normalizeH="0" baseline="0" dirty="0" smtClean="0">
-                <a:ln>
-                  <a:noFill/>
-                </a:ln>
-                <a:solidFill>
-                  <a:schemeClr val="tx1"/>
-                </a:solidFill>
-                <a:effectLst/>
-                <a:latin typeface="Arial" panose="020B0604020202020204" pitchFamily="34" charset="0"/>
-                <a:ea typeface="宋体" panose="02010600030101010101" pitchFamily="2" charset="-122"/>
-              </a:rPr>
-              <a:t>调干预</a:t>
-            </a:r>
-            <a:r>
-              <a:rPr kumimoji="0" lang="en-US" altLang="zh-CN" sz="1800" b="1" i="0" u="none" strike="noStrike" cap="none" normalizeH="0" baseline="0" dirty="0" smtClean="0">
-                <a:ln>
-                  <a:noFill/>
-                </a:ln>
-                <a:solidFill>
-                  <a:schemeClr val="tx1"/>
-                </a:solidFill>
-                <a:effectLst/>
-                <a:latin typeface="Arial" panose="020B0604020202020204" pitchFamily="34" charset="0"/>
-                <a:ea typeface="宋体" panose="02010600030101010101" pitchFamily="2" charset="-122"/>
-              </a:rPr>
-              <a:t>(</a:t>
-            </a:r>
-            <a:r>
-              <a:rPr kumimoji="0" lang="zh-CN" altLang="en-US" sz="1800" b="1" i="0" u="none" strike="noStrike" cap="none" normalizeH="0" baseline="0" dirty="0" smtClean="0">
-                <a:ln>
-                  <a:noFill/>
-                </a:ln>
-                <a:solidFill>
-                  <a:schemeClr val="tx1"/>
-                </a:solidFill>
-                <a:effectLst/>
-                <a:latin typeface="Arial" panose="020B0604020202020204" pitchFamily="34" charset="0"/>
-                <a:ea typeface="宋体" panose="02010600030101010101" pitchFamily="2" charset="-122"/>
-              </a:rPr>
-              <a:t>永远只需一句话完成操作，简单且易于理解</a:t>
-            </a:r>
-            <a:r>
-              <a:rPr kumimoji="0" lang="en-US" altLang="zh-CN" sz="1800" b="1" i="0" u="none" strike="noStrike" cap="none" normalizeH="0" baseline="0" dirty="0" smtClean="0">
-                <a:ln>
-                  <a:noFill/>
-                </a:ln>
-                <a:solidFill>
-                  <a:schemeClr val="tx1"/>
-                </a:solidFill>
-                <a:effectLst/>
-                <a:latin typeface="Arial" panose="020B0604020202020204" pitchFamily="34" charset="0"/>
-                <a:ea typeface="宋体" panose="02010600030101010101" pitchFamily="2" charset="-122"/>
-              </a:rPr>
-              <a:t>)</a:t>
-            </a:r>
-            <a:endParaRPr kumimoji="0" lang="en-US" altLang="zh-CN" sz="1800" b="1" i="0" u="none" strike="noStrike" cap="none" normalizeH="0" baseline="0" dirty="0" smtClean="0">
-              <a:ln>
-                <a:noFill/>
-              </a:ln>
-              <a:solidFill>
-                <a:schemeClr val="tx1"/>
-              </a:solidFill>
-              <a:effectLst/>
-              <a:latin typeface="Arial" panose="020B0604020202020204" pitchFamily="34" charset="0"/>
-              <a:ea typeface="宋体" panose="02010600030101010101" pitchFamily="2" charset="-122"/>
-            </a:endParaRPr>
-          </a:p>
-          <a:p>
-            <a:pPr marL="0" marR="0" indent="0" algn="l" defTabSz="914400" rtl="0" eaLnBrk="1" fontAlgn="base" latinLnBrk="0" hangingPunct="1">
-              <a:spcBef>
-                <a:spcPct val="0"/>
-              </a:spcBef>
-              <a:spcAft>
-                <a:spcPct val="0"/>
-              </a:spcAft>
-              <a:buClrTx/>
-              <a:buSzTx/>
-              <a:buFont typeface="Wingdings" panose="05000000000000000000" charset="0"/>
-              <a:buNone/>
-            </a:pPr>
-            <a:endParaRPr kumimoji="0" lang="zh-CN" altLang="en-US" sz="1800" b="1" i="0" u="none" strike="noStrike" cap="none" normalizeH="0" baseline="0" dirty="0" smtClean="0">
-              <a:ln>
-                <a:noFill/>
-              </a:ln>
-              <a:solidFill>
-                <a:schemeClr val="tx1"/>
-              </a:solidFill>
-              <a:effectLst/>
-              <a:latin typeface="Arial" panose="020B0604020202020204" pitchFamily="34" charset="0"/>
-              <a:ea typeface="宋体" panose="02010600030101010101" pitchFamily="2" charset="-122"/>
-            </a:endParaRPr>
-          </a:p>
         </p:txBody>
       </p:sp>
       <p:pic>
         <p:nvPicPr>
           <p:cNvPr id="2" name="图片 1" descr="1U2FE)PFHYUI4{MT)RJ~C8K"/>
-          <p:cNvPicPr>
-            <a:picLocks noChangeAspect="1"/>
-          </p:cNvPicPr>
-          <p:nvPr/>
-        </p:nvPicPr>
-        <p:blipFill>
-          <a:blip r:embed="rId1"/>
-          <a:srcRect/>
-          <a:stretch>
-            <a:fillRect/>
-          </a:stretch>
-        </p:blipFill>
-        <p:spPr>
-          <a:xfrm>
-            <a:off x="1068070" y="2060575"/>
-            <a:ext cx="7095490" cy="1905000"/>
-          </a:xfrm>
-          <a:prstGeom prst="rect">
-            <a:avLst/>
-          </a:prstGeom>
-        </p:spPr>
-      </p:pic>
-      <p:pic>
-        <p:nvPicPr>
-          <p:cNvPr id="3" name="图片 2" descr="6K$7YE%LIW)YR`]K2{RQ{]Y"/>
           <p:cNvPicPr>
             <a:picLocks noChangeAspect="1"/>
           </p:cNvPicPr>
@@ -10542,6 +10344,31 @@
         </p:blipFill>
         <p:spPr>
           <a:xfrm>
+            <a:off x="1068070" y="2060575"/>
+            <a:ext cx="7095490" cy="1905000"/>
+          </a:xfrm>
+          <a:prstGeom prst="rect">
+            <a:avLst/>
+          </a:prstGeom>
+        </p:spPr>
+      </p:pic>
+      <p:pic>
+        <p:nvPicPr>
+          <p:cNvPr id="3" name="图片 2" descr="6K$7YE%LIW)YR`]K2{RQ{]Y"/>
+          <p:cNvPicPr>
+            <a:picLocks noChangeAspect="1"/>
+          </p:cNvPicPr>
+          <p:nvPr/>
+        </p:nvPicPr>
+        <p:blipFill>
+          <a:blip r:embed="rId3"/>
+          <a:srcRect/>
+          <a:stretch>
+            <a:fillRect/>
+          </a:stretch>
+        </p:blipFill>
+        <p:spPr>
+          <a:xfrm>
             <a:off x="1179195" y="3960495"/>
             <a:ext cx="7457440" cy="2933700"/>
           </a:xfrm>
@@ -10556,13 +10383,6 @@
     <a:masterClrMapping/>
   </p:clrMapOvr>
   <p:transition/>
-  <p:timing>
-    <p:tnLst>
-      <p:par>
-        <p:cTn id="1" dur="indefinite" restart="never" nodeType="tmRoot"/>
-      </p:par>
-    </p:tnLst>
-  </p:timing>
 </p:sld>
 </file>
 
@@ -10604,20 +10424,17 @@
           <a:lstStyle/>
           <a:p>
             <a:r>
-              <a:rPr lang="en-US" altLang="zh-CN" sz="3200" dirty="0" err="1" smtClean="0">
+              <a:rPr lang="en-US" altLang="zh-CN" sz="3200" dirty="0" err="1">
                 <a:ea typeface="宋体" panose="02010600030101010101" pitchFamily="2" charset="-122"/>
               </a:rPr>
               <a:t>SqlToy-ORM:</a:t>
             </a:r>
             <a:r>
-              <a:rPr lang="zh-CN" altLang="en-US" sz="3200" dirty="0" err="1" smtClean="0">
+              <a:rPr lang="zh-CN" altLang="en-US" sz="3200" dirty="0" err="1">
                 <a:ea typeface="宋体" panose="02010600030101010101" pitchFamily="2" charset="-122"/>
               </a:rPr>
               <a:t>增删改查操作：单记录修改</a:t>
             </a:r>
-            <a:endParaRPr lang="zh-CN" altLang="en-US" sz="3200" dirty="0" err="1" smtClean="0">
-              <a:ea typeface="宋体" panose="02010600030101010101" pitchFamily="2" charset="-122"/>
-            </a:endParaRPr>
           </a:p>
         </p:txBody>
       </p:sp>
@@ -10700,7 +10517,7 @@
               <a:buChar char="Ø"/>
             </a:pPr>
             <a:r>
-              <a:rPr kumimoji="0" lang="zh-CN" altLang="en-US" sz="1800" b="1" i="0" u="none" strike="noStrike" cap="none" normalizeH="0" baseline="0" dirty="0" smtClean="0">
+              <a:rPr kumimoji="0" lang="zh-CN" altLang="en-US" sz="1800" b="1" i="0" u="none" strike="noStrike" cap="none" normalizeH="0" baseline="0" dirty="0">
                 <a:ln>
                   <a:noFill/>
                 </a:ln>
@@ -10714,7 +10531,7 @@
               <a:t>修改：提供自动非</a:t>
             </a:r>
             <a:r>
-              <a:rPr kumimoji="0" lang="en-US" altLang="zh-CN" sz="1800" b="1" i="0" u="none" strike="noStrike" cap="none" normalizeH="0" baseline="0" dirty="0" smtClean="0">
+              <a:rPr kumimoji="0" lang="en-US" altLang="zh-CN" sz="1800" b="1" i="0" u="none" strike="noStrike" cap="none" normalizeH="0" baseline="0" dirty="0">
                 <a:ln>
                   <a:noFill/>
                 </a:ln>
@@ -10728,7 +10545,7 @@
               <a:t>null</a:t>
             </a:r>
             <a:r>
-              <a:rPr kumimoji="0" lang="zh-CN" altLang="en-US" sz="1800" b="1" i="0" u="none" strike="noStrike" cap="none" normalizeH="0" baseline="0" dirty="0" smtClean="0">
+              <a:rPr kumimoji="0" lang="zh-CN" altLang="en-US" sz="1800" b="1" i="0" u="none" strike="noStrike" cap="none" normalizeH="0" baseline="0" dirty="0">
                 <a:ln>
                   <a:noFill/>
                 </a:ln>
@@ -10741,17 +10558,6 @@
               </a:rPr>
               <a:t>字段修改，强制字段修改，级联修改功能</a:t>
             </a:r>
-            <a:endParaRPr kumimoji="0" lang="zh-CN" altLang="en-US" sz="1800" b="1" i="0" u="none" strike="noStrike" cap="none" normalizeH="0" baseline="0" dirty="0" smtClean="0">
-              <a:ln>
-                <a:noFill/>
-              </a:ln>
-              <a:solidFill>
-                <a:schemeClr val="tx1"/>
-              </a:solidFill>
-              <a:effectLst/>
-              <a:latin typeface="Arial" panose="020B0604020202020204" pitchFamily="34" charset="0"/>
-              <a:ea typeface="宋体" panose="02010600030101010101" pitchFamily="2" charset="-122"/>
-            </a:endParaRPr>
           </a:p>
         </p:txBody>
       </p:sp>
@@ -10764,7 +10570,7 @@
           <p:nvPr/>
         </p:nvPicPr>
         <p:blipFill>
-          <a:blip r:embed="rId1"/>
+          <a:blip r:embed="rId2"/>
           <a:srcRect/>
           <a:stretch>
             <a:fillRect/>
@@ -10786,13 +10592,6 @@
     <a:masterClrMapping/>
   </p:clrMapOvr>
   <p:transition/>
-  <p:timing>
-    <p:tnLst>
-      <p:par>
-        <p:cTn id="1" dur="indefinite" restart="never" nodeType="tmRoot"/>
-      </p:par>
-    </p:tnLst>
-  </p:timing>
 </p:sld>
 </file>
 
@@ -10834,20 +10633,17 @@
           <a:lstStyle/>
           <a:p>
             <a:r>
-              <a:rPr lang="en-US" altLang="zh-CN" sz="2800" dirty="0" err="1" smtClean="0">
+              <a:rPr lang="en-US" altLang="zh-CN" sz="2800" dirty="0" err="1">
                 <a:ea typeface="宋体" panose="02010600030101010101" pitchFamily="2" charset="-122"/>
               </a:rPr>
               <a:t>SqlToy-ORM:</a:t>
             </a:r>
             <a:r>
-              <a:rPr lang="zh-CN" altLang="en-US" sz="2800" dirty="0" err="1" smtClean="0">
+              <a:rPr lang="zh-CN" altLang="en-US" sz="2800" dirty="0" err="1">
                 <a:ea typeface="宋体" panose="02010600030101010101" pitchFamily="2" charset="-122"/>
               </a:rPr>
               <a:t>增删改查操作：批量记录修改</a:t>
             </a:r>
-            <a:endParaRPr lang="zh-CN" altLang="en-US" sz="2800" dirty="0" err="1" smtClean="0">
-              <a:ea typeface="宋体" panose="02010600030101010101" pitchFamily="2" charset="-122"/>
-            </a:endParaRPr>
           </a:p>
         </p:txBody>
       </p:sp>
@@ -10930,7 +10726,7 @@
               <a:buChar char="Ø"/>
             </a:pPr>
             <a:r>
-              <a:rPr kumimoji="0" lang="zh-CN" altLang="en-US" sz="1800" b="1" i="0" u="none" strike="noStrike" cap="none" normalizeH="0" baseline="0" dirty="0" smtClean="0">
+              <a:rPr kumimoji="0" lang="zh-CN" altLang="en-US" sz="1800" b="1" i="0" u="none" strike="noStrike" cap="none" normalizeH="0" baseline="0" dirty="0">
                 <a:ln>
                   <a:noFill/>
                 </a:ln>
@@ -10943,17 +10739,6 @@
               </a:rPr>
               <a:t>批量修改：你也是一句话就完成对象的批量修改</a:t>
             </a:r>
-            <a:endParaRPr kumimoji="0" lang="zh-CN" altLang="en-US" sz="1800" b="1" i="0" u="none" strike="noStrike" cap="none" normalizeH="0" baseline="0" dirty="0" smtClean="0">
-              <a:ln>
-                <a:noFill/>
-              </a:ln>
-              <a:solidFill>
-                <a:schemeClr val="tx1"/>
-              </a:solidFill>
-              <a:effectLst/>
-              <a:latin typeface="Arial" panose="020B0604020202020204" pitchFamily="34" charset="0"/>
-              <a:ea typeface="宋体" panose="02010600030101010101" pitchFamily="2" charset="-122"/>
-            </a:endParaRPr>
           </a:p>
         </p:txBody>
       </p:sp>
@@ -10966,7 +10751,7 @@
           <p:nvPr/>
         </p:nvPicPr>
         <p:blipFill>
-          <a:blip r:embed="rId1"/>
+          <a:blip r:embed="rId2"/>
           <a:srcRect/>
           <a:stretch>
             <a:fillRect/>
@@ -10988,13 +10773,6 @@
     <a:masterClrMapping/>
   </p:clrMapOvr>
   <p:transition/>
-  <p:timing>
-    <p:tnLst>
-      <p:par>
-        <p:cTn id="1" dur="indefinite" restart="never" nodeType="tmRoot"/>
-      </p:par>
-    </p:tnLst>
-  </p:timing>
 </p:sld>
 </file>
 
@@ -11037,18 +10815,18 @@
           <a:p>
             <a:pPr eaLnBrk="1" hangingPunct="1"/>
             <a:r>
-              <a:rPr lang="zh-CN" altLang="en-US" sz="3200" dirty="0" smtClean="0">
+              <a:rPr lang="zh-CN" altLang="en-US" sz="3200" dirty="0">
                 <a:ea typeface="宋体" panose="02010600030101010101" pitchFamily="2" charset="-122"/>
               </a:rPr>
               <a:t>抓住一闪而过的灵感成就</a:t>
             </a:r>
             <a:r>
-              <a:rPr lang="en-US" altLang="zh-CN" sz="3200" dirty="0" err="1" smtClean="0">
+              <a:rPr lang="en-US" altLang="zh-CN" sz="3200" dirty="0" err="1">
                 <a:ea typeface="宋体" panose="02010600030101010101" pitchFamily="2" charset="-122"/>
               </a:rPr>
               <a:t>sqltoy-orm</a:t>
             </a:r>
-            <a:endParaRPr lang="zh-CN" altLang="en-US" sz="3200" dirty="0" smtClean="0">
+            <a:endParaRPr lang="zh-CN" altLang="en-US" sz="3200" dirty="0">
               <a:ea typeface="宋体" panose="02010600030101010101" pitchFamily="2" charset="-122"/>
             </a:endParaRPr>
           </a:p>
@@ -11138,7 +10916,7 @@
               <a:buChar char="Ø"/>
             </a:pPr>
             <a:r>
-              <a:rPr kumimoji="0" lang="en-US" altLang="zh-CN" sz="1800" b="1" i="0" u="none" strike="noStrike" cap="none" normalizeH="0" baseline="0" dirty="0" err="1" smtClean="0">
+              <a:rPr kumimoji="0" lang="en-US" altLang="zh-CN" sz="1800" b="1" i="0" u="none" strike="noStrike" cap="none" normalizeH="0" baseline="0" dirty="0" err="1">
                 <a:ln>
                   <a:noFill/>
                 </a:ln>
@@ -11152,7 +10930,7 @@
               <a:t>Sqltoy</a:t>
             </a:r>
             <a:r>
-              <a:rPr kumimoji="0" lang="zh-CN" altLang="en-US" sz="1800" b="1" i="0" u="none" strike="noStrike" cap="none" normalizeH="0" baseline="0" dirty="0" smtClean="0">
+              <a:rPr kumimoji="0" lang="zh-CN" altLang="en-US" sz="1800" b="1" i="0" u="none" strike="noStrike" cap="none" normalizeH="0" baseline="0" dirty="0">
                 <a:ln>
                   <a:noFill/>
                 </a:ln>
@@ -11166,7 +10944,7 @@
               <a:t>不是刻意而为，</a:t>
             </a:r>
             <a:r>
-              <a:rPr lang="en-US" altLang="zh-CN" dirty="0" smtClean="0">
+              <a:rPr lang="en-US" altLang="zh-CN" dirty="0">
                 <a:solidFill>
                   <a:schemeClr val="tx1"/>
                 </a:solidFill>
@@ -11176,7 +10954,7 @@
               <a:t>2008</a:t>
             </a:r>
             <a:r>
-              <a:rPr lang="zh-CN" altLang="en-US" dirty="0" smtClean="0">
+              <a:rPr lang="zh-CN" altLang="en-US" dirty="0">
                 <a:solidFill>
                   <a:schemeClr val="tx1"/>
                 </a:solidFill>
@@ -11185,7 +10963,7 @@
               </a:rPr>
               <a:t>年底，去杭州在阿里的同事那边玩，看了他们</a:t>
             </a:r>
-            <a:endParaRPr lang="en-US" altLang="zh-CN" dirty="0" smtClean="0">
+            <a:endParaRPr lang="en-US" altLang="zh-CN" dirty="0">
               <a:solidFill>
                 <a:schemeClr val="tx1"/>
               </a:solidFill>
@@ -11205,7 +10983,7 @@
               <a:buSzTx/>
             </a:pPr>
             <a:r>
-              <a:rPr lang="zh-CN" altLang="en-US" dirty="0" smtClean="0">
+              <a:rPr lang="zh-CN" altLang="en-US" dirty="0">
                 <a:solidFill>
                   <a:schemeClr val="tx1"/>
                 </a:solidFill>
@@ -11215,7 +10993,7 @@
               <a:t>的项目（那是候他们用</a:t>
             </a:r>
             <a:r>
-              <a:rPr lang="en-US" altLang="zh-CN" dirty="0" err="1" smtClean="0">
+              <a:rPr lang="en-US" altLang="zh-CN" dirty="0" err="1">
                 <a:solidFill>
                   <a:schemeClr val="tx1"/>
                 </a:solidFill>
@@ -11225,7 +11003,7 @@
               <a:t>ibatis</a:t>
             </a:r>
             <a:r>
-              <a:rPr lang="zh-CN" altLang="en-US" dirty="0" smtClean="0">
+              <a:rPr lang="zh-CN" altLang="en-US" dirty="0">
                 <a:solidFill>
                   <a:schemeClr val="tx1"/>
                 </a:solidFill>
@@ -11235,7 +11013,7 @@
               <a:t>），突然触动了我的灵感，其实</a:t>
             </a:r>
             <a:r>
-              <a:rPr lang="en-US" altLang="zh-CN" dirty="0" smtClean="0">
+              <a:rPr lang="en-US" altLang="zh-CN" dirty="0">
                 <a:solidFill>
                   <a:schemeClr val="tx1"/>
                 </a:solidFill>
@@ -11245,7 +11023,7 @@
               <a:t>SQL</a:t>
             </a:r>
             <a:r>
-              <a:rPr lang="zh-CN" altLang="en-US" dirty="0" smtClean="0">
+              <a:rPr lang="zh-CN" altLang="en-US" dirty="0">
                 <a:solidFill>
                   <a:schemeClr val="tx1"/>
                 </a:solidFill>
@@ -11254,7 +11032,7 @@
               </a:rPr>
               <a:t>可以写的更</a:t>
             </a:r>
-            <a:endParaRPr lang="en-US" altLang="zh-CN" dirty="0" smtClean="0">
+            <a:endParaRPr lang="en-US" altLang="zh-CN" dirty="0">
               <a:solidFill>
                 <a:schemeClr val="tx1"/>
               </a:solidFill>
@@ -11274,7 +11052,7 @@
               <a:buSzTx/>
             </a:pPr>
             <a:r>
-              <a:rPr lang="zh-CN" altLang="en-US" dirty="0" smtClean="0">
+              <a:rPr lang="zh-CN" altLang="en-US" dirty="0">
                 <a:solidFill>
                   <a:schemeClr val="tx1"/>
                 </a:solidFill>
@@ -11284,7 +11062,7 @@
               <a:t>为优雅！从这开始有了</a:t>
             </a:r>
             <a:r>
-              <a:rPr lang="en-US" altLang="zh-CN" dirty="0" err="1" smtClean="0">
+              <a:rPr lang="en-US" altLang="zh-CN" dirty="0" err="1">
                 <a:solidFill>
                   <a:schemeClr val="tx1"/>
                 </a:solidFill>
@@ -11294,7 +11072,7 @@
               <a:t>sqltoy</a:t>
             </a:r>
             <a:r>
-              <a:rPr lang="zh-CN" altLang="en-US" dirty="0" smtClean="0">
+              <a:rPr lang="zh-CN" altLang="en-US" dirty="0">
                 <a:solidFill>
                   <a:schemeClr val="tx1"/>
                 </a:solidFill>
@@ -11303,7 +11081,7 @@
               </a:rPr>
               <a:t>的雏形。</a:t>
             </a:r>
-            <a:endParaRPr lang="en-US" altLang="zh-CN" dirty="0" smtClean="0">
+            <a:endParaRPr lang="en-US" altLang="zh-CN" dirty="0">
               <a:solidFill>
                 <a:schemeClr val="tx1"/>
               </a:solidFill>
@@ -11325,7 +11103,7 @@
               <a:buChar char="Ø"/>
             </a:pPr>
             <a:r>
-              <a:rPr kumimoji="0" lang="en-US" altLang="zh-CN" sz="1800" b="1" i="0" u="none" strike="noStrike" cap="none" normalizeH="0" baseline="0" dirty="0" smtClean="0">
+              <a:rPr kumimoji="0" lang="en-US" altLang="zh-CN" sz="1800" b="1" i="0" u="none" strike="noStrike" cap="none" normalizeH="0" baseline="0" dirty="0">
                 <a:ln>
                   <a:noFill/>
                 </a:ln>
@@ -11339,7 +11117,7 @@
               <a:t>2011</a:t>
             </a:r>
             <a:r>
-              <a:rPr kumimoji="0" lang="zh-CN" altLang="en-US" sz="1800" b="1" i="0" u="none" strike="noStrike" cap="none" normalizeH="0" baseline="0" dirty="0" smtClean="0">
+              <a:rPr kumimoji="0" lang="zh-CN" altLang="en-US" sz="1800" b="1" i="0" u="none" strike="noStrike" cap="none" normalizeH="0" baseline="0" dirty="0">
                 <a:ln>
                   <a:noFill/>
                 </a:ln>
@@ -11352,7 +11130,35 @@
               </a:rPr>
               <a:t>年一个银行的高并发项目，为了追求极致查询性能，因此“快速分页”</a:t>
             </a:r>
-            <a:endParaRPr kumimoji="0" lang="zh-CN" altLang="en-US" sz="1800" b="1" i="0" u="none" strike="noStrike" cap="none" normalizeH="0" baseline="0" dirty="0" smtClean="0">
+          </a:p>
+          <a:p>
+            <a:pPr marL="0" marR="0" indent="0" algn="l" defTabSz="914400" rtl="0" eaLnBrk="1" fontAlgn="base" latinLnBrk="0" hangingPunct="1">
+              <a:spcBef>
+                <a:spcPct val="0"/>
+              </a:spcBef>
+              <a:spcAft>
+                <a:spcPct val="0"/>
+              </a:spcAft>
+              <a:buClrTx/>
+              <a:buSzTx/>
+              <a:buFont typeface="Wingdings" panose="05000000000000000000" pitchFamily="2" charset="2"/>
+              <a:buNone/>
+            </a:pPr>
+            <a:r>
+              <a:rPr kumimoji="0" lang="zh-CN" altLang="en-US" sz="1800" b="1" i="0" u="none" strike="noStrike" cap="none" normalizeH="0" baseline="0" dirty="0">
+                <a:ln>
+                  <a:noFill/>
+                </a:ln>
+                <a:solidFill>
+                  <a:schemeClr val="tx1"/>
+                </a:solidFill>
+                <a:effectLst/>
+                <a:latin typeface="新宋体" panose="02010609030101010101" pitchFamily="49" charset="-122"/>
+                <a:ea typeface="新宋体" panose="02010609030101010101" pitchFamily="49" charset="-122"/>
+              </a:rPr>
+              <a:t>的概念从此产生。</a:t>
+            </a:r>
+            <a:endParaRPr kumimoji="0" lang="en-US" altLang="zh-CN" sz="1800" b="1" i="0" u="none" strike="noStrike" cap="none" normalizeH="0" baseline="0" dirty="0">
               <a:ln>
                 <a:noFill/>
               </a:ln>
@@ -11365,7 +11171,7 @@
             </a:endParaRPr>
           </a:p>
           <a:p>
-            <a:pPr marL="0" marR="0" indent="0" algn="l" defTabSz="914400" rtl="0" eaLnBrk="1" fontAlgn="base" latinLnBrk="0" hangingPunct="1">
+            <a:pPr marL="285750" marR="0" indent="-285750" algn="l" defTabSz="914400" rtl="0" eaLnBrk="1" fontAlgn="base" latinLnBrk="0" hangingPunct="1">
               <a:spcBef>
                 <a:spcPct val="0"/>
               </a:spcBef>
@@ -11375,10 +11181,118 @@
               <a:buClrTx/>
               <a:buSzTx/>
               <a:buFont typeface="Wingdings" panose="05000000000000000000" pitchFamily="2" charset="2"/>
-              <a:buNone/>
+              <a:buChar char="Ø"/>
             </a:pPr>
             <a:r>
-              <a:rPr kumimoji="0" lang="zh-CN" altLang="en-US" sz="1800" b="1" i="0" u="none" strike="noStrike" cap="none" normalizeH="0" baseline="0" dirty="0" smtClean="0">
+              <a:rPr lang="en-US" altLang="zh-CN" dirty="0">
+                <a:solidFill>
+                  <a:schemeClr val="tx1"/>
+                </a:solidFill>
+                <a:latin typeface="新宋体" panose="02010609030101010101" pitchFamily="49" charset="-122"/>
+                <a:ea typeface="新宋体" panose="02010609030101010101" pitchFamily="49" charset="-122"/>
+              </a:rPr>
+              <a:t>2011</a:t>
+            </a:r>
+            <a:r>
+              <a:rPr lang="zh-CN" altLang="en-US" dirty="0">
+                <a:solidFill>
+                  <a:schemeClr val="tx1"/>
+                </a:solidFill>
+                <a:latin typeface="新宋体" panose="02010609030101010101" pitchFamily="49" charset="-122"/>
+                <a:ea typeface="新宋体" panose="02010609030101010101" pitchFamily="49" charset="-122"/>
+              </a:rPr>
+              <a:t>年另外一个银行的项目，因为缓存的大规模应用，也因为以往我们前端</a:t>
+            </a:r>
+            <a:endParaRPr lang="en-US" altLang="zh-CN" dirty="0">
+              <a:solidFill>
+                <a:schemeClr val="tx1"/>
+              </a:solidFill>
+              <a:latin typeface="新宋体" panose="02010609030101010101" pitchFamily="49" charset="-122"/>
+              <a:ea typeface="新宋体" panose="02010609030101010101" pitchFamily="49" charset="-122"/>
+            </a:endParaRPr>
+          </a:p>
+          <a:p>
+            <a:pPr marR="0" algn="l" defTabSz="914400" rtl="0" eaLnBrk="1" fontAlgn="base" latinLnBrk="0" hangingPunct="1">
+              <a:spcBef>
+                <a:spcPct val="0"/>
+              </a:spcBef>
+              <a:spcAft>
+                <a:spcPct val="0"/>
+              </a:spcAft>
+              <a:buClrTx/>
+              <a:buSzTx/>
+            </a:pPr>
+            <a:r>
+              <a:rPr lang="zh-CN" altLang="en-US" dirty="0">
+                <a:solidFill>
+                  <a:schemeClr val="tx1"/>
+                </a:solidFill>
+                <a:latin typeface="新宋体" panose="02010609030101010101" pitchFamily="49" charset="-122"/>
+                <a:ea typeface="新宋体" panose="02010609030101010101" pitchFamily="49" charset="-122"/>
+              </a:rPr>
+              <a:t>标签大量使用</a:t>
+            </a:r>
+            <a:r>
+              <a:rPr lang="en-US" altLang="zh-CN" dirty="0" err="1">
+                <a:solidFill>
+                  <a:schemeClr val="tx1"/>
+                </a:solidFill>
+                <a:latin typeface="新宋体" panose="02010609030101010101" pitchFamily="49" charset="-122"/>
+                <a:ea typeface="新宋体" panose="02010609030101010101" pitchFamily="49" charset="-122"/>
+              </a:rPr>
+              <a:t>keyName</a:t>
+            </a:r>
+            <a:r>
+              <a:rPr lang="zh-CN" altLang="en-US" dirty="0">
+                <a:solidFill>
+                  <a:schemeClr val="tx1"/>
+                </a:solidFill>
+                <a:latin typeface="新宋体" panose="02010609030101010101" pitchFamily="49" charset="-122"/>
+                <a:ea typeface="新宋体" panose="02010609030101010101" pitchFamily="49" charset="-122"/>
+              </a:rPr>
+              <a:t>形式的缓存翻译，看到大家写</a:t>
+            </a:r>
+            <a:r>
+              <a:rPr lang="en-US" altLang="zh-CN" dirty="0" err="1">
+                <a:solidFill>
+                  <a:schemeClr val="tx1"/>
+                </a:solidFill>
+                <a:latin typeface="新宋体" panose="02010609030101010101" pitchFamily="49" charset="-122"/>
+                <a:ea typeface="新宋体" panose="02010609030101010101" pitchFamily="49" charset="-122"/>
+              </a:rPr>
+              <a:t>sql</a:t>
+            </a:r>
+            <a:r>
+              <a:rPr lang="zh-CN" altLang="en-US" dirty="0">
+                <a:solidFill>
+                  <a:schemeClr val="tx1"/>
+                </a:solidFill>
+                <a:latin typeface="新宋体" panose="02010609030101010101" pitchFamily="49" charset="-122"/>
+                <a:ea typeface="新宋体" panose="02010609030101010101" pitchFamily="49" charset="-122"/>
+              </a:rPr>
+              <a:t>总要去关联数据字典、</a:t>
+            </a:r>
+            <a:endParaRPr lang="en-US" altLang="zh-CN" dirty="0">
+              <a:solidFill>
+                <a:schemeClr val="tx1"/>
+              </a:solidFill>
+              <a:latin typeface="新宋体" panose="02010609030101010101" pitchFamily="49" charset="-122"/>
+              <a:ea typeface="新宋体" panose="02010609030101010101" pitchFamily="49" charset="-122"/>
+            </a:endParaRPr>
+          </a:p>
+          <a:p>
+            <a:pPr marR="0" algn="l" defTabSz="914400" rtl="0" eaLnBrk="1" fontAlgn="base" latinLnBrk="0" hangingPunct="1">
+              <a:spcBef>
+                <a:spcPct val="0"/>
+              </a:spcBef>
+              <a:spcAft>
+                <a:spcPct val="0"/>
+              </a:spcAft>
+              <a:buClrTx/>
+              <a:buSzTx/>
+            </a:pPr>
+            <a:r>
+              <a:rPr kumimoji="0" lang="zh-CN" altLang="en-US" sz="1800" b="1" i="0" u="none" strike="noStrike" cap="none" normalizeH="0" baseline="0" dirty="0">
                 <a:ln>
                   <a:noFill/>
                 </a:ln>
@@ -11389,9 +11303,9 @@
                 <a:latin typeface="新宋体" panose="02010609030101010101" pitchFamily="49" charset="-122"/>
                 <a:ea typeface="新宋体" panose="02010609030101010101" pitchFamily="49" charset="-122"/>
               </a:rPr>
-              <a:t>的概念从此产生。</a:t>
-            </a:r>
-            <a:endParaRPr kumimoji="0" lang="en-US" altLang="zh-CN" sz="1800" b="1" i="0" u="none" strike="noStrike" cap="none" normalizeH="0" baseline="0" dirty="0" smtClean="0">
+              <a:t>员工表、机构表进行关联查询，突然之间又一个灵感产生，我们可以将缓存集</a:t>
+            </a:r>
+            <a:endParaRPr kumimoji="0" lang="en-US" altLang="zh-CN" sz="1800" b="1" i="0" u="none" strike="noStrike" cap="none" normalizeH="0" baseline="0" dirty="0">
               <a:ln>
                 <a:noFill/>
               </a:ln>
@@ -11404,47 +11318,6 @@
             </a:endParaRPr>
           </a:p>
           <a:p>
-            <a:pPr marL="285750" marR="0" indent="-285750" algn="l" defTabSz="914400" rtl="0" eaLnBrk="1" fontAlgn="base" latinLnBrk="0" hangingPunct="1">
-              <a:spcBef>
-                <a:spcPct val="0"/>
-              </a:spcBef>
-              <a:spcAft>
-                <a:spcPct val="0"/>
-              </a:spcAft>
-              <a:buClrTx/>
-              <a:buSzTx/>
-              <a:buFont typeface="Wingdings" panose="05000000000000000000" pitchFamily="2" charset="2"/>
-              <a:buChar char="Ø"/>
-            </a:pPr>
-            <a:r>
-              <a:rPr lang="en-US" altLang="zh-CN" dirty="0" smtClean="0">
-                <a:solidFill>
-                  <a:schemeClr val="tx1"/>
-                </a:solidFill>
-                <a:latin typeface="新宋体" panose="02010609030101010101" pitchFamily="49" charset="-122"/>
-                <a:ea typeface="新宋体" panose="02010609030101010101" pitchFamily="49" charset="-122"/>
-              </a:rPr>
-              <a:t>2011</a:t>
-            </a:r>
-            <a:r>
-              <a:rPr lang="zh-CN" altLang="en-US" dirty="0" smtClean="0">
-                <a:solidFill>
-                  <a:schemeClr val="tx1"/>
-                </a:solidFill>
-                <a:latin typeface="新宋体" panose="02010609030101010101" pitchFamily="49" charset="-122"/>
-                <a:ea typeface="新宋体" panose="02010609030101010101" pitchFamily="49" charset="-122"/>
-              </a:rPr>
-              <a:t>年另外一个银行的项目，因为缓存的大规模应用，也因为以往我们前端</a:t>
-            </a:r>
-            <a:endParaRPr lang="en-US" altLang="zh-CN" dirty="0" smtClean="0">
-              <a:solidFill>
-                <a:schemeClr val="tx1"/>
-              </a:solidFill>
-              <a:latin typeface="新宋体" panose="02010609030101010101" pitchFamily="49" charset="-122"/>
-              <a:ea typeface="新宋体" panose="02010609030101010101" pitchFamily="49" charset="-122"/>
-            </a:endParaRPr>
-          </a:p>
-          <a:p>
             <a:pPr marR="0" algn="l" defTabSz="914400" rtl="0" eaLnBrk="1" fontAlgn="base" latinLnBrk="0" hangingPunct="1">
               <a:spcBef>
                 <a:spcPct val="0"/>
@@ -11456,76 +11329,7 @@
               <a:buSzTx/>
             </a:pPr>
             <a:r>
-              <a:rPr lang="zh-CN" altLang="en-US" dirty="0" smtClean="0">
-                <a:solidFill>
-                  <a:schemeClr val="tx1"/>
-                </a:solidFill>
-                <a:latin typeface="新宋体" panose="02010609030101010101" pitchFamily="49" charset="-122"/>
-                <a:ea typeface="新宋体" panose="02010609030101010101" pitchFamily="49" charset="-122"/>
-              </a:rPr>
-              <a:t>标签大量使用</a:t>
-            </a:r>
-            <a:r>
-              <a:rPr lang="en-US" altLang="zh-CN" dirty="0" err="1" smtClean="0">
-                <a:solidFill>
-                  <a:schemeClr val="tx1"/>
-                </a:solidFill>
-                <a:latin typeface="新宋体" panose="02010609030101010101" pitchFamily="49" charset="-122"/>
-                <a:ea typeface="新宋体" panose="02010609030101010101" pitchFamily="49" charset="-122"/>
-              </a:rPr>
-              <a:t>keyName</a:t>
-            </a:r>
-            <a:r>
-              <a:rPr lang="zh-CN" altLang="en-US" dirty="0" smtClean="0">
-                <a:solidFill>
-                  <a:schemeClr val="tx1"/>
-                </a:solidFill>
-                <a:latin typeface="新宋体" panose="02010609030101010101" pitchFamily="49" charset="-122"/>
-                <a:ea typeface="新宋体" panose="02010609030101010101" pitchFamily="49" charset="-122"/>
-              </a:rPr>
-              <a:t>形式的缓存翻译，看到大家写</a:t>
-            </a:r>
-            <a:r>
-              <a:rPr lang="en-US" altLang="zh-CN" dirty="0" err="1" smtClean="0">
-                <a:solidFill>
-                  <a:schemeClr val="tx1"/>
-                </a:solidFill>
-                <a:latin typeface="新宋体" panose="02010609030101010101" pitchFamily="49" charset="-122"/>
-                <a:ea typeface="新宋体" panose="02010609030101010101" pitchFamily="49" charset="-122"/>
-              </a:rPr>
-              <a:t>sql</a:t>
-            </a:r>
-            <a:r>
-              <a:rPr lang="zh-CN" altLang="en-US" dirty="0" smtClean="0">
-                <a:solidFill>
-                  <a:schemeClr val="tx1"/>
-                </a:solidFill>
-                <a:latin typeface="新宋体" panose="02010609030101010101" pitchFamily="49" charset="-122"/>
-                <a:ea typeface="新宋体" panose="02010609030101010101" pitchFamily="49" charset="-122"/>
-              </a:rPr>
-              <a:t>总要去关联数据字典、</a:t>
-            </a:r>
-            <a:endParaRPr lang="en-US" altLang="zh-CN" dirty="0" smtClean="0">
-              <a:solidFill>
-                <a:schemeClr val="tx1"/>
-              </a:solidFill>
-              <a:latin typeface="新宋体" panose="02010609030101010101" pitchFamily="49" charset="-122"/>
-              <a:ea typeface="新宋体" panose="02010609030101010101" pitchFamily="49" charset="-122"/>
-            </a:endParaRPr>
-          </a:p>
-          <a:p>
-            <a:pPr marR="0" algn="l" defTabSz="914400" rtl="0" eaLnBrk="1" fontAlgn="base" latinLnBrk="0" hangingPunct="1">
-              <a:spcBef>
-                <a:spcPct val="0"/>
-              </a:spcBef>
-              <a:spcAft>
-                <a:spcPct val="0"/>
-              </a:spcAft>
-              <a:buClrTx/>
-              <a:buSzTx/>
-            </a:pPr>
-            <a:r>
-              <a:rPr kumimoji="0" lang="zh-CN" altLang="en-US" sz="1800" b="1" i="0" u="none" strike="noStrike" cap="none" normalizeH="0" baseline="0" dirty="0" smtClean="0">
+              <a:rPr kumimoji="0" lang="zh-CN" altLang="en-US" sz="1800" b="1" i="0" u="none" strike="noStrike" cap="none" normalizeH="0" baseline="0" dirty="0">
                 <a:ln>
                   <a:noFill/>
                 </a:ln>
@@ -11536,9 +11340,37 @@
                 <a:latin typeface="新宋体" panose="02010609030101010101" pitchFamily="49" charset="-122"/>
                 <a:ea typeface="新宋体" panose="02010609030101010101" pitchFamily="49" charset="-122"/>
               </a:rPr>
-              <a:t>员工表、机构表进行关联查询，突然之间又一个灵感产生，我们可以将缓存集</a:t>
-            </a:r>
-            <a:endParaRPr kumimoji="0" lang="en-US" altLang="zh-CN" sz="1800" b="1" i="0" u="none" strike="noStrike" cap="none" normalizeH="0" baseline="0" dirty="0" smtClean="0">
+              <a:t>成在</a:t>
+            </a:r>
+            <a:r>
+              <a:rPr kumimoji="0" lang="en-US" altLang="zh-CN" sz="1800" b="1" i="0" u="none" strike="noStrike" cap="none" normalizeH="0" baseline="0" dirty="0" err="1">
+                <a:ln>
+                  <a:noFill/>
+                </a:ln>
+                <a:solidFill>
+                  <a:schemeClr val="tx1"/>
+                </a:solidFill>
+                <a:effectLst/>
+                <a:latin typeface="新宋体" panose="02010609030101010101" pitchFamily="49" charset="-122"/>
+                <a:ea typeface="新宋体" panose="02010609030101010101" pitchFamily="49" charset="-122"/>
+              </a:rPr>
+              <a:t>sql</a:t>
+            </a:r>
+            <a:r>
+              <a:rPr kumimoji="0" lang="zh-CN" altLang="en-US" sz="1800" b="1" i="0" u="none" strike="noStrike" cap="none" normalizeH="0" baseline="0" dirty="0">
+                <a:ln>
+                  <a:noFill/>
+                </a:ln>
+                <a:solidFill>
+                  <a:schemeClr val="tx1"/>
+                </a:solidFill>
+                <a:effectLst/>
+                <a:latin typeface="新宋体" panose="02010609030101010101" pitchFamily="49" charset="-122"/>
+                <a:ea typeface="新宋体" panose="02010609030101010101" pitchFamily="49" charset="-122"/>
+              </a:rPr>
+              <a:t>框架中，从而不用进行关联查询。</a:t>
+            </a:r>
+            <a:endParaRPr kumimoji="0" lang="en-US" altLang="zh-CN" sz="1800" b="1" i="0" u="none" strike="noStrike" cap="none" normalizeH="0" baseline="0" dirty="0">
               <a:ln>
                 <a:noFill/>
               </a:ln>
@@ -11551,71 +11383,6 @@
             </a:endParaRPr>
           </a:p>
           <a:p>
-            <a:pPr marR="0" algn="l" defTabSz="914400" rtl="0" eaLnBrk="1" fontAlgn="base" latinLnBrk="0" hangingPunct="1">
-              <a:spcBef>
-                <a:spcPct val="0"/>
-              </a:spcBef>
-              <a:spcAft>
-                <a:spcPct val="0"/>
-              </a:spcAft>
-              <a:buClrTx/>
-              <a:buSzTx/>
-            </a:pPr>
-            <a:r>
-              <a:rPr kumimoji="0" lang="zh-CN" altLang="en-US" sz="1800" b="1" i="0" u="none" strike="noStrike" cap="none" normalizeH="0" baseline="0" dirty="0" smtClean="0">
-                <a:ln>
-                  <a:noFill/>
-                </a:ln>
-                <a:solidFill>
-                  <a:schemeClr val="tx1"/>
-                </a:solidFill>
-                <a:effectLst/>
-                <a:latin typeface="新宋体" panose="02010609030101010101" pitchFamily="49" charset="-122"/>
-                <a:ea typeface="新宋体" panose="02010609030101010101" pitchFamily="49" charset="-122"/>
-              </a:rPr>
-              <a:t>成在</a:t>
-            </a:r>
-            <a:r>
-              <a:rPr kumimoji="0" lang="en-US" altLang="zh-CN" sz="1800" b="1" i="0" u="none" strike="noStrike" cap="none" normalizeH="0" baseline="0" dirty="0" err="1" smtClean="0">
-                <a:ln>
-                  <a:noFill/>
-                </a:ln>
-                <a:solidFill>
-                  <a:schemeClr val="tx1"/>
-                </a:solidFill>
-                <a:effectLst/>
-                <a:latin typeface="新宋体" panose="02010609030101010101" pitchFamily="49" charset="-122"/>
-                <a:ea typeface="新宋体" panose="02010609030101010101" pitchFamily="49" charset="-122"/>
-              </a:rPr>
-              <a:t>sql</a:t>
-            </a:r>
-            <a:r>
-              <a:rPr kumimoji="0" lang="zh-CN" altLang="en-US" sz="1800" b="1" i="0" u="none" strike="noStrike" cap="none" normalizeH="0" baseline="0" dirty="0" smtClean="0">
-                <a:ln>
-                  <a:noFill/>
-                </a:ln>
-                <a:solidFill>
-                  <a:schemeClr val="tx1"/>
-                </a:solidFill>
-                <a:effectLst/>
-                <a:latin typeface="新宋体" panose="02010609030101010101" pitchFamily="49" charset="-122"/>
-                <a:ea typeface="新宋体" panose="02010609030101010101" pitchFamily="49" charset="-122"/>
-              </a:rPr>
-              <a:t>框架中，从而不用进行关联查询。</a:t>
-            </a:r>
-            <a:endParaRPr kumimoji="0" lang="en-US" altLang="zh-CN" sz="1800" b="1" i="0" u="none" strike="noStrike" cap="none" normalizeH="0" baseline="0" dirty="0" smtClean="0">
-              <a:ln>
-                <a:noFill/>
-              </a:ln>
-              <a:solidFill>
-                <a:schemeClr val="tx1"/>
-              </a:solidFill>
-              <a:effectLst/>
-              <a:latin typeface="新宋体" panose="02010609030101010101" pitchFamily="49" charset="-122"/>
-              <a:ea typeface="新宋体" panose="02010609030101010101" pitchFamily="49" charset="-122"/>
-            </a:endParaRPr>
-          </a:p>
-          <a:p>
             <a:pPr marL="285750" marR="0" indent="-285750" algn="l" defTabSz="914400" rtl="0" eaLnBrk="1" fontAlgn="base" latinLnBrk="0" hangingPunct="1">
               <a:spcBef>
                 <a:spcPct val="0"/>
@@ -11629,7 +11396,7 @@
               <a:buChar char="Ø"/>
             </a:pPr>
             <a:r>
-              <a:rPr lang="en-US" altLang="zh-CN" dirty="0" smtClean="0">
+              <a:rPr lang="en-US" altLang="zh-CN" dirty="0">
                 <a:solidFill>
                   <a:schemeClr val="tx1"/>
                 </a:solidFill>
@@ -11639,7 +11406,7 @@
               <a:t>2012</a:t>
             </a:r>
             <a:r>
-              <a:rPr lang="zh-CN" altLang="en-US" dirty="0" smtClean="0">
+              <a:rPr lang="zh-CN" altLang="en-US" dirty="0">
                 <a:solidFill>
                   <a:schemeClr val="tx1"/>
                 </a:solidFill>
@@ -11648,7 +11415,7 @@
               </a:rPr>
               <a:t>年，因为开发报表平台，因为报表经常需要进行数据旋转，而对我们</a:t>
             </a:r>
-            <a:endParaRPr lang="en-US" altLang="zh-CN" dirty="0" smtClean="0">
+            <a:endParaRPr lang="en-US" altLang="zh-CN" dirty="0">
               <a:solidFill>
                 <a:schemeClr val="tx1"/>
               </a:solidFill>
@@ -11668,7 +11435,7 @@
               <a:buSzTx/>
             </a:pPr>
             <a:r>
-              <a:rPr lang="zh-CN" altLang="en-US" dirty="0" smtClean="0">
+              <a:rPr lang="zh-CN" altLang="en-US" dirty="0">
                 <a:solidFill>
                   <a:schemeClr val="tx1"/>
                 </a:solidFill>
@@ -11678,7 +11445,7 @@
               <a:t>而言这些算法早就是现成的，突然就想，如果将之集成在</a:t>
             </a:r>
             <a:r>
-              <a:rPr lang="en-US" altLang="zh-CN" dirty="0" err="1" smtClean="0">
+              <a:rPr lang="en-US" altLang="zh-CN" dirty="0" err="1">
                 <a:solidFill>
                   <a:schemeClr val="tx1"/>
                 </a:solidFill>
@@ -11688,7 +11455,7 @@
               <a:t>sqltoy</a:t>
             </a:r>
             <a:r>
-              <a:rPr lang="zh-CN" altLang="en-US" dirty="0" smtClean="0">
+              <a:rPr lang="zh-CN" altLang="en-US" dirty="0">
                 <a:solidFill>
                   <a:schemeClr val="tx1"/>
                 </a:solidFill>
@@ -11697,7 +11464,7 @@
               </a:rPr>
               <a:t>框架中，岂不</a:t>
             </a:r>
-            <a:endParaRPr lang="en-US" altLang="zh-CN" dirty="0" smtClean="0">
+            <a:endParaRPr lang="en-US" altLang="zh-CN" dirty="0">
               <a:solidFill>
                 <a:schemeClr val="tx1"/>
               </a:solidFill>
@@ -11717,7 +11484,7 @@
               <a:buSzTx/>
             </a:pPr>
             <a:r>
-              <a:rPr lang="zh-CN" altLang="en-US" dirty="0" smtClean="0">
+              <a:rPr lang="zh-CN" altLang="en-US" dirty="0">
                 <a:solidFill>
                   <a:schemeClr val="tx1"/>
                 </a:solidFill>
@@ -11726,7 +11493,7 @@
               </a:rPr>
               <a:t>是一下子弥补了不善于写存储过程的弱势了吗？相反还成为极大的亮点！</a:t>
             </a:r>
-            <a:endParaRPr lang="en-US" altLang="zh-CN" dirty="0" smtClean="0">
+            <a:endParaRPr lang="en-US" altLang="zh-CN" dirty="0">
               <a:solidFill>
                 <a:schemeClr val="tx1"/>
               </a:solidFill>
@@ -11748,7 +11515,7 @@
               <a:buChar char="Ø"/>
             </a:pPr>
             <a:r>
-              <a:rPr lang="en-US" altLang="zh-CN" dirty="0" smtClean="0">
+              <a:rPr lang="en-US" altLang="zh-CN" dirty="0">
                 <a:solidFill>
                   <a:schemeClr val="tx1"/>
                 </a:solidFill>
@@ -11758,7 +11525,7 @@
               <a:t>2013</a:t>
             </a:r>
             <a:r>
-              <a:rPr lang="zh-CN" altLang="en-US" dirty="0" smtClean="0">
+              <a:rPr lang="zh-CN" altLang="en-US" dirty="0">
                 <a:solidFill>
                   <a:schemeClr val="tx1"/>
                 </a:solidFill>
@@ -11768,7 +11535,7 @@
               <a:t>年，大数据流行，分库、分表应用逐渐广泛，</a:t>
             </a:r>
             <a:r>
-              <a:rPr lang="en-US" altLang="zh-CN" dirty="0" err="1" smtClean="0">
+              <a:rPr lang="en-US" altLang="zh-CN" dirty="0" err="1">
                 <a:solidFill>
                   <a:schemeClr val="tx1"/>
                 </a:solidFill>
@@ -11778,7 +11545,7 @@
               <a:t>sqltoy</a:t>
             </a:r>
             <a:r>
-              <a:rPr lang="zh-CN" altLang="en-US" dirty="0" smtClean="0">
+              <a:rPr lang="zh-CN" altLang="en-US" dirty="0">
                 <a:solidFill>
                   <a:schemeClr val="tx1"/>
                 </a:solidFill>
@@ -11787,7 +11554,7 @@
               </a:rPr>
               <a:t>顺应时代集成了</a:t>
             </a:r>
-            <a:endParaRPr lang="en-US" altLang="zh-CN" dirty="0" smtClean="0">
+            <a:endParaRPr lang="en-US" altLang="zh-CN" dirty="0">
               <a:solidFill>
                 <a:schemeClr val="tx1"/>
               </a:solidFill>
@@ -11807,7 +11574,7 @@
               <a:buSzTx/>
             </a:pPr>
             <a:r>
-              <a:rPr lang="zh-CN" altLang="en-US" dirty="0" smtClean="0">
+              <a:rPr lang="zh-CN" altLang="en-US" dirty="0">
                 <a:solidFill>
                   <a:schemeClr val="tx1"/>
                 </a:solidFill>
@@ -11817,7 +11584,7 @@
               <a:t>分库、分表</a:t>
             </a:r>
             <a:r>
-              <a:rPr lang="en-US" altLang="zh-CN" dirty="0" err="1" smtClean="0">
+              <a:rPr lang="en-US" altLang="zh-CN" dirty="0" err="1">
                 <a:solidFill>
                   <a:schemeClr val="tx1"/>
                 </a:solidFill>
@@ -11827,7 +11594,7 @@
               <a:t>sharding</a:t>
             </a:r>
             <a:r>
-              <a:rPr lang="zh-CN" altLang="en-US" dirty="0" smtClean="0">
+              <a:rPr lang="zh-CN" altLang="en-US" dirty="0">
                 <a:solidFill>
                   <a:schemeClr val="tx1"/>
                 </a:solidFill>
@@ -11836,7 +11603,7 @@
               </a:rPr>
               <a:t>功能。</a:t>
             </a:r>
-            <a:endParaRPr lang="en-US" altLang="zh-CN" dirty="0" smtClean="0">
+            <a:endParaRPr lang="en-US" altLang="zh-CN" dirty="0">
               <a:solidFill>
                 <a:schemeClr val="tx1"/>
               </a:solidFill>
@@ -11874,34 +11641,16 @@
               <a:buSzTx/>
             </a:pPr>
             <a:r>
-              <a:rPr lang="zh-CN" altLang="en-US" dirty="0" smtClean="0">
-                <a:solidFill>
-                  <a:schemeClr val="tx1"/>
-                </a:solidFill>
-                <a:latin typeface="Arial" panose="020B0604020202020204" pitchFamily="34" charset="0"/>
-              </a:rPr>
-              <a:t>就这样一个一个的</a:t>
-            </a:r>
-            <a:r>
               <a:rPr lang="zh-CN" altLang="en-US" dirty="0">
                 <a:solidFill>
                   <a:schemeClr val="tx1"/>
                 </a:solidFill>
                 <a:latin typeface="Arial" panose="020B0604020202020204" pitchFamily="34" charset="0"/>
               </a:rPr>
-              <a:t>发现</a:t>
-            </a:r>
-            <a:r>
-              <a:rPr lang="zh-CN" altLang="en-US" dirty="0" smtClean="0">
-                <a:solidFill>
-                  <a:schemeClr val="tx1"/>
-                </a:solidFill>
-                <a:latin typeface="Arial" panose="020B0604020202020204" pitchFamily="34" charset="0"/>
-              </a:rPr>
-              <a:t>、总结、应用，到了</a:t>
-            </a:r>
-            <a:r>
-              <a:rPr lang="en-US" altLang="zh-CN" dirty="0" smtClean="0">
+              <a:t>就这样一个一个的发现、总结、应用，到了</a:t>
+            </a:r>
+            <a:r>
+              <a:rPr lang="en-US" altLang="zh-CN" dirty="0">
                 <a:solidFill>
                   <a:schemeClr val="tx1"/>
                 </a:solidFill>
@@ -11910,7 +11659,7 @@
               <a:t>2013</a:t>
             </a:r>
             <a:r>
-              <a:rPr lang="zh-CN" altLang="en-US" dirty="0" smtClean="0">
+              <a:rPr lang="zh-CN" altLang="en-US" dirty="0">
                 <a:solidFill>
                   <a:schemeClr val="tx1"/>
                 </a:solidFill>
@@ -11919,7 +11668,7 @@
               <a:t>年底</a:t>
             </a:r>
             <a:r>
-              <a:rPr lang="en-US" altLang="zh-CN" dirty="0" err="1" smtClean="0">
+              <a:rPr lang="en-US" altLang="zh-CN" dirty="0" err="1">
                 <a:solidFill>
                   <a:schemeClr val="tx1"/>
                 </a:solidFill>
@@ -11928,7 +11677,7 @@
               <a:t>sqltoy</a:t>
             </a:r>
             <a:r>
-              <a:rPr lang="zh-CN" altLang="en-US" dirty="0" smtClean="0">
+              <a:rPr lang="zh-CN" altLang="en-US" dirty="0">
                 <a:solidFill>
                   <a:schemeClr val="tx1"/>
                 </a:solidFill>
@@ -11936,7 +11685,7 @@
               </a:rPr>
               <a:t>已经成为了一个完</a:t>
             </a:r>
-            <a:endParaRPr lang="en-US" altLang="zh-CN" dirty="0" smtClean="0">
+            <a:endParaRPr lang="en-US" altLang="zh-CN" dirty="0">
               <a:solidFill>
                 <a:schemeClr val="tx1"/>
               </a:solidFill>
@@ -11955,7 +11704,7 @@
               <a:buSzTx/>
             </a:pPr>
             <a:r>
-              <a:rPr lang="zh-CN" altLang="en-US" dirty="0" smtClean="0">
+              <a:rPr lang="zh-CN" altLang="en-US" dirty="0">
                 <a:solidFill>
                   <a:schemeClr val="tx1"/>
                 </a:solidFill>
@@ -11964,7 +11713,7 @@
               <a:t>整的</a:t>
             </a:r>
             <a:r>
-              <a:rPr lang="en-US" altLang="zh-CN" dirty="0" smtClean="0">
+              <a:rPr lang="en-US" altLang="zh-CN" dirty="0">
                 <a:solidFill>
                   <a:schemeClr val="tx1"/>
                 </a:solidFill>
@@ -11973,7 +11722,7 @@
               <a:t>ORM</a:t>
             </a:r>
             <a:r>
-              <a:rPr lang="zh-CN" altLang="en-US" dirty="0" smtClean="0">
+              <a:rPr lang="zh-CN" altLang="en-US" dirty="0">
                 <a:solidFill>
                   <a:schemeClr val="tx1"/>
                 </a:solidFill>
@@ -11982,7 +11731,7 @@
               <a:t>框架，</a:t>
             </a:r>
             <a:r>
-              <a:rPr lang="en-US" altLang="zh-CN" dirty="0" smtClean="0">
+              <a:rPr lang="en-US" altLang="zh-CN" dirty="0">
                 <a:solidFill>
                   <a:schemeClr val="tx1"/>
                 </a:solidFill>
@@ -11991,7 +11740,7 @@
               <a:t>2014</a:t>
             </a:r>
             <a:r>
-              <a:rPr lang="zh-CN" altLang="en-US" dirty="0" smtClean="0">
+              <a:rPr lang="zh-CN" altLang="en-US" dirty="0">
                 <a:solidFill>
                   <a:schemeClr val="tx1"/>
                 </a:solidFill>
@@ -11999,7 +11748,7 @@
               </a:rPr>
               <a:t>年进行了一次根本性重构并在核心项目中应用。</a:t>
             </a:r>
-            <a:endParaRPr lang="en-US" altLang="zh-CN" dirty="0" smtClean="0">
+            <a:endParaRPr lang="en-US" altLang="zh-CN" dirty="0">
               <a:solidFill>
                 <a:schemeClr val="tx1"/>
               </a:solidFill>
@@ -12036,7 +11785,7 @@
               <a:buSzTx/>
             </a:pPr>
             <a:r>
-              <a:rPr lang="zh-CN" altLang="en-US" dirty="0" smtClean="0">
+              <a:rPr lang="zh-CN" altLang="en-US" dirty="0">
                 <a:solidFill>
                   <a:schemeClr val="tx1"/>
                 </a:solidFill>
@@ -12044,7 +11793,7 @@
               </a:rPr>
               <a:t>而今天，我认为是该跟大家分享了，因为真的不忍心看着大家痛苦了！</a:t>
             </a:r>
-            <a:endParaRPr lang="en-US" altLang="zh-CN" dirty="0" smtClean="0">
+            <a:endParaRPr lang="en-US" altLang="zh-CN" dirty="0">
               <a:solidFill>
                 <a:schemeClr val="tx1"/>
               </a:solidFill>
@@ -12059,13 +11808,6 @@
     <a:masterClrMapping/>
   </p:clrMapOvr>
   <p:transition/>
-  <p:timing>
-    <p:tnLst>
-      <p:par>
-        <p:cTn id="1" dur="indefinite" restart="never" nodeType="tmRoot"/>
-      </p:par>
-    </p:tnLst>
-  </p:timing>
 </p:sld>
 </file>
 
@@ -12107,26 +11849,23 @@
           <a:lstStyle/>
           <a:p>
             <a:r>
-              <a:rPr lang="en-US" altLang="zh-CN" sz="2800" dirty="0" err="1" smtClean="0">
+              <a:rPr lang="en-US" altLang="zh-CN" sz="2800" dirty="0" err="1">
                 <a:ea typeface="宋体" panose="02010600030101010101" pitchFamily="2" charset="-122"/>
               </a:rPr>
               <a:t>SqlToy-ORM:</a:t>
             </a:r>
             <a:r>
-              <a:rPr lang="zh-CN" altLang="en-US" sz="2800" dirty="0" err="1" smtClean="0">
+              <a:rPr lang="zh-CN" altLang="en-US" sz="2800" dirty="0" err="1">
                 <a:ea typeface="宋体" panose="02010600030101010101" pitchFamily="2" charset="-122"/>
               </a:rPr>
               <a:t>增删改查操作：</a:t>
             </a:r>
             <a:r>
-              <a:rPr lang="en-US" altLang="zh-CN" sz="2800" dirty="0" err="1" smtClean="0">
+              <a:rPr lang="en-US" altLang="zh-CN" sz="2800" dirty="0" err="1">
                 <a:ea typeface="宋体" panose="02010600030101010101" pitchFamily="2" charset="-122"/>
               </a:rPr>
               <a:t>saveOrUpdate</a:t>
             </a:r>
-            <a:endParaRPr lang="en-US" altLang="zh-CN" sz="2800" dirty="0" err="1" smtClean="0">
-              <a:ea typeface="宋体" panose="02010600030101010101" pitchFamily="2" charset="-122"/>
-            </a:endParaRPr>
           </a:p>
         </p:txBody>
       </p:sp>
@@ -12209,7 +11948,7 @@
               <a:buChar char="Ø"/>
             </a:pPr>
             <a:r>
-              <a:rPr kumimoji="0" lang="en-US" altLang="zh-CN" sz="1800" b="1" i="0" u="none" strike="noStrike" cap="none" normalizeH="0" baseline="0" dirty="0" smtClean="0">
+              <a:rPr kumimoji="0" lang="en-US" altLang="zh-CN" sz="1800" b="1" i="0" u="none" strike="noStrike" cap="none" normalizeH="0" baseline="0" dirty="0">
                 <a:ln>
                   <a:noFill/>
                 </a:ln>
@@ -12223,7 +11962,7 @@
               <a:t>saveOrUpdate:</a:t>
             </a:r>
             <a:r>
-              <a:rPr kumimoji="0" lang="zh-CN" altLang="en-US" sz="1800" b="1" i="0" u="none" strike="noStrike" cap="none" normalizeH="0" baseline="0" dirty="0" smtClean="0">
+              <a:rPr kumimoji="0" lang="zh-CN" altLang="en-US" sz="1800" b="1" i="0" u="none" strike="noStrike" cap="none" normalizeH="0" baseline="0" dirty="0">
                 <a:ln>
                   <a:noFill/>
                 </a:ln>
@@ -12237,7 +11976,7 @@
               <a:t>底层是基于不同数据库采用类似</a:t>
             </a:r>
             <a:r>
-              <a:rPr kumimoji="0" lang="en-US" altLang="zh-CN" sz="1800" b="1" i="0" u="none" strike="noStrike" cap="none" normalizeH="0" baseline="0" dirty="0" smtClean="0">
+              <a:rPr kumimoji="0" lang="en-US" altLang="zh-CN" sz="1800" b="1" i="0" u="none" strike="noStrike" cap="none" normalizeH="0" baseline="0" dirty="0">
                 <a:ln>
                   <a:noFill/>
                 </a:ln>
@@ -12251,7 +11990,7 @@
               <a:t>merge into</a:t>
             </a:r>
             <a:r>
-              <a:rPr kumimoji="0" lang="zh-CN" altLang="en-US" sz="1800" b="1" i="0" u="none" strike="noStrike" cap="none" normalizeH="0" baseline="0" dirty="0" smtClean="0">
+              <a:rPr kumimoji="0" lang="zh-CN" altLang="en-US" sz="1800" b="1" i="0" u="none" strike="noStrike" cap="none" normalizeH="0" baseline="0" dirty="0">
                 <a:ln>
                   <a:noFill/>
                 </a:ln>
@@ -12265,7 +12004,7 @@
               <a:t>语法</a:t>
             </a:r>
             <a:r>
-              <a:rPr kumimoji="0" lang="en-US" altLang="zh-CN" sz="1800" b="1" i="0" u="none" strike="noStrike" cap="none" normalizeH="0" baseline="0" dirty="0" smtClean="0">
+              <a:rPr kumimoji="0" lang="en-US" altLang="zh-CN" sz="1800" b="1" i="0" u="none" strike="noStrike" cap="none" normalizeH="0" baseline="0" dirty="0">
                 <a:ln>
                   <a:noFill/>
                 </a:ln>
@@ -12279,7 +12018,7 @@
               <a:t>(</a:t>
             </a:r>
             <a:r>
-              <a:rPr kumimoji="0" lang="zh-CN" altLang="en-US" sz="1800" b="1" i="0" u="none" strike="noStrike" cap="none" normalizeH="0" baseline="0" dirty="0" smtClean="0">
+              <a:rPr kumimoji="0" lang="zh-CN" altLang="en-US" sz="1800" b="1" i="0" u="none" strike="noStrike" cap="none" normalizeH="0" baseline="0" dirty="0">
                 <a:ln>
                   <a:noFill/>
                 </a:ln>
@@ -12292,17 +12031,6 @@
               </a:rPr>
               <a:t>如：</a:t>
             </a:r>
-            <a:endParaRPr kumimoji="0" lang="zh-CN" altLang="en-US" sz="1800" b="1" i="0" u="none" strike="noStrike" cap="none" normalizeH="0" baseline="0" dirty="0" smtClean="0">
-              <a:ln>
-                <a:noFill/>
-              </a:ln>
-              <a:solidFill>
-                <a:schemeClr val="tx1"/>
-              </a:solidFill>
-              <a:effectLst/>
-              <a:latin typeface="Arial" panose="020B0604020202020204" pitchFamily="34" charset="0"/>
-              <a:ea typeface="宋体" panose="02010600030101010101" pitchFamily="2" charset="-122"/>
-            </a:endParaRPr>
           </a:p>
           <a:p>
             <a:pPr marL="0" marR="0" indent="0" algn="l" defTabSz="914400" rtl="0" eaLnBrk="1" fontAlgn="base" latinLnBrk="0" hangingPunct="1">
@@ -12318,7 +12046,7 @@
               <a:buNone/>
             </a:pPr>
             <a:r>
-              <a:rPr kumimoji="0" lang="en-US" altLang="zh-CN" sz="1800" b="1" i="0" u="none" strike="noStrike" cap="none" normalizeH="0" baseline="0" dirty="0" smtClean="0">
+              <a:rPr kumimoji="0" lang="en-US" altLang="zh-CN" sz="1800" b="1" i="0" u="none" strike="noStrike" cap="none" normalizeH="0" baseline="0" dirty="0">
                 <a:ln>
                   <a:noFill/>
                 </a:ln>
@@ -12331,17 +12059,6 @@
               </a:rPr>
               <a:t>mysql   insert into ON DUPLICATE KEY UPDATE)</a:t>
             </a:r>
-            <a:endParaRPr kumimoji="0" lang="en-US" altLang="zh-CN" sz="1800" b="1" i="0" u="none" strike="noStrike" cap="none" normalizeH="0" baseline="0" dirty="0" smtClean="0">
-              <a:ln>
-                <a:noFill/>
-              </a:ln>
-              <a:solidFill>
-                <a:schemeClr val="tx1"/>
-              </a:solidFill>
-              <a:effectLst/>
-              <a:latin typeface="Arial" panose="020B0604020202020204" pitchFamily="34" charset="0"/>
-              <a:ea typeface="宋体" panose="02010600030101010101" pitchFamily="2" charset="-122"/>
-            </a:endParaRPr>
           </a:p>
         </p:txBody>
       </p:sp>
@@ -12354,7 +12071,7 @@
           <p:nvPr/>
         </p:nvPicPr>
         <p:blipFill>
-          <a:blip r:embed="rId1"/>
+          <a:blip r:embed="rId2"/>
           <a:srcRect/>
           <a:stretch>
             <a:fillRect/>
@@ -12376,13 +12093,6 @@
     <a:masterClrMapping/>
   </p:clrMapOvr>
   <p:transition/>
-  <p:timing>
-    <p:tnLst>
-      <p:par>
-        <p:cTn id="1" dur="indefinite" restart="never" nodeType="tmRoot"/>
-      </p:par>
-    </p:tnLst>
-  </p:timing>
 </p:sld>
 </file>
 
@@ -12424,26 +12134,23 @@
           <a:lstStyle/>
           <a:p>
             <a:r>
-              <a:rPr lang="en-US" altLang="zh-CN" sz="2800" dirty="0" err="1" smtClean="0">
+              <a:rPr lang="en-US" altLang="zh-CN" sz="2800" dirty="0" err="1">
                 <a:ea typeface="宋体" panose="02010600030101010101" pitchFamily="2" charset="-122"/>
               </a:rPr>
               <a:t>SqlToy-ORM:</a:t>
             </a:r>
             <a:r>
-              <a:rPr lang="zh-CN" altLang="en-US" sz="2800" dirty="0" err="1" smtClean="0">
+              <a:rPr lang="zh-CN" altLang="en-US" sz="2800" dirty="0" err="1">
                 <a:ea typeface="宋体" panose="02010600030101010101" pitchFamily="2" charset="-122"/>
               </a:rPr>
               <a:t>增删改查操作：</a:t>
             </a:r>
             <a:r>
-              <a:rPr lang="en-US" altLang="zh-CN" sz="2800" dirty="0" err="1" smtClean="0">
+              <a:rPr lang="en-US" altLang="zh-CN" sz="2800" dirty="0" err="1">
                 <a:ea typeface="宋体" panose="02010600030101010101" pitchFamily="2" charset="-122"/>
               </a:rPr>
               <a:t>delete</a:t>
             </a:r>
-            <a:endParaRPr lang="en-US" altLang="zh-CN" sz="2800" dirty="0" err="1" smtClean="0">
-              <a:ea typeface="宋体" panose="02010600030101010101" pitchFamily="2" charset="-122"/>
-            </a:endParaRPr>
           </a:p>
         </p:txBody>
       </p:sp>
@@ -12526,7 +12233,7 @@
               <a:buChar char="Ø"/>
             </a:pPr>
             <a:r>
-              <a:rPr kumimoji="0" lang="en-US" altLang="zh-CN" sz="1800" b="1" i="0" u="none" strike="noStrike" cap="none" normalizeH="0" baseline="0" dirty="0" smtClean="0">
+              <a:rPr kumimoji="0" lang="en-US" altLang="zh-CN" sz="1800" b="1" i="0" u="none" strike="noStrike" cap="none" normalizeH="0" baseline="0" dirty="0">
                 <a:ln>
                   <a:noFill/>
                 </a:ln>
@@ -12540,7 +12247,7 @@
               <a:t>delete</a:t>
             </a:r>
             <a:r>
-              <a:rPr kumimoji="0" lang="zh-CN" altLang="en-US" sz="1800" b="1" i="0" u="none" strike="noStrike" cap="none" normalizeH="0" baseline="0" dirty="0" smtClean="0">
+              <a:rPr kumimoji="0" lang="zh-CN" altLang="en-US" sz="1800" b="1" i="0" u="none" strike="noStrike" cap="none" normalizeH="0" baseline="0" dirty="0">
                 <a:ln>
                   <a:noFill/>
                 </a:ln>
@@ -12554,7 +12261,7 @@
               <a:t>：包含级联删除功能</a:t>
             </a:r>
             <a:r>
-              <a:rPr kumimoji="0" lang="en-US" altLang="zh-CN" sz="1800" b="1" i="0" u="none" strike="noStrike" cap="none" normalizeH="0" baseline="0" dirty="0" smtClean="0">
+              <a:rPr kumimoji="0" lang="en-US" altLang="zh-CN" sz="1800" b="1" i="0" u="none" strike="noStrike" cap="none" normalizeH="0" baseline="0" dirty="0">
                 <a:ln>
                   <a:noFill/>
                 </a:ln>
@@ -12568,7 +12275,7 @@
               <a:t>(</a:t>
             </a:r>
             <a:r>
-              <a:rPr kumimoji="0" lang="zh-CN" altLang="en-US" sz="1800" b="1" i="0" u="none" strike="noStrike" cap="none" normalizeH="0" baseline="0" dirty="0" smtClean="0">
+              <a:rPr kumimoji="0" lang="zh-CN" altLang="en-US" sz="1800" b="1" i="0" u="none" strike="noStrike" cap="none" normalizeH="0" baseline="0" dirty="0">
                 <a:ln>
                   <a:noFill/>
                 </a:ln>
@@ -12581,17 +12288,6 @@
               </a:rPr>
               <a:t>会根据表的设计判断是否手动执行子</a:t>
             </a:r>
-            <a:endParaRPr kumimoji="0" lang="zh-CN" altLang="en-US" sz="1800" b="1" i="0" u="none" strike="noStrike" cap="none" normalizeH="0" baseline="0" dirty="0" smtClean="0">
-              <a:ln>
-                <a:noFill/>
-              </a:ln>
-              <a:solidFill>
-                <a:schemeClr val="tx1"/>
-              </a:solidFill>
-              <a:effectLst/>
-              <a:latin typeface="Arial" panose="020B0604020202020204" pitchFamily="34" charset="0"/>
-              <a:ea typeface="宋体" panose="02010600030101010101" pitchFamily="2" charset="-122"/>
-            </a:endParaRPr>
           </a:p>
           <a:p>
             <a:pPr marL="0" marR="0" indent="0" algn="l" defTabSz="914400" rtl="0" eaLnBrk="1" fontAlgn="base" latinLnBrk="0" hangingPunct="1">
@@ -12607,7 +12303,7 @@
               <a:buNone/>
             </a:pPr>
             <a:r>
-              <a:rPr kumimoji="0" lang="zh-CN" altLang="en-US" sz="1800" b="1" i="0" u="none" strike="noStrike" cap="none" normalizeH="0" baseline="0" dirty="0" smtClean="0">
+              <a:rPr kumimoji="0" lang="zh-CN" altLang="en-US" sz="1800" b="1" i="0" u="none" strike="noStrike" cap="none" normalizeH="0" baseline="0" dirty="0">
                 <a:ln>
                   <a:noFill/>
                 </a:ln>
@@ -12621,7 +12317,7 @@
               <a:t>表删除语句</a:t>
             </a:r>
             <a:r>
-              <a:rPr kumimoji="0" lang="en-US" altLang="zh-CN" sz="1800" b="1" i="0" u="none" strike="noStrike" cap="none" normalizeH="0" baseline="0" dirty="0" smtClean="0">
+              <a:rPr kumimoji="0" lang="en-US" altLang="zh-CN" sz="1800" b="1" i="0" u="none" strike="noStrike" cap="none" normalizeH="0" baseline="0" dirty="0">
                 <a:ln>
                   <a:noFill/>
                 </a:ln>
@@ -12634,48 +12330,12 @@
               </a:rPr>
               <a:t>)</a:t>
             </a:r>
-            <a:endParaRPr kumimoji="0" lang="en-US" altLang="zh-CN" sz="1800" b="1" i="0" u="none" strike="noStrike" cap="none" normalizeH="0" baseline="0" dirty="0" smtClean="0">
-              <a:ln>
-                <a:noFill/>
-              </a:ln>
-              <a:solidFill>
-                <a:schemeClr val="tx1"/>
-              </a:solidFill>
-              <a:effectLst/>
-              <a:latin typeface="Arial" panose="020B0604020202020204" pitchFamily="34" charset="0"/>
-              <a:ea typeface="宋体" panose="02010600030101010101" pitchFamily="2" charset="-122"/>
-            </a:endParaRPr>
           </a:p>
         </p:txBody>
       </p:sp>
       <p:pic>
         <p:nvPicPr>
           <p:cNvPr id="2" name="图片 1" descr="0LK0607~@SD~BQB)J5I3X$2"/>
-          <p:cNvPicPr>
-            <a:picLocks noChangeAspect="1"/>
-          </p:cNvPicPr>
-          <p:nvPr/>
-        </p:nvPicPr>
-        <p:blipFill>
-          <a:blip r:embed="rId1"/>
-          <a:srcRect/>
-          <a:stretch>
-            <a:fillRect/>
-          </a:stretch>
-        </p:blipFill>
-        <p:spPr>
-          <a:xfrm>
-            <a:off x="985520" y="1602740"/>
-            <a:ext cx="8044815" cy="4222115"/>
-          </a:xfrm>
-          <a:prstGeom prst="rect">
-            <a:avLst/>
-          </a:prstGeom>
-        </p:spPr>
-      </p:pic>
-      <p:pic>
-        <p:nvPicPr>
-          <p:cNvPr id="5" name="图片 4" descr="WARNUWOD5Y5}Q$)KE$T`~2V"/>
           <p:cNvPicPr>
             <a:picLocks noChangeAspect="1"/>
           </p:cNvPicPr>
@@ -12690,6 +12350,31 @@
         </p:blipFill>
         <p:spPr>
           <a:xfrm>
+            <a:off x="985520" y="1602740"/>
+            <a:ext cx="8044815" cy="4222115"/>
+          </a:xfrm>
+          <a:prstGeom prst="rect">
+            <a:avLst/>
+          </a:prstGeom>
+        </p:spPr>
+      </p:pic>
+      <p:pic>
+        <p:nvPicPr>
+          <p:cNvPr id="5" name="图片 4" descr="WARNUWOD5Y5}Q$)KE$T`~2V"/>
+          <p:cNvPicPr>
+            <a:picLocks noChangeAspect="1"/>
+          </p:cNvPicPr>
+          <p:nvPr/>
+        </p:nvPicPr>
+        <p:blipFill>
+          <a:blip r:embed="rId3"/>
+          <a:srcRect/>
+          <a:stretch>
+            <a:fillRect/>
+          </a:stretch>
+        </p:blipFill>
+        <p:spPr>
+          <a:xfrm>
             <a:off x="4553585" y="3138170"/>
             <a:ext cx="4171315" cy="2200275"/>
           </a:xfrm>
@@ -12704,13 +12389,6 @@
     <a:masterClrMapping/>
   </p:clrMapOvr>
   <p:transition/>
-  <p:timing>
-    <p:tnLst>
-      <p:par>
-        <p:cTn id="1" dur="indefinite" restart="never" nodeType="tmRoot"/>
-      </p:par>
-    </p:tnLst>
-  </p:timing>
 </p:sld>
 </file>
 
@@ -12752,26 +12430,23 @@
           <a:lstStyle/>
           <a:p>
             <a:r>
-              <a:rPr lang="en-US" altLang="zh-CN" sz="2800" dirty="0" err="1" smtClean="0">
+              <a:rPr lang="en-US" altLang="zh-CN" sz="2800" dirty="0" err="1">
                 <a:ea typeface="宋体" panose="02010600030101010101" pitchFamily="2" charset="-122"/>
               </a:rPr>
               <a:t>SqlToy-ORM:</a:t>
             </a:r>
             <a:r>
-              <a:rPr lang="zh-CN" altLang="en-US" sz="2800" dirty="0" err="1" smtClean="0">
+              <a:rPr lang="zh-CN" altLang="en-US" sz="2800" dirty="0" err="1">
                 <a:ea typeface="宋体" panose="02010600030101010101" pitchFamily="2" charset="-122"/>
               </a:rPr>
               <a:t>增删改查操作：</a:t>
             </a:r>
             <a:r>
-              <a:rPr lang="en-US" altLang="zh-CN" sz="2800" dirty="0" err="1" smtClean="0">
+              <a:rPr lang="en-US" altLang="zh-CN" sz="2800" dirty="0" err="1">
                 <a:ea typeface="宋体" panose="02010600030101010101" pitchFamily="2" charset="-122"/>
               </a:rPr>
               <a:t>load</a:t>
             </a:r>
-            <a:endParaRPr lang="en-US" altLang="zh-CN" sz="2800" dirty="0" err="1" smtClean="0">
-              <a:ea typeface="宋体" panose="02010600030101010101" pitchFamily="2" charset="-122"/>
-            </a:endParaRPr>
           </a:p>
         </p:txBody>
       </p:sp>
@@ -12854,7 +12529,7 @@
               <a:buChar char="Ø"/>
             </a:pPr>
             <a:r>
-              <a:rPr kumimoji="0" lang="en-US" sz="1800" b="1" i="0" u="none" strike="noStrike" cap="none" normalizeH="0" baseline="0" dirty="0" smtClean="0">
+              <a:rPr kumimoji="0" lang="en-US" sz="1800" b="1" i="0" u="none" strike="noStrike" cap="none" normalizeH="0" baseline="0" dirty="0">
                 <a:ln>
                   <a:noFill/>
                 </a:ln>
@@ -12868,7 +12543,7 @@
               <a:t>load:</a:t>
             </a:r>
             <a:r>
-              <a:rPr kumimoji="0" lang="zh-CN" altLang="en-US" sz="1800" b="1" i="0" u="none" strike="noStrike" cap="none" normalizeH="0" baseline="0" dirty="0" smtClean="0">
+              <a:rPr kumimoji="0" lang="zh-CN" altLang="en-US" sz="1800" b="1" i="0" u="none" strike="noStrike" cap="none" normalizeH="0" baseline="0" dirty="0">
                 <a:ln>
                   <a:noFill/>
                 </a:ln>
@@ -12882,7 +12557,7 @@
               <a:t>提供</a:t>
             </a:r>
             <a:r>
-              <a:rPr kumimoji="0" lang="en-US" altLang="zh-CN" sz="1800" b="1" i="0" u="none" strike="noStrike" cap="none" normalizeH="0" baseline="0" dirty="0" smtClean="0">
+              <a:rPr kumimoji="0" lang="en-US" altLang="zh-CN" sz="1800" b="1" i="0" u="none" strike="noStrike" cap="none" normalizeH="0" baseline="0" dirty="0">
                 <a:ln>
                   <a:noFill/>
                 </a:ln>
@@ -12896,7 +12571,7 @@
               <a:t>lock </a:t>
             </a:r>
             <a:r>
-              <a:rPr kumimoji="0" lang="zh-CN" altLang="en-US" sz="1800" b="1" i="0" u="none" strike="noStrike" cap="none" normalizeH="0" baseline="0" dirty="0" smtClean="0">
+              <a:rPr kumimoji="0" lang="zh-CN" altLang="en-US" sz="1800" b="1" i="0" u="none" strike="noStrike" cap="none" normalizeH="0" baseline="0" dirty="0">
                 <a:ln>
                   <a:noFill/>
                 </a:ln>
@@ -12909,17 +12584,6 @@
               </a:rPr>
               <a:t>模式的对象获取</a:t>
             </a:r>
-            <a:endParaRPr kumimoji="0" lang="zh-CN" altLang="en-US" sz="1800" b="1" i="0" u="none" strike="noStrike" cap="none" normalizeH="0" baseline="0" dirty="0" smtClean="0">
-              <a:ln>
-                <a:noFill/>
-              </a:ln>
-              <a:solidFill>
-                <a:schemeClr val="tx1"/>
-              </a:solidFill>
-              <a:effectLst/>
-              <a:latin typeface="Arial" panose="020B0604020202020204" pitchFamily="34" charset="0"/>
-              <a:ea typeface="宋体" panose="02010600030101010101" pitchFamily="2" charset="-122"/>
-            </a:endParaRPr>
           </a:p>
         </p:txBody>
       </p:sp>
@@ -12932,7 +12596,7 @@
           <p:nvPr/>
         </p:nvPicPr>
         <p:blipFill>
-          <a:blip r:embed="rId1"/>
+          <a:blip r:embed="rId2"/>
           <a:srcRect/>
           <a:stretch>
             <a:fillRect/>
@@ -12954,13 +12618,6 @@
     <a:masterClrMapping/>
   </p:clrMapOvr>
   <p:transition/>
-  <p:timing>
-    <p:tnLst>
-      <p:par>
-        <p:cTn id="1" dur="indefinite" restart="never" nodeType="tmRoot"/>
-      </p:par>
-    </p:tnLst>
-  </p:timing>
 </p:sld>
 </file>
 
@@ -13002,26 +12659,23 @@
           <a:lstStyle/>
           <a:p>
             <a:r>
-              <a:rPr lang="en-US" altLang="zh-CN" sz="2800" dirty="0" err="1" smtClean="0">
+              <a:rPr lang="en-US" altLang="zh-CN" sz="2800" dirty="0" err="1">
                 <a:ea typeface="宋体" panose="02010600030101010101" pitchFamily="2" charset="-122"/>
               </a:rPr>
               <a:t>SqlToy-ORM:</a:t>
             </a:r>
             <a:r>
-              <a:rPr lang="zh-CN" altLang="en-US" sz="2800" dirty="0" err="1" smtClean="0">
+              <a:rPr lang="zh-CN" altLang="en-US" sz="2800" dirty="0" err="1">
                 <a:ea typeface="宋体" panose="02010600030101010101" pitchFamily="2" charset="-122"/>
               </a:rPr>
               <a:t>增删改查操作：</a:t>
             </a:r>
             <a:r>
-              <a:rPr lang="en-US" altLang="zh-CN" sz="2800" dirty="0" err="1" smtClean="0">
+              <a:rPr lang="en-US" altLang="zh-CN" sz="2800" dirty="0" err="1">
                 <a:ea typeface="宋体" panose="02010600030101010101" pitchFamily="2" charset="-122"/>
               </a:rPr>
               <a:t>loadAll</a:t>
             </a:r>
-            <a:endParaRPr lang="en-US" altLang="zh-CN" sz="2800" dirty="0" err="1" smtClean="0">
-              <a:ea typeface="宋体" panose="02010600030101010101" pitchFamily="2" charset="-122"/>
-            </a:endParaRPr>
           </a:p>
         </p:txBody>
       </p:sp>
@@ -13104,7 +12758,7 @@
               <a:buChar char="Ø"/>
             </a:pPr>
             <a:r>
-              <a:rPr kumimoji="0" lang="en-US" sz="1800" b="1" i="0" u="none" strike="noStrike" cap="none" normalizeH="0" baseline="0" dirty="0" smtClean="0">
+              <a:rPr kumimoji="0" lang="en-US" sz="1800" b="1" i="0" u="none" strike="noStrike" cap="none" normalizeH="0" baseline="0" dirty="0">
                 <a:ln>
                   <a:noFill/>
                 </a:ln>
@@ -13118,7 +12772,7 @@
               <a:t>loadAll:</a:t>
             </a:r>
             <a:r>
-              <a:rPr kumimoji="0" lang="zh-CN" altLang="en-US" sz="1800" b="1" i="0" u="none" strike="noStrike" cap="none" normalizeH="0" baseline="0" dirty="0" smtClean="0">
+              <a:rPr kumimoji="0" lang="zh-CN" altLang="en-US" sz="1800" b="1" i="0" u="none" strike="noStrike" cap="none" normalizeH="0" baseline="0" dirty="0">
                 <a:ln>
                   <a:noFill/>
                 </a:ln>
@@ -13132,7 +12786,7 @@
               <a:t>提供高性能的批量级联加载功能，可不是傻傻的一个</a:t>
             </a:r>
             <a:r>
-              <a:rPr kumimoji="0" lang="en-US" altLang="zh-CN" sz="1800" b="1" i="0" u="none" strike="noStrike" cap="none" normalizeH="0" baseline="0" dirty="0" smtClean="0">
+              <a:rPr kumimoji="0" lang="en-US" altLang="zh-CN" sz="1800" b="1" i="0" u="none" strike="noStrike" cap="none" normalizeH="0" baseline="0" dirty="0">
                 <a:ln>
                   <a:noFill/>
                 </a:ln>
@@ -13146,7 +12800,7 @@
               <a:t>for</a:t>
             </a:r>
             <a:r>
-              <a:rPr kumimoji="0" lang="zh-CN" altLang="en-US" sz="1800" b="1" i="0" u="none" strike="noStrike" cap="none" normalizeH="0" baseline="0" dirty="0" smtClean="0">
+              <a:rPr kumimoji="0" lang="zh-CN" altLang="en-US" sz="1800" b="1" i="0" u="none" strike="noStrike" cap="none" normalizeH="0" baseline="0" dirty="0">
                 <a:ln>
                   <a:noFill/>
                 </a:ln>
@@ -13159,17 +12813,6 @@
               </a:rPr>
               <a:t>循环，</a:t>
             </a:r>
-            <a:endParaRPr kumimoji="0" lang="zh-CN" altLang="en-US" sz="1800" b="1" i="0" u="none" strike="noStrike" cap="none" normalizeH="0" baseline="0" dirty="0" smtClean="0">
-              <a:ln>
-                <a:noFill/>
-              </a:ln>
-              <a:solidFill>
-                <a:schemeClr val="tx1"/>
-              </a:solidFill>
-              <a:effectLst/>
-              <a:latin typeface="Arial" panose="020B0604020202020204" pitchFamily="34" charset="0"/>
-              <a:ea typeface="宋体" panose="02010600030101010101" pitchFamily="2" charset="-122"/>
-            </a:endParaRPr>
           </a:p>
           <a:p>
             <a:pPr marL="0" marR="0" indent="0" algn="l" defTabSz="914400" rtl="0" eaLnBrk="1" fontAlgn="base" latinLnBrk="0" hangingPunct="1">
@@ -13185,7 +12828,7 @@
               <a:buNone/>
             </a:pPr>
             <a:r>
-              <a:rPr kumimoji="0" lang="zh-CN" altLang="en-US" sz="1800" b="1" i="0" u="none" strike="noStrike" cap="none" normalizeH="0" baseline="0" dirty="0" smtClean="0">
+              <a:rPr kumimoji="0" lang="zh-CN" altLang="en-US" sz="1800" b="1" i="0" u="none" strike="noStrike" cap="none" normalizeH="0" baseline="0" dirty="0">
                 <a:ln>
                   <a:noFill/>
                 </a:ln>
@@ -13199,7 +12842,7 @@
               <a:t>基本上只执行</a:t>
             </a:r>
             <a:r>
-              <a:rPr kumimoji="0" lang="en-US" altLang="zh-CN" sz="1800" b="1" i="0" u="none" strike="noStrike" cap="none" normalizeH="0" baseline="0" dirty="0" smtClean="0">
+              <a:rPr kumimoji="0" lang="en-US" altLang="zh-CN" sz="1800" b="1" i="0" u="none" strike="noStrike" cap="none" normalizeH="0" baseline="0" dirty="0">
                 <a:ln>
                   <a:noFill/>
                 </a:ln>
@@ -13213,7 +12856,7 @@
               <a:t>2</a:t>
             </a:r>
             <a:r>
-              <a:rPr kumimoji="0" lang="zh-CN" altLang="en-US" sz="1800" b="1" i="0" u="none" strike="noStrike" cap="none" normalizeH="0" baseline="0" dirty="0" smtClean="0">
+              <a:rPr kumimoji="0" lang="zh-CN" altLang="en-US" sz="1800" b="1" i="0" u="none" strike="noStrike" cap="none" normalizeH="0" baseline="0" dirty="0">
                 <a:ln>
                   <a:noFill/>
                 </a:ln>
@@ -13227,7 +12870,7 @@
               <a:t>次</a:t>
             </a:r>
             <a:r>
-              <a:rPr kumimoji="0" lang="en-US" altLang="zh-CN" sz="1800" b="1" i="0" u="none" strike="noStrike" cap="none" normalizeH="0" baseline="0" dirty="0" smtClean="0">
+              <a:rPr kumimoji="0" lang="en-US" altLang="zh-CN" sz="1800" b="1" i="0" u="none" strike="noStrike" cap="none" normalizeH="0" baseline="0" dirty="0">
                 <a:ln>
                   <a:noFill/>
                 </a:ln>
@@ -13241,7 +12884,7 @@
               <a:t>sql</a:t>
             </a:r>
             <a:r>
-              <a:rPr kumimoji="0" lang="zh-CN" altLang="en-US" sz="1800" b="1" i="0" u="none" strike="noStrike" cap="none" normalizeH="0" baseline="0" dirty="0" smtClean="0">
+              <a:rPr kumimoji="0" lang="zh-CN" altLang="en-US" sz="1800" b="1" i="0" u="none" strike="noStrike" cap="none" normalizeH="0" baseline="0" dirty="0">
                 <a:ln>
                   <a:noFill/>
                 </a:ln>
@@ -13254,17 +12897,6 @@
               </a:rPr>
               <a:t>查询</a:t>
             </a:r>
-            <a:endParaRPr kumimoji="0" lang="zh-CN" altLang="en-US" sz="1800" b="1" i="0" u="none" strike="noStrike" cap="none" normalizeH="0" baseline="0" dirty="0" smtClean="0">
-              <a:ln>
-                <a:noFill/>
-              </a:ln>
-              <a:solidFill>
-                <a:schemeClr val="tx1"/>
-              </a:solidFill>
-              <a:effectLst/>
-              <a:latin typeface="Arial" panose="020B0604020202020204" pitchFamily="34" charset="0"/>
-              <a:ea typeface="宋体" panose="02010600030101010101" pitchFamily="2" charset="-122"/>
-            </a:endParaRPr>
           </a:p>
         </p:txBody>
       </p:sp>
@@ -13277,7 +12909,7 @@
           <p:nvPr/>
         </p:nvPicPr>
         <p:blipFill>
-          <a:blip r:embed="rId1"/>
+          <a:blip r:embed="rId2"/>
           <a:srcRect/>
           <a:stretch>
             <a:fillRect/>
@@ -13299,13 +12931,6 @@
     <a:masterClrMapping/>
   </p:clrMapOvr>
   <p:transition/>
-  <p:timing>
-    <p:tnLst>
-      <p:par>
-        <p:cTn id="1" dur="indefinite" restart="never" nodeType="tmRoot"/>
-      </p:par>
-    </p:tnLst>
-  </p:timing>
 </p:sld>
 </file>
 
@@ -13347,20 +12972,17 @@
           <a:lstStyle/>
           <a:p>
             <a:r>
-              <a:rPr lang="en-US" altLang="zh-CN" sz="2800" dirty="0" err="1" smtClean="0">
+              <a:rPr lang="en-US" altLang="zh-CN" sz="2800" dirty="0" err="1">
                 <a:ea typeface="宋体" panose="02010600030101010101" pitchFamily="2" charset="-122"/>
               </a:rPr>
               <a:t>SqlToy-ORM:</a:t>
             </a:r>
             <a:r>
-              <a:rPr lang="zh-CN" altLang="en-US" sz="2800" dirty="0" err="1" smtClean="0">
+              <a:rPr lang="zh-CN" altLang="en-US" sz="2800" dirty="0" err="1">
                 <a:ea typeface="宋体" panose="02010600030101010101" pitchFamily="2" charset="-122"/>
               </a:rPr>
               <a:t>其他的点点滴滴</a:t>
             </a:r>
-            <a:endParaRPr lang="zh-CN" altLang="en-US" sz="2800" dirty="0" err="1" smtClean="0">
-              <a:ea typeface="宋体" panose="02010600030101010101" pitchFamily="2" charset="-122"/>
-            </a:endParaRPr>
           </a:p>
         </p:txBody>
       </p:sp>
@@ -13443,7 +13065,7 @@
               <a:buChar char="Ø"/>
             </a:pPr>
             <a:r>
-              <a:rPr kumimoji="0" lang="en-US" altLang="zh-CN" sz="1800" b="1" i="0" u="none" strike="noStrike" cap="none" normalizeH="0" baseline="0" dirty="0" smtClean="0">
+              <a:rPr kumimoji="0" lang="en-US" altLang="zh-CN" sz="1800" b="1" i="0" u="none" strike="noStrike" cap="none" normalizeH="0" baseline="0" dirty="0">
                 <a:ln>
                   <a:noFill/>
                 </a:ln>
@@ -13457,7 +13079,7 @@
               <a:t>SqlToy</a:t>
             </a:r>
             <a:r>
-              <a:rPr kumimoji="0" lang="zh-CN" altLang="en-US" sz="1800" b="1" i="0" u="none" strike="noStrike" cap="none" normalizeH="0" baseline="0" dirty="0" smtClean="0">
+              <a:rPr kumimoji="0" lang="zh-CN" altLang="en-US" sz="1800" b="1" i="0" u="none" strike="noStrike" cap="none" normalizeH="0" baseline="0" dirty="0">
                 <a:ln>
                   <a:noFill/>
                 </a:ln>
@@ -13471,7 +13093,7 @@
               <a:t>还提供了大量的其它辅助功能，如存储过程调用、</a:t>
             </a:r>
             <a:r>
-              <a:rPr kumimoji="0" lang="en-US" altLang="zh-CN" sz="1800" b="1" i="0" u="none" strike="noStrike" cap="none" normalizeH="0" baseline="0" dirty="0" smtClean="0">
+              <a:rPr kumimoji="0" lang="en-US" altLang="zh-CN" sz="1800" b="1" i="0" u="none" strike="noStrike" cap="none" normalizeH="0" baseline="0" dirty="0">
                 <a:ln>
                   <a:noFill/>
                 </a:ln>
@@ -13485,7 +13107,7 @@
               <a:t>sql</a:t>
             </a:r>
             <a:r>
-              <a:rPr kumimoji="0" lang="zh-CN" altLang="en-US" sz="1800" b="1" i="0" u="none" strike="noStrike" cap="none" normalizeH="0" baseline="0" dirty="0" smtClean="0">
+              <a:rPr kumimoji="0" lang="zh-CN" altLang="en-US" sz="1800" b="1" i="0" u="none" strike="noStrike" cap="none" normalizeH="0" baseline="0" dirty="0">
                 <a:ln>
                   <a:noFill/>
                 </a:ln>
@@ -13498,17 +13120,6 @@
               </a:rPr>
               <a:t>执行、唯一性</a:t>
             </a:r>
-            <a:endParaRPr kumimoji="0" lang="zh-CN" altLang="en-US" sz="1800" b="1" i="0" u="none" strike="noStrike" cap="none" normalizeH="0" baseline="0" dirty="0" smtClean="0">
-              <a:ln>
-                <a:noFill/>
-              </a:ln>
-              <a:solidFill>
-                <a:schemeClr val="tx1"/>
-              </a:solidFill>
-              <a:effectLst/>
-              <a:latin typeface="Arial" panose="020B0604020202020204" pitchFamily="34" charset="0"/>
-              <a:ea typeface="宋体" panose="02010600030101010101" pitchFamily="2" charset="-122"/>
-            </a:endParaRPr>
           </a:p>
           <a:p>
             <a:pPr marL="0" marR="0" indent="0" algn="l" defTabSz="914400" rtl="0" eaLnBrk="1" fontAlgn="base" latinLnBrk="0" hangingPunct="1">
@@ -13524,7 +13135,7 @@
               <a:buNone/>
             </a:pPr>
             <a:r>
-              <a:rPr kumimoji="0" lang="zh-CN" altLang="en-US" sz="1800" b="1" i="0" u="none" strike="noStrike" cap="none" normalizeH="0" baseline="0" dirty="0" smtClean="0">
+              <a:rPr kumimoji="0" lang="zh-CN" altLang="en-US" sz="1800" b="1" i="0" u="none" strike="noStrike" cap="none" normalizeH="0" baseline="0" dirty="0">
                 <a:ln>
                   <a:noFill/>
                 </a:ln>
@@ -13537,17 +13148,6 @@
               </a:rPr>
               <a:t>查询等等功能，这里不作一一介绍。</a:t>
             </a:r>
-            <a:endParaRPr kumimoji="0" lang="zh-CN" altLang="en-US" sz="1800" b="1" i="0" u="none" strike="noStrike" cap="none" normalizeH="0" baseline="0" dirty="0" smtClean="0">
-              <a:ln>
-                <a:noFill/>
-              </a:ln>
-              <a:solidFill>
-                <a:schemeClr val="tx1"/>
-              </a:solidFill>
-              <a:effectLst/>
-              <a:latin typeface="Arial" panose="020B0604020202020204" pitchFamily="34" charset="0"/>
-              <a:ea typeface="宋体" panose="02010600030101010101" pitchFamily="2" charset="-122"/>
-            </a:endParaRPr>
           </a:p>
         </p:txBody>
       </p:sp>
@@ -13557,13 +13157,6 @@
     <a:masterClrMapping/>
   </p:clrMapOvr>
   <p:transition/>
-  <p:timing>
-    <p:tnLst>
-      <p:par>
-        <p:cTn id="1" dur="indefinite" restart="never" nodeType="tmRoot"/>
-      </p:par>
-    </p:tnLst>
-  </p:timing>
 </p:sld>
 </file>
 
@@ -13605,20 +13198,17 @@
           <a:lstStyle/>
           <a:p>
             <a:r>
-              <a:rPr lang="en-US" altLang="zh-CN" sz="3200" dirty="0" err="1" smtClean="0">
+              <a:rPr lang="en-US" altLang="zh-CN" sz="3200" dirty="0" err="1">
                 <a:ea typeface="宋体" panose="02010600030101010101" pitchFamily="2" charset="-122"/>
               </a:rPr>
               <a:t>SqlToy</a:t>
             </a:r>
             <a:r>
-              <a:rPr lang="zh-CN" altLang="en-US" sz="3200" dirty="0" smtClean="0">
+              <a:rPr lang="zh-CN" altLang="en-US" sz="3200" dirty="0">
                 <a:ea typeface="宋体" panose="02010600030101010101" pitchFamily="2" charset="-122"/>
               </a:rPr>
               <a:t>快的秘诀</a:t>
             </a:r>
-            <a:endParaRPr lang="zh-CN" altLang="en-US" sz="3200" dirty="0" smtClean="0">
-              <a:ea typeface="宋体" panose="02010600030101010101" pitchFamily="2" charset="-122"/>
-            </a:endParaRPr>
           </a:p>
         </p:txBody>
       </p:sp>
@@ -13706,7 +13296,7 @@
               <a:buChar char="Ø"/>
             </a:pPr>
             <a:r>
-              <a:rPr kumimoji="0" lang="zh-CN" altLang="en-US" sz="1800" b="1" i="0" u="none" strike="noStrike" cap="none" normalizeH="0" baseline="0" dirty="0" smtClean="0">
+              <a:rPr kumimoji="0" lang="zh-CN" altLang="en-US" sz="1800" b="1" i="0" u="none" strike="noStrike" cap="none" normalizeH="0" baseline="0" dirty="0">
                 <a:ln>
                   <a:noFill/>
                 </a:ln>
@@ -13719,7 +13309,7 @@
               <a:t>之前说的快速分页、缓存翻译、</a:t>
             </a:r>
             <a:r>
-              <a:rPr kumimoji="0" lang="en-US" altLang="zh-CN" sz="1800" b="1" i="0" u="none" strike="noStrike" cap="none" normalizeH="0" baseline="0" dirty="0" err="1" smtClean="0">
+              <a:rPr kumimoji="0" lang="en-US" altLang="zh-CN" sz="1800" b="1" i="0" u="none" strike="noStrike" cap="none" normalizeH="0" baseline="0" dirty="0" err="1">
                 <a:ln>
                   <a:noFill/>
                 </a:ln>
@@ -13732,7 +13322,7 @@
               <a:t>sharding</a:t>
             </a:r>
             <a:r>
-              <a:rPr lang="zh-CN" altLang="en-US" dirty="0" smtClean="0">
+              <a:rPr lang="zh-CN" altLang="en-US" dirty="0">
                 <a:solidFill>
                   <a:schemeClr val="tx1"/>
                 </a:solidFill>
@@ -13740,7 +13330,7 @@
               </a:rPr>
               <a:t>、树形结构处理等等，这些都体</a:t>
             </a:r>
-            <a:endParaRPr lang="en-US" altLang="zh-CN" dirty="0" smtClean="0">
+            <a:endParaRPr lang="en-US" altLang="zh-CN" dirty="0">
               <a:solidFill>
                 <a:schemeClr val="tx1"/>
               </a:solidFill>
@@ -13759,7 +13349,7 @@
               <a:buSzTx/>
             </a:pPr>
             <a:r>
-              <a:rPr kumimoji="0" lang="zh-CN" altLang="en-US" sz="1800" b="1" i="0" u="none" strike="noStrike" cap="none" normalizeH="0" baseline="0" dirty="0" smtClean="0">
+              <a:rPr kumimoji="0" lang="zh-CN" altLang="en-US" sz="1800" b="1" i="0" u="none" strike="noStrike" cap="none" normalizeH="0" baseline="0" dirty="0">
                 <a:ln>
                   <a:noFill/>
                 </a:ln>
@@ -13771,7 +13361,7 @@
               </a:rPr>
               <a:t>现在查询效率的提升上。</a:t>
             </a:r>
-            <a:endParaRPr kumimoji="0" lang="en-US" altLang="zh-CN" sz="1800" b="1" i="0" u="none" strike="noStrike" cap="none" normalizeH="0" baseline="0" dirty="0" smtClean="0">
+            <a:endParaRPr kumimoji="0" lang="en-US" altLang="zh-CN" sz="1800" b="1" i="0" u="none" strike="noStrike" cap="none" normalizeH="0" baseline="0" dirty="0">
               <a:ln>
                 <a:noFill/>
               </a:ln>
@@ -13796,7 +13386,7 @@
               <a:buChar char="Ø"/>
             </a:pPr>
             <a:r>
-              <a:rPr kumimoji="0" lang="zh-CN" altLang="en-US" sz="1800" b="1" i="0" u="none" strike="noStrike" cap="none" normalizeH="0" baseline="0" dirty="0" smtClean="0">
+              <a:rPr kumimoji="0" lang="zh-CN" altLang="en-US" sz="1800" b="1" i="0" u="none" strike="noStrike" cap="none" normalizeH="0" baseline="0" dirty="0">
                 <a:ln>
                   <a:noFill/>
                 </a:ln>
@@ -13808,7 +13398,7 @@
               </a:rPr>
               <a:t>增删、改操作如何快呢？</a:t>
             </a:r>
-            <a:endParaRPr kumimoji="0" lang="en-US" altLang="zh-CN" sz="1800" b="1" i="0" u="none" strike="noStrike" cap="none" normalizeH="0" baseline="0" dirty="0" smtClean="0">
+            <a:endParaRPr kumimoji="0" lang="en-US" altLang="zh-CN" sz="1800" b="1" i="0" u="none" strike="noStrike" cap="none" normalizeH="0" baseline="0" dirty="0">
               <a:ln>
                 <a:noFill/>
               </a:ln>
@@ -13831,7 +13421,7 @@
               <a:buSzTx/>
             </a:pPr>
             <a:r>
-              <a:rPr lang="en-US" altLang="zh-CN" dirty="0" smtClean="0">
+              <a:rPr lang="en-US" altLang="zh-CN" dirty="0">
                 <a:solidFill>
                   <a:schemeClr val="tx1"/>
                 </a:solidFill>
@@ -13840,7 +13430,7 @@
               <a:t>1</a:t>
             </a:r>
             <a:r>
-              <a:rPr lang="zh-CN" altLang="en-US" dirty="0" smtClean="0">
+              <a:rPr lang="zh-CN" altLang="en-US" dirty="0">
                 <a:solidFill>
                   <a:schemeClr val="tx1"/>
                 </a:solidFill>
@@ -13849,7 +13439,7 @@
               <a:t>、比如：</a:t>
             </a:r>
             <a:r>
-              <a:rPr lang="en-US" altLang="zh-CN" dirty="0" err="1" smtClean="0">
+              <a:rPr lang="en-US" altLang="zh-CN" dirty="0" err="1">
                 <a:solidFill>
                   <a:schemeClr val="tx1"/>
                 </a:solidFill>
@@ -13858,7 +13448,7 @@
               <a:t>saveOrUpdate</a:t>
             </a:r>
             <a:r>
-              <a:rPr lang="zh-CN" altLang="en-US" dirty="0" smtClean="0">
+              <a:rPr lang="zh-CN" altLang="en-US" dirty="0">
                 <a:solidFill>
                   <a:schemeClr val="tx1"/>
                 </a:solidFill>
@@ -13867,7 +13457,7 @@
               <a:t>，</a:t>
             </a:r>
             <a:r>
-              <a:rPr lang="en-US" altLang="zh-CN" dirty="0" err="1" smtClean="0">
+              <a:rPr lang="en-US" altLang="zh-CN" dirty="0" err="1">
                 <a:solidFill>
                   <a:schemeClr val="tx1"/>
                 </a:solidFill>
@@ -13876,7 +13466,7 @@
               <a:t>sqltoy</a:t>
             </a:r>
             <a:r>
-              <a:rPr lang="zh-CN" altLang="en-US" dirty="0" smtClean="0">
+              <a:rPr lang="zh-CN" altLang="en-US" dirty="0">
                 <a:solidFill>
                   <a:schemeClr val="tx1"/>
                 </a:solidFill>
@@ -13885,7 +13475,7 @@
               <a:t>底层基于</a:t>
             </a:r>
             <a:r>
-              <a:rPr lang="en-US" altLang="zh-CN" dirty="0" smtClean="0">
+              <a:rPr lang="en-US" altLang="zh-CN" dirty="0">
                 <a:solidFill>
                   <a:schemeClr val="tx1"/>
                 </a:solidFill>
@@ -13894,7 +13484,7 @@
               <a:t>merge into</a:t>
             </a:r>
             <a:r>
-              <a:rPr lang="zh-CN" altLang="en-US" dirty="0" smtClean="0">
+              <a:rPr lang="zh-CN" altLang="en-US" dirty="0">
                 <a:solidFill>
                   <a:schemeClr val="tx1"/>
                 </a:solidFill>
@@ -13902,7 +13492,7 @@
               </a:rPr>
               <a:t>只要一次数据库交互</a:t>
             </a:r>
-            <a:endParaRPr lang="en-US" altLang="zh-CN" dirty="0" smtClean="0">
+            <a:endParaRPr lang="en-US" altLang="zh-CN" dirty="0">
               <a:solidFill>
                 <a:schemeClr val="tx1"/>
               </a:solidFill>
@@ -13921,7 +13511,7 @@
               <a:buSzTx/>
             </a:pPr>
             <a:r>
-              <a:rPr lang="zh-CN" altLang="en-US" dirty="0" smtClean="0">
+              <a:rPr lang="zh-CN" altLang="en-US" dirty="0">
                 <a:solidFill>
                   <a:schemeClr val="tx1"/>
                 </a:solidFill>
@@ -13930,7 +13520,7 @@
               <a:t>（当然不同数据库不一定是</a:t>
             </a:r>
             <a:r>
-              <a:rPr lang="en-US" altLang="zh-CN" dirty="0" smtClean="0">
+              <a:rPr lang="en-US" altLang="zh-CN" dirty="0">
                 <a:solidFill>
                   <a:schemeClr val="tx1"/>
                 </a:solidFill>
@@ -13939,7 +13529,7 @@
               <a:t>merge into</a:t>
             </a:r>
             <a:r>
-              <a:rPr lang="zh-CN" altLang="en-US" dirty="0" smtClean="0">
+              <a:rPr lang="zh-CN" altLang="en-US" dirty="0">
                 <a:solidFill>
                   <a:schemeClr val="tx1"/>
                 </a:solidFill>
@@ -13948,7 +13538,7 @@
               <a:t>，如</a:t>
             </a:r>
             <a:r>
-              <a:rPr lang="en-US" altLang="zh-CN" dirty="0" err="1" smtClean="0">
+              <a:rPr lang="en-US" altLang="zh-CN" dirty="0" err="1">
                 <a:solidFill>
                   <a:schemeClr val="tx1"/>
                 </a:solidFill>
@@ -13957,7 +13547,7 @@
               <a:t>mysql</a:t>
             </a:r>
             <a:r>
-              <a:rPr lang="zh-CN" altLang="en-US" dirty="0" smtClean="0">
+              <a:rPr lang="zh-CN" altLang="en-US" dirty="0">
                 <a:solidFill>
                   <a:schemeClr val="tx1"/>
                 </a:solidFill>
@@ -13965,7 +13555,7 @@
               </a:rPr>
               <a:t>则另外的方式）</a:t>
             </a:r>
-            <a:endParaRPr lang="en-US" altLang="zh-CN" dirty="0" smtClean="0">
+            <a:endParaRPr lang="en-US" altLang="zh-CN" dirty="0">
               <a:solidFill>
                 <a:schemeClr val="tx1"/>
               </a:solidFill>
@@ -13984,7 +13574,7 @@
               <a:buSzTx/>
             </a:pPr>
             <a:r>
-              <a:rPr kumimoji="0" lang="en-US" altLang="zh-CN" sz="1800" b="1" i="0" u="none" strike="noStrike" cap="none" normalizeH="0" baseline="0" dirty="0" smtClean="0">
+              <a:rPr kumimoji="0" lang="en-US" altLang="zh-CN" sz="1800" b="1" i="0" u="none" strike="noStrike" cap="none" normalizeH="0" baseline="0" dirty="0">
                 <a:ln>
                   <a:noFill/>
                 </a:ln>
@@ -13997,7 +13587,7 @@
               <a:t>2</a:t>
             </a:r>
             <a:r>
-              <a:rPr kumimoji="0" lang="zh-CN" altLang="en-US" sz="1800" b="1" i="0" u="none" strike="noStrike" cap="none" normalizeH="0" baseline="0" dirty="0" smtClean="0">
+              <a:rPr kumimoji="0" lang="zh-CN" altLang="en-US" sz="1800" b="1" i="0" u="none" strike="noStrike" cap="none" normalizeH="0" baseline="0" dirty="0">
                 <a:ln>
                   <a:noFill/>
                 </a:ln>
@@ -14010,7 +13600,7 @@
               <a:t>、</a:t>
             </a:r>
             <a:r>
-              <a:rPr lang="en-US" altLang="zh-CN" dirty="0" smtClean="0">
+              <a:rPr lang="en-US" altLang="zh-CN" dirty="0">
                 <a:solidFill>
                   <a:schemeClr val="tx1"/>
                 </a:solidFill>
@@ -14019,7 +13609,7 @@
               <a:t>update</a:t>
             </a:r>
             <a:r>
-              <a:rPr lang="zh-CN" altLang="en-US" dirty="0" smtClean="0">
+              <a:rPr lang="zh-CN" altLang="en-US" dirty="0">
                 <a:solidFill>
                   <a:schemeClr val="tx1"/>
                 </a:solidFill>
@@ -14028,7 +13618,7 @@
               <a:t>操作，无需先</a:t>
             </a:r>
             <a:r>
-              <a:rPr lang="en-US" altLang="zh-CN" dirty="0" smtClean="0">
+              <a:rPr lang="en-US" altLang="zh-CN" dirty="0">
                 <a:solidFill>
                   <a:schemeClr val="tx1"/>
                 </a:solidFill>
@@ -14037,7 +13627,7 @@
               <a:t>load</a:t>
             </a:r>
             <a:r>
-              <a:rPr lang="zh-CN" altLang="en-US" dirty="0" smtClean="0">
+              <a:rPr lang="zh-CN" altLang="en-US" dirty="0">
                 <a:solidFill>
                   <a:schemeClr val="tx1"/>
                 </a:solidFill>
@@ -14045,7 +13635,7 @@
               </a:rPr>
               <a:t>，也是一次性交互。</a:t>
             </a:r>
-            <a:endParaRPr lang="en-US" altLang="zh-CN" dirty="0" smtClean="0">
+            <a:endParaRPr lang="en-US" altLang="zh-CN" dirty="0">
               <a:solidFill>
                 <a:schemeClr val="tx1"/>
               </a:solidFill>
@@ -14064,7 +13654,7 @@
               <a:buSzTx/>
             </a:pPr>
             <a:r>
-              <a:rPr lang="en-US" altLang="zh-CN" dirty="0" smtClean="0">
+              <a:rPr lang="en-US" altLang="zh-CN" dirty="0">
                 <a:solidFill>
                   <a:schemeClr val="tx1"/>
                 </a:solidFill>
@@ -14073,7 +13663,7 @@
               <a:t>3</a:t>
             </a:r>
             <a:r>
-              <a:rPr lang="zh-CN" altLang="en-US" dirty="0" smtClean="0">
+              <a:rPr lang="zh-CN" altLang="en-US" dirty="0">
                 <a:solidFill>
                   <a:schemeClr val="tx1"/>
                 </a:solidFill>
@@ -14082,7 +13672,7 @@
               <a:t>、提供</a:t>
             </a:r>
             <a:r>
-              <a:rPr lang="en-US" altLang="zh-CN" dirty="0" err="1" smtClean="0">
+              <a:rPr lang="en-US" altLang="zh-CN" dirty="0" err="1">
                 <a:solidFill>
                   <a:schemeClr val="tx1"/>
                 </a:solidFill>
@@ -14091,7 +13681,7 @@
               <a:t>updateFetch</a:t>
             </a:r>
             <a:r>
-              <a:rPr lang="zh-CN" altLang="en-US" dirty="0" smtClean="0">
+              <a:rPr lang="zh-CN" altLang="en-US" dirty="0">
                 <a:solidFill>
                   <a:schemeClr val="tx1"/>
                 </a:solidFill>
@@ -14099,7 +13689,7 @@
               </a:rPr>
               <a:t>功能，查询锁定且立即修改，一次交互完成</a:t>
             </a:r>
-            <a:endParaRPr lang="en-US" altLang="zh-CN" dirty="0" smtClean="0">
+            <a:endParaRPr lang="en-US" altLang="zh-CN" dirty="0">
               <a:solidFill>
                 <a:schemeClr val="tx1"/>
               </a:solidFill>
@@ -14135,7 +13725,7 @@
               <a:buClrTx/>
               <a:buSzTx/>
             </a:pPr>
-            <a:endParaRPr lang="en-US" altLang="zh-CN" dirty="0" smtClean="0">
+            <a:endParaRPr lang="en-US" altLang="zh-CN" dirty="0">
               <a:solidFill>
                 <a:schemeClr val="tx1"/>
               </a:solidFill>
@@ -14171,7 +13761,7 @@
               <a:buClrTx/>
               <a:buSzTx/>
             </a:pPr>
-            <a:endParaRPr lang="en-US" altLang="zh-CN" dirty="0" smtClean="0">
+            <a:endParaRPr lang="en-US" altLang="zh-CN" dirty="0">
               <a:solidFill>
                 <a:schemeClr val="tx1"/>
               </a:solidFill>
@@ -14207,25 +13797,7 @@
               <a:buClrTx/>
               <a:buSzTx/>
             </a:pPr>
-            <a:endParaRPr lang="en-US" altLang="zh-CN" dirty="0" smtClean="0">
-              <a:solidFill>
-                <a:schemeClr val="tx1"/>
-              </a:solidFill>
-              <a:latin typeface="Arial" panose="020B0604020202020204" pitchFamily="34" charset="0"/>
-            </a:endParaRPr>
-          </a:p>
-          <a:p>
-            <a:pPr marR="0" algn="l" defTabSz="914400" rtl="0" eaLnBrk="1" fontAlgn="base" latinLnBrk="0" hangingPunct="1">
-              <a:spcBef>
-                <a:spcPct val="0"/>
-              </a:spcBef>
-              <a:spcAft>
-                <a:spcPct val="0"/>
-              </a:spcAft>
-              <a:buClrTx/>
-              <a:buSzTx/>
-            </a:pPr>
-            <a:endParaRPr lang="en-US" altLang="zh-CN" dirty="0" smtClean="0">
+            <a:endParaRPr lang="en-US" altLang="zh-CN" dirty="0">
               <a:solidFill>
                 <a:schemeClr val="tx1"/>
               </a:solidFill>
@@ -14261,7 +13833,7 @@
               <a:buClrTx/>
               <a:buSzTx/>
             </a:pPr>
-            <a:endParaRPr lang="en-US" altLang="zh-CN" dirty="0" smtClean="0">
+            <a:endParaRPr lang="en-US" altLang="zh-CN" dirty="0">
               <a:solidFill>
                 <a:schemeClr val="tx1"/>
               </a:solidFill>
@@ -14297,7 +13869,25 @@
               <a:buClrTx/>
               <a:buSzTx/>
             </a:pPr>
-            <a:endParaRPr lang="en-US" altLang="zh-CN" dirty="0" smtClean="0">
+            <a:endParaRPr lang="en-US" altLang="zh-CN" dirty="0">
+              <a:solidFill>
+                <a:schemeClr val="tx1"/>
+              </a:solidFill>
+              <a:latin typeface="Arial" panose="020B0604020202020204" pitchFamily="34" charset="0"/>
+            </a:endParaRPr>
+          </a:p>
+          <a:p>
+            <a:pPr marR="0" algn="l" defTabSz="914400" rtl="0" eaLnBrk="1" fontAlgn="base" latinLnBrk="0" hangingPunct="1">
+              <a:spcBef>
+                <a:spcPct val="0"/>
+              </a:spcBef>
+              <a:spcAft>
+                <a:spcPct val="0"/>
+              </a:spcAft>
+              <a:buClrTx/>
+              <a:buSzTx/>
+            </a:pPr>
+            <a:endParaRPr lang="en-US" altLang="zh-CN" dirty="0">
               <a:solidFill>
                 <a:schemeClr val="tx1"/>
               </a:solidFill>
@@ -14318,7 +13908,7 @@
               <a:buChar char="Ø"/>
             </a:pPr>
             <a:r>
-              <a:rPr kumimoji="0" lang="en-US" altLang="zh-CN" sz="1800" b="1" i="0" u="none" strike="noStrike" cap="none" normalizeH="0" baseline="0" dirty="0" smtClean="0">
+              <a:rPr kumimoji="0" lang="en-US" altLang="zh-CN" sz="1800" b="1" i="0" u="none" strike="noStrike" cap="none" normalizeH="0" baseline="0" dirty="0">
                 <a:ln>
                   <a:noFill/>
                 </a:ln>
@@ -14331,7 +13921,7 @@
               <a:t>Load</a:t>
             </a:r>
             <a:r>
-              <a:rPr kumimoji="0" lang="zh-CN" altLang="en-US" sz="1800" b="1" i="0" u="none" strike="noStrike" cap="none" normalizeH="0" baseline="0" dirty="0" smtClean="0">
+              <a:rPr kumimoji="0" lang="zh-CN" altLang="en-US" sz="1800" b="1" i="0" u="none" strike="noStrike" cap="none" normalizeH="0" baseline="0" dirty="0">
                 <a:ln>
                   <a:noFill/>
                 </a:ln>
@@ -14344,7 +13934,7 @@
               <a:t>或</a:t>
             </a:r>
             <a:r>
-              <a:rPr kumimoji="0" lang="en-US" altLang="zh-CN" sz="1800" b="1" i="0" u="none" strike="noStrike" cap="none" normalizeH="0" baseline="0" dirty="0" err="1" smtClean="0">
+              <a:rPr kumimoji="0" lang="en-US" altLang="zh-CN" sz="1800" b="1" i="0" u="none" strike="noStrike" cap="none" normalizeH="0" baseline="0" dirty="0" err="1">
                 <a:ln>
                   <a:noFill/>
                 </a:ln>
@@ -14357,7 +13947,7 @@
               <a:t>LoadALL</a:t>
             </a:r>
             <a:r>
-              <a:rPr kumimoji="0" lang="zh-CN" altLang="en-US" sz="1800" b="1" i="0" u="none" strike="noStrike" cap="none" normalizeH="0" baseline="0" dirty="0" smtClean="0">
+              <a:rPr kumimoji="0" lang="zh-CN" altLang="en-US" sz="1800" b="1" i="0" u="none" strike="noStrike" cap="none" normalizeH="0" baseline="0" dirty="0">
                 <a:ln>
                   <a:noFill/>
                 </a:ln>
@@ -14370,7 +13960,7 @@
               <a:t>这种查询相关的级联</a:t>
             </a:r>
             <a:r>
-              <a:rPr kumimoji="0" lang="en-US" altLang="zh-CN" sz="1800" b="1" i="0" u="none" strike="noStrike" cap="none" normalizeH="0" baseline="0" dirty="0" smtClean="0">
+              <a:rPr kumimoji="0" lang="en-US" altLang="zh-CN" sz="1800" b="1" i="0" u="none" strike="noStrike" cap="none" normalizeH="0" baseline="0" dirty="0">
                 <a:ln>
                   <a:noFill/>
                 </a:ln>
@@ -14383,7 +13973,7 @@
               <a:t>load</a:t>
             </a:r>
             <a:r>
-              <a:rPr kumimoji="0" lang="zh-CN" altLang="en-US" sz="1800" b="1" i="0" u="none" strike="noStrike" cap="none" normalizeH="0" baseline="0" dirty="0" smtClean="0">
+              <a:rPr kumimoji="0" lang="zh-CN" altLang="en-US" sz="1800" b="1" i="0" u="none" strike="noStrike" cap="none" normalizeH="0" baseline="0" dirty="0">
                 <a:ln>
                   <a:noFill/>
                 </a:ln>
@@ -14395,7 +13985,7 @@
               </a:rPr>
               <a:t>是批量的查询，减少数据库</a:t>
             </a:r>
-            <a:endParaRPr kumimoji="0" lang="en-US" altLang="zh-CN" sz="1800" b="1" i="0" u="none" strike="noStrike" cap="none" normalizeH="0" baseline="0" dirty="0" smtClean="0">
+            <a:endParaRPr kumimoji="0" lang="en-US" altLang="zh-CN" sz="1800" b="1" i="0" u="none" strike="noStrike" cap="none" normalizeH="0" baseline="0" dirty="0">
               <a:ln>
                 <a:noFill/>
               </a:ln>
@@ -14418,7 +14008,7 @@
               <a:buSzTx/>
             </a:pPr>
             <a:r>
-              <a:rPr kumimoji="0" lang="en-US" altLang="zh-CN" sz="1800" b="1" i="0" u="none" strike="noStrike" cap="none" normalizeH="0" baseline="0" dirty="0" smtClean="0">
+              <a:rPr kumimoji="0" lang="en-US" altLang="zh-CN" sz="1800" b="1" i="0" u="none" strike="noStrike" cap="none" normalizeH="0" baseline="0" dirty="0">
                 <a:ln>
                   <a:noFill/>
                 </a:ln>
@@ -14431,7 +14021,7 @@
               <a:t>IO</a:t>
             </a:r>
             <a:r>
-              <a:rPr kumimoji="0" lang="zh-CN" altLang="en-US" sz="1800" b="1" i="0" u="none" strike="noStrike" cap="none" normalizeH="0" baseline="0" dirty="0" smtClean="0">
+              <a:rPr kumimoji="0" lang="zh-CN" altLang="en-US" sz="1800" b="1" i="0" u="none" strike="noStrike" cap="none" normalizeH="0" baseline="0" dirty="0">
                 <a:ln>
                   <a:noFill/>
                 </a:ln>
@@ -14443,16 +14033,6 @@
               </a:rPr>
               <a:t>交互</a:t>
             </a:r>
-            <a:endParaRPr kumimoji="0" lang="zh-CN" altLang="en-US" sz="1800" b="1" i="0" u="none" strike="noStrike" cap="none" normalizeH="0" baseline="0" dirty="0" smtClean="0">
-              <a:ln>
-                <a:noFill/>
-              </a:ln>
-              <a:solidFill>
-                <a:schemeClr val="tx1"/>
-              </a:solidFill>
-              <a:effectLst/>
-              <a:latin typeface="Arial" panose="020B0604020202020204" pitchFamily="34" charset="0"/>
-            </a:endParaRPr>
           </a:p>
         </p:txBody>
       </p:sp>
@@ -14465,7 +14045,7 @@
           <p:nvPr/>
         </p:nvPicPr>
         <p:blipFill>
-          <a:blip r:embed="rId1"/>
+          <a:blip r:embed="rId2"/>
           <a:srcRect/>
           <a:stretch>
             <a:fillRect/>
@@ -14487,13 +14067,6 @@
     <a:masterClrMapping/>
   </p:clrMapOvr>
   <p:transition/>
-  <p:timing>
-    <p:tnLst>
-      <p:par>
-        <p:cTn id="1" dur="indefinite" restart="never" nodeType="tmRoot"/>
-      </p:par>
-    </p:tnLst>
-  </p:timing>
 </p:sld>
 </file>
 
@@ -14682,7 +14255,7 @@
             <p:nvPr/>
           </p:nvPicPr>
           <p:blipFill>
-            <a:blip r:embed="rId1">
+            <a:blip r:embed="rId2">
               <a:extLst>
                 <a:ext uri="{28A0092B-C50C-407E-A947-70E740481C1C}">
                   <a14:useLocalDpi xmlns:a14="http://schemas.microsoft.com/office/drawing/2010/main" val="0"/>
@@ -14809,7 +14382,7 @@
             <p:nvPr/>
           </p:nvPicPr>
           <p:blipFill>
-            <a:blip r:embed="rId2" cstate="print">
+            <a:blip r:embed="rId3" cstate="print">
               <a:extLst>
                 <a:ext uri="{28A0092B-C50C-407E-A947-70E740481C1C}">
                   <a14:useLocalDpi xmlns:a14="http://schemas.microsoft.com/office/drawing/2010/main" val="0"/>
@@ -14872,7 +14445,7 @@
             <a:avLst/>
           </a:prstGeom>
           <a:blipFill dpi="0" rotWithShape="1">
-            <a:blip r:embed="rId3" cstate="print"/>
+            <a:blip r:embed="rId4" cstate="print"/>
             <a:srcRect/>
             <a:stretch>
               <a:fillRect/>
@@ -14925,7 +14498,7 @@
             <a:avLst/>
           </a:prstGeom>
           <a:blipFill dpi="0" rotWithShape="1">
-            <a:blip r:embed="rId4" cstate="print"/>
+            <a:blip r:embed="rId5" cstate="print"/>
             <a:srcRect/>
             <a:stretch>
               <a:fillRect/>
@@ -14978,7 +14551,7 @@
             <a:avLst/>
           </a:prstGeom>
           <a:blipFill dpi="0" rotWithShape="1">
-            <a:blip r:embed="rId5" cstate="print"/>
+            <a:blip r:embed="rId6" cstate="print"/>
             <a:srcRect/>
             <a:stretch>
               <a:fillRect/>
@@ -15518,7 +15091,7 @@
               <a:buFontTx/>
               <a:buNone/>
             </a:pPr>
-            <a:endParaRPr kumimoji="0" lang="zh-CN" altLang="en-US" sz="1800" b="1" i="0" u="none" strike="noStrike" cap="none" normalizeH="0" baseline="0" dirty="0" smtClean="0">
+            <a:endParaRPr kumimoji="0" lang="zh-CN" altLang="en-US" sz="1800" b="1" i="0" u="none" strike="noStrike" cap="none" normalizeH="0" baseline="0" dirty="0">
               <a:ln>
                 <a:noFill/>
               </a:ln>
@@ -15553,20 +15126,17 @@
           <a:p>
             <a:pPr eaLnBrk="1" hangingPunct="1"/>
             <a:r>
-              <a:rPr lang="en-US" altLang="zh-CN" sz="3200" dirty="0" smtClean="0">
+              <a:rPr lang="en-US" altLang="zh-CN" sz="3200" dirty="0">
                 <a:ea typeface="宋体" panose="02010600030101010101" pitchFamily="2" charset="-122"/>
               </a:rPr>
               <a:t>SqlToy</a:t>
             </a:r>
             <a:r>
-              <a:rPr lang="zh-CN" altLang="en-US" sz="3200" dirty="0" smtClean="0">
+              <a:rPr lang="zh-CN" altLang="en-US" sz="3200" dirty="0">
                 <a:ea typeface="宋体" panose="02010600030101010101" pitchFamily="2" charset="-122"/>
               </a:rPr>
               <a:t>的架构</a:t>
             </a:r>
-            <a:endParaRPr lang="zh-CN" altLang="en-US" sz="3200" dirty="0" smtClean="0">
-              <a:ea typeface="宋体" panose="02010600030101010101" pitchFamily="2" charset="-122"/>
-            </a:endParaRPr>
           </a:p>
         </p:txBody>
       </p:sp>
@@ -15626,7 +15196,7 @@
               <a:buNone/>
             </a:pPr>
             <a:r>
-              <a:rPr kumimoji="0" lang="en-US" altLang="zh-CN" sz="1800" b="1" i="0" u="none" strike="noStrike" cap="none" normalizeH="0" baseline="0" dirty="0" smtClean="0">
+              <a:rPr kumimoji="0" lang="en-US" altLang="zh-CN" sz="1800" b="1" i="0" u="none" strike="noStrike" cap="none" normalizeH="0" baseline="0" dirty="0">
                 <a:ln>
                   <a:noFill/>
                 </a:ln>
@@ -15638,7 +15208,7 @@
               </a:rPr>
               <a:t>DialectFactory</a:t>
             </a:r>
-            <a:endParaRPr kumimoji="0" lang="zh-CN" altLang="en-US" sz="1800" b="1" i="0" u="none" strike="noStrike" cap="none" normalizeH="0" baseline="0" dirty="0" smtClean="0">
+            <a:endParaRPr kumimoji="0" lang="zh-CN" altLang="en-US" sz="1800" b="1" i="0" u="none" strike="noStrike" cap="none" normalizeH="0" baseline="0" dirty="0">
               <a:ln>
                 <a:noFill/>
               </a:ln>
@@ -15703,7 +15273,7 @@
               <a:buNone/>
             </a:pPr>
             <a:r>
-              <a:rPr kumimoji="0" lang="en-US" altLang="zh-CN" sz="1800" b="1" i="0" u="none" strike="noStrike" cap="none" normalizeH="0" baseline="0" dirty="0" smtClean="0">
+              <a:rPr kumimoji="0" lang="en-US" altLang="zh-CN" sz="1800" b="1" i="0" u="none" strike="noStrike" cap="none" normalizeH="0" baseline="0" dirty="0">
                 <a:ln>
                   <a:noFill/>
                 </a:ln>
@@ -15715,16 +15285,6 @@
               </a:rPr>
               <a:t>SqlToyCRUDService</a:t>
             </a:r>
-            <a:endParaRPr kumimoji="0" lang="en-US" altLang="zh-CN" sz="1800" b="1" i="0" u="none" strike="noStrike" cap="none" normalizeH="0" baseline="0" dirty="0" smtClean="0">
-              <a:ln>
-                <a:noFill/>
-              </a:ln>
-              <a:solidFill>
-                <a:schemeClr val="tx1"/>
-              </a:solidFill>
-              <a:effectLst/>
-              <a:latin typeface="Arial" panose="020B0604020202020204" pitchFamily="34" charset="0"/>
-            </a:endParaRPr>
           </a:p>
         </p:txBody>
       </p:sp>
@@ -15780,7 +15340,7 @@
               <a:buNone/>
             </a:pPr>
             <a:r>
-              <a:rPr kumimoji="0" lang="en-US" altLang="zh-CN" sz="1800" b="1" i="0" u="none" strike="noStrike" cap="none" normalizeH="0" baseline="0" dirty="0" smtClean="0">
+              <a:rPr kumimoji="0" lang="en-US" altLang="zh-CN" sz="1800" b="1" i="0" u="none" strike="noStrike" cap="none" normalizeH="0" baseline="0" dirty="0">
                 <a:ln>
                   <a:noFill/>
                 </a:ln>
@@ -15792,16 +15352,6 @@
               </a:rPr>
               <a:t>SqlToyLazyDao</a:t>
             </a:r>
-            <a:endParaRPr kumimoji="0" lang="en-US" altLang="zh-CN" sz="1800" b="1" i="0" u="none" strike="noStrike" cap="none" normalizeH="0" baseline="0" dirty="0" smtClean="0">
-              <a:ln>
-                <a:noFill/>
-              </a:ln>
-              <a:solidFill>
-                <a:schemeClr val="tx1"/>
-              </a:solidFill>
-              <a:effectLst/>
-              <a:latin typeface="Arial" panose="020B0604020202020204" pitchFamily="34" charset="0"/>
-            </a:endParaRPr>
           </a:p>
         </p:txBody>
       </p:sp>
@@ -15857,7 +15407,7 @@
               <a:buNone/>
             </a:pPr>
             <a:r>
-              <a:rPr lang="en-US" altLang="zh-CN" dirty="0" smtClean="0">
+              <a:rPr lang="en-US" altLang="zh-CN" dirty="0">
                 <a:solidFill>
                   <a:schemeClr val="tx1"/>
                 </a:solidFill>
@@ -15865,7 +15415,7 @@
               </a:rPr>
               <a:t>BaseDaoSupport\LinkDaoSupport</a:t>
             </a:r>
-            <a:endParaRPr kumimoji="0" lang="zh-CN" altLang="en-US" sz="1800" b="1" i="0" u="none" strike="noStrike" cap="none" normalizeH="0" baseline="0" dirty="0" smtClean="0">
+            <a:endParaRPr kumimoji="0" lang="zh-CN" altLang="en-US" sz="1800" b="1" i="0" u="none" strike="noStrike" cap="none" normalizeH="0" baseline="0" dirty="0">
               <a:ln>
                 <a:noFill/>
               </a:ln>
@@ -15945,7 +15495,7 @@
               <a:buNone/>
             </a:pPr>
             <a:r>
-              <a:rPr kumimoji="0" lang="en-US" altLang="zh-CN" sz="1800" b="1" i="0" u="none" strike="noStrike" cap="none" normalizeH="0" baseline="0" dirty="0" smtClean="0">
+              <a:rPr kumimoji="0" lang="en-US" altLang="zh-CN" sz="1800" b="1" i="0" u="none" strike="noStrike" cap="none" normalizeH="0" baseline="0" dirty="0">
                 <a:ln>
                   <a:noFill/>
                 </a:ln>
@@ -15957,7 +15507,7 @@
               </a:rPr>
               <a:t>SqlToyContext</a:t>
             </a:r>
-            <a:endParaRPr kumimoji="0" lang="zh-CN" altLang="en-US" sz="1800" b="1" i="0" u="none" strike="noStrike" cap="none" normalizeH="0" baseline="0" dirty="0" smtClean="0">
+            <a:endParaRPr kumimoji="0" lang="zh-CN" altLang="en-US" sz="1800" b="1" i="0" u="none" strike="noStrike" cap="none" normalizeH="0" baseline="0" dirty="0">
               <a:ln>
                 <a:noFill/>
               </a:ln>
@@ -16015,7 +15565,7 @@
               <a:buNone/>
             </a:pPr>
             <a:r>
-              <a:rPr kumimoji="0" lang="en-US" altLang="zh-CN" sz="1600" b="1" i="0" u="none" strike="noStrike" cap="none" normalizeH="0" baseline="0" dirty="0" smtClean="0">
+              <a:rPr kumimoji="0" lang="en-US" altLang="zh-CN" sz="1600" b="1" i="0" u="none" strike="noStrike" cap="none" normalizeH="0" baseline="0" dirty="0">
                 <a:ln>
                   <a:noFill/>
                 </a:ln>
@@ -16027,16 +15577,6 @@
               </a:rPr>
               <a:t>EntityManager</a:t>
             </a:r>
-            <a:endParaRPr kumimoji="0" lang="en-US" altLang="zh-CN" sz="1600" b="1" i="0" u="none" strike="noStrike" cap="none" normalizeH="0" baseline="0" dirty="0" smtClean="0">
-              <a:ln>
-                <a:noFill/>
-              </a:ln>
-              <a:solidFill>
-                <a:schemeClr val="tx1"/>
-              </a:solidFill>
-              <a:effectLst/>
-              <a:latin typeface="Arial" panose="020B0604020202020204" pitchFamily="34" charset="0"/>
-            </a:endParaRPr>
           </a:p>
         </p:txBody>
       </p:sp>
@@ -16085,7 +15625,7 @@
               <a:buNone/>
             </a:pPr>
             <a:r>
-              <a:rPr kumimoji="0" lang="en-US" altLang="zh-CN" sz="1600" b="1" i="0" u="none" strike="noStrike" cap="none" normalizeH="0" baseline="0" dirty="0" smtClean="0">
+              <a:rPr kumimoji="0" lang="en-US" altLang="zh-CN" sz="1600" b="1" i="0" u="none" strike="noStrike" cap="none" normalizeH="0" baseline="0" dirty="0">
                 <a:ln>
                   <a:noFill/>
                 </a:ln>
@@ -16097,16 +15637,6 @@
               </a:rPr>
               <a:t>ScriptLoader</a:t>
             </a:r>
-            <a:endParaRPr kumimoji="0" lang="en-US" altLang="zh-CN" sz="1600" b="1" i="0" u="none" strike="noStrike" cap="none" normalizeH="0" baseline="0" dirty="0" smtClean="0">
-              <a:ln>
-                <a:noFill/>
-              </a:ln>
-              <a:solidFill>
-                <a:schemeClr val="tx1"/>
-              </a:solidFill>
-              <a:effectLst/>
-              <a:latin typeface="Arial" panose="020B0604020202020204" pitchFamily="34" charset="0"/>
-            </a:endParaRPr>
           </a:p>
         </p:txBody>
       </p:sp>
@@ -16155,7 +15685,7 @@
               <a:buNone/>
             </a:pPr>
             <a:r>
-              <a:rPr kumimoji="0" lang="en-US" altLang="zh-CN" sz="1600" b="1" i="0" u="none" strike="noStrike" cap="none" normalizeH="0" baseline="0" dirty="0" smtClean="0">
+              <a:rPr kumimoji="0" lang="en-US" altLang="zh-CN" sz="1600" b="1" i="0" u="none" strike="noStrike" cap="none" normalizeH="0" baseline="0" dirty="0">
                 <a:ln>
                   <a:noFill/>
                 </a:ln>
@@ -16167,23 +15697,13 @@
               </a:rPr>
               <a:t>Sharding</a:t>
             </a:r>
-            <a:endParaRPr kumimoji="0" lang="en-US" altLang="zh-CN" sz="1600" b="1" i="0" u="none" strike="noStrike" cap="none" normalizeH="0" baseline="0" dirty="0" smtClean="0">
-              <a:ln>
-                <a:noFill/>
-              </a:ln>
-              <a:solidFill>
-                <a:schemeClr val="tx1"/>
-              </a:solidFill>
-              <a:effectLst/>
-              <a:latin typeface="Arial" panose="020B0604020202020204" pitchFamily="34" charset="0"/>
-            </a:endParaRPr>
           </a:p>
           <a:p>
             <a:r>
               <a:rPr lang="en-US" altLang="zh-CN" sz="1600" i="1" dirty="0"/>
               <a:t>Strategy</a:t>
             </a:r>
-            <a:endParaRPr kumimoji="0" lang="zh-CN" altLang="en-US" sz="1600" b="1" i="0" u="none" strike="noStrike" cap="none" normalizeH="0" baseline="0" dirty="0" smtClean="0">
+            <a:endParaRPr kumimoji="0" lang="zh-CN" altLang="en-US" sz="1600" b="1" i="0" u="none" strike="noStrike" cap="none" normalizeH="0" baseline="0" dirty="0">
               <a:ln>
                 <a:noFill/>
               </a:ln>
@@ -16241,7 +15761,7 @@
               <a:buNone/>
             </a:pPr>
             <a:r>
-              <a:rPr kumimoji="0" lang="en-US" altLang="zh-CN" sz="1600" b="1" i="0" u="none" strike="noStrike" cap="none" normalizeH="0" baseline="0" dirty="0" smtClean="0">
+              <a:rPr kumimoji="0" lang="en-US" altLang="zh-CN" sz="1600" b="1" i="0" u="none" strike="noStrike" cap="none" normalizeH="0" baseline="0" dirty="0">
                 <a:ln>
                   <a:noFill/>
                 </a:ln>
@@ -16253,16 +15773,6 @@
               </a:rPr>
               <a:t>Translate</a:t>
             </a:r>
-            <a:endParaRPr kumimoji="0" lang="en-US" altLang="zh-CN" sz="1600" b="1" i="0" u="none" strike="noStrike" cap="none" normalizeH="0" baseline="0" dirty="0" smtClean="0">
-              <a:ln>
-                <a:noFill/>
-              </a:ln>
-              <a:solidFill>
-                <a:schemeClr val="tx1"/>
-              </a:solidFill>
-              <a:effectLst/>
-              <a:latin typeface="Arial" panose="020B0604020202020204" pitchFamily="34" charset="0"/>
-            </a:endParaRPr>
           </a:p>
           <a:p>
             <a:pPr marL="0" marR="0" indent="0" algn="ctr" defTabSz="914400" rtl="0" eaLnBrk="1" fontAlgn="base" latinLnBrk="0" hangingPunct="1">
@@ -16281,7 +15791,7 @@
               <a:rPr lang="en-US" altLang="zh-CN" sz="1600" dirty="0"/>
               <a:t>Manager</a:t>
             </a:r>
-            <a:endParaRPr kumimoji="0" lang="zh-CN" altLang="en-US" sz="1600" b="1" i="0" u="none" strike="noStrike" cap="none" normalizeH="0" baseline="0" dirty="0" smtClean="0">
+            <a:endParaRPr kumimoji="0" lang="zh-CN" altLang="en-US" sz="1600" b="1" i="0" u="none" strike="noStrike" cap="none" normalizeH="0" baseline="0" dirty="0">
               <a:ln>
                 <a:noFill/>
               </a:ln>
@@ -16344,7 +15854,7 @@
               <a:buNone/>
             </a:pPr>
             <a:r>
-              <a:rPr kumimoji="0" lang="en-US" altLang="zh-CN" sz="1800" b="1" i="0" u="none" strike="noStrike" cap="none" normalizeH="0" baseline="0" smtClean="0">
+              <a:rPr kumimoji="0" lang="en-US" altLang="zh-CN" sz="1800" b="1" i="0" u="none" strike="noStrike" cap="none" normalizeH="0" baseline="0">
                 <a:ln>
                   <a:noFill/>
                 </a:ln>
@@ -16356,16 +15866,6 @@
               </a:rPr>
               <a:t>POJO</a:t>
             </a:r>
-            <a:endParaRPr kumimoji="0" lang="en-US" altLang="zh-CN" sz="1800" b="1" i="0" u="none" strike="noStrike" cap="none" normalizeH="0" baseline="0" smtClean="0">
-              <a:ln>
-                <a:noFill/>
-              </a:ln>
-              <a:solidFill>
-                <a:schemeClr val="tx1"/>
-              </a:solidFill>
-              <a:effectLst/>
-              <a:latin typeface="Arial" panose="020B0604020202020204" pitchFamily="34" charset="0"/>
-            </a:endParaRPr>
           </a:p>
         </p:txBody>
       </p:sp>
@@ -16419,7 +15919,7 @@
               <a:buNone/>
             </a:pPr>
             <a:r>
-              <a:rPr kumimoji="0" lang="en-US" altLang="zh-CN" sz="1800" b="1" i="0" u="none" strike="noStrike" cap="none" normalizeH="0" baseline="0" smtClean="0">
+              <a:rPr kumimoji="0" lang="en-US" altLang="zh-CN" sz="1800" b="1" i="0" u="none" strike="noStrike" cap="none" normalizeH="0" baseline="0">
                 <a:ln>
                   <a:noFill/>
                 </a:ln>
@@ -16432,7 +15932,7 @@
               <a:t>*.sql.xml</a:t>
             </a:r>
             <a:r>
-              <a:rPr kumimoji="0" lang="zh-CN" altLang="en-US" sz="1800" b="1" i="0" u="none" strike="noStrike" cap="none" normalizeH="0" baseline="0" smtClean="0">
+              <a:rPr kumimoji="0" lang="zh-CN" altLang="en-US" sz="1800" b="1" i="0" u="none" strike="noStrike" cap="none" normalizeH="0" baseline="0">
                 <a:ln>
                   <a:noFill/>
                 </a:ln>
@@ -16445,17 +15945,6 @@
               </a:rPr>
               <a:t>文件</a:t>
             </a:r>
-            <a:endParaRPr kumimoji="0" lang="zh-CN" altLang="en-US" sz="1800" b="1" i="0" u="none" strike="noStrike" cap="none" normalizeH="0" baseline="0" smtClean="0">
-              <a:ln>
-                <a:noFill/>
-              </a:ln>
-              <a:solidFill>
-                <a:schemeClr val="tx1"/>
-              </a:solidFill>
-              <a:effectLst/>
-              <a:latin typeface="Arial" panose="020B0604020202020204" pitchFamily="34" charset="0"/>
-              <a:ea typeface="宋体" panose="02010600030101010101" pitchFamily="2" charset="-122"/>
-            </a:endParaRPr>
           </a:p>
         </p:txBody>
       </p:sp>
@@ -16508,7 +15997,7 @@
               <a:buFontTx/>
               <a:buNone/>
             </a:pPr>
-            <a:endParaRPr kumimoji="0" lang="zh-CN" altLang="en-US" sz="1800" b="1" i="0" u="none" strike="noStrike" cap="none" normalizeH="0" baseline="0" smtClean="0">
+            <a:endParaRPr kumimoji="0" lang="zh-CN" altLang="en-US" sz="1800" b="1" i="0" u="none" strike="noStrike" cap="none" normalizeH="0" baseline="0">
               <a:ln>
                 <a:noFill/>
               </a:ln>
@@ -16576,7 +16065,7 @@
               <a:buFontTx/>
               <a:buNone/>
             </a:pPr>
-            <a:endParaRPr kumimoji="0" lang="zh-CN" altLang="en-US" sz="1800" b="1" i="0" u="none" strike="noStrike" cap="none" normalizeH="0" baseline="0" dirty="0" smtClean="0">
+            <a:endParaRPr kumimoji="0" lang="zh-CN" altLang="en-US" sz="1800" b="1" i="0" u="none" strike="noStrike" cap="none" normalizeH="0" baseline="0" dirty="0">
               <a:ln>
                 <a:noFill/>
               </a:ln>
@@ -16639,7 +16128,7 @@
               <a:buNone/>
             </a:pPr>
             <a:r>
-              <a:rPr kumimoji="0" lang="en-US" altLang="zh-CN" sz="1200" b="1" i="0" u="none" strike="noStrike" cap="none" normalizeH="0" baseline="0" dirty="0" smtClean="0">
+              <a:rPr kumimoji="0" lang="en-US" altLang="zh-CN" sz="1200" b="1" i="0" u="none" strike="noStrike" cap="none" normalizeH="0" baseline="0" dirty="0">
                 <a:ln>
                   <a:noFill/>
                 </a:ln>
@@ -16651,7 +16140,7 @@
               </a:rPr>
               <a:t>DB2</a:t>
             </a:r>
-            <a:endParaRPr kumimoji="0" lang="zh-CN" altLang="en-US" sz="1200" b="1" i="0" u="none" strike="noStrike" cap="none" normalizeH="0" baseline="0" dirty="0" smtClean="0">
+            <a:endParaRPr kumimoji="0" lang="zh-CN" altLang="en-US" sz="1200" b="1" i="0" u="none" strike="noStrike" cap="none" normalizeH="0" baseline="0" dirty="0">
               <a:ln>
                 <a:noFill/>
               </a:ln>
@@ -16722,7 +16211,7 @@
               </a:rPr>
               <a:t>Oracle</a:t>
             </a:r>
-            <a:endParaRPr kumimoji="0" lang="zh-CN" altLang="en-US" sz="1200" b="1" i="0" u="none" strike="noStrike" cap="none" normalizeH="0" baseline="0" dirty="0" smtClean="0">
+            <a:endParaRPr kumimoji="0" lang="zh-CN" altLang="en-US" sz="1200" b="1" i="0" u="none" strike="noStrike" cap="none" normalizeH="0" baseline="0" dirty="0">
               <a:ln>
                 <a:noFill/>
               </a:ln>
@@ -16785,7 +16274,7 @@
               <a:buNone/>
             </a:pPr>
             <a:r>
-              <a:rPr lang="en-US" altLang="zh-CN" sz="1200" dirty="0" smtClean="0">
+              <a:rPr lang="en-US" altLang="zh-CN" sz="1200" dirty="0">
                 <a:solidFill>
                   <a:schemeClr val="tx1"/>
                 </a:solidFill>
@@ -16793,7 +16282,7 @@
               </a:rPr>
               <a:t>MySql</a:t>
             </a:r>
-            <a:endParaRPr kumimoji="0" lang="zh-CN" altLang="en-US" sz="1200" b="1" i="0" u="none" strike="noStrike" cap="none" normalizeH="0" baseline="0" dirty="0" smtClean="0">
+            <a:endParaRPr kumimoji="0" lang="zh-CN" altLang="en-US" sz="1200" b="1" i="0" u="none" strike="noStrike" cap="none" normalizeH="0" baseline="0" dirty="0">
               <a:ln>
                 <a:noFill/>
               </a:ln>
@@ -16864,7 +16353,7 @@
               </a:rPr>
               <a:t>SqlServer</a:t>
             </a:r>
-            <a:endParaRPr kumimoji="0" lang="zh-CN" altLang="en-US" sz="1200" b="1" i="0" u="none" strike="noStrike" cap="none" normalizeH="0" baseline="0" dirty="0" smtClean="0">
+            <a:endParaRPr kumimoji="0" lang="zh-CN" altLang="en-US" sz="1200" b="1" i="0" u="none" strike="noStrike" cap="none" normalizeH="0" baseline="0" dirty="0">
               <a:ln>
                 <a:noFill/>
               </a:ln>
@@ -16927,29 +16416,14 @@
               <a:buNone/>
             </a:pPr>
             <a:r>
-              <a:rPr lang="en-US" altLang="zh-CN" sz="1200" dirty="0" smtClean="0">
-                <a:solidFill>
-                  <a:schemeClr val="tx1"/>
-                </a:solidFill>
-                <a:latin typeface="Arial" panose="020B0604020202020204" pitchFamily="34" charset="0"/>
-              </a:rPr>
-              <a:t>Postgresq</a:t>
-            </a:r>
-            <a:r>
               <a:rPr lang="en-US" altLang="zh-CN" sz="1200" dirty="0">
                 <a:solidFill>
                   <a:schemeClr val="tx1"/>
                 </a:solidFill>
                 <a:latin typeface="Arial" panose="020B0604020202020204" pitchFamily="34" charset="0"/>
               </a:rPr>
-              <a:t>l</a:t>
-            </a:r>
-            <a:endParaRPr lang="en-US" altLang="zh-CN" sz="1200" dirty="0" smtClean="0">
-              <a:solidFill>
-                <a:schemeClr val="tx1"/>
-              </a:solidFill>
-              <a:latin typeface="Arial" panose="020B0604020202020204" pitchFamily="34" charset="0"/>
-            </a:endParaRPr>
+              <a:t>Postgresql</a:t>
+            </a:r>
           </a:p>
         </p:txBody>
       </p:sp>
@@ -17003,7 +16477,7 @@
               <a:buNone/>
             </a:pPr>
             <a:r>
-              <a:rPr lang="en-US" altLang="zh-CN" sz="1200" dirty="0" smtClean="0">
+              <a:rPr lang="en-US" altLang="zh-CN" sz="1200" dirty="0">
                 <a:solidFill>
                   <a:schemeClr val="tx1"/>
                 </a:solidFill>
@@ -17011,12 +16485,6 @@
               </a:rPr>
               <a:t>Sybase IQ</a:t>
             </a:r>
-            <a:endParaRPr lang="en-US" altLang="zh-CN" sz="1200" dirty="0" smtClean="0">
-              <a:solidFill>
-                <a:schemeClr val="tx1"/>
-              </a:solidFill>
-              <a:latin typeface="Arial" panose="020B0604020202020204" pitchFamily="34" charset="0"/>
-            </a:endParaRPr>
           </a:p>
         </p:txBody>
       </p:sp>
@@ -17059,7 +16527,7 @@
               <a:buSzTx/>
               <a:buFontTx/>
             </a:pPr>
-            <a:endParaRPr lang="zh-CN" altLang="en-US" sz="1800" smtClean="0">
+            <a:endParaRPr lang="zh-CN" altLang="en-US" sz="1800">
               <a:ln>
                 <a:noFill/>
               </a:ln>
@@ -17108,7 +16576,7 @@
               <a:buSzTx/>
               <a:buFontTx/>
             </a:pPr>
-            <a:endParaRPr lang="zh-CN" altLang="en-US" sz="1800" smtClean="0">
+            <a:endParaRPr lang="zh-CN" altLang="en-US" sz="1800">
               <a:ln>
                 <a:noFill/>
               </a:ln>
@@ -17157,7 +16625,7 @@
               <a:buSzTx/>
               <a:buFontTx/>
             </a:pPr>
-            <a:endParaRPr lang="zh-CN" altLang="en-US" sz="1800" smtClean="0">
+            <a:endParaRPr lang="zh-CN" altLang="en-US" sz="1800">
               <a:ln>
                 <a:noFill/>
               </a:ln>
@@ -17206,7 +16674,7 @@
               <a:buSzTx/>
               <a:buFontTx/>
             </a:pPr>
-            <a:endParaRPr lang="zh-CN" altLang="en-US" sz="1800" smtClean="0">
+            <a:endParaRPr lang="zh-CN" altLang="en-US" sz="1800">
               <a:ln>
                 <a:noFill/>
               </a:ln>
@@ -17255,7 +16723,7 @@
               <a:buSzTx/>
               <a:buFontTx/>
             </a:pPr>
-            <a:endParaRPr lang="zh-CN" altLang="en-US" sz="1800" smtClean="0">
+            <a:endParaRPr lang="zh-CN" altLang="en-US" sz="1800">
               <a:ln>
                 <a:noFill/>
               </a:ln>
@@ -17304,7 +16772,7 @@
               <a:buSzTx/>
               <a:buFontTx/>
             </a:pPr>
-            <a:endParaRPr lang="zh-CN" altLang="en-US" sz="1800" smtClean="0">
+            <a:endParaRPr lang="zh-CN" altLang="en-US" sz="1800">
               <a:ln>
                 <a:noFill/>
               </a:ln>
@@ -17353,7 +16821,7 @@
               <a:buSzTx/>
               <a:buFontTx/>
             </a:pPr>
-            <a:endParaRPr lang="zh-CN" altLang="en-US" sz="1800" smtClean="0">
+            <a:endParaRPr lang="zh-CN" altLang="en-US" sz="1800">
               <a:ln>
                 <a:noFill/>
               </a:ln>
@@ -17402,7 +16870,7 @@
               <a:buSzTx/>
               <a:buFontTx/>
             </a:pPr>
-            <a:endParaRPr lang="zh-CN" altLang="en-US" sz="1800" smtClean="0">
+            <a:endParaRPr lang="zh-CN" altLang="en-US" sz="1800">
               <a:ln>
                 <a:noFill/>
               </a:ln>
@@ -17451,7 +16919,7 @@
               <a:buSzTx/>
               <a:buFontTx/>
             </a:pPr>
-            <a:endParaRPr lang="zh-CN" altLang="en-US" sz="1800" smtClean="0">
+            <a:endParaRPr lang="zh-CN" altLang="en-US" sz="1800">
               <a:ln>
                 <a:noFill/>
               </a:ln>
@@ -17500,7 +16968,7 @@
               <a:buSzTx/>
               <a:buFontTx/>
             </a:pPr>
-            <a:endParaRPr lang="zh-CN" altLang="en-US" sz="1800" smtClean="0">
+            <a:endParaRPr lang="zh-CN" altLang="en-US" sz="1800">
               <a:ln>
                 <a:noFill/>
               </a:ln>
@@ -17549,7 +17017,7 @@
               <a:buSzTx/>
               <a:buFontTx/>
             </a:pPr>
-            <a:endParaRPr lang="zh-CN" altLang="en-US" sz="1800" smtClean="0">
+            <a:endParaRPr lang="zh-CN" altLang="en-US" sz="1800">
               <a:ln>
                 <a:noFill/>
               </a:ln>
@@ -17604,7 +17072,7 @@
               <a:buNone/>
             </a:pPr>
             <a:r>
-              <a:rPr kumimoji="0" lang="en-US" altLang="zh-CN" sz="1800" b="1" i="0" u="none" strike="noStrike" cap="none" normalizeH="0" baseline="0" dirty="0" smtClean="0">
+              <a:rPr kumimoji="0" lang="en-US" altLang="zh-CN" sz="1800" b="1" i="0" u="none" strike="noStrike" cap="none" normalizeH="0" baseline="0" dirty="0">
                 <a:ln>
                   <a:noFill/>
                 </a:ln>
@@ -17617,7 +17085,7 @@
               <a:t>Quickvo</a:t>
             </a:r>
             <a:r>
-              <a:rPr kumimoji="0" lang="zh-CN" altLang="en-US" sz="1800" b="1" i="0" u="none" strike="noStrike" cap="none" normalizeH="0" baseline="0" dirty="0" smtClean="0">
+              <a:rPr kumimoji="0" lang="zh-CN" altLang="en-US" sz="1800" b="1" i="0" u="none" strike="noStrike" cap="none" normalizeH="0" baseline="0" dirty="0">
                 <a:ln>
                   <a:noFill/>
                 </a:ln>
@@ -17630,7 +17098,7 @@
               <a:t>工具，产生</a:t>
             </a:r>
             <a:r>
-              <a:rPr kumimoji="0" lang="en-US" altLang="zh-CN" sz="1800" b="1" i="0" u="none" strike="noStrike" cap="none" normalizeH="0" baseline="0" dirty="0" smtClean="0">
+              <a:rPr kumimoji="0" lang="en-US" altLang="zh-CN" sz="1800" b="1" i="0" u="none" strike="noStrike" cap="none" normalizeH="0" baseline="0" dirty="0">
                 <a:ln>
                   <a:noFill/>
                 </a:ln>
@@ -17642,7 +17110,7 @@
               </a:rPr>
               <a:t>POJO</a:t>
             </a:r>
-            <a:endParaRPr kumimoji="0" lang="zh-CN" altLang="en-US" sz="1800" b="1" i="0" u="none" strike="noStrike" cap="none" normalizeH="0" baseline="0" dirty="0" smtClean="0">
+            <a:endParaRPr kumimoji="0" lang="zh-CN" altLang="en-US" sz="1800" b="1" i="0" u="none" strike="noStrike" cap="none" normalizeH="0" baseline="0" dirty="0">
               <a:ln>
                 <a:noFill/>
               </a:ln>
@@ -17700,7 +17168,7 @@
               <a:buNone/>
             </a:pPr>
             <a:r>
-              <a:rPr kumimoji="0" lang="en-US" altLang="zh-CN" sz="1800" b="1" i="0" u="none" strike="noStrike" cap="none" normalizeH="0" baseline="0" dirty="0" smtClean="0">
+              <a:rPr kumimoji="0" lang="en-US" altLang="zh-CN" sz="1800" b="1" i="0" u="none" strike="noStrike" cap="none" normalizeH="0" baseline="0" dirty="0">
                 <a:ln>
                   <a:noFill/>
                 </a:ln>
@@ -17712,7 +17180,7 @@
               </a:rPr>
               <a:t>DataBase</a:t>
             </a:r>
-            <a:endParaRPr kumimoji="0" lang="zh-CN" altLang="en-US" sz="1800" b="1" i="0" u="none" strike="noStrike" cap="none" normalizeH="0" baseline="0" dirty="0" smtClean="0">
+            <a:endParaRPr kumimoji="0" lang="zh-CN" altLang="en-US" sz="1800" b="1" i="0" u="none" strike="noStrike" cap="none" normalizeH="0" baseline="0" dirty="0">
               <a:ln>
                 <a:noFill/>
               </a:ln>
@@ -17764,7 +17232,7 @@
               <a:buSzTx/>
               <a:buFontTx/>
             </a:pPr>
-            <a:endParaRPr lang="zh-CN" altLang="en-US" sz="1800" smtClean="0">
+            <a:endParaRPr lang="zh-CN" altLang="en-US" sz="1800">
               <a:ln>
                 <a:noFill/>
               </a:ln>
@@ -17813,7 +17281,7 @@
               <a:buSzTx/>
               <a:buFontTx/>
             </a:pPr>
-            <a:endParaRPr lang="zh-CN" altLang="en-US" sz="1800" smtClean="0">
+            <a:endParaRPr lang="zh-CN" altLang="en-US" sz="1800">
               <a:ln>
                 <a:noFill/>
               </a:ln>
@@ -17852,6 +17320,7 @@
         </p:spPr>
         <p:txBody>
           <a:bodyPr vert="horz" wrap="none" lIns="91440" tIns="45720" rIns="91440" bIns="45720" numCol="1" anchor="ctr" anchorCtr="0" compatLnSpc="1"/>
+          <a:lstStyle/>
           <a:p>
             <a:pPr marL="0" marR="0" indent="0" algn="ctr" defTabSz="914400" rtl="0" eaLnBrk="1" fontAlgn="base" latinLnBrk="0" hangingPunct="1">
               <a:spcBef>
@@ -17866,7 +17335,7 @@
               <a:buNone/>
             </a:pPr>
             <a:r>
-              <a:rPr kumimoji="0" lang="zh-CN" altLang="en-US" sz="1200" b="1" i="0" u="none" strike="noStrike" cap="none" normalizeH="0" baseline="0" smtClean="0">
+              <a:rPr kumimoji="0" lang="zh-CN" altLang="en-US" sz="1200" b="1" i="0" u="none" strike="noStrike" cap="none" normalizeH="0" baseline="0">
                 <a:ln>
                   <a:noFill/>
                 </a:ln>
@@ -17879,17 +17348,6 @@
               </a:rPr>
               <a:t>数据库方言</a:t>
             </a:r>
-            <a:endParaRPr kumimoji="0" lang="zh-CN" altLang="en-US" sz="1200" b="1" i="0" u="none" strike="noStrike" cap="none" normalizeH="0" baseline="0" smtClean="0">
-              <a:ln>
-                <a:noFill/>
-              </a:ln>
-              <a:solidFill>
-                <a:schemeClr val="tx1"/>
-              </a:solidFill>
-              <a:effectLst/>
-              <a:latin typeface="Arial" panose="020B0604020202020204" pitchFamily="34" charset="0"/>
-              <a:ea typeface="宋体" panose="02010600030101010101" pitchFamily="2" charset="-122"/>
-            </a:endParaRPr>
           </a:p>
         </p:txBody>
       </p:sp>
@@ -17923,6 +17381,7 @@
         </p:spPr>
         <p:txBody>
           <a:bodyPr vert="horz" wrap="none" lIns="91440" tIns="45720" rIns="91440" bIns="45720" numCol="1" rtlCol="0" anchor="ctr" anchorCtr="0" compatLnSpc="1"/>
+          <a:lstStyle/>
           <a:p>
             <a:pPr marL="0" marR="0" indent="0" algn="ctr" defTabSz="914400" rtl="0" eaLnBrk="1" fontAlgn="base" latinLnBrk="0" hangingPunct="1">
               <a:spcBef>
@@ -17936,7 +17395,7 @@
               <a:buFontTx/>
               <a:buNone/>
             </a:pPr>
-            <a:endParaRPr kumimoji="0" lang="zh-CN" altLang="en-US" sz="1800" b="1" i="0" u="none" strike="noStrike" cap="none" normalizeH="0" baseline="0" smtClean="0">
+            <a:endParaRPr kumimoji="0" lang="zh-CN" altLang="en-US" sz="1800" b="1" i="0" u="none" strike="noStrike" cap="none" normalizeH="0" baseline="0">
               <a:ln>
                 <a:noFill/>
               </a:ln>
@@ -17993,7 +17452,7 @@
               <a:buFontTx/>
               <a:buNone/>
             </a:pPr>
-            <a:endParaRPr kumimoji="0" lang="zh-CN" altLang="en-US" sz="1800" b="1" i="0" u="none" strike="noStrike" cap="none" normalizeH="0" baseline="0" smtClean="0">
+            <a:endParaRPr kumimoji="0" lang="zh-CN" altLang="en-US" sz="1800" b="1" i="0" u="none" strike="noStrike" cap="none" normalizeH="0" baseline="0">
               <a:ln>
                 <a:noFill/>
               </a:ln>
@@ -18041,6 +17500,7 @@
         </p:style>
         <p:txBody>
           <a:bodyPr vert="horz" wrap="none" lIns="91440" tIns="45720" rIns="91440" bIns="45720" numCol="1" rtlCol="0" anchor="ctr" anchorCtr="0" compatLnSpc="1"/>
+          <a:lstStyle/>
           <a:p>
             <a:pPr marL="0" marR="0" indent="0" algn="ctr" defTabSz="914400" rtl="0" eaLnBrk="1" fontAlgn="base" latinLnBrk="0" hangingPunct="1">
               <a:spcBef>
@@ -18055,7 +17515,7 @@
               <a:buNone/>
             </a:pPr>
             <a:r>
-              <a:rPr lang="en-US" altLang="zh-CN" sz="1200" dirty="0" smtClean="0">
+              <a:rPr lang="en-US" altLang="zh-CN" sz="1200" dirty="0">
                 <a:solidFill>
                   <a:schemeClr val="tx1"/>
                 </a:solidFill>
@@ -18063,12 +17523,6 @@
               </a:rPr>
               <a:t>EhcacheImpl</a:t>
             </a:r>
-            <a:endParaRPr lang="en-US" altLang="zh-CN" sz="1200" dirty="0" smtClean="0">
-              <a:solidFill>
-                <a:schemeClr val="tx1"/>
-              </a:solidFill>
-              <a:latin typeface="Arial" panose="020B0604020202020204" pitchFamily="34" charset="0"/>
-            </a:endParaRPr>
           </a:p>
         </p:txBody>
       </p:sp>
@@ -18107,6 +17561,7 @@
         </p:style>
         <p:txBody>
           <a:bodyPr vert="horz" wrap="none" lIns="91440" tIns="45720" rIns="91440" bIns="45720" numCol="1" rtlCol="0" anchor="ctr" anchorCtr="0" compatLnSpc="1"/>
+          <a:lstStyle/>
           <a:p>
             <a:pPr marL="0" marR="0" indent="0" algn="ctr" defTabSz="914400" rtl="0" eaLnBrk="1" fontAlgn="base" latinLnBrk="0" hangingPunct="1">
               <a:spcBef>
@@ -18121,7 +17576,7 @@
               <a:buNone/>
             </a:pPr>
             <a:r>
-              <a:rPr lang="en-US" altLang="zh-CN" sz="1200" dirty="0" smtClean="0">
+              <a:rPr lang="en-US" altLang="zh-CN" sz="1200" dirty="0">
                 <a:solidFill>
                   <a:schemeClr val="tx1"/>
                 </a:solidFill>
@@ -18129,12 +17584,6 @@
               </a:rPr>
               <a:t>RedisImpl</a:t>
             </a:r>
-            <a:endParaRPr lang="en-US" altLang="zh-CN" sz="1200" dirty="0" smtClean="0">
-              <a:solidFill>
-                <a:schemeClr val="tx1"/>
-              </a:solidFill>
-              <a:latin typeface="Arial" panose="020B0604020202020204" pitchFamily="34" charset="0"/>
-            </a:endParaRPr>
           </a:p>
         </p:txBody>
       </p:sp>
@@ -18170,13 +17619,14 @@
           <a:bodyPr vert="horz" wrap="none" lIns="91440" tIns="45720" rIns="91440" bIns="45720" numCol="1" rtlCol="0" anchor="ctr" anchorCtr="0" compatLnSpc="1">
             <a:noAutofit/>
           </a:bodyPr>
+          <a:lstStyle/>
           <a:p>
             <a:pPr lvl="0" algn="ctr" defTabSz="914400">
               <a:buClrTx/>
               <a:buSzTx/>
               <a:buFontTx/>
             </a:pPr>
-            <a:endParaRPr lang="zh-CN" altLang="en-US" sz="1800" smtClean="0">
+            <a:endParaRPr lang="zh-CN" altLang="en-US" sz="1800">
               <a:ln>
                 <a:noFill/>
               </a:ln>
@@ -18218,13 +17668,14 @@
           <a:bodyPr vert="horz" wrap="none" lIns="91440" tIns="45720" rIns="91440" bIns="45720" numCol="1" rtlCol="0" anchor="ctr" anchorCtr="0" compatLnSpc="1">
             <a:noAutofit/>
           </a:bodyPr>
+          <a:lstStyle/>
           <a:p>
             <a:pPr lvl="0" algn="ctr" defTabSz="914400">
               <a:buClrTx/>
               <a:buSzTx/>
               <a:buFontTx/>
             </a:pPr>
-            <a:endParaRPr lang="zh-CN" altLang="en-US" sz="1800" smtClean="0">
+            <a:endParaRPr lang="zh-CN" altLang="en-US" sz="1800">
               <a:ln>
                 <a:noFill/>
               </a:ln>
@@ -18266,13 +17717,14 @@
           <a:bodyPr vert="horz" wrap="none" lIns="91440" tIns="45720" rIns="91440" bIns="45720" numCol="1" rtlCol="0" anchor="ctr" anchorCtr="0" compatLnSpc="1">
             <a:noAutofit/>
           </a:bodyPr>
+          <a:lstStyle/>
           <a:p>
             <a:pPr lvl="0" algn="ctr" defTabSz="914400">
               <a:buClrTx/>
               <a:buSzTx/>
               <a:buFontTx/>
             </a:pPr>
-            <a:endParaRPr lang="zh-CN" altLang="en-US" sz="1800" smtClean="0">
+            <a:endParaRPr lang="zh-CN" altLang="en-US" sz="1800">
               <a:ln>
                 <a:noFill/>
               </a:ln>
@@ -18288,13 +17740,6 @@
     <a:masterClrMapping/>
   </p:clrMapOvr>
   <p:transition/>
-  <p:timing>
-    <p:tnLst>
-      <p:par>
-        <p:cTn id="1" dur="indefinite" restart="never" nodeType="tmRoot"/>
-      </p:par>
-    </p:tnLst>
-  </p:timing>
 </p:sld>
 </file>
 
@@ -18337,20 +17782,17 @@
           <a:p>
             <a:pPr eaLnBrk="1" hangingPunct="1"/>
             <a:r>
-              <a:rPr lang="en-US" altLang="zh-CN" sz="3200" dirty="0" smtClean="0">
+              <a:rPr lang="en-US" altLang="zh-CN" sz="3200" dirty="0">
                 <a:ea typeface="宋体" panose="02010600030101010101" pitchFamily="2" charset="-122"/>
               </a:rPr>
               <a:t>SqlToy</a:t>
             </a:r>
             <a:r>
-              <a:rPr lang="zh-CN" altLang="en-US" sz="3200" dirty="0" smtClean="0">
+              <a:rPr lang="zh-CN" altLang="en-US" sz="3200" dirty="0">
                 <a:ea typeface="宋体" panose="02010600030101010101" pitchFamily="2" charset="-122"/>
               </a:rPr>
               <a:t>特点概述</a:t>
             </a:r>
-            <a:endParaRPr lang="zh-CN" altLang="en-US" sz="3200" dirty="0" smtClean="0">
-              <a:ea typeface="宋体" panose="02010600030101010101" pitchFamily="2" charset="-122"/>
-            </a:endParaRPr>
           </a:p>
         </p:txBody>
       </p:sp>
@@ -18436,7 +17878,7 @@
               <a:buSzTx/>
             </a:pPr>
             <a:r>
-              <a:rPr kumimoji="0" lang="en-US" altLang="zh-CN" sz="1800" b="1" i="0" u="none" strike="noStrike" cap="none" normalizeH="0" baseline="0" dirty="0" smtClean="0">
+              <a:rPr kumimoji="0" lang="en-US" altLang="zh-CN" sz="1800" b="1" i="0" u="none" strike="noStrike" cap="none" normalizeH="0" baseline="0" dirty="0">
                 <a:ln>
                   <a:noFill/>
                 </a:ln>
@@ -18449,7 +17891,7 @@
               <a:t>1.</a:t>
             </a:r>
             <a:r>
-              <a:rPr kumimoji="0" lang="zh-CN" altLang="en-US" sz="1800" b="1" i="0" u="none" strike="noStrike" cap="none" normalizeH="0" baseline="0" dirty="0" smtClean="0">
+              <a:rPr kumimoji="0" lang="zh-CN" altLang="en-US" sz="1800" b="1" i="0" u="none" strike="noStrike" cap="none" normalizeH="0" baseline="0" dirty="0">
                 <a:ln>
                   <a:noFill/>
                 </a:ln>
@@ -18462,7 +17904,7 @@
               <a:t>跟</a:t>
             </a:r>
             <a:r>
-              <a:rPr kumimoji="0" lang="en-US" altLang="zh-CN" sz="1800" b="1" i="0" u="none" strike="noStrike" cap="none" normalizeH="0" baseline="0" dirty="0" smtClean="0">
+              <a:rPr kumimoji="0" lang="en-US" altLang="zh-CN" sz="1800" b="1" i="0" u="none" strike="noStrike" cap="none" normalizeH="0" baseline="0" dirty="0">
                 <a:ln>
                   <a:noFill/>
                 </a:ln>
@@ -18475,7 +17917,7 @@
               <a:t>spring</a:t>
             </a:r>
             <a:r>
-              <a:rPr kumimoji="0" lang="zh-CN" altLang="en-US" sz="1800" b="1" i="0" u="none" strike="noStrike" cap="none" normalizeH="0" baseline="0" dirty="0" smtClean="0">
+              <a:rPr kumimoji="0" lang="zh-CN" altLang="en-US" sz="1800" b="1" i="0" u="none" strike="noStrike" cap="none" normalizeH="0" baseline="0" dirty="0">
                 <a:ln>
                   <a:noFill/>
                 </a:ln>
@@ -18487,7 +17929,7 @@
               </a:rPr>
               <a:t>快速集成</a:t>
             </a:r>
-            <a:endParaRPr kumimoji="0" lang="en-US" altLang="zh-CN" sz="1800" b="1" i="0" u="none" strike="noStrike" cap="none" normalizeH="0" baseline="0" dirty="0" smtClean="0">
+            <a:endParaRPr kumimoji="0" lang="en-US" altLang="zh-CN" sz="1800" b="1" i="0" u="none" strike="noStrike" cap="none" normalizeH="0" baseline="0" dirty="0">
               <a:ln>
                 <a:noFill/>
               </a:ln>
@@ -18510,7 +17952,7 @@
               <a:buSzTx/>
             </a:pPr>
             <a:r>
-              <a:rPr lang="en-US" altLang="zh-CN" dirty="0" smtClean="0">
+              <a:rPr lang="en-US" altLang="zh-CN" dirty="0">
                 <a:solidFill>
                   <a:schemeClr val="tx1"/>
                 </a:solidFill>
@@ -18519,7 +17961,7 @@
               <a:t>2.</a:t>
             </a:r>
             <a:r>
-              <a:rPr kumimoji="0" lang="zh-CN" altLang="en-US" sz="1800" b="1" i="0" u="none" strike="noStrike" cap="none" normalizeH="0" baseline="0" dirty="0" smtClean="0">
+              <a:rPr kumimoji="0" lang="zh-CN" altLang="en-US" sz="1800" b="1" i="0" u="none" strike="noStrike" cap="none" normalizeH="0" baseline="0" dirty="0">
                 <a:ln>
                   <a:noFill/>
                 </a:ln>
@@ -18532,7 +17974,7 @@
               <a:t>支持多种缓存框架，默认支持</a:t>
             </a:r>
             <a:r>
-              <a:rPr kumimoji="0" lang="en-US" altLang="zh-CN" sz="1800" b="1" i="0" u="none" strike="noStrike" cap="none" normalizeH="0" baseline="0" dirty="0" err="1" smtClean="0">
+              <a:rPr kumimoji="0" lang="en-US" altLang="zh-CN" sz="1800" b="1" i="0" u="none" strike="noStrike" cap="none" normalizeH="0" baseline="0" dirty="0" err="1">
                 <a:ln>
                   <a:noFill/>
                 </a:ln>
@@ -18544,7 +17986,7 @@
               </a:rPr>
               <a:t>ehcache</a:t>
             </a:r>
-            <a:endParaRPr kumimoji="0" lang="en-US" altLang="zh-CN" sz="1800" b="1" i="0" u="none" strike="noStrike" cap="none" normalizeH="0" baseline="0" dirty="0" smtClean="0">
+            <a:endParaRPr kumimoji="0" lang="en-US" altLang="zh-CN" sz="1800" b="1" i="0" u="none" strike="noStrike" cap="none" normalizeH="0" baseline="0" dirty="0">
               <a:ln>
                 <a:noFill/>
               </a:ln>
@@ -18567,7 +18009,7 @@
               <a:buSzTx/>
             </a:pPr>
             <a:r>
-              <a:rPr lang="en-US" altLang="zh-CN" dirty="0" smtClean="0">
+              <a:rPr lang="en-US" altLang="zh-CN" dirty="0">
                 <a:solidFill>
                   <a:schemeClr val="tx1"/>
                 </a:solidFill>
@@ -18576,7 +18018,7 @@
               <a:t>3.</a:t>
             </a:r>
             <a:r>
-              <a:rPr lang="zh-CN" altLang="en-US" dirty="0" smtClean="0">
+              <a:rPr lang="zh-CN" altLang="en-US" dirty="0">
                 <a:solidFill>
                   <a:schemeClr val="tx1"/>
                 </a:solidFill>
@@ -18585,7 +18027,7 @@
               <a:t>支持我们所能用到的数据库</a:t>
             </a:r>
             <a:r>
-              <a:rPr lang="en-US" altLang="zh-CN" dirty="0" smtClean="0">
+              <a:rPr lang="en-US" altLang="zh-CN" dirty="0">
                 <a:solidFill>
                   <a:schemeClr val="tx1"/>
                 </a:solidFill>
@@ -18594,7 +18036,7 @@
               <a:t>:db2</a:t>
             </a:r>
             <a:r>
-              <a:rPr lang="zh-CN" altLang="en-US" dirty="0" smtClean="0">
+              <a:rPr lang="zh-CN" altLang="en-US" dirty="0">
                 <a:solidFill>
                   <a:schemeClr val="tx1"/>
                 </a:solidFill>
@@ -18603,7 +18045,7 @@
               <a:t>、</a:t>
             </a:r>
             <a:r>
-              <a:rPr lang="en-US" altLang="zh-CN" dirty="0" smtClean="0">
+              <a:rPr lang="en-US" altLang="zh-CN" dirty="0">
                 <a:solidFill>
                   <a:schemeClr val="tx1"/>
                 </a:solidFill>
@@ -18612,7 +18054,7 @@
               <a:t>oracle</a:t>
             </a:r>
             <a:r>
-              <a:rPr lang="zh-CN" altLang="en-US" dirty="0" smtClean="0">
+              <a:rPr lang="zh-CN" altLang="en-US" dirty="0">
                 <a:solidFill>
                   <a:schemeClr val="tx1"/>
                 </a:solidFill>
@@ -18621,7 +18063,7 @@
               <a:t>、</a:t>
             </a:r>
             <a:r>
-              <a:rPr lang="en-US" altLang="zh-CN" dirty="0" err="1" smtClean="0">
+              <a:rPr lang="en-US" altLang="zh-CN" dirty="0" err="1">
                 <a:solidFill>
                   <a:schemeClr val="tx1"/>
                 </a:solidFill>
@@ -18630,7 +18072,7 @@
               <a:t>sqlserver</a:t>
             </a:r>
             <a:r>
-              <a:rPr lang="zh-CN" altLang="en-US" dirty="0" smtClean="0">
+              <a:rPr lang="zh-CN" altLang="en-US" dirty="0">
                 <a:solidFill>
                   <a:schemeClr val="tx1"/>
                 </a:solidFill>
@@ -18639,7 +18081,7 @@
               <a:t>、</a:t>
             </a:r>
             <a:r>
-              <a:rPr lang="en-US" altLang="zh-CN" dirty="0" err="1" smtClean="0">
+              <a:rPr lang="en-US" altLang="zh-CN" dirty="0" err="1">
                 <a:solidFill>
                   <a:schemeClr val="tx1"/>
                 </a:solidFill>
@@ -18648,7 +18090,7 @@
               <a:t>mysql</a:t>
             </a:r>
             <a:r>
-              <a:rPr lang="zh-CN" altLang="en-US" dirty="0" smtClean="0">
+              <a:rPr lang="zh-CN" altLang="en-US" dirty="0">
                 <a:solidFill>
                   <a:schemeClr val="tx1"/>
                 </a:solidFill>
@@ -18656,7 +18098,7 @@
               </a:rPr>
               <a:t>、</a:t>
             </a:r>
-            <a:endParaRPr lang="en-US" altLang="zh-CN" dirty="0" smtClean="0">
+            <a:endParaRPr lang="en-US" altLang="zh-CN" dirty="0">
               <a:solidFill>
                 <a:schemeClr val="tx1"/>
               </a:solidFill>
@@ -18675,7 +18117,7 @@
               <a:buSzTx/>
             </a:pPr>
             <a:r>
-              <a:rPr lang="en-US" altLang="zh-CN" dirty="0" smtClean="0">
+              <a:rPr lang="en-US" altLang="zh-CN" dirty="0">
                 <a:solidFill>
                   <a:schemeClr val="tx1"/>
                 </a:solidFill>
@@ -18684,7 +18126,7 @@
               <a:t>Postgresql</a:t>
             </a:r>
             <a:r>
-              <a:rPr lang="zh-CN" altLang="en-US" dirty="0" smtClean="0">
+              <a:rPr lang="zh-CN" altLang="en-US" dirty="0">
                 <a:solidFill>
                   <a:schemeClr val="tx1"/>
                 </a:solidFill>
@@ -18693,7 +18135,7 @@
               <a:t>、</a:t>
             </a:r>
             <a:r>
-              <a:rPr lang="en-US" altLang="zh-CN" dirty="0" err="1" smtClean="0">
+              <a:rPr lang="en-US" altLang="zh-CN" dirty="0" err="1">
                 <a:solidFill>
                   <a:schemeClr val="tx1"/>
                 </a:solidFill>
@@ -18702,7 +18144,7 @@
               <a:t>informix</a:t>
             </a:r>
             <a:r>
-              <a:rPr lang="zh-CN" altLang="en-US" dirty="0" smtClean="0">
+              <a:rPr lang="zh-CN" altLang="en-US" dirty="0">
                 <a:solidFill>
                   <a:schemeClr val="tx1"/>
                 </a:solidFill>
@@ -18711,7 +18153,7 @@
               <a:t>、</a:t>
             </a:r>
             <a:r>
-              <a:rPr lang="en-US" altLang="zh-CN" dirty="0" smtClean="0">
+              <a:rPr lang="en-US" altLang="zh-CN" dirty="0">
                 <a:solidFill>
                   <a:schemeClr val="tx1"/>
                 </a:solidFill>
@@ -18720,7 +18162,7 @@
               <a:t>Sybase </a:t>
             </a:r>
             <a:r>
-              <a:rPr lang="en-US" altLang="zh-CN" dirty="0" err="1" smtClean="0">
+              <a:rPr lang="en-US" altLang="zh-CN" dirty="0" err="1">
                 <a:solidFill>
                   <a:schemeClr val="tx1"/>
                 </a:solidFill>
@@ -18729,7 +18171,7 @@
               <a:t>ase</a:t>
             </a:r>
             <a:r>
-              <a:rPr lang="zh-CN" altLang="en-US" dirty="0" smtClean="0">
+              <a:rPr lang="zh-CN" altLang="en-US" dirty="0">
                 <a:solidFill>
                   <a:schemeClr val="tx1"/>
                 </a:solidFill>
@@ -18738,7 +18180,7 @@
               <a:t>、</a:t>
             </a:r>
             <a:r>
-              <a:rPr lang="en-US" altLang="zh-CN" dirty="0" smtClean="0">
+              <a:rPr lang="en-US" altLang="zh-CN" dirty="0">
                 <a:solidFill>
                   <a:schemeClr val="tx1"/>
                 </a:solidFill>
@@ -18747,7 +18189,7 @@
               <a:t>Sybase </a:t>
             </a:r>
             <a:r>
-              <a:rPr lang="en-US" altLang="zh-CN" dirty="0" err="1" smtClean="0">
+              <a:rPr lang="en-US" altLang="zh-CN" dirty="0" err="1">
                 <a:solidFill>
                   <a:schemeClr val="tx1"/>
                 </a:solidFill>
@@ -18756,7 +18198,7 @@
               <a:t>iq</a:t>
             </a:r>
             <a:r>
-              <a:rPr lang="zh-CN" altLang="en-US" dirty="0" smtClean="0">
+              <a:rPr lang="zh-CN" altLang="en-US" dirty="0">
                 <a:solidFill>
                   <a:schemeClr val="tx1"/>
                 </a:solidFill>
@@ -18765,7 +18207,7 @@
               <a:t>、</a:t>
             </a:r>
             <a:r>
-              <a:rPr lang="en-US" altLang="zh-CN" dirty="0" err="1" smtClean="0">
+              <a:rPr lang="en-US" altLang="zh-CN" dirty="0" err="1">
                 <a:solidFill>
                   <a:schemeClr val="tx1"/>
                 </a:solidFill>
@@ -18773,7 +18215,7 @@
               </a:rPr>
               <a:t>sqlite</a:t>
             </a:r>
-            <a:endParaRPr lang="en-US" altLang="zh-CN" dirty="0" smtClean="0">
+            <a:endParaRPr lang="en-US" altLang="zh-CN" dirty="0">
               <a:solidFill>
                 <a:schemeClr val="tx1"/>
               </a:solidFill>
@@ -18792,7 +18234,7 @@
               <a:buSzTx/>
             </a:pPr>
             <a:r>
-              <a:rPr kumimoji="0" lang="en-US" altLang="zh-CN" sz="1800" b="1" i="0" u="none" strike="noStrike" cap="none" normalizeH="0" baseline="0" dirty="0" smtClean="0">
+              <a:rPr kumimoji="0" lang="en-US" altLang="zh-CN" sz="1800" b="1" i="0" u="none" strike="noStrike" cap="none" normalizeH="0" baseline="0" dirty="0">
                 <a:ln>
                   <a:noFill/>
                 </a:ln>
@@ -18805,7 +18247,7 @@
               <a:t>4</a:t>
             </a:r>
             <a:r>
-              <a:rPr lang="en-US" altLang="zh-CN" dirty="0" smtClean="0">
+              <a:rPr lang="en-US" altLang="zh-CN" dirty="0">
                 <a:solidFill>
                   <a:schemeClr val="tx1"/>
                 </a:solidFill>
@@ -18814,7 +18256,7 @@
               <a:t>.</a:t>
             </a:r>
             <a:r>
-              <a:rPr lang="zh-CN" altLang="en-US" dirty="0" smtClean="0">
+              <a:rPr lang="zh-CN" altLang="en-US" dirty="0">
                 <a:solidFill>
                   <a:schemeClr val="tx1"/>
                 </a:solidFill>
@@ -18823,7 +18265,7 @@
               <a:t>跟</a:t>
             </a:r>
             <a:r>
-              <a:rPr lang="en-US" altLang="zh-CN" dirty="0" smtClean="0">
+              <a:rPr lang="en-US" altLang="zh-CN" dirty="0">
                 <a:solidFill>
                   <a:schemeClr val="tx1"/>
                 </a:solidFill>
@@ -18832,7 +18274,7 @@
               <a:t>Hibernate</a:t>
             </a:r>
             <a:r>
-              <a:rPr lang="zh-CN" altLang="en-US" dirty="0" smtClean="0">
+              <a:rPr lang="zh-CN" altLang="en-US" dirty="0">
                 <a:solidFill>
                   <a:schemeClr val="tx1"/>
                 </a:solidFill>
@@ -18841,7 +18283,7 @@
               <a:t>、</a:t>
             </a:r>
             <a:r>
-              <a:rPr lang="en-US" altLang="zh-CN" dirty="0" err="1" smtClean="0">
+              <a:rPr lang="en-US" altLang="zh-CN" dirty="0" err="1">
                 <a:solidFill>
                   <a:schemeClr val="tx1"/>
                 </a:solidFill>
@@ -18850,7 +18292,7 @@
               <a:t>mybatis</a:t>
             </a:r>
             <a:r>
-              <a:rPr lang="zh-CN" altLang="en-US" dirty="0" smtClean="0">
+              <a:rPr lang="zh-CN" altLang="en-US" dirty="0">
                 <a:solidFill>
                   <a:schemeClr val="tx1"/>
                 </a:solidFill>
@@ -18859,7 +18301,7 @@
               <a:t>一样有产生</a:t>
             </a:r>
             <a:r>
-              <a:rPr lang="en-US" altLang="zh-CN" dirty="0" smtClean="0">
+              <a:rPr lang="en-US" altLang="zh-CN" dirty="0">
                 <a:solidFill>
                   <a:schemeClr val="tx1"/>
                 </a:solidFill>
@@ -18868,7 +18310,7 @@
               <a:t>VO</a:t>
             </a:r>
             <a:r>
-              <a:rPr lang="zh-CN" altLang="en-US" dirty="0" smtClean="0">
+              <a:rPr lang="zh-CN" altLang="en-US" dirty="0">
                 <a:solidFill>
                   <a:schemeClr val="tx1"/>
                 </a:solidFill>
@@ -18877,7 +18319,7 @@
               <a:t>、</a:t>
             </a:r>
             <a:r>
-              <a:rPr lang="en-US" altLang="zh-CN" dirty="0" smtClean="0">
+              <a:rPr lang="en-US" altLang="zh-CN" dirty="0">
                 <a:solidFill>
                   <a:schemeClr val="tx1"/>
                 </a:solidFill>
@@ -18886,7 +18328,7 @@
               <a:t>POJO</a:t>
             </a:r>
             <a:r>
-              <a:rPr lang="zh-CN" altLang="en-US" dirty="0" smtClean="0">
+              <a:rPr lang="zh-CN" altLang="en-US" dirty="0">
                 <a:solidFill>
                   <a:schemeClr val="tx1"/>
                 </a:solidFill>
@@ -18895,7 +18337,7 @@
               <a:t>的工具，而且更实用</a:t>
             </a:r>
             <a:br>
-              <a:rPr lang="en-US" altLang="zh-CN" dirty="0" smtClean="0">
+              <a:rPr lang="en-US" altLang="zh-CN" dirty="0">
                 <a:solidFill>
                   <a:schemeClr val="tx1"/>
                 </a:solidFill>
@@ -18903,7 +18345,7 @@
               </a:rPr>
             </a:br>
             <a:r>
-              <a:rPr lang="en-US" altLang="zh-CN" dirty="0" smtClean="0">
+              <a:rPr lang="en-US" altLang="zh-CN" dirty="0">
                 <a:solidFill>
                   <a:schemeClr val="tx1"/>
                 </a:solidFill>
@@ -18912,7 +18354,7 @@
               <a:t>5.</a:t>
             </a:r>
             <a:r>
-              <a:rPr lang="zh-CN" altLang="en-US" dirty="0" smtClean="0">
+              <a:rPr lang="zh-CN" altLang="en-US" dirty="0">
                 <a:solidFill>
                   <a:schemeClr val="tx1"/>
                 </a:solidFill>
@@ -18921,7 +18363,7 @@
               <a:t>集成调用方便简单，一般继承</a:t>
             </a:r>
             <a:r>
-              <a:rPr lang="en-US" altLang="zh-CN" dirty="0" smtClean="0">
+              <a:rPr lang="en-US" altLang="zh-CN" dirty="0">
                 <a:solidFill>
                   <a:schemeClr val="tx1"/>
                 </a:solidFill>
@@ -18930,7 +18372,7 @@
               <a:t>BaseDaoSupport</a:t>
             </a:r>
             <a:r>
-              <a:rPr lang="zh-CN" altLang="en-US" dirty="0" smtClean="0">
+              <a:rPr lang="zh-CN" altLang="en-US" dirty="0">
                 <a:solidFill>
                   <a:schemeClr val="tx1"/>
                 </a:solidFill>
@@ -18938,7 +18380,7 @@
               </a:rPr>
               <a:t>即可</a:t>
             </a:r>
-            <a:endParaRPr lang="en-US" altLang="zh-CN" dirty="0" smtClean="0">
+            <a:endParaRPr lang="en-US" altLang="zh-CN" dirty="0">
               <a:solidFill>
                 <a:schemeClr val="tx1"/>
               </a:solidFill>
@@ -18956,7 +18398,7 @@
               <a:buClrTx/>
               <a:buSzTx/>
             </a:pPr>
-            <a:endParaRPr kumimoji="0" lang="zh-CN" altLang="en-US" sz="1800" b="1" i="0" u="none" strike="noStrike" cap="none" normalizeH="0" baseline="0" dirty="0" smtClean="0">
+            <a:endParaRPr kumimoji="0" lang="zh-CN" altLang="en-US" sz="1800" b="1" i="0" u="none" strike="noStrike" cap="none" normalizeH="0" baseline="0" dirty="0">
               <a:ln>
                 <a:noFill/>
               </a:ln>
@@ -19019,7 +18461,7 @@
               <a:buNone/>
             </a:pPr>
             <a:r>
-              <a:rPr lang="zh-CN" altLang="en-US" dirty="0" smtClean="0">
+              <a:rPr lang="zh-CN" altLang="en-US" dirty="0">
                 <a:solidFill>
                   <a:schemeClr val="tx1"/>
                 </a:solidFill>
@@ -19027,7 +18469,7 @@
               </a:rPr>
               <a:t>基本特点</a:t>
             </a:r>
-            <a:endParaRPr kumimoji="0" lang="zh-CN" altLang="en-US" sz="1800" b="1" i="0" u="none" strike="noStrike" cap="none" normalizeH="0" baseline="0" dirty="0" smtClean="0">
+            <a:endParaRPr kumimoji="0" lang="zh-CN" altLang="en-US" sz="1800" b="1" i="0" u="none" strike="noStrike" cap="none" normalizeH="0" baseline="0" dirty="0">
               <a:ln>
                 <a:noFill/>
               </a:ln>
@@ -19093,7 +18535,7 @@
               <a:buNone/>
             </a:pPr>
             <a:r>
-              <a:rPr lang="zh-CN" altLang="en-US" dirty="0" smtClean="0">
+              <a:rPr lang="zh-CN" altLang="en-US" dirty="0">
                 <a:solidFill>
                   <a:schemeClr val="tx1"/>
                 </a:solidFill>
@@ -19101,7 +18543,7 @@
               </a:rPr>
               <a:t>特有特性</a:t>
             </a:r>
-            <a:endParaRPr kumimoji="0" lang="zh-CN" altLang="en-US" sz="1800" b="1" i="0" u="none" strike="noStrike" cap="none" normalizeH="0" baseline="0" dirty="0" smtClean="0">
+            <a:endParaRPr kumimoji="0" lang="zh-CN" altLang="en-US" sz="1800" b="1" i="0" u="none" strike="noStrike" cap="none" normalizeH="0" baseline="0" dirty="0">
               <a:ln>
                 <a:noFill/>
               </a:ln>
@@ -19164,7 +18606,7 @@
               <a:buAutoNum type="arabicPeriod"/>
             </a:pPr>
             <a:r>
-              <a:rPr kumimoji="0" lang="zh-CN" altLang="en-US" sz="1800" b="1" i="0" u="none" strike="noStrike" cap="none" normalizeH="0" baseline="0" dirty="0" smtClean="0">
+              <a:rPr kumimoji="0" lang="zh-CN" altLang="en-US" sz="1800" b="1" i="0" u="none" strike="noStrike" cap="none" normalizeH="0" baseline="0" dirty="0">
                 <a:ln>
                   <a:noFill/>
                 </a:ln>
@@ -19177,7 +18619,7 @@
               <a:t>独特的</a:t>
             </a:r>
             <a:r>
-              <a:rPr kumimoji="0" lang="en-US" altLang="zh-CN" sz="1800" b="1" i="0" u="none" strike="noStrike" cap="none" normalizeH="0" baseline="0" dirty="0" err="1" smtClean="0">
+              <a:rPr kumimoji="0" lang="en-US" altLang="zh-CN" sz="1800" b="1" i="0" u="none" strike="noStrike" cap="none" normalizeH="0" baseline="0" dirty="0" err="1">
                 <a:ln>
                   <a:noFill/>
                 </a:ln>
@@ -19190,7 +18632,7 @@
               <a:t>sql</a:t>
             </a:r>
             <a:r>
-              <a:rPr kumimoji="0" lang="zh-CN" altLang="en-US" sz="1800" b="1" i="0" u="none" strike="noStrike" cap="none" normalizeH="0" baseline="0" dirty="0" smtClean="0">
+              <a:rPr kumimoji="0" lang="zh-CN" altLang="en-US" sz="1800" b="1" i="0" u="none" strike="noStrike" cap="none" normalizeH="0" baseline="0" dirty="0">
                 <a:ln>
                   <a:noFill/>
                 </a:ln>
@@ -19212,7 +18654,7 @@
               <a:t>，</a:t>
             </a:r>
             <a:r>
-              <a:rPr kumimoji="0" lang="zh-CN" altLang="en-US" sz="1800" b="1" i="0" u="none" strike="noStrike" cap="none" normalizeH="0" baseline="0" dirty="0" smtClean="0">
+              <a:rPr kumimoji="0" lang="zh-CN" altLang="en-US" sz="1800" b="1" i="0" u="none" strike="noStrike" cap="none" normalizeH="0" baseline="0" dirty="0">
                 <a:ln>
                   <a:noFill/>
                 </a:ln>
@@ -19225,7 +18667,7 @@
               <a:t>开立新</a:t>
             </a:r>
             <a:r>
-              <a:rPr kumimoji="0" lang="en-US" altLang="zh-CN" sz="1800" b="1" i="0" u="none" strike="noStrike" cap="none" normalizeH="0" baseline="0" dirty="0" smtClean="0">
+              <a:rPr kumimoji="0" lang="en-US" altLang="zh-CN" sz="1800" b="1" i="0" u="none" strike="noStrike" cap="none" normalizeH="0" baseline="0" dirty="0">
                 <a:ln>
                   <a:noFill/>
                 </a:ln>
@@ -19238,7 +18680,7 @@
               <a:t>ORM</a:t>
             </a:r>
             <a:r>
-              <a:rPr kumimoji="0" lang="zh-CN" altLang="en-US" sz="1800" b="1" i="0" u="none" strike="noStrike" cap="none" normalizeH="0" baseline="0" dirty="0" smtClean="0">
+              <a:rPr kumimoji="0" lang="zh-CN" altLang="en-US" sz="1800" b="1" i="0" u="none" strike="noStrike" cap="none" normalizeH="0" baseline="0" dirty="0">
                 <a:ln>
                   <a:noFill/>
                 </a:ln>
@@ -19251,7 +18693,7 @@
               <a:t>门户的最强资本</a:t>
             </a:r>
             <a:r>
-              <a:rPr kumimoji="0" lang="en-US" altLang="zh-CN" sz="1800" b="1" i="0" u="none" strike="noStrike" cap="none" normalizeH="0" baseline="0" dirty="0" smtClean="0">
+              <a:rPr kumimoji="0" lang="en-US" altLang="zh-CN" sz="1800" b="1" i="0" u="none" strike="noStrike" cap="none" normalizeH="0" baseline="0" dirty="0">
                 <a:ln>
                   <a:noFill/>
                 </a:ln>
@@ -19263,7 +18705,89 @@
               </a:rPr>
               <a:t>!</a:t>
             </a:r>
-            <a:endParaRPr kumimoji="0" lang="en-US" altLang="zh-CN" sz="1800" b="1" i="0" u="none" strike="noStrike" cap="none" normalizeH="0" baseline="0" dirty="0" smtClean="0">
+          </a:p>
+          <a:p>
+            <a:pPr marL="342900" marR="0" indent="-342900" algn="l" defTabSz="914400" rtl="0" eaLnBrk="1" fontAlgn="base" latinLnBrk="0" hangingPunct="1">
+              <a:spcBef>
+                <a:spcPct val="0"/>
+              </a:spcBef>
+              <a:spcAft>
+                <a:spcPct val="0"/>
+              </a:spcAft>
+              <a:buClrTx/>
+              <a:buSzTx/>
+              <a:buFont typeface="+mj-lt"/>
+              <a:buAutoNum type="arabicPeriod"/>
+            </a:pPr>
+            <a:r>
+              <a:rPr lang="zh-CN" altLang="en-US" dirty="0">
+                <a:solidFill>
+                  <a:schemeClr val="tx1"/>
+                </a:solidFill>
+                <a:latin typeface="Arial" panose="020B0604020202020204" pitchFamily="34" charset="0"/>
+              </a:rPr>
+              <a:t>独特的快速分页、快速取随机记录功能，让查询更快</a:t>
+            </a:r>
+            <a:endParaRPr lang="en-US" altLang="zh-CN" dirty="0">
+              <a:solidFill>
+                <a:schemeClr val="tx1"/>
+              </a:solidFill>
+              <a:latin typeface="Arial" panose="020B0604020202020204" pitchFamily="34" charset="0"/>
+            </a:endParaRPr>
+          </a:p>
+          <a:p>
+            <a:pPr marL="342900" marR="0" indent="-342900" algn="l" defTabSz="914400" rtl="0" eaLnBrk="1" fontAlgn="base" latinLnBrk="0" hangingPunct="1">
+              <a:spcBef>
+                <a:spcPct val="0"/>
+              </a:spcBef>
+              <a:spcAft>
+                <a:spcPct val="0"/>
+              </a:spcAft>
+              <a:buClrTx/>
+              <a:buSzTx/>
+              <a:buFont typeface="+mj-lt"/>
+              <a:buAutoNum type="arabicPeriod"/>
+            </a:pPr>
+            <a:r>
+              <a:rPr kumimoji="0" lang="zh-CN" altLang="en-US" sz="1800" b="1" i="0" u="none" strike="noStrike" cap="none" normalizeH="0" baseline="0" dirty="0">
+                <a:ln>
+                  <a:noFill/>
+                </a:ln>
+                <a:solidFill>
+                  <a:schemeClr val="tx1"/>
+                </a:solidFill>
+                <a:effectLst/>
+                <a:latin typeface="Arial" panose="020B0604020202020204" pitchFamily="34" charset="0"/>
+              </a:rPr>
+              <a:t>另类的缓存翻译功能，让</a:t>
+            </a:r>
+            <a:r>
+              <a:rPr kumimoji="0" lang="en-US" altLang="zh-CN" sz="1800" b="1" i="0" u="none" strike="noStrike" cap="none" normalizeH="0" baseline="0" dirty="0" err="1">
+                <a:ln>
+                  <a:noFill/>
+                </a:ln>
+                <a:solidFill>
+                  <a:schemeClr val="tx1"/>
+                </a:solidFill>
+                <a:effectLst/>
+                <a:latin typeface="Arial" panose="020B0604020202020204" pitchFamily="34" charset="0"/>
+              </a:rPr>
+              <a:t>sql</a:t>
+            </a:r>
+            <a:r>
+              <a:rPr kumimoji="0" lang="zh-CN" altLang="en-US" sz="1800" b="1" i="0" u="none" strike="noStrike" cap="none" normalizeH="0" baseline="0" dirty="0">
+                <a:ln>
+                  <a:noFill/>
+                </a:ln>
+                <a:solidFill>
+                  <a:schemeClr val="tx1"/>
+                </a:solidFill>
+                <a:effectLst/>
+                <a:latin typeface="Arial" panose="020B0604020202020204" pitchFamily="34" charset="0"/>
+              </a:rPr>
+              <a:t>更精炼、更纯净，效率更快</a:t>
+            </a:r>
+            <a:endParaRPr kumimoji="0" lang="en-US" altLang="zh-CN" sz="1800" b="1" i="0" u="none" strike="noStrike" cap="none" normalizeH="0" baseline="0" dirty="0">
               <a:ln>
                 <a:noFill/>
               </a:ln>
@@ -19288,20 +18812,23 @@
               <a:buAutoNum type="arabicPeriod"/>
             </a:pPr>
             <a:r>
-              <a:rPr lang="zh-CN" altLang="en-US" dirty="0" smtClean="0">
-                <a:solidFill>
-                  <a:schemeClr val="tx1"/>
-                </a:solidFill>
-                <a:latin typeface="Arial" panose="020B0604020202020204" pitchFamily="34" charset="0"/>
-              </a:rPr>
-              <a:t>独特的快速分页、快速取随机记录功能，让查询更快</a:t>
-            </a:r>
-            <a:endParaRPr lang="en-US" altLang="zh-CN" dirty="0" smtClean="0">
-              <a:solidFill>
-                <a:schemeClr val="tx1"/>
-              </a:solidFill>
-              <a:latin typeface="Arial" panose="020B0604020202020204" pitchFamily="34" charset="0"/>
-            </a:endParaRPr>
+              <a:rPr lang="zh-CN" altLang="en-US" dirty="0">
+                <a:solidFill>
+                  <a:schemeClr val="tx1"/>
+                </a:solidFill>
+                <a:latin typeface="Arial" panose="020B0604020202020204" pitchFamily="34" charset="0"/>
+              </a:rPr>
+              <a:t>另辟蹊径的旋转功能，让任意开发者轻松完成大牛的活，逼格立马提升</a:t>
+            </a:r>
+            <a:r>
+              <a:rPr lang="en-US" altLang="zh-CN" dirty="0">
+                <a:solidFill>
+                  <a:schemeClr val="tx1"/>
+                </a:solidFill>
+                <a:latin typeface="Arial" panose="020B0604020202020204" pitchFamily="34" charset="0"/>
+              </a:rPr>
+              <a:t>!</a:t>
+            </a:r>
           </a:p>
           <a:p>
             <a:pPr marL="342900" marR="0" indent="-342900" algn="l" defTabSz="914400" rtl="0" eaLnBrk="1" fontAlgn="base" latinLnBrk="0" hangingPunct="1">
@@ -19317,7 +18844,7 @@
               <a:buAutoNum type="arabicPeriod"/>
             </a:pPr>
             <a:r>
-              <a:rPr kumimoji="0" lang="zh-CN" altLang="en-US" sz="1800" b="1" i="0" u="none" strike="noStrike" cap="none" normalizeH="0" baseline="0" dirty="0" smtClean="0">
+              <a:rPr kumimoji="0" lang="zh-CN" altLang="en-US" sz="1800" b="1" i="0" u="none" strike="noStrike" cap="none" normalizeH="0" baseline="0" dirty="0">
                 <a:ln>
                   <a:noFill/>
                 </a:ln>
@@ -19327,10 +18854,10 @@
                 <a:effectLst/>
                 <a:latin typeface="Arial" panose="020B0604020202020204" pitchFamily="34" charset="0"/>
               </a:rPr>
-              <a:t>另类的缓存翻译功能，让</a:t>
-            </a:r>
-            <a:r>
-              <a:rPr kumimoji="0" lang="en-US" altLang="zh-CN" sz="1800" b="1" i="0" u="none" strike="noStrike" cap="none" normalizeH="0" baseline="0" dirty="0" err="1" smtClean="0">
+              <a:t>巧妙的函数转换功能，让你的</a:t>
+            </a:r>
+            <a:r>
+              <a:rPr kumimoji="0" lang="en-US" altLang="zh-CN" sz="1800" b="1" i="0" u="none" strike="noStrike" cap="none" normalizeH="0" baseline="0" dirty="0" err="1">
                 <a:ln>
                   <a:noFill/>
                 </a:ln>
@@ -19343,7 +18870,7 @@
               <a:t>sql</a:t>
             </a:r>
             <a:r>
-              <a:rPr kumimoji="0" lang="zh-CN" altLang="en-US" sz="1800" b="1" i="0" u="none" strike="noStrike" cap="none" normalizeH="0" baseline="0" dirty="0" smtClean="0">
+              <a:rPr kumimoji="0" lang="zh-CN" altLang="en-US" sz="1800" b="1" i="0" u="none" strike="noStrike" cap="none" normalizeH="0" baseline="0" dirty="0">
                 <a:ln>
                   <a:noFill/>
                 </a:ln>
@@ -19353,9 +18880,9 @@
                 <a:effectLst/>
                 <a:latin typeface="Arial" panose="020B0604020202020204" pitchFamily="34" charset="0"/>
               </a:rPr>
-              <a:t>更精炼、更纯净，效率更快</a:t>
-            </a:r>
-            <a:endParaRPr kumimoji="0" lang="en-US" altLang="zh-CN" sz="1800" b="1" i="0" u="none" strike="noStrike" cap="none" normalizeH="0" baseline="0" dirty="0" smtClean="0">
+              <a:t>可以在任意数据库下执行成为可能</a:t>
+            </a:r>
+            <a:endParaRPr kumimoji="0" lang="en-US" altLang="zh-CN" sz="1800" b="1" i="0" u="none" strike="noStrike" cap="none" normalizeH="0" baseline="0" dirty="0">
               <a:ln>
                 <a:noFill/>
               </a:ln>
@@ -19380,24 +18907,46 @@
               <a:buAutoNum type="arabicPeriod"/>
             </a:pPr>
             <a:r>
-              <a:rPr lang="zh-CN" altLang="en-US" dirty="0" smtClean="0">
-                <a:solidFill>
-                  <a:schemeClr val="tx1"/>
-                </a:solidFill>
-                <a:latin typeface="Arial" panose="020B0604020202020204" pitchFamily="34" charset="0"/>
-              </a:rPr>
-              <a:t>另辟蹊径的旋转功能，让任意开发者轻松完成大牛的活，逼格立马提升</a:t>
-            </a:r>
-            <a:r>
-              <a:rPr lang="en-US" altLang="zh-CN" dirty="0" smtClean="0">
-                <a:solidFill>
-                  <a:schemeClr val="tx1"/>
-                </a:solidFill>
-                <a:latin typeface="Arial" panose="020B0604020202020204" pitchFamily="34" charset="0"/>
-              </a:rPr>
-              <a:t>!</a:t>
-            </a:r>
-            <a:endParaRPr lang="en-US" altLang="zh-CN" dirty="0" smtClean="0">
+              <a:rPr kumimoji="0" lang="zh-CN" altLang="en-US" sz="1800" b="1" i="0" u="none" strike="noStrike" cap="none" normalizeH="0" baseline="0" dirty="0">
+                <a:ln>
+                  <a:noFill/>
+                </a:ln>
+                <a:solidFill>
+                  <a:schemeClr val="tx1"/>
+                </a:solidFill>
+                <a:effectLst/>
+                <a:latin typeface="Arial" panose="020B0604020202020204" pitchFamily="34" charset="0"/>
+              </a:rPr>
+              <a:t>自带的多层次汇总求平均</a:t>
+            </a:r>
+            <a:r>
+              <a:rPr lang="zh-CN" altLang="en-US" dirty="0">
+                <a:solidFill>
+                  <a:schemeClr val="tx1"/>
+                </a:solidFill>
+                <a:latin typeface="Arial" panose="020B0604020202020204" pitchFamily="34" charset="0"/>
+              </a:rPr>
+              <a:t>，让程序补足你</a:t>
+            </a:r>
+            <a:r>
+              <a:rPr lang="en-US" altLang="zh-CN" dirty="0" err="1">
+                <a:solidFill>
+                  <a:schemeClr val="tx1"/>
+                </a:solidFill>
+                <a:latin typeface="Arial" panose="020B0604020202020204" pitchFamily="34" charset="0"/>
+              </a:rPr>
+              <a:t>sql</a:t>
+            </a:r>
+            <a:r>
+              <a:rPr lang="zh-CN" altLang="en-US" dirty="0">
+                <a:solidFill>
+                  <a:schemeClr val="tx1"/>
+                </a:solidFill>
+                <a:latin typeface="Arial" panose="020B0604020202020204" pitchFamily="34" charset="0"/>
+              </a:rPr>
+              <a:t>的弱点。</a:t>
+            </a:r>
+            <a:endParaRPr lang="en-US" altLang="zh-CN" dirty="0">
               <a:solidFill>
                 <a:schemeClr val="tx1"/>
               </a:solidFill>
@@ -19418,7 +18967,101 @@
               <a:buAutoNum type="arabicPeriod"/>
             </a:pPr>
             <a:r>
-              <a:rPr kumimoji="0" lang="zh-CN" altLang="en-US" sz="1800" b="1" i="0" u="none" strike="noStrike" cap="none" normalizeH="0" baseline="0" dirty="0" smtClean="0">
+              <a:rPr lang="zh-CN" altLang="en-US" dirty="0">
+                <a:solidFill>
+                  <a:schemeClr val="tx1"/>
+                </a:solidFill>
+                <a:latin typeface="Arial" panose="020B0604020202020204" pitchFamily="34" charset="0"/>
+              </a:rPr>
+              <a:t>支持</a:t>
+            </a:r>
+            <a:r>
+              <a:rPr lang="en-US" altLang="zh-CN" dirty="0" err="1">
+                <a:solidFill>
+                  <a:schemeClr val="tx1"/>
+                </a:solidFill>
+                <a:latin typeface="Arial" panose="020B0604020202020204" pitchFamily="34" charset="0"/>
+              </a:rPr>
+              <a:t>sharding</a:t>
+            </a:r>
+            <a:r>
+              <a:rPr lang="zh-CN" altLang="en-US" dirty="0">
+                <a:solidFill>
+                  <a:schemeClr val="tx1"/>
+                </a:solidFill>
+                <a:latin typeface="Arial" panose="020B0604020202020204" pitchFamily="34" charset="0"/>
+              </a:rPr>
+              <a:t>等分库、分表等高级特性</a:t>
+            </a:r>
+            <a:endParaRPr lang="en-US" altLang="zh-CN" dirty="0">
+              <a:solidFill>
+                <a:schemeClr val="tx1"/>
+              </a:solidFill>
+              <a:latin typeface="Arial" panose="020B0604020202020204" pitchFamily="34" charset="0"/>
+            </a:endParaRPr>
+          </a:p>
+          <a:p>
+            <a:pPr marL="342900" marR="0" indent="-342900" algn="l" defTabSz="914400" rtl="0" eaLnBrk="1" fontAlgn="base" latinLnBrk="0" hangingPunct="1">
+              <a:spcBef>
+                <a:spcPct val="0"/>
+              </a:spcBef>
+              <a:spcAft>
+                <a:spcPct val="0"/>
+              </a:spcAft>
+              <a:buClrTx/>
+              <a:buSzTx/>
+              <a:buFont typeface="+mj-lt"/>
+              <a:buAutoNum type="arabicPeriod"/>
+            </a:pPr>
+            <a:r>
+              <a:rPr lang="zh-CN" altLang="en-US" dirty="0">
+                <a:solidFill>
+                  <a:schemeClr val="tx1"/>
+                </a:solidFill>
+                <a:latin typeface="Arial" panose="020B0604020202020204" pitchFamily="34" charset="0"/>
+              </a:rPr>
+              <a:t>提供比</a:t>
+            </a:r>
+            <a:r>
+              <a:rPr lang="en-US" altLang="zh-CN" dirty="0">
+                <a:solidFill>
+                  <a:schemeClr val="tx1"/>
+                </a:solidFill>
+                <a:latin typeface="Arial" panose="020B0604020202020204" pitchFamily="34" charset="0"/>
+              </a:rPr>
+              <a:t>Hibernate</a:t>
+            </a:r>
+            <a:r>
+              <a:rPr lang="zh-CN" altLang="en-US" dirty="0">
+                <a:solidFill>
+                  <a:schemeClr val="tx1"/>
+                </a:solidFill>
+                <a:latin typeface="Arial" panose="020B0604020202020204" pitchFamily="34" charset="0"/>
+              </a:rPr>
+              <a:t>的增删改、级联等操作更高效、更贴切项目的用法</a:t>
+            </a:r>
+            <a:endParaRPr lang="en-US" altLang="zh-CN" dirty="0">
+              <a:solidFill>
+                <a:schemeClr val="tx1"/>
+              </a:solidFill>
+              <a:latin typeface="Arial" panose="020B0604020202020204" pitchFamily="34" charset="0"/>
+            </a:endParaRPr>
+          </a:p>
+          <a:p>
+            <a:pPr marL="342900" marR="0" indent="-342900" algn="l" defTabSz="914400" rtl="0" eaLnBrk="1" fontAlgn="base" latinLnBrk="0" hangingPunct="1">
+              <a:spcBef>
+                <a:spcPct val="0"/>
+              </a:spcBef>
+              <a:spcAft>
+                <a:spcPct val="0"/>
+              </a:spcAft>
+              <a:buClrTx/>
+              <a:buSzTx/>
+              <a:buFont typeface="+mj-lt"/>
+              <a:buAutoNum type="arabicPeriod"/>
+            </a:pPr>
+            <a:r>
+              <a:rPr kumimoji="0" lang="zh-CN" altLang="en-US" sz="1800" b="1" i="0" u="none" strike="noStrike" cap="none" normalizeH="0" baseline="0" dirty="0">
                 <a:ln>
                   <a:noFill/>
                 </a:ln>
@@ -19428,35 +19071,9 @@
                 <a:effectLst/>
                 <a:latin typeface="Arial" panose="020B0604020202020204" pitchFamily="34" charset="0"/>
               </a:rPr>
-              <a:t>巧妙的函数转换功能，让你的</a:t>
-            </a:r>
-            <a:r>
-              <a:rPr kumimoji="0" lang="en-US" altLang="zh-CN" sz="1800" b="1" i="0" u="none" strike="noStrike" cap="none" normalizeH="0" baseline="0" dirty="0" err="1" smtClean="0">
-                <a:ln>
-                  <a:noFill/>
-                </a:ln>
-                <a:solidFill>
-                  <a:schemeClr val="tx1"/>
-                </a:solidFill>
-                <a:effectLst/>
-                <a:latin typeface="Arial" panose="020B0604020202020204" pitchFamily="34" charset="0"/>
-              </a:rPr>
-              <a:t>sql</a:t>
-            </a:r>
-            <a:r>
-              <a:rPr kumimoji="0" lang="zh-CN" altLang="en-US" sz="1800" b="1" i="0" u="none" strike="noStrike" cap="none" normalizeH="0" baseline="0" dirty="0" smtClean="0">
-                <a:ln>
-                  <a:noFill/>
-                </a:ln>
-                <a:solidFill>
-                  <a:schemeClr val="tx1"/>
-                </a:solidFill>
-                <a:effectLst/>
-                <a:latin typeface="Arial" panose="020B0604020202020204" pitchFamily="34" charset="0"/>
-              </a:rPr>
-              <a:t>可以在任意数据库下执行成为可能</a:t>
-            </a:r>
-            <a:endParaRPr kumimoji="0" lang="en-US" altLang="zh-CN" sz="1800" b="1" i="0" u="none" strike="noStrike" cap="none" normalizeH="0" baseline="0" dirty="0" smtClean="0">
+              <a:t>提供了您几乎所有可能用到的场景的功能封装，让分页、取随机记录、取</a:t>
+            </a:r>
+            <a:endParaRPr kumimoji="0" lang="en-US" altLang="zh-CN" sz="1800" b="1" i="0" u="none" strike="noStrike" cap="none" normalizeH="0" baseline="0" dirty="0">
               <a:ln>
                 <a:noFill/>
               </a:ln>
@@ -19468,7 +19085,7 @@
             </a:endParaRPr>
           </a:p>
           <a:p>
-            <a:pPr marL="342900" marR="0" indent="-342900" algn="l" defTabSz="914400" rtl="0" eaLnBrk="1" fontAlgn="base" latinLnBrk="0" hangingPunct="1">
+            <a:pPr marR="0" algn="l" defTabSz="914400" rtl="0" eaLnBrk="1" fontAlgn="base" latinLnBrk="0" hangingPunct="1">
               <a:spcBef>
                 <a:spcPct val="0"/>
               </a:spcBef>
@@ -19477,11 +19094,9 @@
               </a:spcAft>
               <a:buClrTx/>
               <a:buSzTx/>
-              <a:buFont typeface="+mj-lt"/>
-              <a:buAutoNum type="arabicPeriod"/>
             </a:pPr>
             <a:r>
-              <a:rPr kumimoji="0" lang="zh-CN" altLang="en-US" sz="1800" b="1" i="0" u="none" strike="noStrike" cap="none" normalizeH="0" baseline="0" dirty="0" smtClean="0">
+              <a:rPr kumimoji="0" lang="en-US" altLang="zh-CN" sz="1800" b="1" i="0" u="none" strike="noStrike" cap="none" normalizeH="0" baseline="0" dirty="0">
                 <a:ln>
                   <a:noFill/>
                 </a:ln>
@@ -19491,151 +19106,10 @@
                 <a:effectLst/>
                 <a:latin typeface="Arial" panose="020B0604020202020204" pitchFamily="34" charset="0"/>
               </a:rPr>
-              <a:t>自带的多层次汇总求平均</a:t>
-            </a:r>
-            <a:r>
-              <a:rPr lang="zh-CN" altLang="en-US" dirty="0" smtClean="0">
-                <a:solidFill>
-                  <a:schemeClr val="tx1"/>
-                </a:solidFill>
-                <a:latin typeface="Arial" panose="020B0604020202020204" pitchFamily="34" charset="0"/>
-              </a:rPr>
-              <a:t>，让程序补足你</a:t>
-            </a:r>
-            <a:r>
-              <a:rPr lang="en-US" altLang="zh-CN" dirty="0" err="1" smtClean="0">
-                <a:solidFill>
-                  <a:schemeClr val="tx1"/>
-                </a:solidFill>
-                <a:latin typeface="Arial" panose="020B0604020202020204" pitchFamily="34" charset="0"/>
-              </a:rPr>
-              <a:t>sql</a:t>
-            </a:r>
-            <a:r>
-              <a:rPr lang="zh-CN" altLang="en-US" dirty="0" smtClean="0">
-                <a:solidFill>
-                  <a:schemeClr val="tx1"/>
-                </a:solidFill>
-                <a:latin typeface="Arial" panose="020B0604020202020204" pitchFamily="34" charset="0"/>
-              </a:rPr>
-              <a:t>的弱点。</a:t>
-            </a:r>
-            <a:endParaRPr lang="en-US" altLang="zh-CN" dirty="0" smtClean="0">
-              <a:solidFill>
-                <a:schemeClr val="tx1"/>
-              </a:solidFill>
-              <a:latin typeface="Arial" panose="020B0604020202020204" pitchFamily="34" charset="0"/>
-            </a:endParaRPr>
-          </a:p>
-          <a:p>
-            <a:pPr marL="342900" marR="0" indent="-342900" algn="l" defTabSz="914400" rtl="0" eaLnBrk="1" fontAlgn="base" latinLnBrk="0" hangingPunct="1">
-              <a:spcBef>
-                <a:spcPct val="0"/>
-              </a:spcBef>
-              <a:spcAft>
-                <a:spcPct val="0"/>
-              </a:spcAft>
-              <a:buClrTx/>
-              <a:buSzTx/>
-              <a:buFont typeface="+mj-lt"/>
-              <a:buAutoNum type="arabicPeriod"/>
-            </a:pPr>
-            <a:r>
-              <a:rPr lang="zh-CN" altLang="en-US" dirty="0" smtClean="0">
-                <a:solidFill>
-                  <a:schemeClr val="tx1"/>
-                </a:solidFill>
-                <a:latin typeface="Arial" panose="020B0604020202020204" pitchFamily="34" charset="0"/>
-              </a:rPr>
-              <a:t>支持</a:t>
-            </a:r>
-            <a:r>
-              <a:rPr lang="en-US" altLang="zh-CN" dirty="0" err="1" smtClean="0">
-                <a:solidFill>
-                  <a:schemeClr val="tx1"/>
-                </a:solidFill>
-                <a:latin typeface="Arial" panose="020B0604020202020204" pitchFamily="34" charset="0"/>
-              </a:rPr>
-              <a:t>sharding</a:t>
-            </a:r>
-            <a:r>
-              <a:rPr lang="zh-CN" altLang="en-US" dirty="0" smtClean="0">
-                <a:solidFill>
-                  <a:schemeClr val="tx1"/>
-                </a:solidFill>
-                <a:latin typeface="Arial" panose="020B0604020202020204" pitchFamily="34" charset="0"/>
-              </a:rPr>
-              <a:t>等分库、分表等高级特性</a:t>
-            </a:r>
-            <a:endParaRPr lang="en-US" altLang="zh-CN" dirty="0" smtClean="0">
-              <a:solidFill>
-                <a:schemeClr val="tx1"/>
-              </a:solidFill>
-              <a:latin typeface="Arial" panose="020B0604020202020204" pitchFamily="34" charset="0"/>
-            </a:endParaRPr>
-          </a:p>
-          <a:p>
-            <a:pPr marL="342900" marR="0" indent="-342900" algn="l" defTabSz="914400" rtl="0" eaLnBrk="1" fontAlgn="base" latinLnBrk="0" hangingPunct="1">
-              <a:spcBef>
-                <a:spcPct val="0"/>
-              </a:spcBef>
-              <a:spcAft>
-                <a:spcPct val="0"/>
-              </a:spcAft>
-              <a:buClrTx/>
-              <a:buSzTx/>
-              <a:buFont typeface="+mj-lt"/>
-              <a:buAutoNum type="arabicPeriod"/>
-            </a:pPr>
-            <a:r>
-              <a:rPr lang="zh-CN" altLang="en-US" dirty="0" smtClean="0">
-                <a:solidFill>
-                  <a:schemeClr val="tx1"/>
-                </a:solidFill>
-                <a:latin typeface="Arial" panose="020B0604020202020204" pitchFamily="34" charset="0"/>
-              </a:rPr>
-              <a:t>提供比</a:t>
-            </a:r>
-            <a:r>
-              <a:rPr lang="en-US" altLang="zh-CN" dirty="0" smtClean="0">
-                <a:solidFill>
-                  <a:schemeClr val="tx1"/>
-                </a:solidFill>
-                <a:latin typeface="Arial" panose="020B0604020202020204" pitchFamily="34" charset="0"/>
-              </a:rPr>
-              <a:t>Hibernate</a:t>
-            </a:r>
-            <a:r>
-              <a:rPr lang="zh-CN" altLang="en-US" dirty="0" smtClean="0">
-                <a:solidFill>
-                  <a:schemeClr val="tx1"/>
-                </a:solidFill>
-                <a:latin typeface="Arial" panose="020B0604020202020204" pitchFamily="34" charset="0"/>
-              </a:rPr>
-              <a:t>的增删改、级联等操作更高效、更贴切项目的用法</a:t>
-            </a:r>
-            <a:endParaRPr lang="en-US" altLang="zh-CN" dirty="0" smtClean="0">
-              <a:solidFill>
-                <a:schemeClr val="tx1"/>
-              </a:solidFill>
-              <a:latin typeface="Arial" panose="020B0604020202020204" pitchFamily="34" charset="0"/>
-            </a:endParaRPr>
-          </a:p>
-          <a:p>
-            <a:pPr marL="342900" marR="0" indent="-342900" algn="l" defTabSz="914400" rtl="0" eaLnBrk="1" fontAlgn="base" latinLnBrk="0" hangingPunct="1">
-              <a:spcBef>
-                <a:spcPct val="0"/>
-              </a:spcBef>
-              <a:spcAft>
-                <a:spcPct val="0"/>
-              </a:spcAft>
-              <a:buClrTx/>
-              <a:buSzTx/>
-              <a:buFont typeface="+mj-lt"/>
-              <a:buAutoNum type="arabicPeriod"/>
-            </a:pPr>
-            <a:r>
-              <a:rPr kumimoji="0" lang="zh-CN" altLang="en-US" sz="1800" b="1" i="0" u="none" strike="noStrike" cap="none" normalizeH="0" baseline="0" dirty="0" smtClean="0">
+              <a:t>Top</a:t>
+            </a:r>
+            <a:r>
+              <a:rPr kumimoji="0" lang="zh-CN" altLang="en-US" sz="1800" b="1" i="0" u="none" strike="noStrike" cap="none" normalizeH="0" baseline="0" dirty="0">
                 <a:ln>
                   <a:noFill/>
                 </a:ln>
@@ -19645,9 +19119,35 @@
                 <a:effectLst/>
                 <a:latin typeface="Arial" panose="020B0604020202020204" pitchFamily="34" charset="0"/>
               </a:rPr>
-              <a:t>提供了您几乎所有可能用到的场景的功能封装，让分页、取随机记录、取</a:t>
-            </a:r>
-            <a:endParaRPr kumimoji="0" lang="en-US" altLang="zh-CN" sz="1800" b="1" i="0" u="none" strike="noStrike" cap="none" normalizeH="0" baseline="0" dirty="0" smtClean="0">
+              <a:t>记录、判断是否唯一、</a:t>
+            </a:r>
+            <a:r>
+              <a:rPr kumimoji="0" lang="en-US" altLang="zh-CN" sz="1800" b="1" i="0" u="none" strike="noStrike" cap="none" normalizeH="0" baseline="0" dirty="0">
+                <a:ln>
+                  <a:noFill/>
+                </a:ln>
+                <a:solidFill>
+                  <a:schemeClr val="tx1"/>
+                </a:solidFill>
+                <a:effectLst/>
+                <a:latin typeface="Arial" panose="020B0604020202020204" pitchFamily="34" charset="0"/>
+              </a:rPr>
+              <a:t>lock</a:t>
+            </a:r>
+            <a:r>
+              <a:rPr kumimoji="0" lang="zh-CN" altLang="en-US" sz="1800" b="1" i="0" u="none" strike="noStrike" cap="none" normalizeH="0" baseline="0" dirty="0">
+                <a:ln>
+                  <a:noFill/>
+                </a:ln>
+                <a:solidFill>
+                  <a:schemeClr val="tx1"/>
+                </a:solidFill>
+                <a:effectLst/>
+                <a:latin typeface="Arial" panose="020B0604020202020204" pitchFamily="34" charset="0"/>
+              </a:rPr>
+              <a:t>并修改、树形结构表的封装等等，让一切由架</a:t>
+            </a:r>
+            <a:endParaRPr kumimoji="0" lang="en-US" altLang="zh-CN" sz="1800" b="1" i="0" u="none" strike="noStrike" cap="none" normalizeH="0" baseline="0" dirty="0">
               <a:ln>
                 <a:noFill/>
               </a:ln>
@@ -19670,7 +19170,7 @@
               <a:buSzTx/>
             </a:pPr>
             <a:r>
-              <a:rPr kumimoji="0" lang="en-US" altLang="zh-CN" sz="1800" b="1" i="0" u="none" strike="noStrike" cap="none" normalizeH="0" baseline="0" dirty="0" smtClean="0">
+              <a:rPr kumimoji="0" lang="zh-CN" altLang="en-US" sz="1800" b="1" i="0" u="none" strike="noStrike" cap="none" normalizeH="0" baseline="0" dirty="0">
                 <a:ln>
                   <a:noFill/>
                 </a:ln>
@@ -19680,48 +19180,9 @@
                 <a:effectLst/>
                 <a:latin typeface="Arial" panose="020B0604020202020204" pitchFamily="34" charset="0"/>
               </a:rPr>
-              <a:t>Top</a:t>
-            </a:r>
-            <a:r>
-              <a:rPr kumimoji="0" lang="zh-CN" altLang="en-US" sz="1800" b="1" i="0" u="none" strike="noStrike" cap="none" normalizeH="0" baseline="0" dirty="0" smtClean="0">
-                <a:ln>
-                  <a:noFill/>
-                </a:ln>
-                <a:solidFill>
-                  <a:schemeClr val="tx1"/>
-                </a:solidFill>
-                <a:effectLst/>
-                <a:latin typeface="Arial" panose="020B0604020202020204" pitchFamily="34" charset="0"/>
-              </a:rPr>
-              <a:t>记录、判断是否唯一、</a:t>
-            </a:r>
-            <a:r>
-              <a:rPr kumimoji="0" lang="en-US" altLang="zh-CN" sz="1800" b="1" i="0" u="none" strike="noStrike" cap="none" normalizeH="0" baseline="0" dirty="0" smtClean="0">
-                <a:ln>
-                  <a:noFill/>
-                </a:ln>
-                <a:solidFill>
-                  <a:schemeClr val="tx1"/>
-                </a:solidFill>
-                <a:effectLst/>
-                <a:latin typeface="Arial" panose="020B0604020202020204" pitchFamily="34" charset="0"/>
-              </a:rPr>
-              <a:t>lock</a:t>
-            </a:r>
-            <a:r>
-              <a:rPr kumimoji="0" lang="zh-CN" altLang="en-US" sz="1800" b="1" i="0" u="none" strike="noStrike" cap="none" normalizeH="0" baseline="0" dirty="0" smtClean="0">
-                <a:ln>
-                  <a:noFill/>
-                </a:ln>
-                <a:solidFill>
-                  <a:schemeClr val="tx1"/>
-                </a:solidFill>
-                <a:effectLst/>
-                <a:latin typeface="Arial" panose="020B0604020202020204" pitchFamily="34" charset="0"/>
-              </a:rPr>
-              <a:t>并修改、树形结构表的封装等等，让一切由架</a:t>
-            </a:r>
-            <a:endParaRPr kumimoji="0" lang="en-US" altLang="zh-CN" sz="1800" b="1" i="0" u="none" strike="noStrike" cap="none" normalizeH="0" baseline="0" dirty="0" smtClean="0">
+              <a:t>构师干的活全普通化</a:t>
+            </a:r>
+            <a:endParaRPr kumimoji="0" lang="en-US" altLang="zh-CN" sz="1800" b="1" i="0" u="none" strike="noStrike" cap="none" normalizeH="0" baseline="0" dirty="0">
               <a:ln>
                 <a:noFill/>
               </a:ln>
@@ -19743,20 +19204,7 @@
               <a:buClrTx/>
               <a:buSzTx/>
             </a:pPr>
-            <a:r>
-              <a:rPr kumimoji="0" lang="zh-CN" altLang="en-US" sz="1800" b="1" i="0" u="none" strike="noStrike" cap="none" normalizeH="0" baseline="0" dirty="0" smtClean="0">
-                <a:ln>
-                  <a:noFill/>
-                </a:ln>
-                <a:solidFill>
-                  <a:schemeClr val="tx1"/>
-                </a:solidFill>
-                <a:effectLst/>
-                <a:latin typeface="Arial" panose="020B0604020202020204" pitchFamily="34" charset="0"/>
-              </a:rPr>
-              <a:t>构师干的活全普通化</a:t>
-            </a:r>
-            <a:endParaRPr kumimoji="0" lang="en-US" altLang="zh-CN" sz="1800" b="1" i="0" u="none" strike="noStrike" cap="none" normalizeH="0" baseline="0" dirty="0" smtClean="0">
+            <a:endParaRPr kumimoji="0" lang="zh-CN" altLang="en-US" sz="1800" b="1" i="0" u="none" strike="noStrike" cap="none" normalizeH="0" baseline="0" dirty="0">
               <a:ln>
                 <a:noFill/>
               </a:ln>
@@ -19767,28 +19215,6 @@
               <a:latin typeface="Arial" panose="020B0604020202020204" pitchFamily="34" charset="0"/>
             </a:endParaRPr>
           </a:p>
-          <a:p>
-            <a:pPr marR="0" algn="l" defTabSz="914400" rtl="0" eaLnBrk="1" fontAlgn="base" latinLnBrk="0" hangingPunct="1">
-              <a:spcBef>
-                <a:spcPct val="0"/>
-              </a:spcBef>
-              <a:spcAft>
-                <a:spcPct val="0"/>
-              </a:spcAft>
-              <a:buClrTx/>
-              <a:buSzTx/>
-            </a:pPr>
-            <a:endParaRPr kumimoji="0" lang="zh-CN" altLang="en-US" sz="1800" b="1" i="0" u="none" strike="noStrike" cap="none" normalizeH="0" baseline="0" dirty="0" smtClean="0">
-              <a:ln>
-                <a:noFill/>
-              </a:ln>
-              <a:solidFill>
-                <a:schemeClr val="tx1"/>
-              </a:solidFill>
-              <a:effectLst/>
-              <a:latin typeface="Arial" panose="020B0604020202020204" pitchFamily="34" charset="0"/>
-            </a:endParaRPr>
-          </a:p>
         </p:txBody>
       </p:sp>
     </p:spTree>
@@ -19797,13 +19223,6 @@
     <a:masterClrMapping/>
   </p:clrMapOvr>
   <p:transition/>
-  <p:timing>
-    <p:tnLst>
-      <p:par>
-        <p:cTn id="1" dur="indefinite" restart="never" nodeType="tmRoot"/>
-      </p:par>
-    </p:tnLst>
-  </p:timing>
 </p:sld>
 </file>
 
@@ -19846,32 +19265,29 @@
           <a:p>
             <a:pPr eaLnBrk="1" hangingPunct="1"/>
             <a:r>
-              <a:rPr lang="en-US" altLang="zh-CN" sz="3200" dirty="0" smtClean="0">
+              <a:rPr lang="en-US" altLang="zh-CN" sz="3200" dirty="0">
                 <a:ea typeface="宋体" panose="02010600030101010101" pitchFamily="2" charset="-122"/>
               </a:rPr>
               <a:t>SqlToy</a:t>
             </a:r>
             <a:r>
-              <a:rPr lang="zh-CN" altLang="en-US" sz="3200" dirty="0" smtClean="0">
+              <a:rPr lang="zh-CN" altLang="en-US" sz="3200" dirty="0">
                 <a:ea typeface="宋体" panose="02010600030101010101" pitchFamily="2" charset="-122"/>
               </a:rPr>
               <a:t>项目集成</a:t>
             </a:r>
             <a:r>
-              <a:rPr lang="en-US" altLang="zh-CN" sz="3200" dirty="0" smtClean="0">
+              <a:rPr lang="en-US" altLang="zh-CN" sz="3200" dirty="0">
                 <a:ea typeface="宋体" panose="02010600030101010101" pitchFamily="2" charset="-122"/>
               </a:rPr>
               <a:t>:</a:t>
             </a:r>
             <a:r>
-              <a:rPr lang="zh-CN" altLang="en-US" sz="3200" dirty="0" smtClean="0">
+              <a:rPr lang="zh-CN" altLang="en-US" sz="3200" dirty="0">
                 <a:ea typeface="宋体" panose="02010600030101010101" pitchFamily="2" charset="-122"/>
               </a:rPr>
               <a:t>最简单的配置模式</a:t>
             </a:r>
-            <a:endParaRPr lang="zh-CN" altLang="en-US" sz="3200" dirty="0" smtClean="0">
-              <a:ea typeface="宋体" panose="02010600030101010101" pitchFamily="2" charset="-122"/>
-            </a:endParaRPr>
           </a:p>
         </p:txBody>
       </p:sp>
@@ -19918,7 +19334,7 @@
           <p:nvPr/>
         </p:nvPicPr>
         <p:blipFill>
-          <a:blip r:embed="rId1"/>
+          <a:blip r:embed="rId2"/>
           <a:srcRect/>
           <a:stretch>
             <a:fillRect/>
@@ -19969,6 +19385,7 @@
         </p:style>
         <p:txBody>
           <a:bodyPr vert="horz" wrap="none" lIns="91440" tIns="45720" rIns="91440" bIns="45720" numCol="1" anchor="ctr" anchorCtr="0" compatLnSpc="1"/>
+          <a:lstStyle/>
           <a:p>
             <a:pPr marL="0" marR="0" indent="0" algn="ctr" defTabSz="914400" rtl="0" eaLnBrk="1" fontAlgn="base" latinLnBrk="0" hangingPunct="1">
               <a:spcBef>
@@ -19983,7 +19400,7 @@
               <a:buNone/>
             </a:pPr>
             <a:r>
-              <a:rPr kumimoji="0" lang="zh-CN" altLang="en-US" sz="1800" b="1" i="0" u="none" strike="noStrike" cap="none" normalizeH="0" baseline="0" smtClean="0">
+              <a:rPr kumimoji="0" lang="zh-CN" altLang="en-US" sz="1800" b="1" i="0" u="none" strike="noStrike" cap="none" normalizeH="0" baseline="0">
                 <a:ln>
                   <a:noFill/>
                 </a:ln>
@@ -19997,7 +19414,7 @@
               <a:t>不会比</a:t>
             </a:r>
             <a:r>
-              <a:rPr kumimoji="0" lang="en-US" altLang="zh-CN" sz="1800" b="1" i="0" u="none" strike="noStrike" cap="none" normalizeH="0" baseline="0" smtClean="0">
+              <a:rPr kumimoji="0" lang="en-US" altLang="zh-CN" sz="1800" b="1" i="0" u="none" strike="noStrike" cap="none" normalizeH="0" baseline="0">
                 <a:ln>
                   <a:noFill/>
                 </a:ln>
@@ -20011,7 +19428,7 @@
               <a:t>hibernate</a:t>
             </a:r>
             <a:r>
-              <a:rPr kumimoji="0" lang="zh-CN" altLang="en-US" sz="1800" b="1" i="0" u="none" strike="noStrike" cap="none" normalizeH="0" baseline="0" smtClean="0">
+              <a:rPr kumimoji="0" lang="zh-CN" altLang="en-US" sz="1800" b="1" i="0" u="none" strike="noStrike" cap="none" normalizeH="0" baseline="0">
                 <a:ln>
                   <a:noFill/>
                 </a:ln>
@@ -20025,7 +19442,7 @@
               <a:t>和</a:t>
             </a:r>
             <a:r>
-              <a:rPr kumimoji="0" lang="en-US" altLang="zh-CN" sz="1800" b="1" i="0" u="none" strike="noStrike" cap="none" normalizeH="0" baseline="0" smtClean="0">
+              <a:rPr kumimoji="0" lang="en-US" altLang="zh-CN" sz="1800" b="1" i="0" u="none" strike="noStrike" cap="none" normalizeH="0" baseline="0">
                 <a:ln>
                   <a:noFill/>
                 </a:ln>
@@ -20039,7 +19456,7 @@
               <a:t>mybatis</a:t>
             </a:r>
             <a:r>
-              <a:rPr kumimoji="0" lang="zh-CN" altLang="en-US" sz="1800" b="1" i="0" u="none" strike="noStrike" cap="none" normalizeH="0" baseline="0" smtClean="0">
+              <a:rPr kumimoji="0" lang="zh-CN" altLang="en-US" sz="1800" b="1" i="0" u="none" strike="noStrike" cap="none" normalizeH="0" baseline="0">
                 <a:ln>
                   <a:noFill/>
                 </a:ln>
@@ -20052,17 +19469,6 @@
               </a:rPr>
               <a:t>复杂吧</a:t>
             </a:r>
-            <a:endParaRPr kumimoji="0" lang="zh-CN" altLang="en-US" sz="1800" b="1" i="0" u="none" strike="noStrike" cap="none" normalizeH="0" baseline="0" smtClean="0">
-              <a:ln>
-                <a:noFill/>
-              </a:ln>
-              <a:solidFill>
-                <a:schemeClr val="tx1"/>
-              </a:solidFill>
-              <a:effectLst/>
-              <a:latin typeface="Arial" panose="020B0604020202020204" pitchFamily="34" charset="0"/>
-              <a:ea typeface="宋体" panose="02010600030101010101" pitchFamily="2" charset="-122"/>
-            </a:endParaRPr>
           </a:p>
         </p:txBody>
       </p:sp>
@@ -20072,13 +19478,6 @@
     <a:masterClrMapping/>
   </p:clrMapOvr>
   <p:transition/>
-  <p:timing>
-    <p:tnLst>
-      <p:par>
-        <p:cTn id="1" dur="indefinite" restart="never" nodeType="tmRoot"/>
-      </p:par>
-    </p:tnLst>
-  </p:timing>
 </p:sld>
 </file>
 
@@ -20121,32 +19520,29 @@
           <a:p>
             <a:pPr eaLnBrk="1" hangingPunct="1"/>
             <a:r>
-              <a:rPr lang="en-US" altLang="zh-CN" sz="3200" dirty="0" smtClean="0">
+              <a:rPr lang="en-US" altLang="zh-CN" sz="3200" dirty="0">
                 <a:ea typeface="宋体" panose="02010600030101010101" pitchFamily="2" charset="-122"/>
               </a:rPr>
               <a:t>SqlToy</a:t>
             </a:r>
             <a:r>
-              <a:rPr lang="zh-CN" altLang="en-US" sz="3200" dirty="0" smtClean="0">
+              <a:rPr lang="zh-CN" altLang="en-US" sz="3200" dirty="0">
                 <a:ea typeface="宋体" panose="02010600030101010101" pitchFamily="2" charset="-122"/>
               </a:rPr>
               <a:t>项目集成</a:t>
             </a:r>
             <a:r>
-              <a:rPr lang="en-US" altLang="zh-CN" sz="3200" dirty="0" smtClean="0">
+              <a:rPr lang="en-US" altLang="zh-CN" sz="3200" dirty="0">
                 <a:ea typeface="宋体" panose="02010600030101010101" pitchFamily="2" charset="-122"/>
               </a:rPr>
               <a:t>:</a:t>
             </a:r>
             <a:r>
-              <a:rPr lang="zh-CN" altLang="en-US" sz="3200" dirty="0" smtClean="0">
+              <a:rPr lang="zh-CN" altLang="en-US" sz="3200" dirty="0">
                 <a:ea typeface="宋体" panose="02010600030101010101" pitchFamily="2" charset="-122"/>
               </a:rPr>
               <a:t>功能全面的配置模式</a:t>
             </a:r>
-            <a:endParaRPr lang="zh-CN" altLang="en-US" sz="3200" dirty="0" smtClean="0">
-              <a:ea typeface="宋体" panose="02010600030101010101" pitchFamily="2" charset="-122"/>
-            </a:endParaRPr>
           </a:p>
         </p:txBody>
       </p:sp>
@@ -20193,7 +19589,7 @@
           <p:nvPr/>
         </p:nvPicPr>
         <p:blipFill>
-          <a:blip r:embed="rId1"/>
+          <a:blip r:embed="rId2"/>
           <a:srcRect/>
           <a:stretch>
             <a:fillRect/>
@@ -20215,13 +19611,6 @@
     <a:masterClrMapping/>
   </p:clrMapOvr>
   <p:transition/>
-  <p:timing>
-    <p:tnLst>
-      <p:par>
-        <p:cTn id="1" dur="indefinite" restart="never" nodeType="tmRoot"/>
-      </p:par>
-    </p:tnLst>
-  </p:timing>
 </p:sld>
 </file>
 
@@ -20264,38 +19653,35 @@
           <a:p>
             <a:pPr eaLnBrk="1" hangingPunct="1"/>
             <a:r>
-              <a:rPr lang="en-US" altLang="zh-CN" sz="3200" dirty="0" smtClean="0">
+              <a:rPr lang="en-US" altLang="zh-CN" sz="3200" dirty="0">
                 <a:ea typeface="宋体" panose="02010600030101010101" pitchFamily="2" charset="-122"/>
               </a:rPr>
               <a:t>SqlToy</a:t>
             </a:r>
             <a:r>
-              <a:rPr lang="zh-CN" altLang="en-US" sz="3200" dirty="0" smtClean="0">
+              <a:rPr lang="zh-CN" altLang="en-US" sz="3200" dirty="0">
                 <a:ea typeface="宋体" panose="02010600030101010101" pitchFamily="2" charset="-122"/>
               </a:rPr>
               <a:t>项目集成</a:t>
             </a:r>
             <a:r>
-              <a:rPr lang="en-US" altLang="zh-CN" sz="3200" dirty="0" smtClean="0">
+              <a:rPr lang="en-US" altLang="zh-CN" sz="3200" dirty="0">
                 <a:ea typeface="宋体" panose="02010600030101010101" pitchFamily="2" charset="-122"/>
               </a:rPr>
               <a:t>:</a:t>
             </a:r>
             <a:r>
-              <a:rPr lang="en-US" altLang="zh-CN" sz="3200" dirty="0" err="1" smtClean="0">
+              <a:rPr lang="en-US" altLang="zh-CN" sz="3200" dirty="0" err="1">
                 <a:ea typeface="宋体" panose="02010600030101010101" pitchFamily="2" charset="-122"/>
               </a:rPr>
               <a:t>sql</a:t>
             </a:r>
             <a:r>
-              <a:rPr lang="zh-CN" altLang="en-US" sz="3200" dirty="0" smtClean="0">
+              <a:rPr lang="zh-CN" altLang="en-US" sz="3200" dirty="0">
                 <a:ea typeface="宋体" panose="02010600030101010101" pitchFamily="2" charset="-122"/>
               </a:rPr>
               <a:t>函数转换功能</a:t>
             </a:r>
-            <a:endParaRPr lang="zh-CN" altLang="en-US" sz="3200" dirty="0" smtClean="0">
-              <a:ea typeface="宋体" panose="02010600030101010101" pitchFamily="2" charset="-122"/>
-            </a:endParaRPr>
           </a:p>
         </p:txBody>
       </p:sp>
@@ -20344,7 +19730,7 @@
               <a:buNone/>
             </a:pPr>
             <a:r>
-              <a:rPr kumimoji="0" lang="zh-CN" altLang="en-US" sz="1800" b="1" i="0" u="none" strike="noStrike" cap="none" normalizeH="0" baseline="0" dirty="0" smtClean="0">
+              <a:rPr kumimoji="0" lang="zh-CN" altLang="en-US" sz="1800" b="1" i="0" u="none" strike="noStrike" cap="none" normalizeH="0" baseline="0" dirty="0">
                 <a:ln>
                   <a:noFill/>
                 </a:ln>
@@ -20357,7 +19743,7 @@
               <a:t>称之为：函数转换，比如</a:t>
             </a:r>
             <a:r>
-              <a:rPr kumimoji="0" lang="en-US" altLang="zh-CN" sz="1800" b="1" i="0" u="none" strike="noStrike" cap="none" normalizeH="0" baseline="0" dirty="0" smtClean="0">
+              <a:rPr kumimoji="0" lang="en-US" altLang="zh-CN" sz="1800" b="1" i="0" u="none" strike="noStrike" cap="none" normalizeH="0" baseline="0" dirty="0">
                 <a:ln>
                   <a:noFill/>
                 </a:ln>
@@ -20370,7 +19756,7 @@
               <a:t>oracle</a:t>
             </a:r>
             <a:r>
-              <a:rPr kumimoji="0" lang="zh-CN" altLang="en-US" sz="1800" b="1" i="0" u="none" strike="noStrike" cap="none" normalizeH="0" baseline="0" dirty="0" smtClean="0">
+              <a:rPr kumimoji="0" lang="zh-CN" altLang="en-US" sz="1800" b="1" i="0" u="none" strike="noStrike" cap="none" normalizeH="0" baseline="0" dirty="0">
                 <a:ln>
                   <a:noFill/>
                 </a:ln>
@@ -20383,7 +19769,7 @@
               <a:t>中用</a:t>
             </a:r>
             <a:r>
-              <a:rPr kumimoji="0" lang="en-US" altLang="zh-CN" sz="1800" b="1" i="0" u="none" strike="noStrike" cap="none" normalizeH="0" baseline="0" dirty="0" err="1" smtClean="0">
+              <a:rPr kumimoji="0" lang="en-US" altLang="zh-CN" sz="1800" b="1" i="0" u="none" strike="noStrike" cap="none" normalizeH="0" baseline="0" dirty="0" err="1">
                 <a:ln>
                   <a:noFill/>
                 </a:ln>
@@ -20396,7 +19782,7 @@
               <a:t>nvl</a:t>
             </a:r>
             <a:r>
-              <a:rPr kumimoji="0" lang="zh-CN" altLang="en-US" sz="1800" b="1" i="0" u="none" strike="noStrike" cap="none" normalizeH="0" baseline="0" dirty="0" smtClean="0">
+              <a:rPr kumimoji="0" lang="zh-CN" altLang="en-US" sz="1800" b="1" i="0" u="none" strike="noStrike" cap="none" normalizeH="0" baseline="0" dirty="0">
                 <a:ln>
                   <a:noFill/>
                 </a:ln>
@@ -20409,7 +19795,7 @@
               <a:t>，而在</a:t>
             </a:r>
             <a:r>
-              <a:rPr kumimoji="0" lang="en-US" altLang="zh-CN" sz="1800" b="1" i="0" u="none" strike="noStrike" cap="none" normalizeH="0" baseline="0" dirty="0" err="1" smtClean="0">
+              <a:rPr kumimoji="0" lang="en-US" altLang="zh-CN" sz="1800" b="1" i="0" u="none" strike="noStrike" cap="none" normalizeH="0" baseline="0" dirty="0" err="1">
                 <a:ln>
                   <a:noFill/>
                 </a:ln>
@@ -20422,7 +19808,7 @@
               <a:t>mysql</a:t>
             </a:r>
             <a:r>
-              <a:rPr kumimoji="0" lang="zh-CN" altLang="en-US" sz="1800" b="1" i="0" u="none" strike="noStrike" cap="none" normalizeH="0" baseline="0" dirty="0" smtClean="0">
+              <a:rPr kumimoji="0" lang="zh-CN" altLang="en-US" sz="1800" b="1" i="0" u="none" strike="noStrike" cap="none" normalizeH="0" baseline="0" dirty="0">
                 <a:ln>
                   <a:noFill/>
                 </a:ln>
@@ -20435,7 +19821,7 @@
               <a:t>中用</a:t>
             </a:r>
             <a:r>
-              <a:rPr kumimoji="0" lang="en-US" altLang="zh-CN" sz="1800" b="1" i="0" u="none" strike="noStrike" cap="none" normalizeH="0" baseline="0" dirty="0" err="1" smtClean="0">
+              <a:rPr kumimoji="0" lang="en-US" altLang="zh-CN" sz="1800" b="1" i="0" u="none" strike="noStrike" cap="none" normalizeH="0" baseline="0" dirty="0" err="1">
                 <a:ln>
                   <a:noFill/>
                 </a:ln>
@@ -20448,7 +19834,7 @@
               <a:t>ifnull</a:t>
             </a:r>
             <a:r>
-              <a:rPr kumimoji="0" lang="zh-CN" altLang="en-US" sz="1800" b="1" i="0" u="none" strike="noStrike" cap="none" normalizeH="0" baseline="0" dirty="0" smtClean="0">
+              <a:rPr kumimoji="0" lang="zh-CN" altLang="en-US" sz="1800" b="1" i="0" u="none" strike="noStrike" cap="none" normalizeH="0" baseline="0" dirty="0">
                 <a:ln>
                   <a:noFill/>
                 </a:ln>
@@ -20460,7 +19846,7 @@
               </a:rPr>
               <a:t>，</a:t>
             </a:r>
-            <a:endParaRPr kumimoji="0" lang="en-US" altLang="zh-CN" sz="1800" b="1" i="0" u="none" strike="noStrike" cap="none" normalizeH="0" baseline="0" dirty="0" smtClean="0">
+            <a:endParaRPr kumimoji="0" lang="en-US" altLang="zh-CN" sz="1800" b="1" i="0" u="none" strike="noStrike" cap="none" normalizeH="0" baseline="0" dirty="0">
               <a:ln>
                 <a:noFill/>
               </a:ln>
@@ -20485,22 +19871,22 @@
               <a:buNone/>
             </a:pPr>
             <a:r>
-              <a:rPr lang="en-US" altLang="zh-CN" dirty="0" err="1" smtClean="0"/>
+              <a:rPr lang="en-US" altLang="zh-CN" dirty="0" err="1"/>
               <a:t>Sqltoy</a:t>
             </a:r>
             <a:r>
-              <a:rPr lang="zh-CN" altLang="en-US" dirty="0" smtClean="0"/>
+              <a:rPr lang="zh-CN" altLang="en-US" dirty="0"/>
               <a:t>可以根据你的数据库类型将你的</a:t>
             </a:r>
             <a:r>
-              <a:rPr lang="en-US" altLang="zh-CN" dirty="0" err="1" smtClean="0"/>
+              <a:rPr lang="en-US" altLang="zh-CN" dirty="0" err="1"/>
               <a:t>sql</a:t>
             </a:r>
             <a:r>
-              <a:rPr lang="zh-CN" altLang="en-US" dirty="0" smtClean="0"/>
+              <a:rPr lang="zh-CN" altLang="en-US" dirty="0"/>
               <a:t>自动进行函数转换，从而</a:t>
             </a:r>
-            <a:endParaRPr lang="en-US" altLang="zh-CN" dirty="0" smtClean="0"/>
+            <a:endParaRPr lang="en-US" altLang="zh-CN" dirty="0"/>
           </a:p>
           <a:p>
             <a:pPr marL="0" marR="0" indent="0" algn="l" defTabSz="914400" rtl="0" eaLnBrk="1" fontAlgn="base" latinLnBrk="0" hangingPunct="1">
@@ -20516,10 +19902,10 @@
               <a:buNone/>
             </a:pPr>
             <a:r>
-              <a:rPr lang="zh-CN" altLang="en-US" dirty="0" smtClean="0"/>
+              <a:rPr lang="zh-CN" altLang="en-US" dirty="0"/>
               <a:t>实现跨数据库！</a:t>
             </a:r>
-            <a:endParaRPr lang="en-US" altLang="zh-CN" dirty="0" smtClean="0"/>
+            <a:endParaRPr lang="en-US" altLang="zh-CN" dirty="0"/>
           </a:p>
           <a:p>
             <a:pPr marL="0" marR="0" indent="0" algn="l" defTabSz="914400" rtl="0" eaLnBrk="1" fontAlgn="base" latinLnBrk="0" hangingPunct="1">
@@ -20535,7 +19921,7 @@
               <a:buNone/>
             </a:pPr>
             <a:r>
-              <a:rPr kumimoji="0" lang="zh-CN" altLang="en-US" sz="1800" b="1" i="0" u="none" strike="noStrike" cap="none" normalizeH="0" baseline="0" dirty="0" smtClean="0">
+              <a:rPr kumimoji="0" lang="zh-CN" altLang="en-US" sz="1800" b="1" i="0" u="none" strike="noStrike" cap="none" normalizeH="0" baseline="0" dirty="0">
                 <a:ln>
                   <a:noFill/>
                 </a:ln>
@@ -20548,7 +19934,7 @@
               <a:t>当然，此功能您可以自行扩展，只需实现</a:t>
             </a:r>
             <a:r>
-              <a:rPr kumimoji="0" lang="en-US" altLang="zh-CN" sz="1800" b="1" i="0" u="none" strike="noStrike" cap="none" normalizeH="0" baseline="0" dirty="0" err="1" smtClean="0">
+              <a:rPr kumimoji="0" lang="en-US" altLang="zh-CN" sz="1800" b="1" i="0" u="none" strike="noStrike" cap="none" normalizeH="0" baseline="0" dirty="0" err="1">
                 <a:ln>
                   <a:noFill/>
                 </a:ln>
@@ -20561,7 +19947,7 @@
               <a:t>IFunction</a:t>
             </a:r>
             <a:r>
-              <a:rPr kumimoji="0" lang="zh-CN" altLang="en-US" sz="1800" b="1" i="0" u="none" strike="noStrike" cap="none" normalizeH="0" baseline="0" dirty="0" smtClean="0">
+              <a:rPr kumimoji="0" lang="zh-CN" altLang="en-US" sz="1800" b="1" i="0" u="none" strike="noStrike" cap="none" normalizeH="0" baseline="0" dirty="0">
                 <a:ln>
                   <a:noFill/>
                 </a:ln>
@@ -20573,47 +19959,12 @@
               </a:rPr>
               <a:t>接口即可。</a:t>
             </a:r>
-            <a:endParaRPr kumimoji="0" lang="zh-CN" altLang="en-US" sz="1800" b="1" i="0" u="none" strike="noStrike" cap="none" normalizeH="0" baseline="0" dirty="0" smtClean="0">
-              <a:ln>
-                <a:noFill/>
-              </a:ln>
-              <a:solidFill>
-                <a:schemeClr val="tx1"/>
-              </a:solidFill>
-              <a:effectLst/>
-              <a:latin typeface="Arial" panose="020B0604020202020204" pitchFamily="34" charset="0"/>
-            </a:endParaRPr>
           </a:p>
         </p:txBody>
       </p:sp>
       <p:pic>
         <p:nvPicPr>
           <p:cNvPr id="3" name="图片 2" descr="CG8R(`%{FZ(3OE9WF8WA_4N"/>
-          <p:cNvPicPr>
-            <a:picLocks noChangeAspect="1"/>
-          </p:cNvPicPr>
-          <p:nvPr/>
-        </p:nvPicPr>
-        <p:blipFill>
-          <a:blip r:embed="rId1"/>
-          <a:srcRect/>
-          <a:stretch>
-            <a:fillRect/>
-          </a:stretch>
-        </p:blipFill>
-        <p:spPr>
-          <a:xfrm>
-            <a:off x="1130300" y="1082675"/>
-            <a:ext cx="7343140" cy="2095500"/>
-          </a:xfrm>
-          <a:prstGeom prst="rect">
-            <a:avLst/>
-          </a:prstGeom>
-        </p:spPr>
-      </p:pic>
-      <p:pic>
-        <p:nvPicPr>
-          <p:cNvPr id="5" name="图片 4" descr="6]13714O(I6I4`]O78$]]MK"/>
           <p:cNvPicPr>
             <a:picLocks noChangeAspect="1"/>
           </p:cNvPicPr>
@@ -20628,6 +19979,31 @@
         </p:blipFill>
         <p:spPr>
           <a:xfrm>
+            <a:off x="1130300" y="1082675"/>
+            <a:ext cx="7343140" cy="2095500"/>
+          </a:xfrm>
+          <a:prstGeom prst="rect">
+            <a:avLst/>
+          </a:prstGeom>
+        </p:spPr>
+      </p:pic>
+      <p:pic>
+        <p:nvPicPr>
+          <p:cNvPr id="5" name="图片 4" descr="6]13714O(I6I4`]O78$]]MK"/>
+          <p:cNvPicPr>
+            <a:picLocks noChangeAspect="1"/>
+          </p:cNvPicPr>
+          <p:nvPr/>
+        </p:nvPicPr>
+        <p:blipFill>
+          <a:blip r:embed="rId3"/>
+          <a:srcRect/>
+          <a:stretch>
+            <a:fillRect/>
+          </a:stretch>
+        </p:blipFill>
+        <p:spPr>
+          <a:xfrm>
             <a:off x="1028700" y="4604385"/>
             <a:ext cx="7689215" cy="1950720"/>
           </a:xfrm>
@@ -20642,13 +20018,6 @@
     <a:masterClrMapping/>
   </p:clrMapOvr>
   <p:transition/>
-  <p:timing>
-    <p:tnLst>
-      <p:par>
-        <p:cTn id="1" dur="indefinite" restart="never" nodeType="tmRoot"/>
-      </p:par>
-    </p:tnLst>
-  </p:timing>
 </p:sld>
 </file>
 
@@ -20691,60 +20060,60 @@
           <a:p>
             <a:pPr eaLnBrk="1" hangingPunct="1"/>
             <a:r>
-              <a:rPr lang="en-US" altLang="zh-CN" sz="3200" dirty="0" err="1" smtClean="0">
+              <a:rPr lang="en-US" altLang="zh-CN" sz="3200" dirty="0" err="1">
                 <a:ea typeface="宋体" panose="02010600030101010101" pitchFamily="2" charset="-122"/>
               </a:rPr>
               <a:t>QuickVO</a:t>
             </a:r>
             <a:r>
-              <a:rPr lang="zh-CN" altLang="en-US" sz="3200" dirty="0" smtClean="0">
+              <a:rPr lang="zh-CN" altLang="en-US" sz="3200" dirty="0">
                 <a:ea typeface="宋体" panose="02010600030101010101" pitchFamily="2" charset="-122"/>
               </a:rPr>
               <a:t>生产</a:t>
             </a:r>
             <a:r>
-              <a:rPr lang="en-US" altLang="zh-CN" sz="3200" dirty="0" smtClean="0">
+              <a:rPr lang="en-US" altLang="zh-CN" sz="3200" dirty="0">
                 <a:ea typeface="宋体" panose="02010600030101010101" pitchFamily="2" charset="-122"/>
               </a:rPr>
               <a:t>VO</a:t>
             </a:r>
             <a:r>
-              <a:rPr lang="zh-CN" altLang="en-US" sz="3200" dirty="0" smtClean="0">
+              <a:rPr lang="zh-CN" altLang="en-US" sz="3200" dirty="0">
                 <a:ea typeface="宋体" panose="02010600030101010101" pitchFamily="2" charset="-122"/>
               </a:rPr>
               <a:t>工具</a:t>
             </a:r>
             <a:r>
-              <a:rPr lang="en-US" altLang="zh-CN" sz="3200" dirty="0" smtClean="0">
+              <a:rPr lang="en-US" altLang="zh-CN" sz="3200" dirty="0">
                 <a:ea typeface="宋体" panose="02010600030101010101" pitchFamily="2" charset="-122"/>
               </a:rPr>
               <a:t>:</a:t>
             </a:r>
             <a:r>
-              <a:rPr lang="zh-CN" altLang="en-US" sz="3200" dirty="0" smtClean="0">
+              <a:rPr lang="zh-CN" altLang="en-US" sz="3200" dirty="0">
                 <a:ea typeface="宋体" panose="02010600030101010101" pitchFamily="2" charset="-122"/>
               </a:rPr>
               <a:t>永远一键完事</a:t>
             </a:r>
             <a:r>
-              <a:rPr lang="en-US" altLang="zh-CN" sz="3200" dirty="0" smtClean="0">
+              <a:rPr lang="en-US" altLang="zh-CN" sz="3200" dirty="0">
                 <a:ea typeface="宋体" panose="02010600030101010101" pitchFamily="2" charset="-122"/>
               </a:rPr>
               <a:t>,</a:t>
             </a:r>
             <a:r>
-              <a:rPr lang="zh-CN" altLang="en-US" sz="3200" dirty="0" smtClean="0">
+              <a:rPr lang="zh-CN" altLang="en-US" sz="3200" dirty="0">
                 <a:ea typeface="宋体" panose="02010600030101010101" pitchFamily="2" charset="-122"/>
               </a:rPr>
               <a:t>够懒</a:t>
             </a:r>
             <a:r>
-              <a:rPr lang="en-US" altLang="zh-CN" sz="3200" dirty="0" smtClean="0">
+              <a:rPr lang="en-US" altLang="zh-CN" sz="3200" dirty="0">
                 <a:ea typeface="宋体" panose="02010600030101010101" pitchFamily="2" charset="-122"/>
               </a:rPr>
               <a:t>!</a:t>
             </a:r>
-            <a:endParaRPr lang="zh-CN" altLang="en-US" sz="3200" dirty="0" smtClean="0">
+            <a:endParaRPr lang="zh-CN" altLang="en-US" sz="3200" dirty="0">
               <a:ea typeface="宋体" panose="02010600030101010101" pitchFamily="2" charset="-122"/>
             </a:endParaRPr>
           </a:p>
@@ -20793,7 +20162,7 @@
           <p:nvPr/>
         </p:nvPicPr>
         <p:blipFill>
-          <a:blip r:embed="rId1"/>
+          <a:blip r:embed="rId2"/>
           <a:srcRect/>
           <a:stretch>
             <a:fillRect/>
@@ -20818,7 +20187,7 @@
           <p:nvPr/>
         </p:nvPicPr>
         <p:blipFill>
-          <a:blip r:embed="rId2"/>
+          <a:blip r:embed="rId3"/>
           <a:srcRect/>
           <a:stretch>
             <a:fillRect/>
@@ -20884,7 +20253,7 @@
               <a:buNone/>
             </a:pPr>
             <a:r>
-              <a:rPr kumimoji="0" lang="zh-CN" altLang="en-US" sz="1800" b="1" i="0" u="none" strike="noStrike" cap="none" normalizeH="0" baseline="0" dirty="0" smtClean="0">
+              <a:rPr kumimoji="0" lang="zh-CN" altLang="en-US" sz="1800" b="1" i="0" u="none" strike="noStrike" cap="none" normalizeH="0" baseline="0" dirty="0">
                 <a:ln>
                   <a:noFill/>
                 </a:ln>
@@ -20897,7 +20266,7 @@
               <a:t>配置好</a:t>
             </a:r>
             <a:r>
-              <a:rPr kumimoji="0" lang="en-US" altLang="zh-CN" sz="1800" b="1" i="0" u="none" strike="noStrike" cap="none" normalizeH="0" baseline="0" dirty="0" smtClean="0">
+              <a:rPr kumimoji="0" lang="en-US" altLang="zh-CN" sz="1800" b="1" i="0" u="none" strike="noStrike" cap="none" normalizeH="0" baseline="0" dirty="0">
                 <a:ln>
                   <a:noFill/>
                 </a:ln>
@@ -20910,18 +20279,13 @@
               <a:t>quickvo</a:t>
             </a:r>
             <a:r>
-              <a:rPr lang="en-US" altLang="zh-CN" dirty="0" smtClean="0">
+              <a:rPr lang="en-US" altLang="zh-CN" dirty="0">
                 <a:solidFill>
                   <a:srgbClr val="FF0000"/>
                 </a:solidFill>
               </a:rPr>
               <a:t>.xml,</a:t>
             </a:r>
-            <a:endParaRPr lang="en-US" altLang="zh-CN" dirty="0" smtClean="0">
-              <a:solidFill>
-                <a:srgbClr val="FF0000"/>
-              </a:solidFill>
-            </a:endParaRPr>
           </a:p>
           <a:p>
             <a:pPr marL="0" marR="0" indent="0" algn="l" defTabSz="914400" rtl="0" eaLnBrk="1" fontAlgn="base" latinLnBrk="0" hangingPunct="1">
@@ -20937,7 +20301,7 @@
               <a:buNone/>
             </a:pPr>
             <a:r>
-              <a:rPr lang="zh-CN" altLang="en-US" dirty="0" smtClean="0">
+              <a:rPr lang="zh-CN" altLang="en-US" dirty="0">
                 <a:solidFill>
                   <a:srgbClr val="FF0000"/>
                 </a:solidFill>
@@ -20945,18 +20309,13 @@
               <a:t>你永远不需要担心</a:t>
             </a:r>
             <a:r>
-              <a:rPr lang="en-US" altLang="zh-CN" dirty="0" smtClean="0">
+              <a:rPr lang="en-US" altLang="zh-CN" dirty="0">
                 <a:solidFill>
                   <a:srgbClr val="FF0000"/>
                 </a:solidFill>
               </a:rPr>
               <a:t>VO</a:t>
             </a:r>
-            <a:endParaRPr lang="en-US" altLang="zh-CN" dirty="0" smtClean="0">
-              <a:solidFill>
-                <a:srgbClr val="FF0000"/>
-              </a:solidFill>
-            </a:endParaRPr>
           </a:p>
           <a:p>
             <a:pPr marL="0" marR="0" indent="0" algn="l" defTabSz="914400" rtl="0" eaLnBrk="1" fontAlgn="base" latinLnBrk="0" hangingPunct="1">
@@ -20972,7 +20331,7 @@
               <a:buNone/>
             </a:pPr>
             <a:r>
-              <a:rPr kumimoji="0" lang="zh-CN" altLang="en-US" sz="1800" b="1" i="0" u="none" strike="noStrike" cap="none" normalizeH="0" baseline="0" dirty="0" smtClean="0">
+              <a:rPr kumimoji="0" lang="zh-CN" altLang="en-US" sz="1800" b="1" i="0" u="none" strike="noStrike" cap="none" normalizeH="0" baseline="0" dirty="0">
                 <a:ln>
                   <a:noFill/>
                 </a:ln>
@@ -20984,7 +20343,7 @@
               </a:rPr>
               <a:t>被覆盖，更不需要去</a:t>
             </a:r>
-            <a:endParaRPr kumimoji="0" lang="en-US" altLang="zh-CN" sz="1800" b="1" i="0" u="none" strike="noStrike" cap="none" normalizeH="0" baseline="0" dirty="0" smtClean="0">
+            <a:endParaRPr kumimoji="0" lang="en-US" altLang="zh-CN" sz="1800" b="1" i="0" u="none" strike="noStrike" cap="none" normalizeH="0" baseline="0" dirty="0">
               <a:ln>
                 <a:noFill/>
               </a:ln>
@@ -21009,7 +20368,7 @@
               <a:buNone/>
             </a:pPr>
             <a:r>
-              <a:rPr kumimoji="0" lang="zh-CN" altLang="en-US" sz="1800" b="1" i="0" u="none" strike="noStrike" cap="none" normalizeH="0" baseline="0" dirty="0" smtClean="0">
+              <a:rPr kumimoji="0" lang="zh-CN" altLang="en-US" sz="1800" b="1" i="0" u="none" strike="noStrike" cap="none" normalizeH="0" baseline="0" dirty="0">
                 <a:ln>
                   <a:noFill/>
                 </a:ln>
@@ -21021,7 +20380,7 @@
               </a:rPr>
               <a:t>手工修改</a:t>
             </a:r>
-            <a:endParaRPr kumimoji="0" lang="en-US" altLang="zh-CN" sz="1800" b="1" i="0" u="none" strike="noStrike" cap="none" normalizeH="0" baseline="0" dirty="0" smtClean="0">
+            <a:endParaRPr kumimoji="0" lang="en-US" altLang="zh-CN" sz="1800" b="1" i="0" u="none" strike="noStrike" cap="none" normalizeH="0" baseline="0" dirty="0">
               <a:ln>
                 <a:noFill/>
               </a:ln>
@@ -21046,7 +20405,7 @@
               <a:buNone/>
             </a:pPr>
             <a:r>
-              <a:rPr lang="zh-CN" altLang="en-US" dirty="0" smtClean="0">
+              <a:rPr lang="zh-CN" altLang="en-US" dirty="0">
                 <a:solidFill>
                   <a:srgbClr val="FF0000"/>
                 </a:solidFill>
@@ -21054,7 +20413,7 @@
               </a:rPr>
               <a:t>（最忌讳的就是</a:t>
             </a:r>
-            <a:endParaRPr lang="en-US" altLang="zh-CN" dirty="0" smtClean="0">
+            <a:endParaRPr lang="en-US" altLang="zh-CN" dirty="0">
               <a:solidFill>
                 <a:srgbClr val="FF0000"/>
               </a:solidFill>
@@ -21075,7 +20434,7 @@
               <a:buNone/>
             </a:pPr>
             <a:r>
-              <a:rPr lang="en-US" altLang="zh-CN" dirty="0" smtClean="0">
+              <a:rPr lang="en-US" altLang="zh-CN" dirty="0">
                 <a:solidFill>
                   <a:srgbClr val="FF0000"/>
                 </a:solidFill>
@@ -21084,7 +20443,7 @@
               <a:t>Hibernate</a:t>
             </a:r>
             <a:r>
-              <a:rPr lang="zh-CN" altLang="en-US" dirty="0" smtClean="0">
+              <a:rPr lang="zh-CN" altLang="en-US" dirty="0">
                 <a:solidFill>
                   <a:srgbClr val="FF0000"/>
                 </a:solidFill>
@@ -21092,7 +20451,7 @@
               </a:rPr>
               <a:t>，如果主键</a:t>
             </a:r>
-            <a:endParaRPr lang="en-US" altLang="zh-CN" dirty="0" smtClean="0">
+            <a:endParaRPr lang="en-US" altLang="zh-CN" dirty="0">
               <a:solidFill>
                 <a:srgbClr val="FF0000"/>
               </a:solidFill>
@@ -21113,7 +20472,7 @@
               <a:buNone/>
             </a:pPr>
             <a:r>
-              <a:rPr lang="zh-CN" altLang="en-US" dirty="0" smtClean="0">
+              <a:rPr lang="zh-CN" altLang="en-US" dirty="0">
                 <a:solidFill>
                   <a:srgbClr val="FF0000"/>
                 </a:solidFill>
@@ -21122,7 +20481,7 @@
               <a:t>是</a:t>
             </a:r>
             <a:r>
-              <a:rPr lang="en-US" altLang="zh-CN" dirty="0" smtClean="0">
+              <a:rPr lang="en-US" altLang="zh-CN" dirty="0">
                 <a:solidFill>
                   <a:srgbClr val="FF0000"/>
                 </a:solidFill>
@@ -21131,7 +20490,7 @@
               <a:t>Sequence</a:t>
             </a:r>
             <a:r>
-              <a:rPr lang="zh-CN" altLang="en-US" dirty="0" smtClean="0">
+              <a:rPr lang="zh-CN" altLang="en-US" dirty="0">
                 <a:solidFill>
                   <a:srgbClr val="FF0000"/>
                 </a:solidFill>
@@ -21139,7 +20498,7 @@
               </a:rPr>
               <a:t>，每次生</a:t>
             </a:r>
-            <a:endParaRPr lang="en-US" altLang="zh-CN" dirty="0" smtClean="0">
+            <a:endParaRPr lang="en-US" altLang="zh-CN" dirty="0">
               <a:solidFill>
                 <a:srgbClr val="FF0000"/>
               </a:solidFill>
@@ -21160,7 +20519,7 @@
               <a:buNone/>
             </a:pPr>
             <a:r>
-              <a:rPr lang="zh-CN" altLang="en-US" dirty="0" smtClean="0">
+              <a:rPr lang="zh-CN" altLang="en-US" dirty="0">
                 <a:solidFill>
                   <a:srgbClr val="FF0000"/>
                 </a:solidFill>
@@ -21168,7 +20527,7 @@
               </a:rPr>
               <a:t>成还得重新修改）</a:t>
             </a:r>
-            <a:endParaRPr kumimoji="0" lang="zh-CN" altLang="en-US" sz="1800" b="1" i="0" u="none" strike="noStrike" cap="none" normalizeH="0" baseline="0" dirty="0" smtClean="0">
+            <a:endParaRPr kumimoji="0" lang="zh-CN" altLang="en-US" sz="1800" b="1" i="0" u="none" strike="noStrike" cap="none" normalizeH="0" baseline="0" dirty="0">
               <a:ln>
                 <a:noFill/>
               </a:ln>
@@ -21187,13 +20546,6 @@
     <a:masterClrMapping/>
   </p:clrMapOvr>
   <p:transition/>
-  <p:timing>
-    <p:tnLst>
-      <p:par>
-        <p:cTn id="1" dur="indefinite" restart="never" nodeType="tmRoot"/>
-      </p:par>
-    </p:tnLst>
-  </p:timing>
 </p:sld>
 </file>
 
@@ -21236,7 +20588,7 @@
           <a:p>
             <a:pPr eaLnBrk="1" hangingPunct="1"/>
             <a:r>
-              <a:rPr lang="en-US" altLang="zh-CN" sz="3200" dirty="0" smtClean="0">
+              <a:rPr lang="en-US" altLang="zh-CN" sz="3200" dirty="0">
                 <a:ea typeface="宋体" panose="02010600030101010101" pitchFamily="2" charset="-122"/>
               </a:rPr>
               <a:t>SqlToy-ORM</a:t>
@@ -21245,33 +20597,27 @@
               <a:rPr lang="zh-CN" altLang="en-US" sz="3200" dirty="0">
                 <a:ea typeface="宋体" panose="02010600030101010101" pitchFamily="2" charset="-122"/>
               </a:rPr>
-              <a:t>必</a:t>
-            </a:r>
-            <a:r>
-              <a:rPr lang="zh-CN" altLang="en-US" sz="3200" dirty="0" smtClean="0">
+              <a:t>必杀技之一</a:t>
+            </a:r>
+            <a:r>
+              <a:rPr lang="en-US" altLang="zh-CN" sz="3200" dirty="0">
                 <a:ea typeface="宋体" panose="02010600030101010101" pitchFamily="2" charset="-122"/>
               </a:rPr>
-              <a:t>杀技之一</a:t>
-            </a:r>
-            <a:r>
-              <a:rPr lang="en-US" altLang="zh-CN" sz="3200" dirty="0" smtClean="0">
+              <a:t>:</a:t>
+            </a:r>
+            <a:r>
+              <a:rPr lang="zh-CN" altLang="en-US" sz="3200" dirty="0">
                 <a:ea typeface="宋体" panose="02010600030101010101" pitchFamily="2" charset="-122"/>
               </a:rPr>
-              <a:t>:</a:t>
-            </a:r>
-            <a:r>
-              <a:rPr lang="zh-CN" altLang="en-US" sz="3200" dirty="0" smtClean="0">
+              <a:t>立足之本极简</a:t>
+            </a:r>
+            <a:r>
+              <a:rPr lang="en-US" altLang="zh-CN" sz="3200" dirty="0" err="1">
                 <a:ea typeface="宋体" panose="02010600030101010101" pitchFamily="2" charset="-122"/>
               </a:rPr>
-              <a:t>立足之本极简</a:t>
-            </a:r>
-            <a:r>
-              <a:rPr lang="en-US" altLang="zh-CN" sz="3200" dirty="0" err="1" smtClean="0">
-                <a:ea typeface="宋体" panose="02010600030101010101" pitchFamily="2" charset="-122"/>
-              </a:rPr>
               <a:t>sql</a:t>
             </a:r>
-            <a:endParaRPr lang="zh-CN" altLang="en-US" sz="3200" dirty="0" smtClean="0">
+            <a:endParaRPr lang="zh-CN" altLang="en-US" sz="3200" dirty="0">
               <a:ea typeface="宋体" panose="02010600030101010101" pitchFamily="2" charset="-122"/>
             </a:endParaRPr>
           </a:p>
@@ -21536,30 +20882,20 @@
                 <a:latin typeface="+mn-lt"/>
                 <a:ea typeface="宋体" panose="02010600030101010101" pitchFamily="2" charset="-122"/>
               </a:rPr>
-              <a:t>实现（简洁明了</a:t>
-            </a:r>
-            <a:r>
-              <a:rPr lang="zh-CN" altLang="en-US" kern="0" dirty="0" smtClean="0">
+              <a:t>实现（简洁明了）</a:t>
+            </a:r>
+            <a:r>
+              <a:rPr lang="en-US" altLang="zh-CN" kern="0" dirty="0">
                 <a:solidFill>
                   <a:srgbClr val="FF6699"/>
                 </a:solidFill>
                 <a:latin typeface="+mn-lt"/>
                 <a:ea typeface="宋体" panose="02010600030101010101" pitchFamily="2" charset="-122"/>
               </a:rPr>
-              <a:t>）</a:t>
-            </a:r>
-            <a:r>
-              <a:rPr lang="en-US" altLang="zh-CN" kern="0" dirty="0" smtClean="0">
-                <a:solidFill>
-                  <a:srgbClr val="FF6699"/>
-                </a:solidFill>
-                <a:latin typeface="+mn-lt"/>
-                <a:ea typeface="宋体" panose="02010600030101010101" pitchFamily="2" charset="-122"/>
-              </a:rPr>
               <a:t>,</a:t>
             </a:r>
             <a:r>
-              <a:rPr lang="zh-CN" altLang="en-US" kern="0" dirty="0" smtClean="0">
+              <a:rPr lang="zh-CN" altLang="en-US" kern="0" dirty="0">
                 <a:solidFill>
                   <a:srgbClr val="FF6699"/>
                 </a:solidFill>
@@ -21605,7 +20941,7 @@
           <p:nvPr/>
         </p:nvPicPr>
         <p:blipFill>
-          <a:blip r:embed="rId1" cstate="print"/>
+          <a:blip r:embed="rId2" cstate="print"/>
           <a:srcRect/>
           <a:stretch>
             <a:fillRect/>
@@ -21637,7 +20973,7 @@
           <p:nvPr/>
         </p:nvPicPr>
         <p:blipFill>
-          <a:blip r:embed="rId2" cstate="print"/>
+          <a:blip r:embed="rId3" cstate="print"/>
           <a:srcRect/>
           <a:stretch>
             <a:fillRect/>
@@ -21666,13 +21002,6 @@
     <a:masterClrMapping/>
   </p:clrMapOvr>
   <p:transition/>
-  <p:timing>
-    <p:tnLst>
-      <p:par>
-        <p:cTn id="1" dur="indefinite" restart="never" nodeType="tmRoot"/>
-      </p:par>
-    </p:tnLst>
-  </p:timing>
 </p:sld>
 </file>
 
@@ -22415,6 +21744,8 @@
       </a:bgFillStyleLst>
     </a:fmtScheme>
   </a:themeElements>
+  <a:objectDefaults/>
+  <a:extraClrSchemeLst/>
   <a:extLst>
     <a:ext uri="{05A4C25C-085E-4340-85A3-A5531E510DB2}">
       <thm15:themeFamily xmlns:thm15="http://schemas.microsoft.com/office/thememl/2012/main" name="Office Theme" id="{62F939B6-93AF-4DB8-9C6B-D6C7DFDC589F}" vid="{4A3C46E8-61CC-4603-A589-7422A47A8E4A}"/>
@@ -22701,6 +22032,8 @@
       </a:bgFillStyleLst>
     </a:fmtScheme>
   </a:themeElements>
+  <a:objectDefaults/>
+  <a:extraClrSchemeLst/>
   <a:extLst>
     <a:ext uri="{05A4C25C-085E-4340-85A3-A5531E510DB2}">
       <thm15:themeFamily xmlns:thm15="http://schemas.microsoft.com/office/thememl/2012/main" name="Office Theme" id="{62F939B6-93AF-4DB8-9C6B-D6C7DFDC589F}" vid="{4A3C46E8-61CC-4603-A589-7422A47A8E4A}"/>
